--- a/kubernetes/11_3_morePods_Sheduling_and_Gardener.pptx
+++ b/kubernetes/11_3_morePods_Sheduling_and_Gardener.pptx
@@ -5,10 +5,10 @@
     <p:sldMasterId id="2147483733" r:id="rId1"/>
   </p:sldMasterIdLst>
   <p:notesMasterIdLst>
-    <p:notesMasterId r:id="rId27"/>
+    <p:notesMasterId r:id="rId29"/>
   </p:notesMasterIdLst>
   <p:handoutMasterIdLst>
-    <p:handoutMasterId r:id="rId28"/>
+    <p:handoutMasterId r:id="rId30"/>
   </p:handoutMasterIdLst>
   <p:sldIdLst>
     <p:sldId id="476" r:id="rId2"/>
@@ -17,25 +17,27 @@
     <p:sldId id="433" r:id="rId5"/>
     <p:sldId id="450" r:id="rId6"/>
     <p:sldId id="462" r:id="rId7"/>
-    <p:sldId id="475" r:id="rId8"/>
-    <p:sldId id="956" r:id="rId9"/>
-    <p:sldId id="957" r:id="rId10"/>
-    <p:sldId id="958" r:id="rId11"/>
-    <p:sldId id="463" r:id="rId12"/>
-    <p:sldId id="955" r:id="rId13"/>
-    <p:sldId id="950" r:id="rId14"/>
-    <p:sldId id="951" r:id="rId15"/>
-    <p:sldId id="932" r:id="rId16"/>
-    <p:sldId id="952" r:id="rId17"/>
-    <p:sldId id="953" r:id="rId18"/>
-    <p:sldId id="961" r:id="rId19"/>
-    <p:sldId id="470" r:id="rId20"/>
-    <p:sldId id="457" r:id="rId21"/>
-    <p:sldId id="456" r:id="rId22"/>
-    <p:sldId id="468" r:id="rId23"/>
-    <p:sldId id="954" r:id="rId24"/>
-    <p:sldId id="931" r:id="rId25"/>
-    <p:sldId id="265" r:id="rId26"/>
+    <p:sldId id="962" r:id="rId8"/>
+    <p:sldId id="963" r:id="rId9"/>
+    <p:sldId id="475" r:id="rId10"/>
+    <p:sldId id="956" r:id="rId11"/>
+    <p:sldId id="957" r:id="rId12"/>
+    <p:sldId id="958" r:id="rId13"/>
+    <p:sldId id="463" r:id="rId14"/>
+    <p:sldId id="955" r:id="rId15"/>
+    <p:sldId id="950" r:id="rId16"/>
+    <p:sldId id="951" r:id="rId17"/>
+    <p:sldId id="932" r:id="rId18"/>
+    <p:sldId id="952" r:id="rId19"/>
+    <p:sldId id="953" r:id="rId20"/>
+    <p:sldId id="961" r:id="rId21"/>
+    <p:sldId id="470" r:id="rId22"/>
+    <p:sldId id="457" r:id="rId23"/>
+    <p:sldId id="456" r:id="rId24"/>
+    <p:sldId id="468" r:id="rId25"/>
+    <p:sldId id="954" r:id="rId26"/>
+    <p:sldId id="931" r:id="rId27"/>
+    <p:sldId id="265" r:id="rId28"/>
   </p:sldIdLst>
   <p:sldSz cx="12195175" cy="6858000"/>
   <p:notesSz cx="6858000" cy="9144000"/>
@@ -3309,10 +3311,93 @@
         </p:nvSpPr>
         <p:spPr/>
         <p:txBody>
-          <a:bodyPr/>
+          <a:bodyPr>
+            <a:normAutofit fontScale="85000" lnSpcReduction="20000"/>
+          </a:bodyPr>
           <a:lstStyle/>
           <a:p>
+            <a:r>
+              <a:rPr lang="en-US" dirty="0"/>
+              <a:t>About controller &amp; the operator pattern:</a:t>
+            </a:r>
+          </a:p>
+          <a:p>
+            <a:r>
+              <a:rPr lang="en-US" dirty="0"/>
+              <a:t>In the beginning of our course we said: “Kubernetes is extensible”. You cannot only bring your workloads into container and onto Kubernetes, you can also enhance the way Kubernetes is working. We start with the simplest way of doing so – writing a “controller” or “operator”. It basically consists of 3 logical parts:</a:t>
+            </a:r>
+          </a:p>
+          <a:p>
+            <a:pPr marL="342900" indent="-342900">
+              <a:buAutoNum type="arabicParenR"/>
+            </a:pPr>
+            <a:r>
+              <a:rPr lang="en-US" dirty="0"/>
+              <a:t>Observe - write a control loop, checking certain objects for their state.</a:t>
+            </a:r>
+          </a:p>
+          <a:p>
+            <a:pPr marL="342900" indent="-342900">
+              <a:buAutoNum type="arabicParenR"/>
+            </a:pPr>
+            <a:r>
+              <a:rPr lang="en-US" dirty="0"/>
+              <a:t>Analyze – check the current state against a desired state (may be stored in a different resource, outside of the cluster, hardcoded, …) </a:t>
+            </a:r>
+          </a:p>
+          <a:p>
+            <a:pPr marL="342900" indent="-342900">
+              <a:buAutoNum type="arabicParenR"/>
+            </a:pPr>
+            <a:r>
+              <a:rPr lang="en-US" dirty="0"/>
+              <a:t>Action – if there’s a difference between desired &amp; current state, the controller should act and trigger a defined action to bring the observed objects into the desired state</a:t>
+            </a:r>
+          </a:p>
+          <a:p>
             <a:endParaRPr lang="en-US" dirty="0"/>
+          </a:p>
+          <a:p>
+            <a:r>
+              <a:rPr lang="en-US" dirty="0"/>
+              <a:t>Lets combine the controller/operator with another powerful mechanism in the K8s realm: “Custom Resource Definition/Object” API (CRD / CRO)</a:t>
+            </a:r>
+          </a:p>
+          <a:p>
+            <a:r>
+              <a:rPr lang="en-US" dirty="0"/>
+              <a:t>CRDs allow you to specify your own objects and integrate them with the K8s API (like a deployment or PVC). Once you defined a CRD, you can start to create objects of that type. But only if you have an operator watching for these objects, something will happen.</a:t>
+            </a:r>
+          </a:p>
+          <a:p>
+            <a:endParaRPr lang="en-US" dirty="0"/>
+          </a:p>
+          <a:p>
+            <a:r>
+              <a:rPr lang="en-US" dirty="0"/>
+              <a:t>Example:</a:t>
+            </a:r>
+          </a:p>
+          <a:p>
+            <a:r>
+              <a:rPr lang="en-US" dirty="0"/>
+              <a:t>You want to run a distributed database on K8s. The actual instances are wrapped into a deployment. However for actions like backup or scaling, you would need to logon to each pod and prepare it manually. A possible solution would be to put scripts into the container images and trigger them. But it still is a manual action to trigger. </a:t>
+            </a:r>
+          </a:p>
+          <a:p>
+            <a:r>
+              <a:rPr lang="en-US" dirty="0"/>
+              <a:t>Instead writing a controller, that watch for certain annotations in the resources metadata is a very valid option. The controller could not only process the action associated with these annotations but also update them.</a:t>
+            </a:r>
+          </a:p>
+          <a:p>
+            <a:endParaRPr lang="en-US" dirty="0"/>
+          </a:p>
+          <a:p>
+            <a:r>
+              <a:rPr lang="en-US" dirty="0"/>
+              <a:t>A slightly different approach would be to go with an API extension via CRD. Define a representation of your database as a custom resource definition and write an operator that observes/analyzes/acts on objects of this type. </a:t>
+            </a:r>
           </a:p>
         </p:txBody>
       </p:sp>
@@ -3332,18 +3417,18 @@
           <a:lstStyle/>
           <a:p>
             <a:fld id="{7D8C2C35-2B8A-446E-BEC0-FD36716C29AC}" type="slidenum">
-              <a:rPr lang="en-US" smtClean="0"/>
+              <a:rPr lang="de-DE" smtClean="0"/>
               <a:pPr/>
-              <a:t>12</a:t>
+              <a:t>11</a:t>
             </a:fld>
-            <a:endParaRPr lang="en-US" dirty="0"/>
+            <a:endParaRPr lang="de-DE" dirty="0"/>
           </a:p>
         </p:txBody>
       </p:sp>
     </p:spTree>
     <p:extLst>
       <p:ext uri="{BB962C8B-B14F-4D97-AF65-F5344CB8AC3E}">
-        <p14:creationId xmlns:p14="http://schemas.microsoft.com/office/powerpoint/2010/main" val="3965478118"/>
+        <p14:creationId xmlns:p14="http://schemas.microsoft.com/office/powerpoint/2010/main" val="373502214"/>
       </p:ext>
     </p:extLst>
   </p:cSld>
@@ -3394,46 +3479,339 @@
         </p:nvSpPr>
         <p:spPr/>
         <p:txBody>
-          <a:bodyPr/>
+          <a:bodyPr>
+            <a:normAutofit lnSpcReduction="10000"/>
+          </a:bodyPr>
           <a:lstStyle/>
           <a:p>
-            <a:r>
-              <a:rPr lang="en-US" dirty="0"/>
-              <a:t>Gardener is SAP’s solution for managed </a:t>
-            </a:r>
-            <a:r>
-              <a:rPr lang="en-US" dirty="0" err="1"/>
-              <a:t>kubernetes</a:t>
-            </a:r>
-            <a:r>
-              <a:rPr lang="en-US" dirty="0"/>
-              <a:t> cluster. It is open source &amp; completely available on </a:t>
-            </a:r>
-            <a:r>
-              <a:rPr lang="en-US" dirty="0" err="1"/>
-              <a:t>github</a:t>
-            </a:r>
-            <a:r>
-              <a:rPr lang="en-US" dirty="0"/>
-              <a:t>: https://github.com/gardener/gardener/ </a:t>
-            </a:r>
-          </a:p>
-          <a:p>
-            <a:endParaRPr lang="en-US" dirty="0"/>
-          </a:p>
-          <a:p>
-            <a:r>
-              <a:rPr lang="en-US" dirty="0"/>
-              <a:t>Show internal landing page: https://github.wdf.sap.corp/pages/kubernetes/gardener/ including blog &amp; help section</a:t>
-            </a:r>
-          </a:p>
-          <a:p>
-            <a:endParaRPr lang="en-US" dirty="0"/>
-          </a:p>
-          <a:p>
-            <a:r>
-              <a:rPr lang="en-US" dirty="0"/>
-              <a:t>Jam Group Kubernetes Clusters as a Service in SAP Cloud Platform: https://jam4.sapjam.com/groups/Niq7TSBxLlzgb3nroBZJVx/overview_page/e9uqTDxXBRFbk7FJXEA4Cd</a:t>
+            <a:pPr marL="285750" marR="0" lvl="0" indent="-285750" algn="l" defTabSz="1088776" rtl="0" eaLnBrk="1" fontAlgn="auto" latinLnBrk="0" hangingPunct="1">
+              <a:lnSpc>
+                <a:spcPct val="100000"/>
+              </a:lnSpc>
+              <a:spcBef>
+                <a:spcPts val="0"/>
+              </a:spcBef>
+              <a:spcAft>
+                <a:spcPts val="0"/>
+              </a:spcAft>
+              <a:buClrTx/>
+              <a:buSzTx/>
+              <a:buFontTx/>
+              <a:buChar char="-"/>
+              <a:tabLst/>
+              <a:defRPr/>
+            </a:pPr>
+            <a:r>
+              <a:rPr lang="en-US" baseline="0" dirty="0"/>
+              <a:t>Optionally you can show this demo</a:t>
+            </a:r>
+          </a:p>
+          <a:p>
+            <a:pPr marL="285750" marR="0" lvl="0" indent="-285750" algn="l" defTabSz="1088776" rtl="0" eaLnBrk="1" fontAlgn="auto" latinLnBrk="0" hangingPunct="1">
+              <a:lnSpc>
+                <a:spcPct val="100000"/>
+              </a:lnSpc>
+              <a:spcBef>
+                <a:spcPts val="0"/>
+              </a:spcBef>
+              <a:spcAft>
+                <a:spcPts val="0"/>
+              </a:spcAft>
+              <a:buClrTx/>
+              <a:buSzTx/>
+              <a:buFontTx/>
+              <a:buChar char="-"/>
+              <a:tabLst/>
+              <a:defRPr/>
+            </a:pPr>
+            <a:r>
+              <a:rPr lang="en-US" baseline="0" dirty="0"/>
+              <a:t>Firstly, try to create the custom resource object (09_cro.yaml). It will fail, as the cluster </a:t>
+            </a:r>
+            <a:r>
+              <a:rPr lang="en-US" baseline="0" dirty="0" err="1"/>
+              <a:t>api</a:t>
+            </a:r>
+            <a:r>
+              <a:rPr lang="en-US" baseline="0" dirty="0"/>
+              <a:t> doesn’t know about this resource type</a:t>
+            </a:r>
+          </a:p>
+          <a:p>
+            <a:pPr marL="285750" marR="0" lvl="0" indent="-285750" algn="l" defTabSz="1088776" rtl="0" eaLnBrk="1" fontAlgn="auto" latinLnBrk="0" hangingPunct="1">
+              <a:lnSpc>
+                <a:spcPct val="100000"/>
+              </a:lnSpc>
+              <a:spcBef>
+                <a:spcPts val="0"/>
+              </a:spcBef>
+              <a:spcAft>
+                <a:spcPts val="0"/>
+              </a:spcAft>
+              <a:buClrTx/>
+              <a:buSzTx/>
+              <a:buFontTx/>
+              <a:buChar char="-"/>
+              <a:tabLst/>
+              <a:defRPr/>
+            </a:pPr>
+            <a:r>
+              <a:rPr lang="en-US" baseline="0" dirty="0"/>
+              <a:t>Create the custom resource definition (09_crd.yaml). Show the </a:t>
+            </a:r>
+            <a:r>
+              <a:rPr lang="en-US" baseline="0" dirty="0" err="1"/>
+              <a:t>yaml</a:t>
+            </a:r>
+            <a:r>
+              <a:rPr lang="en-US" baseline="0" dirty="0"/>
+              <a:t> and explain the spec</a:t>
+            </a:r>
+          </a:p>
+          <a:p>
+            <a:pPr marL="465750" marR="0" lvl="1" indent="-285750" algn="l" defTabSz="1088776" rtl="0" eaLnBrk="1" fontAlgn="auto" latinLnBrk="0" hangingPunct="1">
+              <a:lnSpc>
+                <a:spcPct val="100000"/>
+              </a:lnSpc>
+              <a:spcBef>
+                <a:spcPts val="0"/>
+              </a:spcBef>
+              <a:spcAft>
+                <a:spcPts val="0"/>
+              </a:spcAft>
+              <a:buClrTx/>
+              <a:buSzTx/>
+              <a:buFontTx/>
+              <a:buChar char="-"/>
+              <a:tabLst/>
+              <a:defRPr/>
+            </a:pPr>
+            <a:r>
+              <a:rPr lang="en-US" baseline="0" dirty="0"/>
+              <a:t>Group: this is path in the </a:t>
+            </a:r>
+            <a:r>
+              <a:rPr lang="en-US" baseline="0" dirty="0" err="1"/>
+              <a:t>api</a:t>
+            </a:r>
+            <a:r>
+              <a:rPr lang="en-US" baseline="0" dirty="0"/>
+              <a:t> (like apps or apiextensions.k8s.io)</a:t>
+            </a:r>
+          </a:p>
+          <a:p>
+            <a:pPr marL="465750" marR="0" lvl="1" indent="-285750" algn="l" defTabSz="1088776" rtl="0" eaLnBrk="1" fontAlgn="auto" latinLnBrk="0" hangingPunct="1">
+              <a:lnSpc>
+                <a:spcPct val="100000"/>
+              </a:lnSpc>
+              <a:spcBef>
+                <a:spcPts val="0"/>
+              </a:spcBef>
+              <a:spcAft>
+                <a:spcPts val="0"/>
+              </a:spcAft>
+              <a:buClrTx/>
+              <a:buSzTx/>
+              <a:buFontTx/>
+              <a:buChar char="-"/>
+              <a:tabLst/>
+              <a:defRPr/>
+            </a:pPr>
+            <a:r>
+              <a:rPr lang="en-US" baseline="0" dirty="0"/>
+              <a:t>Version: version of the </a:t>
+            </a:r>
+            <a:r>
+              <a:rPr lang="en-US" baseline="0" dirty="0" err="1"/>
+              <a:t>api</a:t>
+            </a:r>
+            <a:r>
+              <a:rPr lang="en-US" baseline="0" dirty="0"/>
+              <a:t> objects in this group (like v1 or v1beta1)</a:t>
+            </a:r>
+          </a:p>
+          <a:p>
+            <a:pPr marL="465750" marR="0" lvl="1" indent="-285750" algn="l" defTabSz="1088776" rtl="0" eaLnBrk="1" fontAlgn="auto" latinLnBrk="0" hangingPunct="1">
+              <a:lnSpc>
+                <a:spcPct val="100000"/>
+              </a:lnSpc>
+              <a:spcBef>
+                <a:spcPts val="0"/>
+              </a:spcBef>
+              <a:spcAft>
+                <a:spcPts val="0"/>
+              </a:spcAft>
+              <a:buClrTx/>
+              <a:buSzTx/>
+              <a:buFontTx/>
+              <a:buChar char="-"/>
+              <a:tabLst/>
+              <a:defRPr/>
+            </a:pPr>
+            <a:r>
+              <a:rPr lang="en-US" baseline="0" dirty="0"/>
+              <a:t>Scope: objects can exist within a namespace like pods or outside like nodes</a:t>
+            </a:r>
+          </a:p>
+          <a:p>
+            <a:pPr marL="465750" marR="0" lvl="1" indent="-285750" algn="l" defTabSz="1088776" rtl="0" eaLnBrk="1" fontAlgn="auto" latinLnBrk="0" hangingPunct="1">
+              <a:lnSpc>
+                <a:spcPct val="100000"/>
+              </a:lnSpc>
+              <a:spcBef>
+                <a:spcPts val="0"/>
+              </a:spcBef>
+              <a:spcAft>
+                <a:spcPts val="0"/>
+              </a:spcAft>
+              <a:buClrTx/>
+              <a:buSzTx/>
+              <a:buFontTx/>
+              <a:buChar char="-"/>
+              <a:tabLst/>
+              <a:defRPr/>
+            </a:pPr>
+            <a:r>
+              <a:rPr lang="en-US" baseline="0" dirty="0"/>
+              <a:t>Names: names for the object, can also include a short version like </a:t>
+            </a:r>
+            <a:r>
+              <a:rPr lang="en-US" baseline="0" dirty="0" err="1"/>
+              <a:t>pvc</a:t>
+            </a:r>
+            <a:r>
+              <a:rPr lang="en-US" baseline="0" dirty="0"/>
+              <a:t> for </a:t>
+            </a:r>
+            <a:r>
+              <a:rPr lang="en-US" baseline="0" dirty="0" err="1"/>
+              <a:t>persistentvolumeclaim</a:t>
+            </a:r>
+            <a:endParaRPr lang="en-US" baseline="0" dirty="0"/>
+          </a:p>
+          <a:p>
+            <a:pPr marL="465750" marR="0" lvl="1" indent="-285750" algn="l" defTabSz="1088776" rtl="0" eaLnBrk="1" fontAlgn="auto" latinLnBrk="0" hangingPunct="1">
+              <a:lnSpc>
+                <a:spcPct val="100000"/>
+              </a:lnSpc>
+              <a:spcBef>
+                <a:spcPts val="0"/>
+              </a:spcBef>
+              <a:spcAft>
+                <a:spcPts val="0"/>
+              </a:spcAft>
+              <a:buClrTx/>
+              <a:buSzTx/>
+              <a:buFontTx/>
+              <a:buChar char="-"/>
+              <a:tabLst/>
+              <a:defRPr/>
+            </a:pPr>
+            <a:r>
+              <a:rPr lang="en-US" baseline="0" dirty="0"/>
+              <a:t>Validation: this is the definition of the objects structure and how to validate it. The example requires the training object with properties name and participants</a:t>
+            </a:r>
+          </a:p>
+          <a:p>
+            <a:pPr marL="465750" marR="0" lvl="1" indent="-285750" algn="l" defTabSz="1088776" rtl="0" eaLnBrk="1" fontAlgn="auto" latinLnBrk="0" hangingPunct="1">
+              <a:lnSpc>
+                <a:spcPct val="100000"/>
+              </a:lnSpc>
+              <a:spcBef>
+                <a:spcPts val="0"/>
+              </a:spcBef>
+              <a:spcAft>
+                <a:spcPts val="0"/>
+              </a:spcAft>
+              <a:buClrTx/>
+              <a:buSzTx/>
+              <a:buFontTx/>
+              <a:buChar char="-"/>
+              <a:tabLst/>
+              <a:defRPr/>
+            </a:pPr>
+            <a:endParaRPr lang="en-US" baseline="0" dirty="0"/>
+          </a:p>
+          <a:p>
+            <a:pPr marL="180000" marR="0" lvl="1" indent="0" algn="l" defTabSz="1088776" rtl="0" eaLnBrk="1" fontAlgn="auto" latinLnBrk="0" hangingPunct="1">
+              <a:lnSpc>
+                <a:spcPct val="100000"/>
+              </a:lnSpc>
+              <a:spcBef>
+                <a:spcPts val="0"/>
+              </a:spcBef>
+              <a:spcAft>
+                <a:spcPts val="0"/>
+              </a:spcAft>
+              <a:buClrTx/>
+              <a:buSzTx/>
+              <a:buFontTx/>
+              <a:buNone/>
+              <a:tabLst/>
+              <a:defRPr/>
+            </a:pPr>
+            <a:r>
+              <a:rPr lang="en-US" baseline="0" dirty="0"/>
+              <a:t>To move on one could write an operator, that could create namespaces based on course objects.</a:t>
+            </a:r>
+          </a:p>
+          <a:p>
+            <a:pPr marL="180000" marR="0" lvl="1" indent="0" algn="l" defTabSz="1088776" rtl="0" eaLnBrk="1" fontAlgn="auto" latinLnBrk="0" hangingPunct="1">
+              <a:lnSpc>
+                <a:spcPct val="100000"/>
+              </a:lnSpc>
+              <a:spcBef>
+                <a:spcPts val="0"/>
+              </a:spcBef>
+              <a:spcAft>
+                <a:spcPts val="0"/>
+              </a:spcAft>
+              <a:buClrTx/>
+              <a:buSzTx/>
+              <a:buFontTx/>
+              <a:buNone/>
+              <a:tabLst/>
+              <a:defRPr/>
+            </a:pPr>
+            <a:endParaRPr lang="en-US" baseline="0" dirty="0"/>
+          </a:p>
+          <a:p>
+            <a:pPr marL="180000" marR="0" lvl="1" indent="0" algn="l" defTabSz="1088776" rtl="0" eaLnBrk="1" fontAlgn="auto" latinLnBrk="0" hangingPunct="1">
+              <a:lnSpc>
+                <a:spcPct val="100000"/>
+              </a:lnSpc>
+              <a:spcBef>
+                <a:spcPts val="0"/>
+              </a:spcBef>
+              <a:spcAft>
+                <a:spcPts val="0"/>
+              </a:spcAft>
+              <a:buClrTx/>
+              <a:buSzTx/>
+              <a:buFontTx/>
+              <a:buNone/>
+              <a:tabLst/>
+              <a:defRPr/>
+            </a:pPr>
+            <a:r>
+              <a:rPr lang="en-US" baseline="0" dirty="0"/>
+              <a:t>A real life example is how Gardener manages the shoot clusters. When you create a new Gardener cluster, actually a </a:t>
+            </a:r>
+            <a:r>
+              <a:rPr lang="en-US" baseline="0" dirty="0" err="1"/>
+              <a:t>yaml</a:t>
+            </a:r>
+            <a:r>
+              <a:rPr lang="en-US" baseline="0" dirty="0"/>
+              <a:t> file is generated and send to the seed clusters </a:t>
+            </a:r>
+            <a:r>
+              <a:rPr lang="en-US" baseline="0" dirty="0" err="1"/>
+              <a:t>api</a:t>
+            </a:r>
+            <a:r>
+              <a:rPr lang="en-US" baseline="0" dirty="0"/>
+              <a:t> server. The operator evaluates it and triggers corresponding actions.</a:t>
             </a:r>
           </a:p>
         </p:txBody>
@@ -3453,78 +3831,19 @@
           <a:bodyPr/>
           <a:lstStyle/>
           <a:p>
-            <a:pPr marL="0" marR="0" lvl="0" indent="0" algn="ctr" defTabSz="1088776" rtl="0" eaLnBrk="1" fontAlgn="auto" latinLnBrk="0" hangingPunct="1">
-              <a:lnSpc>
-                <a:spcPct val="100000"/>
-              </a:lnSpc>
-              <a:spcBef>
-                <a:spcPts val="0"/>
-              </a:spcBef>
-              <a:spcAft>
-                <a:spcPts val="0"/>
-              </a:spcAft>
-              <a:buClrTx/>
-              <a:buSzTx/>
-              <a:buFontTx/>
-              <a:buNone/>
-              <a:tabLst/>
-              <a:defRPr/>
-            </a:pPr>
             <a:fld id="{7D8C2C35-2B8A-446E-BEC0-FD36716C29AC}" type="slidenum">
-              <a:rPr kumimoji="0" lang="de-DE" sz="800" b="0" i="0" u="none" strike="noStrike" kern="1200" cap="none" spc="0" normalizeH="0" baseline="0" noProof="0" smtClean="0">
-                <a:ln>
-                  <a:noFill/>
-                </a:ln>
-                <a:solidFill>
-                  <a:srgbClr val="000000"/>
-                </a:solidFill>
-                <a:effectLst/>
-                <a:uLnTx/>
-                <a:uFillTx/>
-                <a:latin typeface="Arial"/>
-                <a:ea typeface="+mn-ea"/>
-                <a:cs typeface="+mn-cs"/>
-              </a:rPr>
-              <a:pPr marL="0" marR="0" lvl="0" indent="0" algn="ctr" defTabSz="1088776" rtl="0" eaLnBrk="1" fontAlgn="auto" latinLnBrk="0" hangingPunct="1">
-                <a:lnSpc>
-                  <a:spcPct val="100000"/>
-                </a:lnSpc>
-                <a:spcBef>
-                  <a:spcPts val="0"/>
-                </a:spcBef>
-                <a:spcAft>
-                  <a:spcPts val="0"/>
-                </a:spcAft>
-                <a:buClrTx/>
-                <a:buSzTx/>
-                <a:buFontTx/>
-                <a:buNone/>
-                <a:tabLst/>
-                <a:defRPr/>
-              </a:pPr>
+              <a:rPr lang="de-DE" smtClean="0"/>
+              <a:pPr/>
               <a:t>13</a:t>
             </a:fld>
-            <a:endParaRPr kumimoji="0" lang="de-DE" sz="800" b="0" i="0" u="none" strike="noStrike" kern="1200" cap="none" spc="0" normalizeH="0" baseline="0" noProof="0" dirty="0">
-              <a:ln>
-                <a:noFill/>
-              </a:ln>
-              <a:solidFill>
-                <a:srgbClr val="000000"/>
-              </a:solidFill>
-              <a:effectLst/>
-              <a:uLnTx/>
-              <a:uFillTx/>
-              <a:latin typeface="Arial"/>
-              <a:ea typeface="+mn-ea"/>
-              <a:cs typeface="+mn-cs"/>
-            </a:endParaRPr>
+            <a:endParaRPr lang="de-DE" dirty="0"/>
           </a:p>
         </p:txBody>
       </p:sp>
     </p:spTree>
     <p:extLst>
       <p:ext uri="{BB962C8B-B14F-4D97-AF65-F5344CB8AC3E}">
-        <p14:creationId xmlns:p14="http://schemas.microsoft.com/office/powerpoint/2010/main" val="2214560461"/>
+        <p14:creationId xmlns:p14="http://schemas.microsoft.com/office/powerpoint/2010/main" val="549751525"/>
       </p:ext>
     </p:extLst>
   </p:cSld>
@@ -3578,10 +3897,7 @@
           <a:bodyPr/>
           <a:lstStyle/>
           <a:p>
-            <a:r>
-              <a:rPr lang="en-US" dirty="0"/>
-              <a:t>https://jam4.sapjam.com/groups/Niq7TSBxLlzgb3nroBZJVx/overview_page/e9uqTDxXBRFbk7FJXEA4Cd</a:t>
-            </a:r>
+            <a:endParaRPr lang="en-US" dirty="0"/>
           </a:p>
         </p:txBody>
       </p:sp>
@@ -3600,78 +3916,19 @@
           <a:bodyPr/>
           <a:lstStyle/>
           <a:p>
-            <a:pPr marL="0" marR="0" lvl="0" indent="0" algn="ctr" defTabSz="1088776" rtl="0" eaLnBrk="1" fontAlgn="auto" latinLnBrk="0" hangingPunct="1">
-              <a:lnSpc>
-                <a:spcPct val="100000"/>
-              </a:lnSpc>
-              <a:spcBef>
-                <a:spcPts val="0"/>
-              </a:spcBef>
-              <a:spcAft>
-                <a:spcPts val="0"/>
-              </a:spcAft>
-              <a:buClrTx/>
-              <a:buSzTx/>
-              <a:buFontTx/>
-              <a:buNone/>
-              <a:tabLst/>
-              <a:defRPr/>
-            </a:pPr>
             <a:fld id="{7D8C2C35-2B8A-446E-BEC0-FD36716C29AC}" type="slidenum">
-              <a:rPr kumimoji="0" lang="de-DE" sz="800" b="0" i="0" u="none" strike="noStrike" kern="1200" cap="none" spc="0" normalizeH="0" baseline="0" noProof="0" smtClean="0">
-                <a:ln>
-                  <a:noFill/>
-                </a:ln>
-                <a:solidFill>
-                  <a:srgbClr val="000000"/>
-                </a:solidFill>
-                <a:effectLst/>
-                <a:uLnTx/>
-                <a:uFillTx/>
-                <a:latin typeface="Arial"/>
-                <a:ea typeface="+mn-ea"/>
-                <a:cs typeface="+mn-cs"/>
-              </a:rPr>
-              <a:pPr marL="0" marR="0" lvl="0" indent="0" algn="ctr" defTabSz="1088776" rtl="0" eaLnBrk="1" fontAlgn="auto" latinLnBrk="0" hangingPunct="1">
-                <a:lnSpc>
-                  <a:spcPct val="100000"/>
-                </a:lnSpc>
-                <a:spcBef>
-                  <a:spcPts val="0"/>
-                </a:spcBef>
-                <a:spcAft>
-                  <a:spcPts val="0"/>
-                </a:spcAft>
-                <a:buClrTx/>
-                <a:buSzTx/>
-                <a:buFontTx/>
-                <a:buNone/>
-                <a:tabLst/>
-                <a:defRPr/>
-              </a:pPr>
+              <a:rPr lang="en-US" smtClean="0"/>
+              <a:pPr/>
               <a:t>14</a:t>
             </a:fld>
-            <a:endParaRPr kumimoji="0" lang="de-DE" sz="800" b="0" i="0" u="none" strike="noStrike" kern="1200" cap="none" spc="0" normalizeH="0" baseline="0" noProof="0" dirty="0">
-              <a:ln>
-                <a:noFill/>
-              </a:ln>
-              <a:solidFill>
-                <a:srgbClr val="000000"/>
-              </a:solidFill>
-              <a:effectLst/>
-              <a:uLnTx/>
-              <a:uFillTx/>
-              <a:latin typeface="Arial"/>
-              <a:ea typeface="+mn-ea"/>
-              <a:cs typeface="+mn-cs"/>
-            </a:endParaRPr>
+            <a:endParaRPr lang="en-US" dirty="0"/>
           </a:p>
         </p:txBody>
       </p:sp>
     </p:spTree>
     <p:extLst>
       <p:ext uri="{BB962C8B-B14F-4D97-AF65-F5344CB8AC3E}">
-        <p14:creationId xmlns:p14="http://schemas.microsoft.com/office/powerpoint/2010/main" val="1625447852"/>
+        <p14:creationId xmlns:p14="http://schemas.microsoft.com/office/powerpoint/2010/main" val="3965478118"/>
       </p:ext>
     </p:extLst>
   </p:cSld>
@@ -3726,27 +3983,25 @@
           <a:lstStyle/>
           <a:p>
             <a:r>
-              <a:rPr lang="de-DE" sz="1400" u="sng" kern="1200" dirty="0">
-                <a:solidFill>
-                  <a:schemeClr val="tx1"/>
-                </a:solidFill>
-                <a:effectLst/>
-                <a:latin typeface="+mn-lt"/>
-                <a:ea typeface="+mn-ea"/>
-                <a:cs typeface="+mn-cs"/>
-                <a:hlinkClick r:id="rId3"/>
-              </a:rPr>
-              <a:t>https://github.wdf.sap.corp/pages/kubernetes/gardener/#features</a:t>
-            </a:r>
-            <a:endParaRPr lang="de-DE" sz="1400" u="sng" kern="1200" dirty="0">
-              <a:solidFill>
-                <a:schemeClr val="tx1"/>
-              </a:solidFill>
-              <a:effectLst/>
-              <a:latin typeface="+mn-lt"/>
-              <a:ea typeface="+mn-ea"/>
-              <a:cs typeface="+mn-cs"/>
-            </a:endParaRPr>
+              <a:rPr lang="en-US" dirty="0"/>
+              <a:t>Gardener is SAP’s solution for managed </a:t>
+            </a:r>
+            <a:r>
+              <a:rPr lang="en-US" dirty="0" err="1"/>
+              <a:t>kubernetes</a:t>
+            </a:r>
+            <a:r>
+              <a:rPr lang="en-US" dirty="0"/>
+              <a:t> cluster. It is open source &amp; completely available on </a:t>
+            </a:r>
+            <a:r>
+              <a:rPr lang="en-US" dirty="0" err="1"/>
+              <a:t>github</a:t>
+            </a:r>
+            <a:r>
+              <a:rPr lang="en-US" dirty="0"/>
+              <a:t>: https://github.com/gardener/gardener/ </a:t>
+            </a:r>
           </a:p>
           <a:p>
             <a:endParaRPr lang="en-US" dirty="0"/>
@@ -3754,19 +4009,16 @@
           <a:p>
             <a:r>
               <a:rPr lang="en-US" dirty="0"/>
-              <a:t>https://github.wdf.sap.corp/kubernetes/kube-docs/wiki/Gardener-Service-FAQ</a:t>
+              <a:t>Show internal landing page: https://github.wdf.sap.corp/pages/kubernetes/gardener/ including blog &amp; help section</a:t>
             </a:r>
           </a:p>
           <a:p>
             <a:endParaRPr lang="en-US" dirty="0"/>
           </a:p>
           <a:p>
-            <a:endParaRPr lang="en-US" dirty="0"/>
-          </a:p>
-          <a:p>
             <a:r>
               <a:rPr lang="en-US" dirty="0"/>
-              <a:t>https://jam4.sapjam.com/groups/Niq7TSBxLlzgb3nroBZJVx/overview_page/e9uqTDxXBRFbk7FJXEA4Cd</a:t>
+              <a:t>Jam Group Kubernetes Clusters as a Service in SAP Cloud Platform: https://jam4.sapjam.com/groups/Niq7TSBxLlzgb3nroBZJVx/overview_page/e9uqTDxXBRFbk7FJXEA4Cd</a:t>
             </a:r>
           </a:p>
         </p:txBody>
@@ -3857,7 +4109,7 @@
     </p:spTree>
     <p:extLst>
       <p:ext uri="{BB962C8B-B14F-4D97-AF65-F5344CB8AC3E}">
-        <p14:creationId xmlns:p14="http://schemas.microsoft.com/office/powerpoint/2010/main" val="1006053830"/>
+        <p14:creationId xmlns:p14="http://schemas.microsoft.com/office/powerpoint/2010/main" val="2214560461"/>
       </p:ext>
     </p:extLst>
   </p:cSld>
@@ -3913,7 +4165,7 @@
           <a:p>
             <a:r>
               <a:rPr lang="en-US" dirty="0"/>
-              <a:t>Setting up lots of small clusters individually leads to resource waste. The control plane / master needs to be high available but the resources reserved for fail-over usually idle.</a:t>
+              <a:t>https://jam4.sapjam.com/groups/Niq7TSBxLlzgb3nroBZJVx/overview_page/e9uqTDxXBRFbk7FJXEA4Cd</a:t>
             </a:r>
           </a:p>
         </p:txBody>
@@ -3951,7 +4203,7 @@
               <a:defRPr/>
             </a:pPr>
             <a:fld id="{7D8C2C35-2B8A-446E-BEC0-FD36716C29AC}" type="slidenum">
-              <a:rPr kumimoji="0" lang="en-US" sz="800" b="0" i="0" u="none" strike="noStrike" kern="1200" cap="none" spc="0" normalizeH="0" baseline="0" noProof="0" smtClean="0">
+              <a:rPr kumimoji="0" lang="de-DE" sz="800" b="0" i="0" u="none" strike="noStrike" kern="1200" cap="none" spc="0" normalizeH="0" baseline="0" noProof="0" smtClean="0">
                 <a:ln>
                   <a:noFill/>
                 </a:ln>
@@ -3984,7 +4236,7 @@
               </a:pPr>
               <a:t>16</a:t>
             </a:fld>
-            <a:endParaRPr kumimoji="0" lang="en-US" sz="800" b="0" i="0" u="none" strike="noStrike" kern="1200" cap="none" spc="0" normalizeH="0" baseline="0" noProof="0" dirty="0">
+            <a:endParaRPr kumimoji="0" lang="de-DE" sz="800" b="0" i="0" u="none" strike="noStrike" kern="1200" cap="none" spc="0" normalizeH="0" baseline="0" noProof="0" dirty="0">
               <a:ln>
                 <a:noFill/>
               </a:ln>
@@ -4004,7 +4256,7 @@
     </p:spTree>
     <p:extLst>
       <p:ext uri="{BB962C8B-B14F-4D97-AF65-F5344CB8AC3E}">
-        <p14:creationId xmlns:p14="http://schemas.microsoft.com/office/powerpoint/2010/main" val="1591729321"/>
+        <p14:creationId xmlns:p14="http://schemas.microsoft.com/office/powerpoint/2010/main" val="1625447852"/>
       </p:ext>
     </p:extLst>
   </p:cSld>
@@ -4059,8 +4311,47 @@
           <a:lstStyle/>
           <a:p>
             <a:r>
+              <a:rPr lang="de-DE" sz="1400" u="sng" kern="1200" dirty="0">
+                <a:solidFill>
+                  <a:schemeClr val="tx1"/>
+                </a:solidFill>
+                <a:effectLst/>
+                <a:latin typeface="+mn-lt"/>
+                <a:ea typeface="+mn-ea"/>
+                <a:cs typeface="+mn-cs"/>
+                <a:hlinkClick r:id="rId3"/>
+              </a:rPr>
+              <a:t>https://github.wdf.sap.corp/pages/kubernetes/gardener/#features</a:t>
+            </a:r>
+            <a:endParaRPr lang="de-DE" sz="1400" u="sng" kern="1200" dirty="0">
+              <a:solidFill>
+                <a:schemeClr val="tx1"/>
+              </a:solidFill>
+              <a:effectLst/>
+              <a:latin typeface="+mn-lt"/>
+              <a:ea typeface="+mn-ea"/>
+              <a:cs typeface="+mn-cs"/>
+            </a:endParaRPr>
+          </a:p>
+          <a:p>
+            <a:endParaRPr lang="en-US" dirty="0"/>
+          </a:p>
+          <a:p>
+            <a:r>
               <a:rPr lang="en-US" dirty="0"/>
-              <a:t>Solution: Gardener runs the control plane / master components of many “worker” clusters in a separate cluster</a:t>
+              <a:t>https://github.wdf.sap.corp/kubernetes/kube-docs/wiki/Gardener-Service-FAQ</a:t>
+            </a:r>
+          </a:p>
+          <a:p>
+            <a:endParaRPr lang="en-US" dirty="0"/>
+          </a:p>
+          <a:p>
+            <a:endParaRPr lang="en-US" dirty="0"/>
+          </a:p>
+          <a:p>
+            <a:r>
+              <a:rPr lang="en-US" dirty="0"/>
+              <a:t>https://jam4.sapjam.com/groups/Niq7TSBxLlzgb3nroBZJVx/overview_page/e9uqTDxXBRFbk7FJXEA4Cd</a:t>
             </a:r>
           </a:p>
         </p:txBody>
@@ -4151,7 +4442,7 @@
     </p:spTree>
     <p:extLst>
       <p:ext uri="{BB962C8B-B14F-4D97-AF65-F5344CB8AC3E}">
-        <p14:creationId xmlns:p14="http://schemas.microsoft.com/office/powerpoint/2010/main" val="640484921"/>
+        <p14:creationId xmlns:p14="http://schemas.microsoft.com/office/powerpoint/2010/main" val="1006053830"/>
       </p:ext>
     </p:extLst>
   </p:cSld>
@@ -4202,31 +4493,12 @@
         </p:nvSpPr>
         <p:spPr/>
         <p:txBody>
-          <a:bodyPr>
-            <a:normAutofit/>
-          </a:bodyPr>
+          <a:bodyPr/>
           <a:lstStyle/>
           <a:p>
-            <a:pPr marL="285750" marR="0" lvl="0" indent="-285750" algn="l" defTabSz="1088776" rtl="0" eaLnBrk="1" fontAlgn="auto" latinLnBrk="0" hangingPunct="1">
-              <a:lnSpc>
-                <a:spcPct val="100000"/>
-              </a:lnSpc>
-              <a:spcBef>
-                <a:spcPts val="0"/>
-              </a:spcBef>
-              <a:spcAft>
-                <a:spcPts val="0"/>
-              </a:spcAft>
-              <a:buClrTx/>
-              <a:buSzTx/>
-              <a:buFontTx/>
-              <a:buChar char="-"/>
-              <a:tabLst/>
-              <a:defRPr/>
-            </a:pPr>
-            <a:r>
-              <a:rPr lang="en-US" baseline="0" dirty="0"/>
-              <a:t>Create a trial cluster with Gardener!</a:t>
+            <a:r>
+              <a:rPr lang="en-US" dirty="0"/>
+              <a:t>Setting up lots of small clusters individually leads to resource waste. The control plane / master needs to be high available but the resources reserved for fail-over usually idle.</a:t>
             </a:r>
           </a:p>
         </p:txBody>
@@ -4246,19 +4518,78 @@
           <a:bodyPr/>
           <a:lstStyle/>
           <a:p>
+            <a:pPr marL="0" marR="0" lvl="0" indent="0" algn="ctr" defTabSz="1088776" rtl="0" eaLnBrk="1" fontAlgn="auto" latinLnBrk="0" hangingPunct="1">
+              <a:lnSpc>
+                <a:spcPct val="100000"/>
+              </a:lnSpc>
+              <a:spcBef>
+                <a:spcPts val="0"/>
+              </a:spcBef>
+              <a:spcAft>
+                <a:spcPts val="0"/>
+              </a:spcAft>
+              <a:buClrTx/>
+              <a:buSzTx/>
+              <a:buFontTx/>
+              <a:buNone/>
+              <a:tabLst/>
+              <a:defRPr/>
+            </a:pPr>
             <a:fld id="{7D8C2C35-2B8A-446E-BEC0-FD36716C29AC}" type="slidenum">
-              <a:rPr lang="de-DE" smtClean="0"/>
-              <a:pPr/>
+              <a:rPr kumimoji="0" lang="en-US" sz="800" b="0" i="0" u="none" strike="noStrike" kern="1200" cap="none" spc="0" normalizeH="0" baseline="0" noProof="0" smtClean="0">
+                <a:ln>
+                  <a:noFill/>
+                </a:ln>
+                <a:solidFill>
+                  <a:srgbClr val="000000"/>
+                </a:solidFill>
+                <a:effectLst/>
+                <a:uLnTx/>
+                <a:uFillTx/>
+                <a:latin typeface="Arial"/>
+                <a:ea typeface="+mn-ea"/>
+                <a:cs typeface="+mn-cs"/>
+              </a:rPr>
+              <a:pPr marL="0" marR="0" lvl="0" indent="0" algn="ctr" defTabSz="1088776" rtl="0" eaLnBrk="1" fontAlgn="auto" latinLnBrk="0" hangingPunct="1">
+                <a:lnSpc>
+                  <a:spcPct val="100000"/>
+                </a:lnSpc>
+                <a:spcBef>
+                  <a:spcPts val="0"/>
+                </a:spcBef>
+                <a:spcAft>
+                  <a:spcPts val="0"/>
+                </a:spcAft>
+                <a:buClrTx/>
+                <a:buSzTx/>
+                <a:buFontTx/>
+                <a:buNone/>
+                <a:tabLst/>
+                <a:defRPr/>
+              </a:pPr>
               <a:t>18</a:t>
             </a:fld>
-            <a:endParaRPr lang="de-DE" dirty="0"/>
+            <a:endParaRPr kumimoji="0" lang="en-US" sz="800" b="0" i="0" u="none" strike="noStrike" kern="1200" cap="none" spc="0" normalizeH="0" baseline="0" noProof="0" dirty="0">
+              <a:ln>
+                <a:noFill/>
+              </a:ln>
+              <a:solidFill>
+                <a:srgbClr val="000000"/>
+              </a:solidFill>
+              <a:effectLst/>
+              <a:uLnTx/>
+              <a:uFillTx/>
+              <a:latin typeface="Arial"/>
+              <a:ea typeface="+mn-ea"/>
+              <a:cs typeface="+mn-cs"/>
+            </a:endParaRPr>
           </a:p>
         </p:txBody>
       </p:sp>
     </p:spTree>
     <p:extLst>
       <p:ext uri="{BB962C8B-B14F-4D97-AF65-F5344CB8AC3E}">
-        <p14:creationId xmlns:p14="http://schemas.microsoft.com/office/powerpoint/2010/main" val="1970043196"/>
+        <p14:creationId xmlns:p14="http://schemas.microsoft.com/office/powerpoint/2010/main" val="1591729321"/>
       </p:ext>
     </p:extLst>
   </p:cSld>
@@ -4312,7 +4643,10 @@
           <a:bodyPr/>
           <a:lstStyle/>
           <a:p>
-            <a:endParaRPr lang="en-US" dirty="0"/>
+            <a:r>
+              <a:rPr lang="en-US" dirty="0"/>
+              <a:t>Solution: Gardener runs the control plane / master components of many “worker” clusters in a separate cluster</a:t>
+            </a:r>
           </a:p>
         </p:txBody>
       </p:sp>
@@ -4331,19 +4665,78 @@
           <a:bodyPr/>
           <a:lstStyle/>
           <a:p>
+            <a:pPr marL="0" marR="0" lvl="0" indent="0" algn="ctr" defTabSz="1088776" rtl="0" eaLnBrk="1" fontAlgn="auto" latinLnBrk="0" hangingPunct="1">
+              <a:lnSpc>
+                <a:spcPct val="100000"/>
+              </a:lnSpc>
+              <a:spcBef>
+                <a:spcPts val="0"/>
+              </a:spcBef>
+              <a:spcAft>
+                <a:spcPts val="0"/>
+              </a:spcAft>
+              <a:buClrTx/>
+              <a:buSzTx/>
+              <a:buFontTx/>
+              <a:buNone/>
+              <a:tabLst/>
+              <a:defRPr/>
+            </a:pPr>
             <a:fld id="{7D8C2C35-2B8A-446E-BEC0-FD36716C29AC}" type="slidenum">
-              <a:rPr lang="en-US" smtClean="0"/>
-              <a:pPr/>
+              <a:rPr kumimoji="0" lang="de-DE" sz="800" b="0" i="0" u="none" strike="noStrike" kern="1200" cap="none" spc="0" normalizeH="0" baseline="0" noProof="0" smtClean="0">
+                <a:ln>
+                  <a:noFill/>
+                </a:ln>
+                <a:solidFill>
+                  <a:srgbClr val="000000"/>
+                </a:solidFill>
+                <a:effectLst/>
+                <a:uLnTx/>
+                <a:uFillTx/>
+                <a:latin typeface="Arial"/>
+                <a:ea typeface="+mn-ea"/>
+                <a:cs typeface="+mn-cs"/>
+              </a:rPr>
+              <a:pPr marL="0" marR="0" lvl="0" indent="0" algn="ctr" defTabSz="1088776" rtl="0" eaLnBrk="1" fontAlgn="auto" latinLnBrk="0" hangingPunct="1">
+                <a:lnSpc>
+                  <a:spcPct val="100000"/>
+                </a:lnSpc>
+                <a:spcBef>
+                  <a:spcPts val="0"/>
+                </a:spcBef>
+                <a:spcAft>
+                  <a:spcPts val="0"/>
+                </a:spcAft>
+                <a:buClrTx/>
+                <a:buSzTx/>
+                <a:buFontTx/>
+                <a:buNone/>
+                <a:tabLst/>
+                <a:defRPr/>
+              </a:pPr>
               <a:t>19</a:t>
             </a:fld>
-            <a:endParaRPr lang="en-US" dirty="0"/>
+            <a:endParaRPr kumimoji="0" lang="de-DE" sz="800" b="0" i="0" u="none" strike="noStrike" kern="1200" cap="none" spc="0" normalizeH="0" baseline="0" noProof="0" dirty="0">
+              <a:ln>
+                <a:noFill/>
+              </a:ln>
+              <a:solidFill>
+                <a:srgbClr val="000000"/>
+              </a:solidFill>
+              <a:effectLst/>
+              <a:uLnTx/>
+              <a:uFillTx/>
+              <a:latin typeface="Arial"/>
+              <a:ea typeface="+mn-ea"/>
+              <a:cs typeface="+mn-cs"/>
+            </a:endParaRPr>
           </a:p>
         </p:txBody>
       </p:sp>
     </p:spTree>
     <p:extLst>
       <p:ext uri="{BB962C8B-B14F-4D97-AF65-F5344CB8AC3E}">
-        <p14:creationId xmlns:p14="http://schemas.microsoft.com/office/powerpoint/2010/main" val="1582342442"/>
+        <p14:creationId xmlns:p14="http://schemas.microsoft.com/office/powerpoint/2010/main" val="640484921"/>
       </p:ext>
     </p:extLst>
   </p:cSld>
@@ -4394,10 +4787,32 @@
         </p:nvSpPr>
         <p:spPr/>
         <p:txBody>
-          <a:bodyPr/>
+          <a:bodyPr>
+            <a:normAutofit/>
+          </a:bodyPr>
           <a:lstStyle/>
           <a:p>
-            <a:endParaRPr lang="en-US" dirty="0"/>
+            <a:pPr marL="285750" marR="0" lvl="0" indent="-285750" algn="l" defTabSz="1088776" rtl="0" eaLnBrk="1" fontAlgn="auto" latinLnBrk="0" hangingPunct="1">
+              <a:lnSpc>
+                <a:spcPct val="100000"/>
+              </a:lnSpc>
+              <a:spcBef>
+                <a:spcPts val="0"/>
+              </a:spcBef>
+              <a:spcAft>
+                <a:spcPts val="0"/>
+              </a:spcAft>
+              <a:buClrTx/>
+              <a:buSzTx/>
+              <a:buFontTx/>
+              <a:buChar char="-"/>
+              <a:tabLst/>
+              <a:defRPr/>
+            </a:pPr>
+            <a:r>
+              <a:rPr lang="en-US" baseline="0" dirty="0"/>
+              <a:t>Create a trial cluster with Gardener!</a:t>
+            </a:r>
           </a:p>
         </p:txBody>
       </p:sp>
@@ -4428,7 +4843,7 @@
     </p:spTree>
     <p:extLst>
       <p:ext uri="{BB962C8B-B14F-4D97-AF65-F5344CB8AC3E}">
-        <p14:creationId xmlns:p14="http://schemas.microsoft.com/office/powerpoint/2010/main" val="3466716593"/>
+        <p14:creationId xmlns:p14="http://schemas.microsoft.com/office/powerpoint/2010/main" val="1970043196"/>
       </p:ext>
     </p:extLst>
   </p:cSld>
@@ -4502,18 +4917,18 @@
           <a:lstStyle/>
           <a:p>
             <a:fld id="{7D8C2C35-2B8A-446E-BEC0-FD36716C29AC}" type="slidenum">
-              <a:rPr lang="de-DE" smtClean="0"/>
+              <a:rPr lang="en-US" smtClean="0"/>
               <a:pPr/>
               <a:t>21</a:t>
             </a:fld>
-            <a:endParaRPr lang="de-DE" dirty="0"/>
+            <a:endParaRPr lang="en-US" dirty="0"/>
           </a:p>
         </p:txBody>
       </p:sp>
     </p:spTree>
     <p:extLst>
       <p:ext uri="{BB962C8B-B14F-4D97-AF65-F5344CB8AC3E}">
-        <p14:creationId xmlns:p14="http://schemas.microsoft.com/office/powerpoint/2010/main" val="157809321"/>
+        <p14:creationId xmlns:p14="http://schemas.microsoft.com/office/powerpoint/2010/main" val="1582342442"/>
       </p:ext>
     </p:extLst>
   </p:cSld>
@@ -4693,70 +5108,9 @@
         </p:nvSpPr>
         <p:spPr/>
         <p:txBody>
-          <a:bodyPr>
-            <a:normAutofit/>
-          </a:bodyPr>
+          <a:bodyPr/>
           <a:lstStyle/>
           <a:p>
-            <a:r>
-              <a:rPr lang="en-US" baseline="0" dirty="0"/>
-              <a:t>Optional demo: </a:t>
-            </a:r>
-          </a:p>
-          <a:p>
-            <a:r>
-              <a:rPr lang="en-US" baseline="0" dirty="0"/>
-              <a:t>To access the cluster’s dashboard, use the Gardener UI or port-forward the to dashboard pod (example: </a:t>
-            </a:r>
-            <a:r>
-              <a:rPr lang="en-US" baseline="0" dirty="0" err="1"/>
-              <a:t>kubectl</a:t>
-            </a:r>
-            <a:r>
-              <a:rPr lang="en-US" baseline="0" dirty="0"/>
-              <a:t> port-forward -n </a:t>
-            </a:r>
-            <a:r>
-              <a:rPr lang="en-US" baseline="0" dirty="0" err="1"/>
-              <a:t>kube</a:t>
-            </a:r>
-            <a:r>
-              <a:rPr lang="en-US" baseline="0" dirty="0"/>
-              <a:t>-system addons-kubernetes-dashboard-5486b968b7-zf62b 8443:8443)</a:t>
-            </a:r>
-          </a:p>
-          <a:p>
-            <a:endParaRPr lang="en-US" baseline="0" dirty="0"/>
-          </a:p>
-          <a:p>
-            <a:r>
-              <a:rPr lang="en-US" baseline="0" dirty="0"/>
-              <a:t>Demo the dashboard</a:t>
-            </a:r>
-          </a:p>
-          <a:p>
-            <a:r>
-              <a:rPr lang="en-US" baseline="0" dirty="0"/>
-              <a:t>- Show status info &amp; utilization of nodes</a:t>
-            </a:r>
-          </a:p>
-          <a:p>
-            <a:r>
-              <a:rPr lang="en-US" dirty="0"/>
-              <a:t>- Show deployments</a:t>
-            </a:r>
-            <a:r>
-              <a:rPr lang="en-US" baseline="0" dirty="0"/>
-              <a:t> </a:t>
-            </a:r>
-            <a:r>
-              <a:rPr lang="en-US" dirty="0"/>
-              <a:t>&amp; services and how to create a new</a:t>
-            </a:r>
-            <a:r>
-              <a:rPr lang="en-US" baseline="0" dirty="0"/>
-              <a:t> deployment</a:t>
-            </a:r>
             <a:endParaRPr lang="en-US" dirty="0"/>
           </a:p>
         </p:txBody>
@@ -4788,7 +5142,7 @@
     </p:spTree>
     <p:extLst>
       <p:ext uri="{BB962C8B-B14F-4D97-AF65-F5344CB8AC3E}">
-        <p14:creationId xmlns:p14="http://schemas.microsoft.com/office/powerpoint/2010/main" val="3052625252"/>
+        <p14:creationId xmlns:p14="http://schemas.microsoft.com/office/powerpoint/2010/main" val="3466716593"/>
       </p:ext>
     </p:extLst>
   </p:cSld>
@@ -4842,7 +5196,7 @@
           <a:bodyPr/>
           <a:lstStyle/>
           <a:p>
-            <a:endParaRPr lang="de-DE" dirty="0"/>
+            <a:endParaRPr lang="en-US" dirty="0"/>
           </a:p>
         </p:txBody>
       </p:sp>
@@ -4861,78 +5215,19 @@
           <a:bodyPr/>
           <a:lstStyle/>
           <a:p>
-            <a:pPr marL="0" marR="0" lvl="0" indent="0" algn="ctr" defTabSz="1088776" rtl="0" eaLnBrk="1" fontAlgn="auto" latinLnBrk="0" hangingPunct="1">
-              <a:lnSpc>
-                <a:spcPct val="100000"/>
-              </a:lnSpc>
-              <a:spcBef>
-                <a:spcPts val="0"/>
-              </a:spcBef>
-              <a:spcAft>
-                <a:spcPts val="0"/>
-              </a:spcAft>
-              <a:buClrTx/>
-              <a:buSzTx/>
-              <a:buFontTx/>
-              <a:buNone/>
-              <a:tabLst/>
-              <a:defRPr/>
-            </a:pPr>
             <a:fld id="{7D8C2C35-2B8A-446E-BEC0-FD36716C29AC}" type="slidenum">
-              <a:rPr kumimoji="0" lang="de-DE" sz="800" b="0" i="0" u="none" strike="noStrike" kern="1200" cap="none" spc="0" normalizeH="0" baseline="0" noProof="0" smtClean="0">
-                <a:ln>
-                  <a:noFill/>
-                </a:ln>
-                <a:solidFill>
-                  <a:srgbClr val="000000"/>
-                </a:solidFill>
-                <a:effectLst/>
-                <a:uLnTx/>
-                <a:uFillTx/>
-                <a:latin typeface="Arial"/>
-                <a:ea typeface="+mn-ea"/>
-                <a:cs typeface="+mn-cs"/>
-              </a:rPr>
-              <a:pPr marL="0" marR="0" lvl="0" indent="0" algn="ctr" defTabSz="1088776" rtl="0" eaLnBrk="1" fontAlgn="auto" latinLnBrk="0" hangingPunct="1">
-                <a:lnSpc>
-                  <a:spcPct val="100000"/>
-                </a:lnSpc>
-                <a:spcBef>
-                  <a:spcPts val="0"/>
-                </a:spcBef>
-                <a:spcAft>
-                  <a:spcPts val="0"/>
-                </a:spcAft>
-                <a:buClrTx/>
-                <a:buSzTx/>
-                <a:buFontTx/>
-                <a:buNone/>
-                <a:tabLst/>
-                <a:defRPr/>
-              </a:pPr>
+              <a:rPr lang="de-DE" smtClean="0"/>
+              <a:pPr/>
               <a:t>23</a:t>
             </a:fld>
-            <a:endParaRPr kumimoji="0" lang="de-DE" sz="800" b="0" i="0" u="none" strike="noStrike" kern="1200" cap="none" spc="0" normalizeH="0" baseline="0" noProof="0" dirty="0">
-              <a:ln>
-                <a:noFill/>
-              </a:ln>
-              <a:solidFill>
-                <a:srgbClr val="000000"/>
-              </a:solidFill>
-              <a:effectLst/>
-              <a:uLnTx/>
-              <a:uFillTx/>
-              <a:latin typeface="Arial"/>
-              <a:ea typeface="+mn-ea"/>
-              <a:cs typeface="+mn-cs"/>
-            </a:endParaRPr>
+            <a:endParaRPr lang="de-DE" dirty="0"/>
           </a:p>
         </p:txBody>
       </p:sp>
     </p:spTree>
     <p:extLst>
       <p:ext uri="{BB962C8B-B14F-4D97-AF65-F5344CB8AC3E}">
-        <p14:creationId xmlns:p14="http://schemas.microsoft.com/office/powerpoint/2010/main" val="69457181"/>
+        <p14:creationId xmlns:p14="http://schemas.microsoft.com/office/powerpoint/2010/main" val="157809321"/>
       </p:ext>
     </p:extLst>
   </p:cSld>
@@ -4983,10 +5278,156 @@
         </p:nvSpPr>
         <p:spPr/>
         <p:txBody>
+          <a:bodyPr>
+            <a:normAutofit/>
+          </a:bodyPr>
+          <a:lstStyle/>
+          <a:p>
+            <a:r>
+              <a:rPr lang="en-US" baseline="0" dirty="0"/>
+              <a:t>Optional demo: </a:t>
+            </a:r>
+          </a:p>
+          <a:p>
+            <a:r>
+              <a:rPr lang="en-US" baseline="0" dirty="0"/>
+              <a:t>To access the cluster’s dashboard, use the Gardener UI or port-forward the to dashboard pod (example: </a:t>
+            </a:r>
+            <a:r>
+              <a:rPr lang="en-US" baseline="0" dirty="0" err="1"/>
+              <a:t>kubectl</a:t>
+            </a:r>
+            <a:r>
+              <a:rPr lang="en-US" baseline="0" dirty="0"/>
+              <a:t> port-forward -n </a:t>
+            </a:r>
+            <a:r>
+              <a:rPr lang="en-US" baseline="0" dirty="0" err="1"/>
+              <a:t>kube</a:t>
+            </a:r>
+            <a:r>
+              <a:rPr lang="en-US" baseline="0" dirty="0"/>
+              <a:t>-system addons-kubernetes-dashboard-5486b968b7-zf62b 8443:8443)</a:t>
+            </a:r>
+          </a:p>
+          <a:p>
+            <a:endParaRPr lang="en-US" baseline="0" dirty="0"/>
+          </a:p>
+          <a:p>
+            <a:r>
+              <a:rPr lang="en-US" baseline="0" dirty="0"/>
+              <a:t>Demo the dashboard</a:t>
+            </a:r>
+          </a:p>
+          <a:p>
+            <a:r>
+              <a:rPr lang="en-US" baseline="0" dirty="0"/>
+              <a:t>- Show status info &amp; utilization of nodes</a:t>
+            </a:r>
+          </a:p>
+          <a:p>
+            <a:r>
+              <a:rPr lang="en-US" dirty="0"/>
+              <a:t>- Show deployments</a:t>
+            </a:r>
+            <a:r>
+              <a:rPr lang="en-US" baseline="0" dirty="0"/>
+              <a:t> </a:t>
+            </a:r>
+            <a:r>
+              <a:rPr lang="en-US" dirty="0"/>
+              <a:t>&amp; services and how to create a new</a:t>
+            </a:r>
+            <a:r>
+              <a:rPr lang="en-US" baseline="0" dirty="0"/>
+              <a:t> deployment</a:t>
+            </a:r>
+            <a:endParaRPr lang="en-US" dirty="0"/>
+          </a:p>
+        </p:txBody>
+      </p:sp>
+      <p:sp>
+        <p:nvSpPr>
+          <p:cNvPr id="4" name="Slide Number Placeholder 3"/>
+          <p:cNvSpPr>
+            <a:spLocks noGrp="1"/>
+          </p:cNvSpPr>
+          <p:nvPr>
+            <p:ph type="sldNum" sz="quarter" idx="10"/>
+          </p:nvPr>
+        </p:nvSpPr>
+        <p:spPr/>
+        <p:txBody>
           <a:bodyPr/>
           <a:lstStyle/>
           <a:p>
-            <a:endParaRPr lang="en-US" dirty="0"/>
+            <a:fld id="{7D8C2C35-2B8A-446E-BEC0-FD36716C29AC}" type="slidenum">
+              <a:rPr lang="de-DE" smtClean="0"/>
+              <a:pPr/>
+              <a:t>24</a:t>
+            </a:fld>
+            <a:endParaRPr lang="de-DE" dirty="0"/>
+          </a:p>
+        </p:txBody>
+      </p:sp>
+    </p:spTree>
+    <p:extLst>
+      <p:ext uri="{BB962C8B-B14F-4D97-AF65-F5344CB8AC3E}">
+        <p14:creationId xmlns:p14="http://schemas.microsoft.com/office/powerpoint/2010/main" val="3052625252"/>
+      </p:ext>
+    </p:extLst>
+  </p:cSld>
+  <p:clrMapOvr>
+    <a:masterClrMapping/>
+  </p:clrMapOvr>
+</p:notes>
+</file>
+
+<file path=ppt/notesSlides/notesSlide23.xml><?xml version="1.0" encoding="utf-8"?>
+<p:notes xmlns:a="http://schemas.openxmlformats.org/drawingml/2006/main" xmlns:r="http://schemas.openxmlformats.org/officeDocument/2006/relationships" xmlns:p="http://schemas.openxmlformats.org/presentationml/2006/main">
+  <p:cSld>
+    <p:spTree>
+      <p:nvGrpSpPr>
+        <p:cNvPr id="1" name=""/>
+        <p:cNvGrpSpPr/>
+        <p:nvPr/>
+      </p:nvGrpSpPr>
+      <p:grpSpPr>
+        <a:xfrm>
+          <a:off x="0" y="0"/>
+          <a:ext cx="0" cy="0"/>
+          <a:chOff x="0" y="0"/>
+          <a:chExt cx="0" cy="0"/>
+        </a:xfrm>
+      </p:grpSpPr>
+      <p:sp>
+        <p:nvSpPr>
+          <p:cNvPr id="2" name="Slide Image Placeholder 1"/>
+          <p:cNvSpPr>
+            <a:spLocks noGrp="1" noRot="1" noChangeAspect="1"/>
+          </p:cNvSpPr>
+          <p:nvPr>
+            <p:ph type="sldImg"/>
+          </p:nvPr>
+        </p:nvSpPr>
+        <p:spPr/>
+      </p:sp>
+      <p:sp>
+        <p:nvSpPr>
+          <p:cNvPr id="3" name="Notes Placeholder 2"/>
+          <p:cNvSpPr>
+            <a:spLocks noGrp="1"/>
+          </p:cNvSpPr>
+          <p:nvPr>
+            <p:ph type="body" idx="1"/>
+          </p:nvPr>
+        </p:nvSpPr>
+        <p:spPr/>
+        <p:txBody>
+          <a:bodyPr/>
+          <a:lstStyle/>
+          <a:p>
+            <a:endParaRPr lang="de-DE" dirty="0"/>
           </a:p>
         </p:txBody>
       </p:sp>
@@ -5054,7 +5495,7 @@
                 <a:tabLst/>
                 <a:defRPr/>
               </a:pPr>
-              <a:t>24</a:t>
+              <a:t>25</a:t>
             </a:fld>
             <a:endParaRPr kumimoji="0" lang="de-DE" sz="800" b="0" i="0" u="none" strike="noStrike" kern="1200" cap="none" spc="0" normalizeH="0" baseline="0" noProof="0" dirty="0">
               <a:ln>
@@ -5076,6 +5517,150 @@
     </p:spTree>
     <p:extLst>
       <p:ext uri="{BB962C8B-B14F-4D97-AF65-F5344CB8AC3E}">
+        <p14:creationId xmlns:p14="http://schemas.microsoft.com/office/powerpoint/2010/main" val="69457181"/>
+      </p:ext>
+    </p:extLst>
+  </p:cSld>
+  <p:clrMapOvr>
+    <a:masterClrMapping/>
+  </p:clrMapOvr>
+</p:notes>
+</file>
+
+<file path=ppt/notesSlides/notesSlide24.xml><?xml version="1.0" encoding="utf-8"?>
+<p:notes xmlns:a="http://schemas.openxmlformats.org/drawingml/2006/main" xmlns:r="http://schemas.openxmlformats.org/officeDocument/2006/relationships" xmlns:p="http://schemas.openxmlformats.org/presentationml/2006/main">
+  <p:cSld>
+    <p:spTree>
+      <p:nvGrpSpPr>
+        <p:cNvPr id="1" name=""/>
+        <p:cNvGrpSpPr/>
+        <p:nvPr/>
+      </p:nvGrpSpPr>
+      <p:grpSpPr>
+        <a:xfrm>
+          <a:off x="0" y="0"/>
+          <a:ext cx="0" cy="0"/>
+          <a:chOff x="0" y="0"/>
+          <a:chExt cx="0" cy="0"/>
+        </a:xfrm>
+      </p:grpSpPr>
+      <p:sp>
+        <p:nvSpPr>
+          <p:cNvPr id="2" name="Slide Image Placeholder 1"/>
+          <p:cNvSpPr>
+            <a:spLocks noGrp="1" noRot="1" noChangeAspect="1"/>
+          </p:cNvSpPr>
+          <p:nvPr>
+            <p:ph type="sldImg"/>
+          </p:nvPr>
+        </p:nvSpPr>
+        <p:spPr/>
+      </p:sp>
+      <p:sp>
+        <p:nvSpPr>
+          <p:cNvPr id="3" name="Notes Placeholder 2"/>
+          <p:cNvSpPr>
+            <a:spLocks noGrp="1"/>
+          </p:cNvSpPr>
+          <p:nvPr>
+            <p:ph type="body" idx="1"/>
+          </p:nvPr>
+        </p:nvSpPr>
+        <p:spPr/>
+        <p:txBody>
+          <a:bodyPr/>
+          <a:lstStyle/>
+          <a:p>
+            <a:endParaRPr lang="en-US" dirty="0"/>
+          </a:p>
+        </p:txBody>
+      </p:sp>
+      <p:sp>
+        <p:nvSpPr>
+          <p:cNvPr id="4" name="Slide Number Placeholder 3"/>
+          <p:cNvSpPr>
+            <a:spLocks noGrp="1"/>
+          </p:cNvSpPr>
+          <p:nvPr>
+            <p:ph type="sldNum" sz="quarter" idx="10"/>
+          </p:nvPr>
+        </p:nvSpPr>
+        <p:spPr/>
+        <p:txBody>
+          <a:bodyPr/>
+          <a:lstStyle/>
+          <a:p>
+            <a:pPr marL="0" marR="0" lvl="0" indent="0" algn="ctr" defTabSz="1088776" rtl="0" eaLnBrk="1" fontAlgn="auto" latinLnBrk="0" hangingPunct="1">
+              <a:lnSpc>
+                <a:spcPct val="100000"/>
+              </a:lnSpc>
+              <a:spcBef>
+                <a:spcPts val="0"/>
+              </a:spcBef>
+              <a:spcAft>
+                <a:spcPts val="0"/>
+              </a:spcAft>
+              <a:buClrTx/>
+              <a:buSzTx/>
+              <a:buFontTx/>
+              <a:buNone/>
+              <a:tabLst/>
+              <a:defRPr/>
+            </a:pPr>
+            <a:fld id="{7D8C2C35-2B8A-446E-BEC0-FD36716C29AC}" type="slidenum">
+              <a:rPr kumimoji="0" lang="de-DE" sz="800" b="0" i="0" u="none" strike="noStrike" kern="1200" cap="none" spc="0" normalizeH="0" baseline="0" noProof="0" smtClean="0">
+                <a:ln>
+                  <a:noFill/>
+                </a:ln>
+                <a:solidFill>
+                  <a:srgbClr val="000000"/>
+                </a:solidFill>
+                <a:effectLst/>
+                <a:uLnTx/>
+                <a:uFillTx/>
+                <a:latin typeface="Arial"/>
+                <a:ea typeface="+mn-ea"/>
+                <a:cs typeface="+mn-cs"/>
+              </a:rPr>
+              <a:pPr marL="0" marR="0" lvl="0" indent="0" algn="ctr" defTabSz="1088776" rtl="0" eaLnBrk="1" fontAlgn="auto" latinLnBrk="0" hangingPunct="1">
+                <a:lnSpc>
+                  <a:spcPct val="100000"/>
+                </a:lnSpc>
+                <a:spcBef>
+                  <a:spcPts val="0"/>
+                </a:spcBef>
+                <a:spcAft>
+                  <a:spcPts val="0"/>
+                </a:spcAft>
+                <a:buClrTx/>
+                <a:buSzTx/>
+                <a:buFontTx/>
+                <a:buNone/>
+                <a:tabLst/>
+                <a:defRPr/>
+              </a:pPr>
+              <a:t>26</a:t>
+            </a:fld>
+            <a:endParaRPr kumimoji="0" lang="de-DE" sz="800" b="0" i="0" u="none" strike="noStrike" kern="1200" cap="none" spc="0" normalizeH="0" baseline="0" noProof="0" dirty="0">
+              <a:ln>
+                <a:noFill/>
+              </a:ln>
+              <a:solidFill>
+                <a:srgbClr val="000000"/>
+              </a:solidFill>
+              <a:effectLst/>
+              <a:uLnTx/>
+              <a:uFillTx/>
+              <a:latin typeface="Arial"/>
+              <a:ea typeface="+mn-ea"/>
+              <a:cs typeface="+mn-cs"/>
+            </a:endParaRPr>
+          </a:p>
+        </p:txBody>
+      </p:sp>
+    </p:spTree>
+    <p:extLst>
+      <p:ext uri="{BB962C8B-B14F-4D97-AF65-F5344CB8AC3E}">
         <p14:creationId xmlns:p14="http://schemas.microsoft.com/office/powerpoint/2010/main" val="2710628521"/>
       </p:ext>
     </p:extLst>
@@ -5086,7 +5671,7 @@
 </p:notes>
 </file>
 
-<file path=ppt/notesSlides/notesSlide23.xml><?xml version="1.0" encoding="utf-8"?>
+<file path=ppt/notesSlides/notesSlide25.xml><?xml version="1.0" encoding="utf-8"?>
 <p:notes xmlns:a="http://schemas.openxmlformats.org/drawingml/2006/main" xmlns:r="http://schemas.openxmlformats.org/officeDocument/2006/relationships" xmlns:p="http://schemas.openxmlformats.org/presentationml/2006/main">
   <p:cSld>
     <p:spTree>
@@ -5121,7 +5706,7 @@
             <a:fld id="{7D8C2C35-2B8A-446E-BEC0-FD36716C29AC}" type="slidenum">
               <a:rPr lang="en-US" smtClean="0"/>
               <a:pPr/>
-              <a:t>25</a:t>
+              <a:t>27</a:t>
             </a:fld>
             <a:endParaRPr lang="en-US" dirty="0"/>
           </a:p>
@@ -5545,177 +6130,109 @@
         </p:nvSpPr>
         <p:spPr/>
         <p:txBody>
-          <a:bodyPr>
-            <a:normAutofit lnSpcReduction="10000"/>
-          </a:bodyPr>
+          <a:bodyPr/>
           <a:lstStyle/>
           <a:p>
-            <a:pPr marL="0" lvl="0" indent="0">
-              <a:buFontTx/>
-              <a:buNone/>
+            <a:r>
+              <a:rPr lang="en-US" dirty="0"/>
+              <a:t>Pods can be categorized by their priority to the system / user:</a:t>
+            </a:r>
+          </a:p>
+          <a:p>
+            <a:pPr marL="342900" indent="-342900">
+              <a:buAutoNum type="arabicPeriod"/>
             </a:pPr>
             <a:r>
               <a:rPr lang="en-US" dirty="0"/>
-              <a:t>Custom scheduler - this Demo is optional!</a:t>
-            </a:r>
-          </a:p>
-          <a:p>
-            <a:pPr marL="0" lvl="0" indent="0">
-              <a:buFontTx/>
-              <a:buNone/>
+              <a:t>Create a priority class</a:t>
+            </a:r>
+          </a:p>
+          <a:p>
+            <a:pPr marL="342900" indent="-342900">
+              <a:buAutoNum type="arabicPeriod"/>
             </a:pPr>
+            <a:r>
+              <a:rPr lang="en-US" dirty="0"/>
+              <a:t>Assign the priority class to the pod as part of the pod spec</a:t>
+            </a:r>
+          </a:p>
+          <a:p>
             <a:endParaRPr lang="en-US" dirty="0"/>
           </a:p>
           <a:p>
-            <a:pPr marL="0" lvl="0" indent="0">
-              <a:buFontTx/>
-              <a:buNone/>
-            </a:pPr>
             <a:r>
               <a:rPr lang="en-US" dirty="0"/>
-              <a:t>If regular scheduling doesn’t fit to your requirements, you can build a custom scheduler. It’s somewhat similar to the operator concept where you write your own control loop. </a:t>
-            </a:r>
-          </a:p>
-          <a:p>
-            <a:pPr marL="0" lvl="0" indent="0">
-              <a:buFontTx/>
-              <a:buNone/>
-            </a:pPr>
-            <a:r>
-              <a:rPr lang="en-US" dirty="0"/>
-              <a:t>All you need is to</a:t>
-            </a:r>
-          </a:p>
-          <a:p>
-            <a:pPr marL="285750" lvl="0" indent="-285750">
+              <a:t>Effect of a priority class assignment:</a:t>
+            </a:r>
+          </a:p>
+          <a:p>
+            <a:pPr marL="285750" indent="-285750">
               <a:buFontTx/>
               <a:buChar char="-"/>
             </a:pPr>
             <a:r>
               <a:rPr lang="en-US" dirty="0"/>
-              <a:t>a name the scheduler can be referenced by</a:t>
-            </a:r>
-          </a:p>
-          <a:p>
-            <a:pPr marL="285750" lvl="0" indent="-285750">
+              <a:t>As long as enough capacity (CPU, memory) is available, there is no effect (other than the scheduler gives priority when processing the queue)</a:t>
+            </a:r>
+          </a:p>
+          <a:p>
+            <a:pPr marL="285750" indent="-285750">
               <a:buFontTx/>
               <a:buChar char="-"/>
             </a:pPr>
             <a:r>
               <a:rPr lang="en-US" dirty="0"/>
-              <a:t>A control loop watching the API for unscheduled pods referencing the scheduler by name</a:t>
-            </a:r>
-          </a:p>
-          <a:p>
-            <a:pPr marL="285750" lvl="0" indent="-285750">
+              <a:t>When there is a resource shortage, pods with a higher priority will be handled this way:</a:t>
+            </a:r>
+          </a:p>
+          <a:p>
+            <a:pPr marL="465750" lvl="1" indent="-285750">
               <a:buFontTx/>
               <a:buChar char="-"/>
             </a:pPr>
             <a:r>
               <a:rPr lang="en-US" dirty="0"/>
-              <a:t>Access to the cluster API to run the loop and post the bindings</a:t>
-            </a:r>
-          </a:p>
-          <a:p>
-            <a:pPr marL="285750" lvl="0" indent="-285750">
+              <a:t>Assess resource requirements</a:t>
+            </a:r>
+          </a:p>
+          <a:p>
+            <a:pPr marL="465750" lvl="1" indent="-285750">
+              <a:buFontTx/>
+              <a:buChar char="-"/>
+            </a:pPr>
+            <a:r>
+              <a:rPr lang="en-US" dirty="0"/>
+              <a:t>Remove pods of lower priority from a node until high priority pod can be scheduled</a:t>
+            </a:r>
+          </a:p>
+          <a:p>
+            <a:pPr marL="465750" lvl="1" indent="-285750">
+              <a:buFontTx/>
+              <a:buChar char="-"/>
+            </a:pPr>
+            <a:r>
+              <a:rPr lang="en-US" dirty="0"/>
+              <a:t>This behavior is known as “preemption”</a:t>
+            </a:r>
+          </a:p>
+          <a:p>
+            <a:pPr marL="465750" lvl="1" indent="-285750">
               <a:buFontTx/>
               <a:buChar char="-"/>
             </a:pPr>
             <a:endParaRPr lang="en-US" dirty="0"/>
           </a:p>
           <a:p>
-            <a:pPr marL="0" lvl="0" indent="0">
-              <a:buFontTx/>
-              <a:buNone/>
-            </a:pPr>
             <a:r>
               <a:rPr lang="en-US" dirty="0"/>
-              <a:t>Demo :</a:t>
-            </a:r>
-          </a:p>
-          <a:p>
-            <a:pPr marL="285750" lvl="0" indent="-285750">
-              <a:buFontTx/>
-              <a:buChar char="-"/>
-            </a:pPr>
-            <a:r>
-              <a:rPr lang="en-US" dirty="0" err="1"/>
-              <a:t>kubectl</a:t>
-            </a:r>
-            <a:r>
-              <a:rPr lang="en-US" dirty="0"/>
-              <a:t> proxy &amp;</a:t>
-            </a:r>
-          </a:p>
-          <a:p>
-            <a:pPr marL="285750" lvl="0" indent="-285750">
-              <a:buFontTx/>
-              <a:buChar char="-"/>
-            </a:pPr>
-            <a:r>
-              <a:rPr lang="en-US" dirty="0"/>
-              <a:t>Create the deployment 11d_custom_scheduler_deployment.yaml</a:t>
-            </a:r>
-          </a:p>
-          <a:p>
-            <a:pPr marL="285750" lvl="0" indent="-285750">
-              <a:buFontTx/>
-              <a:buChar char="-"/>
-            </a:pPr>
-            <a:r>
-              <a:rPr lang="en-US" dirty="0"/>
-              <a:t>Show the pod with the specified scheduler name &amp; run a “describe” on it. Highlight the missing default scheduling event </a:t>
-            </a:r>
-            <a:r>
-              <a:rPr lang="en-US" dirty="0">
-                <a:sym typeface="Wingdings" panose="05000000000000000000" pitchFamily="2" charset="2"/>
-              </a:rPr>
-              <a:t> the default scheduler doesn’t pick it up</a:t>
-            </a:r>
-            <a:endParaRPr lang="en-US" dirty="0"/>
-          </a:p>
-          <a:p>
-            <a:pPr marL="285750" lvl="0" indent="-285750">
-              <a:buFontTx/>
-              <a:buChar char="-"/>
-            </a:pPr>
-            <a:r>
-              <a:rPr lang="en-US" dirty="0"/>
-              <a:t>Run “./11e_custom_scheduler.sh &lt;your-target-namespace&gt;” to start the scheduling loop</a:t>
-            </a:r>
-          </a:p>
-          <a:p>
-            <a:pPr marL="285750" lvl="0" indent="-285750">
-              <a:buFontTx/>
-              <a:buChar char="-"/>
-            </a:pPr>
-            <a:r>
-              <a:rPr lang="en-US" dirty="0"/>
-              <a:t>Show the scheduled pods</a:t>
-            </a:r>
-          </a:p>
-          <a:p>
-            <a:pPr marL="0" lvl="0" indent="0">
-              <a:buFontTx/>
-              <a:buNone/>
-            </a:pPr>
-            <a:endParaRPr lang="en-US" dirty="0"/>
-          </a:p>
-          <a:p>
-            <a:pPr marL="0" lvl="0" indent="0">
-              <a:buFontTx/>
-              <a:buNone/>
-            </a:pPr>
-            <a:r>
-              <a:rPr lang="en-US" dirty="0"/>
-              <a:t>Instead of running the scheduler locally you could also run it within the cluster – simply pack it into a docker image and use it with a deployment.</a:t>
-            </a:r>
-          </a:p>
-          <a:p>
-            <a:pPr marL="285750" lvl="0" indent="-285750">
-              <a:buFontTx/>
-              <a:buChar char="-"/>
-            </a:pPr>
+              <a:t>Read more about it here: </a:t>
+            </a:r>
+            <a:r>
+              <a:rPr lang="de-DE" dirty="0">
+                <a:hlinkClick r:id="rId3"/>
+              </a:rPr>
+              <a:t>https://kubernetes.io/docs/concepts/configuration/pod-priority-preemption/</a:t>
+            </a:r>
             <a:endParaRPr lang="en-US" dirty="0"/>
           </a:p>
         </p:txBody>
@@ -5727,7 +6244,7 @@
             <a:spLocks noGrp="1"/>
           </p:cNvSpPr>
           <p:nvPr>
-            <p:ph type="sldNum" sz="quarter" idx="10"/>
+            <p:ph type="sldNum" sz="quarter" idx="5"/>
           </p:nvPr>
         </p:nvSpPr>
         <p:spPr/>
@@ -5747,7 +6264,7 @@
     </p:spTree>
     <p:extLst>
       <p:ext uri="{BB962C8B-B14F-4D97-AF65-F5344CB8AC3E}">
-        <p14:creationId xmlns:p14="http://schemas.microsoft.com/office/powerpoint/2010/main" val="2127571660"/>
+        <p14:creationId xmlns:p14="http://schemas.microsoft.com/office/powerpoint/2010/main" val="2569416036"/>
       </p:ext>
     </p:extLst>
   </p:cSld>
@@ -5803,8 +6320,291 @@
           <a:p>
             <a:r>
               <a:rPr lang="en-US" dirty="0"/>
-              <a:t>Kubernetes is extensible in many different ways. One of the most powerful concepts is the introduction of custom resources and corresponding control loops (usually called “operators”).</a:t>
-            </a:r>
+              <a:t>Priority classes are cluster-wide (i.e. not namespace) resources. The “value” indicates the importance and is used to find preemption targets (i.e. pods with no or a lower priority)</a:t>
+            </a:r>
+          </a:p>
+          <a:p>
+            <a:endParaRPr lang="en-US" dirty="0"/>
+          </a:p>
+          <a:p>
+            <a:r>
+              <a:rPr lang="en-US" dirty="0"/>
+              <a:t>There can be many priority classes in a cluster but only one as “</a:t>
+            </a:r>
+            <a:r>
+              <a:rPr lang="de-DE" dirty="0" err="1"/>
+              <a:t>globalDefault</a:t>
+            </a:r>
+            <a:r>
+              <a:rPr lang="de-DE" dirty="0"/>
+              <a:t>“.</a:t>
+            </a:r>
+          </a:p>
+          <a:p>
+            <a:endParaRPr lang="de-DE" dirty="0"/>
+          </a:p>
+          <a:p>
+            <a:r>
+              <a:rPr lang="de-DE" b="1" dirty="0"/>
+              <a:t>Optional Demo:</a:t>
+            </a:r>
+            <a:r>
+              <a:rPr lang="de-DE" dirty="0"/>
+              <a:t> </a:t>
+            </a:r>
+          </a:p>
+          <a:p>
+            <a:r>
+              <a:rPr lang="de-DE" dirty="0" err="1"/>
+              <a:t>Within</a:t>
+            </a:r>
+            <a:r>
+              <a:rPr lang="de-DE" dirty="0"/>
+              <a:t> Gardener </a:t>
+            </a:r>
+            <a:r>
+              <a:rPr lang="de-DE" dirty="0" err="1"/>
+              <a:t>clusters</a:t>
+            </a:r>
+            <a:r>
+              <a:rPr lang="de-DE" dirty="0"/>
+              <a:t> </a:t>
+            </a:r>
+            <a:r>
+              <a:rPr lang="de-DE" dirty="0" err="1"/>
+              <a:t>there</a:t>
+            </a:r>
+            <a:r>
+              <a:rPr lang="de-DE" dirty="0"/>
+              <a:t> </a:t>
+            </a:r>
+            <a:r>
+              <a:rPr lang="de-DE" dirty="0" err="1"/>
+              <a:t>are</a:t>
+            </a:r>
+            <a:r>
+              <a:rPr lang="de-DE" dirty="0"/>
+              <a:t> 2 </a:t>
+            </a:r>
+            <a:r>
+              <a:rPr lang="de-DE" dirty="0" err="1"/>
+              <a:t>default</a:t>
+            </a:r>
+            <a:r>
+              <a:rPr lang="de-DE" dirty="0"/>
+              <a:t> </a:t>
+            </a:r>
+            <a:r>
+              <a:rPr lang="de-DE" dirty="0" err="1"/>
+              <a:t>priority</a:t>
+            </a:r>
+            <a:r>
+              <a:rPr lang="de-DE" dirty="0"/>
+              <a:t> </a:t>
+            </a:r>
+            <a:r>
+              <a:rPr lang="de-DE" dirty="0" err="1"/>
+              <a:t>classes</a:t>
+            </a:r>
+            <a:r>
+              <a:rPr lang="de-DE" dirty="0"/>
+              <a:t> „system-cluster-</a:t>
+            </a:r>
+            <a:r>
+              <a:rPr lang="de-DE" dirty="0" err="1"/>
+              <a:t>critical</a:t>
+            </a:r>
+            <a:r>
+              <a:rPr lang="de-DE" dirty="0"/>
+              <a:t>“ and „system-</a:t>
+            </a:r>
+            <a:r>
+              <a:rPr lang="de-DE" dirty="0" err="1"/>
+              <a:t>node</a:t>
+            </a:r>
+            <a:r>
+              <a:rPr lang="de-DE" dirty="0"/>
+              <a:t>-</a:t>
+            </a:r>
+            <a:r>
+              <a:rPr lang="de-DE" dirty="0" err="1"/>
+              <a:t>critical</a:t>
+            </a:r>
+            <a:r>
+              <a:rPr lang="de-DE" dirty="0"/>
+              <a:t>“. </a:t>
+            </a:r>
+            <a:r>
+              <a:rPr lang="de-DE" dirty="0" err="1"/>
+              <a:t>Have</a:t>
+            </a:r>
+            <a:r>
+              <a:rPr lang="de-DE" dirty="0"/>
+              <a:t> a </a:t>
+            </a:r>
+            <a:r>
+              <a:rPr lang="de-DE" dirty="0" err="1"/>
+              <a:t>look</a:t>
+            </a:r>
+            <a:r>
+              <a:rPr lang="de-DE" dirty="0"/>
+              <a:t> </a:t>
+            </a:r>
+            <a:r>
+              <a:rPr lang="de-DE" dirty="0" err="1"/>
+              <a:t>into</a:t>
+            </a:r>
+            <a:r>
+              <a:rPr lang="de-DE" dirty="0"/>
+              <a:t> </a:t>
+            </a:r>
+            <a:r>
+              <a:rPr lang="de-DE" dirty="0" err="1"/>
+              <a:t>pods</a:t>
+            </a:r>
+            <a:r>
+              <a:rPr lang="de-DE" dirty="0"/>
+              <a:t> in </a:t>
+            </a:r>
+            <a:r>
+              <a:rPr lang="de-DE" dirty="0" err="1"/>
+              <a:t>kube</a:t>
+            </a:r>
+            <a:r>
+              <a:rPr lang="de-DE" dirty="0"/>
+              <a:t>-system </a:t>
+            </a:r>
+            <a:r>
+              <a:rPr lang="de-DE" dirty="0" err="1"/>
+              <a:t>namespace</a:t>
+            </a:r>
+            <a:r>
+              <a:rPr lang="de-DE" dirty="0"/>
+              <a:t> and check, </a:t>
+            </a:r>
+            <a:r>
+              <a:rPr lang="de-DE" dirty="0" err="1"/>
+              <a:t>which</a:t>
+            </a:r>
+            <a:r>
+              <a:rPr lang="de-DE" dirty="0"/>
+              <a:t> </a:t>
+            </a:r>
+            <a:r>
+              <a:rPr lang="de-DE" dirty="0" err="1"/>
+              <a:t>priority</a:t>
+            </a:r>
+            <a:r>
+              <a:rPr lang="de-DE" dirty="0"/>
+              <a:t> </a:t>
+            </a:r>
+            <a:r>
+              <a:rPr lang="de-DE" dirty="0" err="1"/>
+              <a:t>classes</a:t>
+            </a:r>
+            <a:r>
+              <a:rPr lang="de-DE" dirty="0"/>
+              <a:t> </a:t>
+            </a:r>
+            <a:r>
+              <a:rPr lang="de-DE" dirty="0" err="1"/>
+              <a:t>are</a:t>
+            </a:r>
+            <a:r>
+              <a:rPr lang="de-DE" dirty="0"/>
+              <a:t> </a:t>
+            </a:r>
+            <a:r>
+              <a:rPr lang="de-DE" dirty="0" err="1"/>
+              <a:t>assigned</a:t>
+            </a:r>
+            <a:r>
+              <a:rPr lang="de-DE" dirty="0"/>
+              <a:t> </a:t>
+            </a:r>
+            <a:r>
+              <a:rPr lang="de-DE" dirty="0" err="1"/>
+              <a:t>to</a:t>
+            </a:r>
+            <a:r>
+              <a:rPr lang="de-DE" dirty="0"/>
+              <a:t> </a:t>
+            </a:r>
+            <a:r>
+              <a:rPr lang="de-DE" dirty="0" err="1"/>
+              <a:t>kube</a:t>
+            </a:r>
+            <a:r>
+              <a:rPr lang="de-DE" dirty="0"/>
+              <a:t>-proxy </a:t>
+            </a:r>
+            <a:r>
+              <a:rPr lang="de-DE" dirty="0" err="1"/>
+              <a:t>or</a:t>
+            </a:r>
+            <a:r>
+              <a:rPr lang="de-DE" dirty="0"/>
+              <a:t> </a:t>
+            </a:r>
+            <a:r>
+              <a:rPr lang="de-DE" dirty="0" err="1"/>
+              <a:t>calico-node</a:t>
+            </a:r>
+            <a:r>
+              <a:rPr lang="de-DE" dirty="0"/>
+              <a:t> </a:t>
+            </a:r>
+            <a:r>
+              <a:rPr lang="de-DE" dirty="0" err="1"/>
+              <a:t>pods</a:t>
+            </a:r>
+            <a:r>
+              <a:rPr lang="de-DE" dirty="0"/>
+              <a:t> (</a:t>
+            </a:r>
+            <a:r>
+              <a:rPr lang="de-DE" dirty="0" err="1"/>
+              <a:t>both</a:t>
+            </a:r>
+            <a:r>
+              <a:rPr lang="de-DE" dirty="0"/>
+              <a:t> </a:t>
+            </a:r>
+            <a:r>
+              <a:rPr lang="de-DE" dirty="0" err="1"/>
+              <a:t>managed</a:t>
+            </a:r>
+            <a:r>
+              <a:rPr lang="de-DE" dirty="0"/>
+              <a:t> </a:t>
+            </a:r>
+            <a:r>
+              <a:rPr lang="de-DE" dirty="0" err="1"/>
+              <a:t>by</a:t>
+            </a:r>
+            <a:r>
+              <a:rPr lang="de-DE" dirty="0"/>
+              <a:t> </a:t>
+            </a:r>
+            <a:r>
+              <a:rPr lang="de-DE" dirty="0" err="1"/>
+              <a:t>respective</a:t>
+            </a:r>
+            <a:r>
+              <a:rPr lang="de-DE" dirty="0"/>
+              <a:t> </a:t>
+            </a:r>
+            <a:r>
+              <a:rPr lang="de-DE" dirty="0" err="1"/>
+              <a:t>daemonsets</a:t>
+            </a:r>
+            <a:r>
+              <a:rPr lang="de-DE" dirty="0"/>
+              <a:t>). </a:t>
+            </a:r>
+          </a:p>
+          <a:p>
+            <a:endParaRPr lang="en-US" dirty="0"/>
           </a:p>
         </p:txBody>
       </p:sp>
@@ -5815,7 +6615,7 @@
             <a:spLocks noGrp="1"/>
           </p:cNvSpPr>
           <p:nvPr>
-            <p:ph type="sldNum" sz="quarter" idx="10"/>
+            <p:ph type="sldNum" sz="quarter" idx="5"/>
           </p:nvPr>
         </p:nvSpPr>
         <p:spPr/>
@@ -5824,18 +6624,18 @@
           <a:lstStyle/>
           <a:p>
             <a:fld id="{7D8C2C35-2B8A-446E-BEC0-FD36716C29AC}" type="slidenum">
-              <a:rPr lang="en-US" smtClean="0"/>
+              <a:rPr lang="de-DE" smtClean="0"/>
               <a:pPr/>
               <a:t>8</a:t>
             </a:fld>
-            <a:endParaRPr lang="en-US" dirty="0"/>
+            <a:endParaRPr lang="de-DE" dirty="0"/>
           </a:p>
         </p:txBody>
       </p:sp>
     </p:spTree>
     <p:extLst>
       <p:ext uri="{BB962C8B-B14F-4D97-AF65-F5344CB8AC3E}">
-        <p14:creationId xmlns:p14="http://schemas.microsoft.com/office/powerpoint/2010/main" val="3042135102"/>
+        <p14:creationId xmlns:p14="http://schemas.microsoft.com/office/powerpoint/2010/main" val="624819386"/>
       </p:ext>
     </p:extLst>
   </p:cSld>
@@ -5887,92 +6687,177 @@
         <p:spPr/>
         <p:txBody>
           <a:bodyPr>
-            <a:normAutofit fontScale="85000" lnSpcReduction="20000"/>
+            <a:normAutofit lnSpcReduction="10000"/>
           </a:bodyPr>
           <a:lstStyle/>
           <a:p>
+            <a:pPr marL="0" lvl="0" indent="0">
+              <a:buFontTx/>
+              <a:buNone/>
+            </a:pPr>
             <a:r>
               <a:rPr lang="en-US" dirty="0"/>
-              <a:t>About controller &amp; the operator pattern:</a:t>
-            </a:r>
-          </a:p>
-          <a:p>
+              <a:t>Custom scheduler - this Demo is optional!</a:t>
+            </a:r>
+          </a:p>
+          <a:p>
+            <a:pPr marL="0" lvl="0" indent="0">
+              <a:buFontTx/>
+              <a:buNone/>
+            </a:pPr>
+            <a:endParaRPr lang="en-US" dirty="0"/>
+          </a:p>
+          <a:p>
+            <a:pPr marL="0" lvl="0" indent="0">
+              <a:buFontTx/>
+              <a:buNone/>
+            </a:pPr>
             <a:r>
               <a:rPr lang="en-US" dirty="0"/>
-              <a:t>In the beginning of our course we said: “Kubernetes is extensible”. You cannot only bring your workloads into container and onto Kubernetes, you can also enhance the way Kubernetes is working. We start with the simplest way of doing so – writing a “controller” or “operator”. It basically consists of 3 logical parts:</a:t>
-            </a:r>
-          </a:p>
-          <a:p>
-            <a:pPr marL="342900" indent="-342900">
-              <a:buAutoNum type="arabicParenR"/>
+              <a:t>If regular scheduling doesn’t fit to your requirements, you can build a custom scheduler. It’s somewhat similar to the operator concept where you write your own control loop. </a:t>
+            </a:r>
+          </a:p>
+          <a:p>
+            <a:pPr marL="0" lvl="0" indent="0">
+              <a:buFontTx/>
+              <a:buNone/>
             </a:pPr>
             <a:r>
               <a:rPr lang="en-US" dirty="0"/>
-              <a:t>Observe - write a control loop, checking certain objects for their state.</a:t>
-            </a:r>
-          </a:p>
-          <a:p>
-            <a:pPr marL="342900" indent="-342900">
-              <a:buAutoNum type="arabicParenR"/>
+              <a:t>All you need is to</a:t>
+            </a:r>
+          </a:p>
+          <a:p>
+            <a:pPr marL="285750" lvl="0" indent="-285750">
+              <a:buFontTx/>
+              <a:buChar char="-"/>
             </a:pPr>
             <a:r>
               <a:rPr lang="en-US" dirty="0"/>
-              <a:t>Analyze – check the current state against a desired state (may be stored in a different resource, outside of the cluster, hardcoded, …) </a:t>
-            </a:r>
-          </a:p>
-          <a:p>
-            <a:pPr marL="342900" indent="-342900">
-              <a:buAutoNum type="arabicParenR"/>
+              <a:t>a name the scheduler can be referenced by</a:t>
+            </a:r>
+          </a:p>
+          <a:p>
+            <a:pPr marL="285750" lvl="0" indent="-285750">
+              <a:buFontTx/>
+              <a:buChar char="-"/>
             </a:pPr>
             <a:r>
               <a:rPr lang="en-US" dirty="0"/>
-              <a:t>Action – if there’s a difference between desired &amp; current state, the controller should act and trigger a defined action to bring the observed objects into the desired state</a:t>
-            </a:r>
-          </a:p>
-          <a:p>
+              <a:t>A control loop watching the API for unscheduled pods referencing the scheduler by name</a:t>
+            </a:r>
+          </a:p>
+          <a:p>
+            <a:pPr marL="285750" lvl="0" indent="-285750">
+              <a:buFontTx/>
+              <a:buChar char="-"/>
+            </a:pPr>
+            <a:r>
+              <a:rPr lang="en-US" dirty="0"/>
+              <a:t>Access to the cluster API to run the loop and post the bindings</a:t>
+            </a:r>
+          </a:p>
+          <a:p>
+            <a:pPr marL="285750" lvl="0" indent="-285750">
+              <a:buFontTx/>
+              <a:buChar char="-"/>
+            </a:pPr>
             <a:endParaRPr lang="en-US" dirty="0"/>
           </a:p>
           <a:p>
+            <a:pPr marL="0" lvl="0" indent="0">
+              <a:buFontTx/>
+              <a:buNone/>
+            </a:pPr>
             <a:r>
               <a:rPr lang="en-US" dirty="0"/>
-              <a:t>Lets combine the controller/operator with another powerful mechanism in the K8s realm: “Custom Resource Definition/Object” API (CRD / CRO)</a:t>
-            </a:r>
-          </a:p>
-          <a:p>
+              <a:t>Demo :</a:t>
+            </a:r>
+          </a:p>
+          <a:p>
+            <a:pPr marL="285750" lvl="0" indent="-285750">
+              <a:buFontTx/>
+              <a:buChar char="-"/>
+            </a:pPr>
+            <a:r>
+              <a:rPr lang="en-US" dirty="0" err="1"/>
+              <a:t>kubectl</a:t>
+            </a:r>
             <a:r>
               <a:rPr lang="en-US" dirty="0"/>
-              <a:t>CRDs allow you to specify your own objects and integrate them with the K8s API (like a deployment or PVC). Once you defined a CRD, you can start to create objects of that type. But only if you have an operator watching for these objects, something will happen.</a:t>
-            </a:r>
-          </a:p>
-          <a:p>
+              <a:t> proxy &amp;</a:t>
+            </a:r>
+          </a:p>
+          <a:p>
+            <a:pPr marL="285750" lvl="0" indent="-285750">
+              <a:buFontTx/>
+              <a:buChar char="-"/>
+            </a:pPr>
+            <a:r>
+              <a:rPr lang="en-US" dirty="0"/>
+              <a:t>Create the deployment 11d_custom_scheduler_deployment.yaml</a:t>
+            </a:r>
+          </a:p>
+          <a:p>
+            <a:pPr marL="285750" lvl="0" indent="-285750">
+              <a:buFontTx/>
+              <a:buChar char="-"/>
+            </a:pPr>
+            <a:r>
+              <a:rPr lang="en-US" dirty="0"/>
+              <a:t>Show the pod with the specified scheduler name &amp; run a “describe” on it. Highlight the missing default scheduling event </a:t>
+            </a:r>
+            <a:r>
+              <a:rPr lang="en-US" dirty="0">
+                <a:sym typeface="Wingdings" panose="05000000000000000000" pitchFamily="2" charset="2"/>
+              </a:rPr>
+              <a:t> the default scheduler doesn’t pick it up</a:t>
+            </a:r>
             <a:endParaRPr lang="en-US" dirty="0"/>
           </a:p>
           <a:p>
+            <a:pPr marL="285750" lvl="0" indent="-285750">
+              <a:buFontTx/>
+              <a:buChar char="-"/>
+            </a:pPr>
             <a:r>
               <a:rPr lang="en-US" dirty="0"/>
-              <a:t>Example:</a:t>
-            </a:r>
-          </a:p>
-          <a:p>
+              <a:t>Run “./11e_custom_scheduler.sh &lt;your-target-namespace&gt;” to start the scheduling loop</a:t>
+            </a:r>
+          </a:p>
+          <a:p>
+            <a:pPr marL="285750" lvl="0" indent="-285750">
+              <a:buFontTx/>
+              <a:buChar char="-"/>
+            </a:pPr>
             <a:r>
               <a:rPr lang="en-US" dirty="0"/>
-              <a:t>You want to run a distributed database on K8s. The actual instances are wrapped into a deployment. However for actions like backup or scaling, you would need to logon to each pod and prepare it manually. A possible solution would be to put scripts into the container images and trigger them. But it still is a manual action to trigger. </a:t>
-            </a:r>
-          </a:p>
-          <a:p>
+              <a:t>Show the scheduled pods</a:t>
+            </a:r>
+          </a:p>
+          <a:p>
+            <a:pPr marL="0" lvl="0" indent="0">
+              <a:buFontTx/>
+              <a:buNone/>
+            </a:pPr>
+            <a:endParaRPr lang="en-US" dirty="0"/>
+          </a:p>
+          <a:p>
+            <a:pPr marL="0" lvl="0" indent="0">
+              <a:buFontTx/>
+              <a:buNone/>
+            </a:pPr>
             <a:r>
               <a:rPr lang="en-US" dirty="0"/>
-              <a:t>Instead writing a controller, that watch for certain annotations in the resources metadata is a very valid option. The controller could not only process the action associated with these annotations but also update them.</a:t>
-            </a:r>
-          </a:p>
-          <a:p>
+              <a:t>Instead of running the scheduler locally you could also run it within the cluster – simply pack it into a docker image and use it with a deployment.</a:t>
+            </a:r>
+          </a:p>
+          <a:p>
+            <a:pPr marL="285750" lvl="0" indent="-285750">
+              <a:buFontTx/>
+              <a:buChar char="-"/>
+            </a:pPr>
             <a:endParaRPr lang="en-US" dirty="0"/>
-          </a:p>
-          <a:p>
-            <a:r>
-              <a:rPr lang="en-US" dirty="0"/>
-              <a:t>A slightly different approach would be to go with an API extension via CRD. Define a representation of your database as a custom resource definition and write an operator that observes/analyzes/acts on objects of this type. </a:t>
-            </a:r>
           </a:p>
         </p:txBody>
       </p:sp>
@@ -6003,7 +6888,7 @@
     </p:spTree>
     <p:extLst>
       <p:ext uri="{BB962C8B-B14F-4D97-AF65-F5344CB8AC3E}">
-        <p14:creationId xmlns:p14="http://schemas.microsoft.com/office/powerpoint/2010/main" val="373502214"/>
+        <p14:creationId xmlns:p14="http://schemas.microsoft.com/office/powerpoint/2010/main" val="2127571660"/>
       </p:ext>
     </p:extLst>
   </p:cSld>
@@ -6054,339 +6939,12 @@
         </p:nvSpPr>
         <p:spPr/>
         <p:txBody>
-          <a:bodyPr>
-            <a:normAutofit lnSpcReduction="10000"/>
-          </a:bodyPr>
+          <a:bodyPr/>
           <a:lstStyle/>
           <a:p>
-            <a:pPr marL="285750" marR="0" lvl="0" indent="-285750" algn="l" defTabSz="1088776" rtl="0" eaLnBrk="1" fontAlgn="auto" latinLnBrk="0" hangingPunct="1">
-              <a:lnSpc>
-                <a:spcPct val="100000"/>
-              </a:lnSpc>
-              <a:spcBef>
-                <a:spcPts val="0"/>
-              </a:spcBef>
-              <a:spcAft>
-                <a:spcPts val="0"/>
-              </a:spcAft>
-              <a:buClrTx/>
-              <a:buSzTx/>
-              <a:buFontTx/>
-              <a:buChar char="-"/>
-              <a:tabLst/>
-              <a:defRPr/>
-            </a:pPr>
-            <a:r>
-              <a:rPr lang="en-US" baseline="0" dirty="0"/>
-              <a:t>Optionally you can show this demo</a:t>
-            </a:r>
-          </a:p>
-          <a:p>
-            <a:pPr marL="285750" marR="0" lvl="0" indent="-285750" algn="l" defTabSz="1088776" rtl="0" eaLnBrk="1" fontAlgn="auto" latinLnBrk="0" hangingPunct="1">
-              <a:lnSpc>
-                <a:spcPct val="100000"/>
-              </a:lnSpc>
-              <a:spcBef>
-                <a:spcPts val="0"/>
-              </a:spcBef>
-              <a:spcAft>
-                <a:spcPts val="0"/>
-              </a:spcAft>
-              <a:buClrTx/>
-              <a:buSzTx/>
-              <a:buFontTx/>
-              <a:buChar char="-"/>
-              <a:tabLst/>
-              <a:defRPr/>
-            </a:pPr>
-            <a:r>
-              <a:rPr lang="en-US" baseline="0" dirty="0"/>
-              <a:t>Firstly, try to create the custom resource object (09_cro.yaml). It will fail, as the cluster </a:t>
-            </a:r>
-            <a:r>
-              <a:rPr lang="en-US" baseline="0" dirty="0" err="1"/>
-              <a:t>api</a:t>
-            </a:r>
-            <a:r>
-              <a:rPr lang="en-US" baseline="0" dirty="0"/>
-              <a:t> doesn’t know about this resource type</a:t>
-            </a:r>
-          </a:p>
-          <a:p>
-            <a:pPr marL="285750" marR="0" lvl="0" indent="-285750" algn="l" defTabSz="1088776" rtl="0" eaLnBrk="1" fontAlgn="auto" latinLnBrk="0" hangingPunct="1">
-              <a:lnSpc>
-                <a:spcPct val="100000"/>
-              </a:lnSpc>
-              <a:spcBef>
-                <a:spcPts val="0"/>
-              </a:spcBef>
-              <a:spcAft>
-                <a:spcPts val="0"/>
-              </a:spcAft>
-              <a:buClrTx/>
-              <a:buSzTx/>
-              <a:buFontTx/>
-              <a:buChar char="-"/>
-              <a:tabLst/>
-              <a:defRPr/>
-            </a:pPr>
-            <a:r>
-              <a:rPr lang="en-US" baseline="0" dirty="0"/>
-              <a:t>Create the custom resource definition (09_crd.yaml). Show the </a:t>
-            </a:r>
-            <a:r>
-              <a:rPr lang="en-US" baseline="0" dirty="0" err="1"/>
-              <a:t>yaml</a:t>
-            </a:r>
-            <a:r>
-              <a:rPr lang="en-US" baseline="0" dirty="0"/>
-              <a:t> and explain the spec</a:t>
-            </a:r>
-          </a:p>
-          <a:p>
-            <a:pPr marL="465750" marR="0" lvl="1" indent="-285750" algn="l" defTabSz="1088776" rtl="0" eaLnBrk="1" fontAlgn="auto" latinLnBrk="0" hangingPunct="1">
-              <a:lnSpc>
-                <a:spcPct val="100000"/>
-              </a:lnSpc>
-              <a:spcBef>
-                <a:spcPts val="0"/>
-              </a:spcBef>
-              <a:spcAft>
-                <a:spcPts val="0"/>
-              </a:spcAft>
-              <a:buClrTx/>
-              <a:buSzTx/>
-              <a:buFontTx/>
-              <a:buChar char="-"/>
-              <a:tabLst/>
-              <a:defRPr/>
-            </a:pPr>
-            <a:r>
-              <a:rPr lang="en-US" baseline="0" dirty="0"/>
-              <a:t>Group: this is path in the </a:t>
-            </a:r>
-            <a:r>
-              <a:rPr lang="en-US" baseline="0" dirty="0" err="1"/>
-              <a:t>api</a:t>
-            </a:r>
-            <a:r>
-              <a:rPr lang="en-US" baseline="0" dirty="0"/>
-              <a:t> (like apps or apiextensions.k8s.io)</a:t>
-            </a:r>
-          </a:p>
-          <a:p>
-            <a:pPr marL="465750" marR="0" lvl="1" indent="-285750" algn="l" defTabSz="1088776" rtl="0" eaLnBrk="1" fontAlgn="auto" latinLnBrk="0" hangingPunct="1">
-              <a:lnSpc>
-                <a:spcPct val="100000"/>
-              </a:lnSpc>
-              <a:spcBef>
-                <a:spcPts val="0"/>
-              </a:spcBef>
-              <a:spcAft>
-                <a:spcPts val="0"/>
-              </a:spcAft>
-              <a:buClrTx/>
-              <a:buSzTx/>
-              <a:buFontTx/>
-              <a:buChar char="-"/>
-              <a:tabLst/>
-              <a:defRPr/>
-            </a:pPr>
-            <a:r>
-              <a:rPr lang="en-US" baseline="0" dirty="0"/>
-              <a:t>Version: version of the </a:t>
-            </a:r>
-            <a:r>
-              <a:rPr lang="en-US" baseline="0" dirty="0" err="1"/>
-              <a:t>api</a:t>
-            </a:r>
-            <a:r>
-              <a:rPr lang="en-US" baseline="0" dirty="0"/>
-              <a:t> objects in this group (like v1 or v1beta1)</a:t>
-            </a:r>
-          </a:p>
-          <a:p>
-            <a:pPr marL="465750" marR="0" lvl="1" indent="-285750" algn="l" defTabSz="1088776" rtl="0" eaLnBrk="1" fontAlgn="auto" latinLnBrk="0" hangingPunct="1">
-              <a:lnSpc>
-                <a:spcPct val="100000"/>
-              </a:lnSpc>
-              <a:spcBef>
-                <a:spcPts val="0"/>
-              </a:spcBef>
-              <a:spcAft>
-                <a:spcPts val="0"/>
-              </a:spcAft>
-              <a:buClrTx/>
-              <a:buSzTx/>
-              <a:buFontTx/>
-              <a:buChar char="-"/>
-              <a:tabLst/>
-              <a:defRPr/>
-            </a:pPr>
-            <a:r>
-              <a:rPr lang="en-US" baseline="0" dirty="0"/>
-              <a:t>Scope: objects can exist within a namespace like pods or outside like nodes</a:t>
-            </a:r>
-          </a:p>
-          <a:p>
-            <a:pPr marL="465750" marR="0" lvl="1" indent="-285750" algn="l" defTabSz="1088776" rtl="0" eaLnBrk="1" fontAlgn="auto" latinLnBrk="0" hangingPunct="1">
-              <a:lnSpc>
-                <a:spcPct val="100000"/>
-              </a:lnSpc>
-              <a:spcBef>
-                <a:spcPts val="0"/>
-              </a:spcBef>
-              <a:spcAft>
-                <a:spcPts val="0"/>
-              </a:spcAft>
-              <a:buClrTx/>
-              <a:buSzTx/>
-              <a:buFontTx/>
-              <a:buChar char="-"/>
-              <a:tabLst/>
-              <a:defRPr/>
-            </a:pPr>
-            <a:r>
-              <a:rPr lang="en-US" baseline="0" dirty="0"/>
-              <a:t>Names: names for the object, can also include a short version like </a:t>
-            </a:r>
-            <a:r>
-              <a:rPr lang="en-US" baseline="0" dirty="0" err="1"/>
-              <a:t>pvc</a:t>
-            </a:r>
-            <a:r>
-              <a:rPr lang="en-US" baseline="0" dirty="0"/>
-              <a:t> for </a:t>
-            </a:r>
-            <a:r>
-              <a:rPr lang="en-US" baseline="0" dirty="0" err="1"/>
-              <a:t>persistentvolumeclaim</a:t>
-            </a:r>
-            <a:endParaRPr lang="en-US" baseline="0" dirty="0"/>
-          </a:p>
-          <a:p>
-            <a:pPr marL="465750" marR="0" lvl="1" indent="-285750" algn="l" defTabSz="1088776" rtl="0" eaLnBrk="1" fontAlgn="auto" latinLnBrk="0" hangingPunct="1">
-              <a:lnSpc>
-                <a:spcPct val="100000"/>
-              </a:lnSpc>
-              <a:spcBef>
-                <a:spcPts val="0"/>
-              </a:spcBef>
-              <a:spcAft>
-                <a:spcPts val="0"/>
-              </a:spcAft>
-              <a:buClrTx/>
-              <a:buSzTx/>
-              <a:buFontTx/>
-              <a:buChar char="-"/>
-              <a:tabLst/>
-              <a:defRPr/>
-            </a:pPr>
-            <a:r>
-              <a:rPr lang="en-US" baseline="0" dirty="0"/>
-              <a:t>Validation: this is the definition of the objects structure and how to validate it. The example requires the training object with properties name and participants</a:t>
-            </a:r>
-          </a:p>
-          <a:p>
-            <a:pPr marL="465750" marR="0" lvl="1" indent="-285750" algn="l" defTabSz="1088776" rtl="0" eaLnBrk="1" fontAlgn="auto" latinLnBrk="0" hangingPunct="1">
-              <a:lnSpc>
-                <a:spcPct val="100000"/>
-              </a:lnSpc>
-              <a:spcBef>
-                <a:spcPts val="0"/>
-              </a:spcBef>
-              <a:spcAft>
-                <a:spcPts val="0"/>
-              </a:spcAft>
-              <a:buClrTx/>
-              <a:buSzTx/>
-              <a:buFontTx/>
-              <a:buChar char="-"/>
-              <a:tabLst/>
-              <a:defRPr/>
-            </a:pPr>
-            <a:endParaRPr lang="en-US" baseline="0" dirty="0"/>
-          </a:p>
-          <a:p>
-            <a:pPr marL="180000" marR="0" lvl="1" indent="0" algn="l" defTabSz="1088776" rtl="0" eaLnBrk="1" fontAlgn="auto" latinLnBrk="0" hangingPunct="1">
-              <a:lnSpc>
-                <a:spcPct val="100000"/>
-              </a:lnSpc>
-              <a:spcBef>
-                <a:spcPts val="0"/>
-              </a:spcBef>
-              <a:spcAft>
-                <a:spcPts val="0"/>
-              </a:spcAft>
-              <a:buClrTx/>
-              <a:buSzTx/>
-              <a:buFontTx/>
-              <a:buNone/>
-              <a:tabLst/>
-              <a:defRPr/>
-            </a:pPr>
-            <a:r>
-              <a:rPr lang="en-US" baseline="0" dirty="0"/>
-              <a:t>To move on one could write an operator, that could create namespaces based on course objects.</a:t>
-            </a:r>
-          </a:p>
-          <a:p>
-            <a:pPr marL="180000" marR="0" lvl="1" indent="0" algn="l" defTabSz="1088776" rtl="0" eaLnBrk="1" fontAlgn="auto" latinLnBrk="0" hangingPunct="1">
-              <a:lnSpc>
-                <a:spcPct val="100000"/>
-              </a:lnSpc>
-              <a:spcBef>
-                <a:spcPts val="0"/>
-              </a:spcBef>
-              <a:spcAft>
-                <a:spcPts val="0"/>
-              </a:spcAft>
-              <a:buClrTx/>
-              <a:buSzTx/>
-              <a:buFontTx/>
-              <a:buNone/>
-              <a:tabLst/>
-              <a:defRPr/>
-            </a:pPr>
-            <a:endParaRPr lang="en-US" baseline="0" dirty="0"/>
-          </a:p>
-          <a:p>
-            <a:pPr marL="180000" marR="0" lvl="1" indent="0" algn="l" defTabSz="1088776" rtl="0" eaLnBrk="1" fontAlgn="auto" latinLnBrk="0" hangingPunct="1">
-              <a:lnSpc>
-                <a:spcPct val="100000"/>
-              </a:lnSpc>
-              <a:spcBef>
-                <a:spcPts val="0"/>
-              </a:spcBef>
-              <a:spcAft>
-                <a:spcPts val="0"/>
-              </a:spcAft>
-              <a:buClrTx/>
-              <a:buSzTx/>
-              <a:buFontTx/>
-              <a:buNone/>
-              <a:tabLst/>
-              <a:defRPr/>
-            </a:pPr>
-            <a:r>
-              <a:rPr lang="en-US" baseline="0" dirty="0"/>
-              <a:t>A real life example is how Gardener manages the shoot clusters. When you create a new Gardener cluster, actually a </a:t>
-            </a:r>
-            <a:r>
-              <a:rPr lang="en-US" baseline="0" dirty="0" err="1"/>
-              <a:t>yaml</a:t>
-            </a:r>
-            <a:r>
-              <a:rPr lang="en-US" baseline="0" dirty="0"/>
-              <a:t> file is generated and send to the seed clusters </a:t>
-            </a:r>
-            <a:r>
-              <a:rPr lang="en-US" baseline="0" dirty="0" err="1"/>
-              <a:t>api</a:t>
-            </a:r>
-            <a:r>
-              <a:rPr lang="en-US" baseline="0" dirty="0"/>
-              <a:t> server. The operator evaluates it and triggers corresponding actions.</a:t>
+            <a:r>
+              <a:rPr lang="en-US" dirty="0"/>
+              <a:t>Kubernetes is extensible in many different ways. One of the most powerful concepts is the introduction of custom resources and corresponding control loops (usually called “operators”).</a:t>
             </a:r>
           </a:p>
         </p:txBody>
@@ -6407,18 +6965,18 @@
           <a:lstStyle/>
           <a:p>
             <a:fld id="{7D8C2C35-2B8A-446E-BEC0-FD36716C29AC}" type="slidenum">
-              <a:rPr lang="de-DE" smtClean="0"/>
+              <a:rPr lang="en-US" smtClean="0"/>
               <a:pPr/>
-              <a:t>11</a:t>
+              <a:t>10</a:t>
             </a:fld>
-            <a:endParaRPr lang="de-DE" dirty="0"/>
+            <a:endParaRPr lang="en-US" dirty="0"/>
           </a:p>
         </p:txBody>
       </p:sp>
     </p:spTree>
     <p:extLst>
       <p:ext uri="{BB962C8B-B14F-4D97-AF65-F5344CB8AC3E}">
-        <p14:creationId xmlns:p14="http://schemas.microsoft.com/office/powerpoint/2010/main" val="549751525"/>
+        <p14:creationId xmlns:p14="http://schemas.microsoft.com/office/powerpoint/2010/main" val="3042135102"/>
       </p:ext>
     </p:extLst>
   </p:cSld>
@@ -19883,6 +20441,1212 @@
           <a:chExt cx="0" cy="0"/>
         </a:xfrm>
       </p:grpSpPr>
+      <p:sp>
+        <p:nvSpPr>
+          <p:cNvPr id="5" name="Text Placeholder 4"/>
+          <p:cNvSpPr>
+            <a:spLocks noGrp="1"/>
+          </p:cNvSpPr>
+          <p:nvPr>
+            <p:ph type="body" sz="quarter" idx="14"/>
+          </p:nvPr>
+        </p:nvSpPr>
+        <p:spPr/>
+        <p:txBody>
+          <a:bodyPr/>
+          <a:lstStyle/>
+          <a:p>
+            <a:r>
+              <a:rPr lang="en-US" dirty="0"/>
+              <a:t>Kubernetes</a:t>
+            </a:r>
+            <a:br>
+              <a:rPr lang="en-US" dirty="0"/>
+            </a:br>
+            <a:r>
+              <a:rPr lang="en-US" dirty="0">
+                <a:solidFill>
+                  <a:schemeClr val="accent1"/>
+                </a:solidFill>
+              </a:rPr>
+              <a:t>Extensibility with custom resources</a:t>
+            </a:r>
+          </a:p>
+        </p:txBody>
+      </p:sp>
+      <p:pic>
+        <p:nvPicPr>
+          <p:cNvPr id="4" name="Picture 3" descr="cid:image003.png@01D31CC6.A08B1C50">
+            <a:extLst>
+              <a:ext uri="{FF2B5EF4-FFF2-40B4-BE49-F238E27FC236}">
+                <a16:creationId xmlns:a16="http://schemas.microsoft.com/office/drawing/2014/main" id="{CE860390-F50F-48A8-AA1A-AE0217946FC1}"/>
+              </a:ext>
+            </a:extLst>
+          </p:cNvPr>
+          <p:cNvPicPr>
+            <a:picLocks noChangeAspect="1" noChangeArrowheads="1"/>
+          </p:cNvPicPr>
+          <p:nvPr/>
+        </p:nvPicPr>
+        <p:blipFill>
+          <a:blip r:embed="rId3">
+            <a:extLst>
+              <a:ext uri="{28A0092B-C50C-407E-A947-70E740481C1C}">
+                <a14:useLocalDpi xmlns:a14="http://schemas.microsoft.com/office/drawing/2010/main" val="0"/>
+              </a:ext>
+            </a:extLst>
+          </a:blip>
+          <a:srcRect/>
+          <a:stretch>
+            <a:fillRect/>
+          </a:stretch>
+        </p:blipFill>
+        <p:spPr bwMode="auto">
+          <a:xfrm>
+            <a:off x="10780712" y="5721975"/>
+            <a:ext cx="1414463" cy="1136025"/>
+          </a:xfrm>
+          <a:prstGeom prst="rect">
+            <a:avLst/>
+          </a:prstGeom>
+          <a:noFill/>
+          <a:ln>
+            <a:noFill/>
+          </a:ln>
+          <a:extLst>
+            <a:ext uri="{909E8E84-426E-40DD-AFC4-6F175D3DCCD1}">
+              <a14:hiddenFill xmlns:a14="http://schemas.microsoft.com/office/drawing/2010/main">
+                <a:solidFill>
+                  <a:srgbClr val="FFFFFF"/>
+                </a:solidFill>
+              </a14:hiddenFill>
+            </a:ext>
+            <a:ext uri="{91240B29-F687-4F45-9708-019B960494DF}">
+              <a14:hiddenLine xmlns:a14="http://schemas.microsoft.com/office/drawing/2010/main" w="9525">
+                <a:solidFill>
+                  <a:srgbClr val="000000"/>
+                </a:solidFill>
+                <a:miter lim="800000"/>
+                <a:headEnd/>
+                <a:tailEnd/>
+              </a14:hiddenLine>
+            </a:ext>
+          </a:extLst>
+        </p:spPr>
+      </p:pic>
+      <p:pic>
+        <p:nvPicPr>
+          <p:cNvPr id="8" name="Illustration" descr="Example of an illustration" title="Illustration for title slide">
+            <a:extLst>
+              <a:ext uri="{FF2B5EF4-FFF2-40B4-BE49-F238E27FC236}">
+                <a16:creationId xmlns:a16="http://schemas.microsoft.com/office/drawing/2014/main" id="{01600F65-CF7C-4978-AEE5-E81564FA87FF}"/>
+              </a:ext>
+            </a:extLst>
+          </p:cNvPr>
+          <p:cNvPicPr>
+            <a:picLocks noGrp="1" noChangeAspect="1"/>
+          </p:cNvPicPr>
+          <p:nvPr>
+            <p:ph type="pic" sz="quarter" idx="12"/>
+          </p:nvPr>
+        </p:nvPicPr>
+        <p:blipFill>
+          <a:blip r:embed="rId4"/>
+          <a:srcRect t="3112" b="3112"/>
+          <a:stretch>
+            <a:fillRect/>
+          </a:stretch>
+        </p:blipFill>
+        <p:spPr bwMode="gray">
+          <a:xfrm>
+            <a:off x="1" y="0"/>
+            <a:ext cx="12195174" cy="3430006"/>
+          </a:xfrm>
+        </p:spPr>
+      </p:pic>
+    </p:spTree>
+    <p:extLst>
+      <p:ext uri="{BB962C8B-B14F-4D97-AF65-F5344CB8AC3E}">
+        <p14:creationId xmlns:p14="http://schemas.microsoft.com/office/powerpoint/2010/main" val="2442442933"/>
+      </p:ext>
+    </p:extLst>
+  </p:cSld>
+  <p:clrMapOvr>
+    <a:masterClrMapping/>
+  </p:clrMapOvr>
+</p:sld>
+</file>
+
+<file path=ppt/slides/slide11.xml><?xml version="1.0" encoding="utf-8"?>
+<p:sld xmlns:a="http://schemas.openxmlformats.org/drawingml/2006/main" xmlns:r="http://schemas.openxmlformats.org/officeDocument/2006/relationships" xmlns:p="http://schemas.openxmlformats.org/presentationml/2006/main">
+  <p:cSld>
+    <p:spTree>
+      <p:nvGrpSpPr>
+        <p:cNvPr id="1" name=""/>
+        <p:cNvGrpSpPr/>
+        <p:nvPr/>
+      </p:nvGrpSpPr>
+      <p:grpSpPr>
+        <a:xfrm>
+          <a:off x="0" y="0"/>
+          <a:ext cx="0" cy="0"/>
+          <a:chOff x="0" y="0"/>
+          <a:chExt cx="0" cy="0"/>
+        </a:xfrm>
+      </p:grpSpPr>
+      <p:sp>
+        <p:nvSpPr>
+          <p:cNvPr id="3" name="Title 2">
+            <a:extLst>
+              <a:ext uri="{FF2B5EF4-FFF2-40B4-BE49-F238E27FC236}">
+                <a16:creationId xmlns:a16="http://schemas.microsoft.com/office/drawing/2014/main" id="{0C59C333-28D0-4634-874F-97F7337CB0CD}"/>
+              </a:ext>
+            </a:extLst>
+          </p:cNvPr>
+          <p:cNvSpPr>
+            <a:spLocks noGrp="1"/>
+          </p:cNvSpPr>
+          <p:nvPr>
+            <p:ph type="title"/>
+          </p:nvPr>
+        </p:nvSpPr>
+        <p:spPr/>
+        <p:txBody>
+          <a:bodyPr/>
+          <a:lstStyle/>
+          <a:p>
+            <a:r>
+              <a:rPr lang="en-US" dirty="0"/>
+              <a:t>What was this something about a “controller”?</a:t>
+            </a:r>
+          </a:p>
+        </p:txBody>
+      </p:sp>
+      <p:graphicFrame>
+        <p:nvGraphicFramePr>
+          <p:cNvPr id="6" name="Diagram 5">
+            <a:extLst>
+              <a:ext uri="{FF2B5EF4-FFF2-40B4-BE49-F238E27FC236}">
+                <a16:creationId xmlns:a16="http://schemas.microsoft.com/office/drawing/2014/main" id="{96400DA1-E9AF-4D54-8833-28161067C5A9}"/>
+              </a:ext>
+            </a:extLst>
+          </p:cNvPr>
+          <p:cNvGraphicFramePr/>
+          <p:nvPr>
+            <p:extLst/>
+          </p:nvPr>
+        </p:nvGraphicFramePr>
+        <p:xfrm>
+          <a:off x="267706" y="1179576"/>
+          <a:ext cx="11422771" cy="1065354"/>
+        </p:xfrm>
+        <a:graphic>
+          <a:graphicData uri="http://schemas.openxmlformats.org/drawingml/2006/diagram">
+            <dgm:relIds xmlns:dgm="http://schemas.openxmlformats.org/drawingml/2006/diagram" xmlns:r="http://schemas.openxmlformats.org/officeDocument/2006/relationships" r:dm="rId3" r:lo="rId4" r:qs="rId5" r:cs="rId6"/>
+          </a:graphicData>
+        </a:graphic>
+      </p:graphicFrame>
+      <p:sp>
+        <p:nvSpPr>
+          <p:cNvPr id="7" name="Flowchart: Alternate Process 6">
+            <a:extLst>
+              <a:ext uri="{FF2B5EF4-FFF2-40B4-BE49-F238E27FC236}">
+                <a16:creationId xmlns:a16="http://schemas.microsoft.com/office/drawing/2014/main" id="{555CF690-EFA8-43B1-B072-7D0EA34EB271}"/>
+              </a:ext>
+            </a:extLst>
+          </p:cNvPr>
+          <p:cNvSpPr/>
+          <p:nvPr/>
+        </p:nvSpPr>
+        <p:spPr bwMode="gray">
+          <a:xfrm>
+            <a:off x="5244831" y="3374212"/>
+            <a:ext cx="2216880" cy="1248155"/>
+          </a:xfrm>
+          <a:prstGeom prst="flowChartAlternateProcess">
+            <a:avLst/>
+          </a:prstGeom>
+          <a:ln>
+            <a:headEnd/>
+            <a:tailEnd/>
+          </a:ln>
+        </p:spPr>
+        <p:style>
+          <a:lnRef idx="2">
+            <a:schemeClr val="accent2"/>
+          </a:lnRef>
+          <a:fillRef idx="1">
+            <a:schemeClr val="lt1"/>
+          </a:fillRef>
+          <a:effectRef idx="0">
+            <a:schemeClr val="accent2"/>
+          </a:effectRef>
+          <a:fontRef idx="minor">
+            <a:schemeClr val="dk1"/>
+          </a:fontRef>
+        </p:style>
+        <p:txBody>
+          <a:bodyPr lIns="90000" tIns="72000" rIns="90000" bIns="72000" rtlCol="0" anchor="ctr"/>
+          <a:lstStyle/>
+          <a:p>
+            <a:pPr marR="0" algn="ctr" defTabSz="914400" eaLnBrk="1" fontAlgn="base" latinLnBrk="0" hangingPunct="1">
+              <a:lnSpc>
+                <a:spcPct val="100000"/>
+              </a:lnSpc>
+              <a:spcBef>
+                <a:spcPct val="50000"/>
+              </a:spcBef>
+              <a:spcAft>
+                <a:spcPct val="0"/>
+              </a:spcAft>
+              <a:buClr>
+                <a:srgbClr val="F0AB00"/>
+              </a:buClr>
+              <a:buSzPct val="80000"/>
+              <a:tabLst/>
+            </a:pPr>
+            <a:r>
+              <a:rPr kumimoji="0" lang="en-US" sz="1800" b="0" i="0" u="none" strike="noStrike" kern="0" cap="none" spc="0" normalizeH="0" baseline="0" noProof="0" dirty="0">
+                <a:ln>
+                  <a:noFill/>
+                </a:ln>
+                <a:effectLst/>
+                <a:uLnTx/>
+                <a:uFillTx/>
+                <a:ea typeface="Arial Unicode MS" pitchFamily="34" charset="-128"/>
+                <a:cs typeface="Arial Unicode MS" pitchFamily="34" charset="-128"/>
+              </a:rPr>
+              <a:t>Operator</a:t>
+            </a:r>
+          </a:p>
+        </p:txBody>
+      </p:sp>
+      <p:sp>
+        <p:nvSpPr>
+          <p:cNvPr id="8" name="Scroll: Vertical 7">
+            <a:extLst>
+              <a:ext uri="{FF2B5EF4-FFF2-40B4-BE49-F238E27FC236}">
+                <a16:creationId xmlns:a16="http://schemas.microsoft.com/office/drawing/2014/main" id="{150895A8-6424-40BB-94B2-76ADA3C2C250}"/>
+              </a:ext>
+            </a:extLst>
+          </p:cNvPr>
+          <p:cNvSpPr/>
+          <p:nvPr/>
+        </p:nvSpPr>
+        <p:spPr bwMode="gray">
+          <a:xfrm>
+            <a:off x="1996155" y="2626691"/>
+            <a:ext cx="1508760" cy="1371599"/>
+          </a:xfrm>
+          <a:prstGeom prst="verticalScroll">
+            <a:avLst/>
+          </a:prstGeom>
+          <a:ln>
+            <a:headEnd/>
+            <a:tailEnd/>
+          </a:ln>
+        </p:spPr>
+        <p:style>
+          <a:lnRef idx="2">
+            <a:schemeClr val="accent2"/>
+          </a:lnRef>
+          <a:fillRef idx="1">
+            <a:schemeClr val="lt1"/>
+          </a:fillRef>
+          <a:effectRef idx="0">
+            <a:schemeClr val="accent2"/>
+          </a:effectRef>
+          <a:fontRef idx="minor">
+            <a:schemeClr val="dk1"/>
+          </a:fontRef>
+        </p:style>
+        <p:txBody>
+          <a:bodyPr vert="horz" lIns="90000" tIns="72000" rIns="90000" bIns="72000" rtlCol="0" anchor="ctr"/>
+          <a:lstStyle/>
+          <a:p>
+            <a:pPr marR="0" algn="ctr" defTabSz="914400" eaLnBrk="1" fontAlgn="base" latinLnBrk="0" hangingPunct="1">
+              <a:lnSpc>
+                <a:spcPct val="100000"/>
+              </a:lnSpc>
+              <a:spcBef>
+                <a:spcPct val="50000"/>
+              </a:spcBef>
+              <a:spcAft>
+                <a:spcPct val="0"/>
+              </a:spcAft>
+              <a:buClr>
+                <a:srgbClr val="F0AB00"/>
+              </a:buClr>
+              <a:buSzPct val="80000"/>
+              <a:tabLst/>
+            </a:pPr>
+            <a:r>
+              <a:rPr kumimoji="0" lang="en-US" sz="1800" b="0" i="0" u="none" strike="noStrike" kern="0" cap="none" spc="0" normalizeH="0" baseline="0" noProof="0" dirty="0">
+                <a:ln>
+                  <a:noFill/>
+                </a:ln>
+                <a:effectLst/>
+                <a:uLnTx/>
+                <a:uFillTx/>
+                <a:ea typeface="Arial Unicode MS" pitchFamily="34" charset="-128"/>
+                <a:cs typeface="Arial Unicode MS" pitchFamily="34" charset="-128"/>
+              </a:rPr>
+              <a:t>CRD</a:t>
+            </a:r>
+          </a:p>
+        </p:txBody>
+      </p:sp>
+      <p:sp>
+        <p:nvSpPr>
+          <p:cNvPr id="9" name="Flowchart: Alternate Process 8">
+            <a:extLst>
+              <a:ext uri="{FF2B5EF4-FFF2-40B4-BE49-F238E27FC236}">
+                <a16:creationId xmlns:a16="http://schemas.microsoft.com/office/drawing/2014/main" id="{BEF33497-C8DA-4C6A-95AC-86631F28F97C}"/>
+              </a:ext>
+            </a:extLst>
+          </p:cNvPr>
+          <p:cNvSpPr/>
+          <p:nvPr/>
+        </p:nvSpPr>
+        <p:spPr bwMode="gray">
+          <a:xfrm>
+            <a:off x="8978877" y="4213217"/>
+            <a:ext cx="1396476" cy="1274488"/>
+          </a:xfrm>
+          <a:prstGeom prst="flowChartAlternateProcess">
+            <a:avLst/>
+          </a:prstGeom>
+          <a:ln>
+            <a:headEnd/>
+            <a:tailEnd/>
+          </a:ln>
+        </p:spPr>
+        <p:style>
+          <a:lnRef idx="2">
+            <a:schemeClr val="accent2"/>
+          </a:lnRef>
+          <a:fillRef idx="1">
+            <a:schemeClr val="lt1"/>
+          </a:fillRef>
+          <a:effectRef idx="0">
+            <a:schemeClr val="accent2"/>
+          </a:effectRef>
+          <a:fontRef idx="minor">
+            <a:schemeClr val="dk1"/>
+          </a:fontRef>
+        </p:style>
+        <p:txBody>
+          <a:bodyPr lIns="90000" tIns="72000" rIns="90000" bIns="72000" rtlCol="0" anchor="ctr"/>
+          <a:lstStyle/>
+          <a:p>
+            <a:pPr marR="0" algn="ctr" defTabSz="914400" eaLnBrk="1" fontAlgn="base" latinLnBrk="0" hangingPunct="1">
+              <a:lnSpc>
+                <a:spcPct val="100000"/>
+              </a:lnSpc>
+              <a:spcBef>
+                <a:spcPct val="50000"/>
+              </a:spcBef>
+              <a:spcAft>
+                <a:spcPct val="0"/>
+              </a:spcAft>
+              <a:buClr>
+                <a:srgbClr val="F0AB00"/>
+              </a:buClr>
+              <a:buSzPct val="80000"/>
+              <a:tabLst/>
+            </a:pPr>
+            <a:r>
+              <a:rPr kumimoji="0" lang="en-US" sz="1800" b="0" i="0" u="none" strike="noStrike" kern="0" cap="none" spc="0" normalizeH="0" baseline="0" noProof="0" dirty="0">
+                <a:ln>
+                  <a:noFill/>
+                </a:ln>
+                <a:effectLst/>
+                <a:uLnTx/>
+                <a:uFillTx/>
+                <a:ea typeface="Arial Unicode MS" pitchFamily="34" charset="-128"/>
+                <a:cs typeface="Arial Unicode MS" pitchFamily="34" charset="-128"/>
+              </a:rPr>
+              <a:t>Pod</a:t>
+            </a:r>
+          </a:p>
+        </p:txBody>
+      </p:sp>
+      <p:sp>
+        <p:nvSpPr>
+          <p:cNvPr id="10" name="Scroll: Vertical 9">
+            <a:extLst>
+              <a:ext uri="{FF2B5EF4-FFF2-40B4-BE49-F238E27FC236}">
+                <a16:creationId xmlns:a16="http://schemas.microsoft.com/office/drawing/2014/main" id="{3F63FEC2-BB88-483F-83BB-F72560D01569}"/>
+              </a:ext>
+            </a:extLst>
+          </p:cNvPr>
+          <p:cNvSpPr/>
+          <p:nvPr/>
+        </p:nvSpPr>
+        <p:spPr bwMode="gray">
+          <a:xfrm>
+            <a:off x="1996155" y="4324008"/>
+            <a:ext cx="1508760" cy="1371599"/>
+          </a:xfrm>
+          <a:prstGeom prst="verticalScroll">
+            <a:avLst/>
+          </a:prstGeom>
+          <a:ln>
+            <a:headEnd/>
+            <a:tailEnd/>
+          </a:ln>
+        </p:spPr>
+        <p:style>
+          <a:lnRef idx="2">
+            <a:schemeClr val="accent2"/>
+          </a:lnRef>
+          <a:fillRef idx="1">
+            <a:schemeClr val="lt1"/>
+          </a:fillRef>
+          <a:effectRef idx="0">
+            <a:schemeClr val="accent2"/>
+          </a:effectRef>
+          <a:fontRef idx="minor">
+            <a:schemeClr val="dk1"/>
+          </a:fontRef>
+        </p:style>
+        <p:txBody>
+          <a:bodyPr vert="horz" lIns="90000" tIns="72000" rIns="90000" bIns="72000" rtlCol="0" anchor="ctr"/>
+          <a:lstStyle/>
+          <a:p>
+            <a:pPr marR="0" algn="ctr" defTabSz="914400" eaLnBrk="1" fontAlgn="base" latinLnBrk="0" hangingPunct="1">
+              <a:lnSpc>
+                <a:spcPct val="100000"/>
+              </a:lnSpc>
+              <a:spcBef>
+                <a:spcPct val="50000"/>
+              </a:spcBef>
+              <a:spcAft>
+                <a:spcPct val="0"/>
+              </a:spcAft>
+              <a:buClr>
+                <a:srgbClr val="F0AB00"/>
+              </a:buClr>
+              <a:buSzPct val="80000"/>
+              <a:tabLst/>
+            </a:pPr>
+            <a:r>
+              <a:rPr kumimoji="0" lang="en-US" sz="1800" b="0" i="0" u="none" strike="noStrike" kern="0" cap="none" spc="0" normalizeH="0" baseline="0" noProof="0" dirty="0">
+                <a:ln>
+                  <a:noFill/>
+                </a:ln>
+                <a:effectLst/>
+                <a:uLnTx/>
+                <a:uFillTx/>
+                <a:ea typeface="Arial Unicode MS" pitchFamily="34" charset="-128"/>
+                <a:cs typeface="Arial Unicode MS" pitchFamily="34" charset="-128"/>
+              </a:rPr>
+              <a:t>CRO</a:t>
+            </a:r>
+          </a:p>
+        </p:txBody>
+      </p:sp>
+      <p:sp>
+        <p:nvSpPr>
+          <p:cNvPr id="11" name="Flowchart: Alternate Process 10">
+            <a:extLst>
+              <a:ext uri="{FF2B5EF4-FFF2-40B4-BE49-F238E27FC236}">
+                <a16:creationId xmlns:a16="http://schemas.microsoft.com/office/drawing/2014/main" id="{D9AB9761-B883-4C75-80CE-78B6EA344896}"/>
+              </a:ext>
+            </a:extLst>
+          </p:cNvPr>
+          <p:cNvSpPr/>
+          <p:nvPr/>
+        </p:nvSpPr>
+        <p:spPr bwMode="gray">
+          <a:xfrm>
+            <a:off x="8978877" y="2626691"/>
+            <a:ext cx="1396476" cy="1274488"/>
+          </a:xfrm>
+          <a:prstGeom prst="flowChartAlternateProcess">
+            <a:avLst/>
+          </a:prstGeom>
+          <a:ln>
+            <a:headEnd/>
+            <a:tailEnd/>
+          </a:ln>
+        </p:spPr>
+        <p:style>
+          <a:lnRef idx="2">
+            <a:schemeClr val="accent2"/>
+          </a:lnRef>
+          <a:fillRef idx="1">
+            <a:schemeClr val="lt1"/>
+          </a:fillRef>
+          <a:effectRef idx="0">
+            <a:schemeClr val="accent2"/>
+          </a:effectRef>
+          <a:fontRef idx="minor">
+            <a:schemeClr val="dk1"/>
+          </a:fontRef>
+        </p:style>
+        <p:txBody>
+          <a:bodyPr lIns="90000" tIns="72000" rIns="90000" bIns="72000" rtlCol="0" anchor="ctr"/>
+          <a:lstStyle/>
+          <a:p>
+            <a:pPr marR="0" algn="ctr" defTabSz="914400" eaLnBrk="1" fontAlgn="base" latinLnBrk="0" hangingPunct="1">
+              <a:lnSpc>
+                <a:spcPct val="100000"/>
+              </a:lnSpc>
+              <a:spcBef>
+                <a:spcPct val="50000"/>
+              </a:spcBef>
+              <a:spcAft>
+                <a:spcPct val="0"/>
+              </a:spcAft>
+              <a:buClr>
+                <a:srgbClr val="F0AB00"/>
+              </a:buClr>
+              <a:buSzPct val="80000"/>
+              <a:tabLst/>
+            </a:pPr>
+            <a:r>
+              <a:rPr kumimoji="0" lang="en-US" sz="1800" b="0" i="0" u="none" strike="noStrike" kern="0" cap="none" spc="0" normalizeH="0" baseline="0" noProof="0" dirty="0">
+                <a:ln>
+                  <a:noFill/>
+                </a:ln>
+                <a:effectLst/>
+                <a:uLnTx/>
+                <a:uFillTx/>
+                <a:ea typeface="Arial Unicode MS" pitchFamily="34" charset="-128"/>
+                <a:cs typeface="Arial Unicode MS" pitchFamily="34" charset="-128"/>
+              </a:rPr>
+              <a:t>Pod</a:t>
+            </a:r>
+          </a:p>
+        </p:txBody>
+      </p:sp>
+      <p:cxnSp>
+        <p:nvCxnSpPr>
+          <p:cNvPr id="17" name="Straight Arrow Connector 16">
+            <a:extLst>
+              <a:ext uri="{FF2B5EF4-FFF2-40B4-BE49-F238E27FC236}">
+                <a16:creationId xmlns:a16="http://schemas.microsoft.com/office/drawing/2014/main" id="{C4881647-A915-4AF8-BF46-39EA1FFEC4BE}"/>
+              </a:ext>
+            </a:extLst>
+          </p:cNvPr>
+          <p:cNvCxnSpPr>
+            <a:cxnSpLocks/>
+            <a:stCxn id="8" idx="2"/>
+            <a:endCxn id="10" idx="0"/>
+          </p:cNvCxnSpPr>
+          <p:nvPr/>
+        </p:nvCxnSpPr>
+        <p:spPr>
+          <a:xfrm>
+            <a:off x="2750535" y="3998290"/>
+            <a:ext cx="0" cy="325718"/>
+          </a:xfrm>
+          <a:prstGeom prst="straightConnector1">
+            <a:avLst/>
+          </a:prstGeom>
+          <a:ln w="57150">
+            <a:solidFill>
+              <a:schemeClr val="tx1"/>
+            </a:solidFill>
+            <a:headEnd type="none" w="med" len="med"/>
+            <a:tailEnd type="triangle"/>
+          </a:ln>
+        </p:spPr>
+        <p:style>
+          <a:lnRef idx="1">
+            <a:schemeClr val="accent1"/>
+          </a:lnRef>
+          <a:fillRef idx="0">
+            <a:schemeClr val="accent1"/>
+          </a:fillRef>
+          <a:effectRef idx="0">
+            <a:schemeClr val="accent1"/>
+          </a:effectRef>
+          <a:fontRef idx="minor">
+            <a:schemeClr val="tx1"/>
+          </a:fontRef>
+        </p:style>
+      </p:cxnSp>
+      <p:cxnSp>
+        <p:nvCxnSpPr>
+          <p:cNvPr id="18" name="Straight Arrow Connector 17">
+            <a:extLst>
+              <a:ext uri="{FF2B5EF4-FFF2-40B4-BE49-F238E27FC236}">
+                <a16:creationId xmlns:a16="http://schemas.microsoft.com/office/drawing/2014/main" id="{AA796564-D3CB-48A7-8DA1-312179EB1493}"/>
+              </a:ext>
+            </a:extLst>
+          </p:cNvPr>
+          <p:cNvCxnSpPr>
+            <a:cxnSpLocks/>
+            <a:stCxn id="7" idx="1"/>
+            <a:endCxn id="8" idx="3"/>
+          </p:cNvCxnSpPr>
+          <p:nvPr/>
+        </p:nvCxnSpPr>
+        <p:spPr>
+          <a:xfrm flipH="1" flipV="1">
+            <a:off x="3333465" y="3312491"/>
+            <a:ext cx="1911366" cy="685799"/>
+          </a:xfrm>
+          <a:prstGeom prst="straightConnector1">
+            <a:avLst/>
+          </a:prstGeom>
+          <a:ln w="57150">
+            <a:solidFill>
+              <a:schemeClr val="tx1"/>
+            </a:solidFill>
+            <a:headEnd type="none" w="med" len="med"/>
+            <a:tailEnd type="triangle"/>
+          </a:ln>
+        </p:spPr>
+        <p:style>
+          <a:lnRef idx="1">
+            <a:schemeClr val="accent1"/>
+          </a:lnRef>
+          <a:fillRef idx="0">
+            <a:schemeClr val="accent1"/>
+          </a:fillRef>
+          <a:effectRef idx="0">
+            <a:schemeClr val="accent1"/>
+          </a:effectRef>
+          <a:fontRef idx="minor">
+            <a:schemeClr val="tx1"/>
+          </a:fontRef>
+        </p:style>
+      </p:cxnSp>
+      <p:cxnSp>
+        <p:nvCxnSpPr>
+          <p:cNvPr id="21" name="Straight Arrow Connector 20">
+            <a:extLst>
+              <a:ext uri="{FF2B5EF4-FFF2-40B4-BE49-F238E27FC236}">
+                <a16:creationId xmlns:a16="http://schemas.microsoft.com/office/drawing/2014/main" id="{475C0C7B-918A-4516-8A24-5D9F230EF895}"/>
+              </a:ext>
+            </a:extLst>
+          </p:cNvPr>
+          <p:cNvCxnSpPr>
+            <a:cxnSpLocks/>
+            <a:stCxn id="7" idx="1"/>
+            <a:endCxn id="10" idx="3"/>
+          </p:cNvCxnSpPr>
+          <p:nvPr/>
+        </p:nvCxnSpPr>
+        <p:spPr>
+          <a:xfrm flipH="1">
+            <a:off x="3333465" y="3998290"/>
+            <a:ext cx="1911366" cy="1011518"/>
+          </a:xfrm>
+          <a:prstGeom prst="straightConnector1">
+            <a:avLst/>
+          </a:prstGeom>
+          <a:ln w="57150">
+            <a:solidFill>
+              <a:schemeClr val="tx1"/>
+            </a:solidFill>
+            <a:headEnd type="none" w="med" len="med"/>
+            <a:tailEnd type="triangle"/>
+          </a:ln>
+        </p:spPr>
+        <p:style>
+          <a:lnRef idx="1">
+            <a:schemeClr val="accent1"/>
+          </a:lnRef>
+          <a:fillRef idx="0">
+            <a:schemeClr val="accent1"/>
+          </a:fillRef>
+          <a:effectRef idx="0">
+            <a:schemeClr val="accent1"/>
+          </a:effectRef>
+          <a:fontRef idx="minor">
+            <a:schemeClr val="tx1"/>
+          </a:fontRef>
+        </p:style>
+      </p:cxnSp>
+      <p:cxnSp>
+        <p:nvCxnSpPr>
+          <p:cNvPr id="25" name="Straight Arrow Connector 24">
+            <a:extLst>
+              <a:ext uri="{FF2B5EF4-FFF2-40B4-BE49-F238E27FC236}">
+                <a16:creationId xmlns:a16="http://schemas.microsoft.com/office/drawing/2014/main" id="{2B18D363-4106-4F15-B4DA-0BE8BA1CA451}"/>
+              </a:ext>
+            </a:extLst>
+          </p:cNvPr>
+          <p:cNvCxnSpPr>
+            <a:cxnSpLocks/>
+            <a:stCxn id="7" idx="3"/>
+            <a:endCxn id="9" idx="1"/>
+          </p:cNvCxnSpPr>
+          <p:nvPr/>
+        </p:nvCxnSpPr>
+        <p:spPr>
+          <a:xfrm>
+            <a:off x="7461711" y="3998290"/>
+            <a:ext cx="1517166" cy="852171"/>
+          </a:xfrm>
+          <a:prstGeom prst="straightConnector1">
+            <a:avLst/>
+          </a:prstGeom>
+          <a:ln w="57150">
+            <a:solidFill>
+              <a:schemeClr val="tx1"/>
+            </a:solidFill>
+            <a:headEnd type="none" w="med" len="med"/>
+            <a:tailEnd type="triangle"/>
+          </a:ln>
+        </p:spPr>
+        <p:style>
+          <a:lnRef idx="1">
+            <a:schemeClr val="accent1"/>
+          </a:lnRef>
+          <a:fillRef idx="0">
+            <a:schemeClr val="accent1"/>
+          </a:fillRef>
+          <a:effectRef idx="0">
+            <a:schemeClr val="accent1"/>
+          </a:effectRef>
+          <a:fontRef idx="minor">
+            <a:schemeClr val="tx1"/>
+          </a:fontRef>
+        </p:style>
+      </p:cxnSp>
+      <p:cxnSp>
+        <p:nvCxnSpPr>
+          <p:cNvPr id="28" name="Straight Arrow Connector 27">
+            <a:extLst>
+              <a:ext uri="{FF2B5EF4-FFF2-40B4-BE49-F238E27FC236}">
+                <a16:creationId xmlns:a16="http://schemas.microsoft.com/office/drawing/2014/main" id="{B81C3205-BAFC-4DF3-9EB5-62487BE70D2F}"/>
+              </a:ext>
+            </a:extLst>
+          </p:cNvPr>
+          <p:cNvCxnSpPr>
+            <a:cxnSpLocks/>
+            <a:stCxn id="7" idx="3"/>
+            <a:endCxn id="11" idx="1"/>
+          </p:cNvCxnSpPr>
+          <p:nvPr/>
+        </p:nvCxnSpPr>
+        <p:spPr>
+          <a:xfrm flipV="1">
+            <a:off x="7461711" y="3263935"/>
+            <a:ext cx="1517166" cy="734355"/>
+          </a:xfrm>
+          <a:prstGeom prst="straightConnector1">
+            <a:avLst/>
+          </a:prstGeom>
+          <a:ln w="57150">
+            <a:solidFill>
+              <a:schemeClr val="tx1"/>
+            </a:solidFill>
+            <a:headEnd type="none" w="med" len="med"/>
+            <a:tailEnd type="triangle"/>
+          </a:ln>
+        </p:spPr>
+        <p:style>
+          <a:lnRef idx="1">
+            <a:schemeClr val="accent1"/>
+          </a:lnRef>
+          <a:fillRef idx="0">
+            <a:schemeClr val="accent1"/>
+          </a:fillRef>
+          <a:effectRef idx="0">
+            <a:schemeClr val="accent1"/>
+          </a:effectRef>
+          <a:fontRef idx="minor">
+            <a:schemeClr val="tx1"/>
+          </a:fontRef>
+        </p:style>
+      </p:cxnSp>
+    </p:spTree>
+    <p:extLst>
+      <p:ext uri="{BB962C8B-B14F-4D97-AF65-F5344CB8AC3E}">
+        <p14:creationId xmlns:p14="http://schemas.microsoft.com/office/powerpoint/2010/main" val="48665732"/>
+      </p:ext>
+    </p:extLst>
+  </p:cSld>
+  <p:clrMapOvr>
+    <a:masterClrMapping/>
+  </p:clrMapOvr>
+  <p:timing>
+    <p:tnLst>
+      <p:par>
+        <p:cTn id="1" dur="indefinite" restart="never" nodeType="tmRoot">
+          <p:childTnLst>
+            <p:seq concurrent="1" nextAc="seek">
+              <p:cTn id="2" dur="indefinite" nodeType="mainSeq">
+                <p:childTnLst>
+                  <p:par>
+                    <p:cTn id="3" fill="hold">
+                      <p:stCondLst>
+                        <p:cond delay="indefinite"/>
+                      </p:stCondLst>
+                      <p:childTnLst>
+                        <p:par>
+                          <p:cTn id="4" fill="hold">
+                            <p:stCondLst>
+                              <p:cond delay="0"/>
+                            </p:stCondLst>
+                            <p:childTnLst>
+                              <p:par>
+                                <p:cTn id="5" presetID="1" presetClass="entr" presetSubtype="0" fill="hold" grpId="0" nodeType="clickEffect">
+                                  <p:stCondLst>
+                                    <p:cond delay="0"/>
+                                  </p:stCondLst>
+                                  <p:childTnLst>
+                                    <p:set>
+                                      <p:cBhvr>
+                                        <p:cTn id="6" dur="1" fill="hold">
+                                          <p:stCondLst>
+                                            <p:cond delay="0"/>
+                                          </p:stCondLst>
+                                        </p:cTn>
+                                        <p:tgtEl>
+                                          <p:spTgt spid="8"/>
+                                        </p:tgtEl>
+                                        <p:attrNameLst>
+                                          <p:attrName>style.visibility</p:attrName>
+                                        </p:attrNameLst>
+                                      </p:cBhvr>
+                                      <p:to>
+                                        <p:strVal val="visible"/>
+                                      </p:to>
+                                    </p:set>
+                                  </p:childTnLst>
+                                </p:cTn>
+                              </p:par>
+                              <p:par>
+                                <p:cTn id="7" presetID="1" presetClass="entr" presetSubtype="0" fill="hold" nodeType="withEffect">
+                                  <p:stCondLst>
+                                    <p:cond delay="0"/>
+                                  </p:stCondLst>
+                                  <p:childTnLst>
+                                    <p:set>
+                                      <p:cBhvr>
+                                        <p:cTn id="8" dur="1" fill="hold">
+                                          <p:stCondLst>
+                                            <p:cond delay="0"/>
+                                          </p:stCondLst>
+                                        </p:cTn>
+                                        <p:tgtEl>
+                                          <p:spTgt spid="17"/>
+                                        </p:tgtEl>
+                                        <p:attrNameLst>
+                                          <p:attrName>style.visibility</p:attrName>
+                                        </p:attrNameLst>
+                                      </p:cBhvr>
+                                      <p:to>
+                                        <p:strVal val="visible"/>
+                                      </p:to>
+                                    </p:set>
+                                  </p:childTnLst>
+                                </p:cTn>
+                              </p:par>
+                              <p:par>
+                                <p:cTn id="9" presetID="1" presetClass="entr" presetSubtype="0" fill="hold" grpId="0" nodeType="withEffect">
+                                  <p:stCondLst>
+                                    <p:cond delay="0"/>
+                                  </p:stCondLst>
+                                  <p:childTnLst>
+                                    <p:set>
+                                      <p:cBhvr>
+                                        <p:cTn id="10" dur="1" fill="hold">
+                                          <p:stCondLst>
+                                            <p:cond delay="0"/>
+                                          </p:stCondLst>
+                                        </p:cTn>
+                                        <p:tgtEl>
+                                          <p:spTgt spid="10"/>
+                                        </p:tgtEl>
+                                        <p:attrNameLst>
+                                          <p:attrName>style.visibility</p:attrName>
+                                        </p:attrNameLst>
+                                      </p:cBhvr>
+                                      <p:to>
+                                        <p:strVal val="visible"/>
+                                      </p:to>
+                                    </p:set>
+                                  </p:childTnLst>
+                                </p:cTn>
+                              </p:par>
+                            </p:childTnLst>
+                          </p:cTn>
+                        </p:par>
+                      </p:childTnLst>
+                    </p:cTn>
+                  </p:par>
+                  <p:par>
+                    <p:cTn id="11" fill="hold">
+                      <p:stCondLst>
+                        <p:cond delay="indefinite"/>
+                      </p:stCondLst>
+                      <p:childTnLst>
+                        <p:par>
+                          <p:cTn id="12" fill="hold">
+                            <p:stCondLst>
+                              <p:cond delay="0"/>
+                            </p:stCondLst>
+                            <p:childTnLst>
+                              <p:par>
+                                <p:cTn id="13" presetID="1" presetClass="entr" presetSubtype="0" fill="hold" nodeType="clickEffect">
+                                  <p:stCondLst>
+                                    <p:cond delay="0"/>
+                                  </p:stCondLst>
+                                  <p:childTnLst>
+                                    <p:set>
+                                      <p:cBhvr>
+                                        <p:cTn id="14" dur="1" fill="hold">
+                                          <p:stCondLst>
+                                            <p:cond delay="0"/>
+                                          </p:stCondLst>
+                                        </p:cTn>
+                                        <p:tgtEl>
+                                          <p:spTgt spid="18"/>
+                                        </p:tgtEl>
+                                        <p:attrNameLst>
+                                          <p:attrName>style.visibility</p:attrName>
+                                        </p:attrNameLst>
+                                      </p:cBhvr>
+                                      <p:to>
+                                        <p:strVal val="visible"/>
+                                      </p:to>
+                                    </p:set>
+                                  </p:childTnLst>
+                                </p:cTn>
+                              </p:par>
+                              <p:par>
+                                <p:cTn id="15" presetID="1" presetClass="entr" presetSubtype="0" fill="hold" grpId="0" nodeType="withEffect">
+                                  <p:stCondLst>
+                                    <p:cond delay="0"/>
+                                  </p:stCondLst>
+                                  <p:childTnLst>
+                                    <p:set>
+                                      <p:cBhvr>
+                                        <p:cTn id="16" dur="1" fill="hold">
+                                          <p:stCondLst>
+                                            <p:cond delay="0"/>
+                                          </p:stCondLst>
+                                        </p:cTn>
+                                        <p:tgtEl>
+                                          <p:spTgt spid="7"/>
+                                        </p:tgtEl>
+                                        <p:attrNameLst>
+                                          <p:attrName>style.visibility</p:attrName>
+                                        </p:attrNameLst>
+                                      </p:cBhvr>
+                                      <p:to>
+                                        <p:strVal val="visible"/>
+                                      </p:to>
+                                    </p:set>
+                                  </p:childTnLst>
+                                </p:cTn>
+                              </p:par>
+                              <p:par>
+                                <p:cTn id="17" presetID="1" presetClass="entr" presetSubtype="0" fill="hold" nodeType="withEffect">
+                                  <p:stCondLst>
+                                    <p:cond delay="0"/>
+                                  </p:stCondLst>
+                                  <p:childTnLst>
+                                    <p:set>
+                                      <p:cBhvr>
+                                        <p:cTn id="18" dur="1" fill="hold">
+                                          <p:stCondLst>
+                                            <p:cond delay="0"/>
+                                          </p:stCondLst>
+                                        </p:cTn>
+                                        <p:tgtEl>
+                                          <p:spTgt spid="21"/>
+                                        </p:tgtEl>
+                                        <p:attrNameLst>
+                                          <p:attrName>style.visibility</p:attrName>
+                                        </p:attrNameLst>
+                                      </p:cBhvr>
+                                      <p:to>
+                                        <p:strVal val="visible"/>
+                                      </p:to>
+                                    </p:set>
+                                  </p:childTnLst>
+                                </p:cTn>
+                              </p:par>
+                            </p:childTnLst>
+                          </p:cTn>
+                        </p:par>
+                      </p:childTnLst>
+                    </p:cTn>
+                  </p:par>
+                  <p:par>
+                    <p:cTn id="19" fill="hold">
+                      <p:stCondLst>
+                        <p:cond delay="indefinite"/>
+                      </p:stCondLst>
+                      <p:childTnLst>
+                        <p:par>
+                          <p:cTn id="20" fill="hold">
+                            <p:stCondLst>
+                              <p:cond delay="0"/>
+                            </p:stCondLst>
+                            <p:childTnLst>
+                              <p:par>
+                                <p:cTn id="21" presetID="1" presetClass="entr" presetSubtype="0" fill="hold" grpId="0" nodeType="clickEffect">
+                                  <p:stCondLst>
+                                    <p:cond delay="0"/>
+                                  </p:stCondLst>
+                                  <p:childTnLst>
+                                    <p:set>
+                                      <p:cBhvr>
+                                        <p:cTn id="22" dur="1" fill="hold">
+                                          <p:stCondLst>
+                                            <p:cond delay="0"/>
+                                          </p:stCondLst>
+                                        </p:cTn>
+                                        <p:tgtEl>
+                                          <p:spTgt spid="9"/>
+                                        </p:tgtEl>
+                                        <p:attrNameLst>
+                                          <p:attrName>style.visibility</p:attrName>
+                                        </p:attrNameLst>
+                                      </p:cBhvr>
+                                      <p:to>
+                                        <p:strVal val="visible"/>
+                                      </p:to>
+                                    </p:set>
+                                  </p:childTnLst>
+                                </p:cTn>
+                              </p:par>
+                              <p:par>
+                                <p:cTn id="23" presetID="1" presetClass="entr" presetSubtype="0" fill="hold" nodeType="withEffect">
+                                  <p:stCondLst>
+                                    <p:cond delay="0"/>
+                                  </p:stCondLst>
+                                  <p:childTnLst>
+                                    <p:set>
+                                      <p:cBhvr>
+                                        <p:cTn id="24" dur="1" fill="hold">
+                                          <p:stCondLst>
+                                            <p:cond delay="0"/>
+                                          </p:stCondLst>
+                                        </p:cTn>
+                                        <p:tgtEl>
+                                          <p:spTgt spid="25"/>
+                                        </p:tgtEl>
+                                        <p:attrNameLst>
+                                          <p:attrName>style.visibility</p:attrName>
+                                        </p:attrNameLst>
+                                      </p:cBhvr>
+                                      <p:to>
+                                        <p:strVal val="visible"/>
+                                      </p:to>
+                                    </p:set>
+                                  </p:childTnLst>
+                                </p:cTn>
+                              </p:par>
+                              <p:par>
+                                <p:cTn id="25" presetID="1" presetClass="entr" presetSubtype="0" fill="hold" nodeType="withEffect">
+                                  <p:stCondLst>
+                                    <p:cond delay="0"/>
+                                  </p:stCondLst>
+                                  <p:childTnLst>
+                                    <p:set>
+                                      <p:cBhvr>
+                                        <p:cTn id="26" dur="1" fill="hold">
+                                          <p:stCondLst>
+                                            <p:cond delay="0"/>
+                                          </p:stCondLst>
+                                        </p:cTn>
+                                        <p:tgtEl>
+                                          <p:spTgt spid="28"/>
+                                        </p:tgtEl>
+                                        <p:attrNameLst>
+                                          <p:attrName>style.visibility</p:attrName>
+                                        </p:attrNameLst>
+                                      </p:cBhvr>
+                                      <p:to>
+                                        <p:strVal val="visible"/>
+                                      </p:to>
+                                    </p:set>
+                                  </p:childTnLst>
+                                </p:cTn>
+                              </p:par>
+                              <p:par>
+                                <p:cTn id="27" presetID="1" presetClass="entr" presetSubtype="0" fill="hold" grpId="0" nodeType="withEffect">
+                                  <p:stCondLst>
+                                    <p:cond delay="0"/>
+                                  </p:stCondLst>
+                                  <p:childTnLst>
+                                    <p:set>
+                                      <p:cBhvr>
+                                        <p:cTn id="28" dur="1" fill="hold">
+                                          <p:stCondLst>
+                                            <p:cond delay="0"/>
+                                          </p:stCondLst>
+                                        </p:cTn>
+                                        <p:tgtEl>
+                                          <p:spTgt spid="11"/>
+                                        </p:tgtEl>
+                                        <p:attrNameLst>
+                                          <p:attrName>style.visibility</p:attrName>
+                                        </p:attrNameLst>
+                                      </p:cBhvr>
+                                      <p:to>
+                                        <p:strVal val="visible"/>
+                                      </p:to>
+                                    </p:set>
+                                  </p:childTnLst>
+                                </p:cTn>
+                              </p:par>
+                            </p:childTnLst>
+                          </p:cTn>
+                        </p:par>
+                      </p:childTnLst>
+                    </p:cTn>
+                  </p:par>
+                </p:childTnLst>
+              </p:cTn>
+              <p:prevCondLst>
+                <p:cond evt="onPrev" delay="0">
+                  <p:tgtEl>
+                    <p:sldTgt/>
+                  </p:tgtEl>
+                </p:cond>
+              </p:prevCondLst>
+              <p:nextCondLst>
+                <p:cond evt="onNext" delay="0">
+                  <p:tgtEl>
+                    <p:sldTgt/>
+                  </p:tgtEl>
+                </p:cond>
+              </p:nextCondLst>
+            </p:seq>
+          </p:childTnLst>
+        </p:cTn>
+      </p:par>
+    </p:tnLst>
+    <p:bldLst>
+      <p:bldP spid="7" grpId="0" animBg="1"/>
+      <p:bldP spid="8" grpId="0" animBg="1"/>
+      <p:bldP spid="9" grpId="0" animBg="1"/>
+      <p:bldP spid="10" grpId="0" animBg="1"/>
+      <p:bldP spid="11" grpId="0" animBg="1"/>
+    </p:bldLst>
+  </p:timing>
+</p:sld>
+</file>
+
+<file path=ppt/slides/slide12.xml><?xml version="1.0" encoding="utf-8"?>
+<p:sld xmlns:a="http://schemas.openxmlformats.org/drawingml/2006/main" xmlns:r="http://schemas.openxmlformats.org/officeDocument/2006/relationships" xmlns:p="http://schemas.openxmlformats.org/presentationml/2006/main">
+  <p:cSld>
+    <p:spTree>
+      <p:nvGrpSpPr>
+        <p:cNvPr id="1" name=""/>
+        <p:cNvGrpSpPr/>
+        <p:nvPr/>
+      </p:nvGrpSpPr>
+      <p:grpSpPr>
+        <a:xfrm>
+          <a:off x="0" y="0"/>
+          <a:ext cx="0" cy="0"/>
+          <a:chOff x="0" y="0"/>
+          <a:chExt cx="0" cy="0"/>
+        </a:xfrm>
+      </p:grpSpPr>
       <p:pic>
         <p:nvPicPr>
           <p:cNvPr id="2" name="Picture 1">
@@ -20322,7 +22086,7 @@
 </p:sld>
 </file>
 
-<file path=ppt/slides/slide11.xml><?xml version="1.0" encoding="utf-8"?>
+<file path=ppt/slides/slide13.xml><?xml version="1.0" encoding="utf-8"?>
 <p:sld xmlns:a="http://schemas.openxmlformats.org/drawingml/2006/main" xmlns:r="http://schemas.openxmlformats.org/officeDocument/2006/relationships" xmlns:p="http://schemas.openxmlformats.org/presentationml/2006/main">
   <p:cSld>
     <p:spTree>
@@ -20404,7 +22168,7 @@
 </p:sld>
 </file>
 
-<file path=ppt/slides/slide12.xml><?xml version="1.0" encoding="utf-8"?>
+<file path=ppt/slides/slide14.xml><?xml version="1.0" encoding="utf-8"?>
 <p:sld xmlns:a="http://schemas.openxmlformats.org/drawingml/2006/main" xmlns:r="http://schemas.openxmlformats.org/officeDocument/2006/relationships" xmlns:p="http://schemas.openxmlformats.org/presentationml/2006/main">
   <p:cSld>
     <p:spTree>
@@ -20557,7 +22321,7 @@
 </p:sld>
 </file>
 
-<file path=ppt/slides/slide13.xml><?xml version="1.0" encoding="utf-8"?>
+<file path=ppt/slides/slide15.xml><?xml version="1.0" encoding="utf-8"?>
 <p:sld xmlns:a="http://schemas.openxmlformats.org/drawingml/2006/main" xmlns:r="http://schemas.openxmlformats.org/officeDocument/2006/relationships" xmlns:p="http://schemas.openxmlformats.org/presentationml/2006/main">
   <p:cSld>
     <p:spTree>
@@ -21322,7 +23086,7 @@
 </p:sld>
 </file>
 
-<file path=ppt/slides/slide14.xml><?xml version="1.0" encoding="utf-8"?>
+<file path=ppt/slides/slide16.xml><?xml version="1.0" encoding="utf-8"?>
 <p:sld xmlns:a="http://schemas.openxmlformats.org/drawingml/2006/main" xmlns:r="http://schemas.openxmlformats.org/officeDocument/2006/relationships" xmlns:p="http://schemas.openxmlformats.org/presentationml/2006/main">
   <p:cSld>
     <p:spTree>
@@ -21555,7 +23319,7 @@
 </p:sld>
 </file>
 
-<file path=ppt/slides/slide15.xml><?xml version="1.0" encoding="utf-8"?>
+<file path=ppt/slides/slide17.xml><?xml version="1.0" encoding="utf-8"?>
 <p:sld xmlns:a="http://schemas.openxmlformats.org/drawingml/2006/main" xmlns:r="http://schemas.openxmlformats.org/officeDocument/2006/relationships" xmlns:p="http://schemas.openxmlformats.org/presentationml/2006/main">
   <p:cSld>
     <p:spTree>
@@ -21795,7 +23559,7 @@
 </p:sld>
 </file>
 
-<file path=ppt/slides/slide16.xml><?xml version="1.0" encoding="utf-8"?>
+<file path=ppt/slides/slide18.xml><?xml version="1.0" encoding="utf-8"?>
 <p:sld xmlns:a="http://schemas.openxmlformats.org/drawingml/2006/main" xmlns:r="http://schemas.openxmlformats.org/officeDocument/2006/relationships" xmlns:p="http://schemas.openxmlformats.org/presentationml/2006/main">
   <p:cSld>
     <p:spTree>
@@ -25082,7 +26846,7 @@
 </p:sld>
 </file>
 
-<file path=ppt/slides/slide17.xml><?xml version="1.0" encoding="utf-8"?>
+<file path=ppt/slides/slide19.xml><?xml version="1.0" encoding="utf-8"?>
 <p:sld xmlns:a="http://schemas.openxmlformats.org/drawingml/2006/main" xmlns:r="http://schemas.openxmlformats.org/officeDocument/2006/relationships" xmlns:p="http://schemas.openxmlformats.org/presentationml/2006/main">
   <p:cSld>
     <p:spTree>
@@ -30318,241 +32082,6 @@
 </p:sld>
 </file>
 
-<file path=ppt/slides/slide18.xml><?xml version="1.0" encoding="utf-8"?>
-<p:sld xmlns:a="http://schemas.openxmlformats.org/drawingml/2006/main" xmlns:r="http://schemas.openxmlformats.org/officeDocument/2006/relationships" xmlns:p="http://schemas.openxmlformats.org/presentationml/2006/main">
-  <p:cSld>
-    <p:spTree>
-      <p:nvGrpSpPr>
-        <p:cNvPr id="1" name=""/>
-        <p:cNvGrpSpPr/>
-        <p:nvPr/>
-      </p:nvGrpSpPr>
-      <p:grpSpPr>
-        <a:xfrm>
-          <a:off x="0" y="0"/>
-          <a:ext cx="0" cy="0"/>
-          <a:chOff x="0" y="0"/>
-          <a:chExt cx="0" cy="0"/>
-        </a:xfrm>
-      </p:grpSpPr>
-      <p:sp>
-        <p:nvSpPr>
-          <p:cNvPr id="3" name="Title 2"/>
-          <p:cNvSpPr>
-            <a:spLocks noGrp="1"/>
-          </p:cNvSpPr>
-          <p:nvPr>
-            <p:ph type="title"/>
-          </p:nvPr>
-        </p:nvSpPr>
-        <p:spPr/>
-        <p:txBody>
-          <a:bodyPr/>
-          <a:lstStyle/>
-          <a:p>
-            <a:r>
-              <a:rPr lang="en-US" dirty="0"/>
-              <a:t>Demo</a:t>
-            </a:r>
-          </a:p>
-        </p:txBody>
-      </p:sp>
-      <p:pic>
-        <p:nvPicPr>
-          <p:cNvPr id="5" name="Picture 4">
-            <a:extLst>
-              <a:ext uri="{FF2B5EF4-FFF2-40B4-BE49-F238E27FC236}">
-                <a16:creationId xmlns:a16="http://schemas.microsoft.com/office/drawing/2014/main" id="{1586E469-D4BE-4FD2-8C2F-DB3709242579}"/>
-              </a:ext>
-            </a:extLst>
-          </p:cNvPr>
-          <p:cNvPicPr>
-            <a:picLocks noChangeAspect="1"/>
-          </p:cNvPicPr>
-          <p:nvPr/>
-        </p:nvPicPr>
-        <p:blipFill>
-          <a:blip r:embed="rId3"/>
-          <a:stretch>
-            <a:fillRect/>
-          </a:stretch>
-        </p:blipFill>
-        <p:spPr>
-          <a:xfrm>
-            <a:off x="3645157" y="976918"/>
-            <a:ext cx="4904163" cy="4904163"/>
-          </a:xfrm>
-          <a:prstGeom prst="rect">
-            <a:avLst/>
-          </a:prstGeom>
-        </p:spPr>
-      </p:pic>
-    </p:spTree>
-    <p:extLst>
-      <p:ext uri="{BB962C8B-B14F-4D97-AF65-F5344CB8AC3E}">
-        <p14:creationId xmlns:p14="http://schemas.microsoft.com/office/powerpoint/2010/main" val="157403842"/>
-      </p:ext>
-    </p:extLst>
-  </p:cSld>
-  <p:clrMapOvr>
-    <a:masterClrMapping/>
-  </p:clrMapOvr>
-</p:sld>
-</file>
-
-<file path=ppt/slides/slide19.xml><?xml version="1.0" encoding="utf-8"?>
-<p:sld xmlns:a="http://schemas.openxmlformats.org/drawingml/2006/main" xmlns:r="http://schemas.openxmlformats.org/officeDocument/2006/relationships" xmlns:p="http://schemas.openxmlformats.org/presentationml/2006/main">
-  <p:cSld>
-    <p:spTree>
-      <p:nvGrpSpPr>
-        <p:cNvPr id="1" name=""/>
-        <p:cNvGrpSpPr/>
-        <p:nvPr/>
-      </p:nvGrpSpPr>
-      <p:grpSpPr>
-        <a:xfrm>
-          <a:off x="0" y="0"/>
-          <a:ext cx="0" cy="0"/>
-          <a:chOff x="0" y="0"/>
-          <a:chExt cx="0" cy="0"/>
-        </a:xfrm>
-      </p:grpSpPr>
-      <p:sp>
-        <p:nvSpPr>
-          <p:cNvPr id="5" name="Text Placeholder 4"/>
-          <p:cNvSpPr>
-            <a:spLocks noGrp="1"/>
-          </p:cNvSpPr>
-          <p:nvPr>
-            <p:ph type="body" sz="quarter" idx="14"/>
-          </p:nvPr>
-        </p:nvSpPr>
-        <p:spPr/>
-        <p:txBody>
-          <a:bodyPr/>
-          <a:lstStyle/>
-          <a:p>
-            <a:r>
-              <a:rPr lang="en-US" dirty="0"/>
-              <a:t>Kubernetes</a:t>
-            </a:r>
-            <a:br>
-              <a:rPr lang="en-US" dirty="0"/>
-            </a:br>
-            <a:r>
-              <a:rPr lang="en-US" dirty="0">
-                <a:solidFill>
-                  <a:schemeClr val="accent1"/>
-                </a:solidFill>
-              </a:rPr>
-              <a:t>Dashboard addon</a:t>
-            </a:r>
-          </a:p>
-        </p:txBody>
-      </p:sp>
-      <p:pic>
-        <p:nvPicPr>
-          <p:cNvPr id="4" name="Picture 3" descr="cid:image003.png@01D31CC6.A08B1C50">
-            <a:extLst>
-              <a:ext uri="{FF2B5EF4-FFF2-40B4-BE49-F238E27FC236}">
-                <a16:creationId xmlns:a16="http://schemas.microsoft.com/office/drawing/2014/main" id="{CE860390-F50F-48A8-AA1A-AE0217946FC1}"/>
-              </a:ext>
-            </a:extLst>
-          </p:cNvPr>
-          <p:cNvPicPr>
-            <a:picLocks noChangeAspect="1" noChangeArrowheads="1"/>
-          </p:cNvPicPr>
-          <p:nvPr/>
-        </p:nvPicPr>
-        <p:blipFill>
-          <a:blip r:embed="rId3">
-            <a:extLst>
-              <a:ext uri="{28A0092B-C50C-407E-A947-70E740481C1C}">
-                <a14:useLocalDpi xmlns:a14="http://schemas.microsoft.com/office/drawing/2010/main" val="0"/>
-              </a:ext>
-            </a:extLst>
-          </a:blip>
-          <a:srcRect/>
-          <a:stretch>
-            <a:fillRect/>
-          </a:stretch>
-        </p:blipFill>
-        <p:spPr bwMode="auto">
-          <a:xfrm>
-            <a:off x="10780712" y="5721975"/>
-            <a:ext cx="1414463" cy="1136025"/>
-          </a:xfrm>
-          <a:prstGeom prst="rect">
-            <a:avLst/>
-          </a:prstGeom>
-          <a:noFill/>
-          <a:ln>
-            <a:noFill/>
-          </a:ln>
-          <a:extLst>
-            <a:ext uri="{909E8E84-426E-40DD-AFC4-6F175D3DCCD1}">
-              <a14:hiddenFill xmlns:a14="http://schemas.microsoft.com/office/drawing/2010/main">
-                <a:solidFill>
-                  <a:srgbClr val="FFFFFF"/>
-                </a:solidFill>
-              </a14:hiddenFill>
-            </a:ext>
-            <a:ext uri="{91240B29-F687-4F45-9708-019B960494DF}">
-              <a14:hiddenLine xmlns:a14="http://schemas.microsoft.com/office/drawing/2010/main" w="9525">
-                <a:solidFill>
-                  <a:srgbClr val="000000"/>
-                </a:solidFill>
-                <a:miter lim="800000"/>
-                <a:headEnd/>
-                <a:tailEnd/>
-              </a14:hiddenLine>
-            </a:ext>
-          </a:extLst>
-        </p:spPr>
-      </p:pic>
-      <p:pic>
-        <p:nvPicPr>
-          <p:cNvPr id="8" name="Illustration" descr="Example of an illustration" title="Illustration for title slide">
-            <a:extLst>
-              <a:ext uri="{FF2B5EF4-FFF2-40B4-BE49-F238E27FC236}">
-                <a16:creationId xmlns:a16="http://schemas.microsoft.com/office/drawing/2014/main" id="{01600F65-CF7C-4978-AEE5-E81564FA87FF}"/>
-              </a:ext>
-            </a:extLst>
-          </p:cNvPr>
-          <p:cNvPicPr>
-            <a:picLocks noGrp="1" noChangeAspect="1"/>
-          </p:cNvPicPr>
-          <p:nvPr>
-            <p:ph type="pic" sz="quarter" idx="12"/>
-          </p:nvPr>
-        </p:nvPicPr>
-        <p:blipFill>
-          <a:blip r:embed="rId4"/>
-          <a:srcRect t="3112" b="3112"/>
-          <a:stretch>
-            <a:fillRect/>
-          </a:stretch>
-        </p:blipFill>
-        <p:spPr bwMode="gray">
-          <a:xfrm>
-            <a:off x="1" y="0"/>
-            <a:ext cx="12195174" cy="3430006"/>
-          </a:xfrm>
-        </p:spPr>
-      </p:pic>
-    </p:spTree>
-    <p:extLst>
-      <p:ext uri="{BB962C8B-B14F-4D97-AF65-F5344CB8AC3E}">
-        <p14:creationId xmlns:p14="http://schemas.microsoft.com/office/powerpoint/2010/main" val="3023893567"/>
-      </p:ext>
-    </p:extLst>
-  </p:cSld>
-  <p:clrMapOvr>
-    <a:masterClrMapping/>
-  </p:clrMapOvr>
-</p:sld>
-</file>
-
 <file path=ppt/slides/slide2.xml><?xml version="1.0" encoding="utf-8"?>
 <p:sld xmlns:a="http://schemas.openxmlformats.org/drawingml/2006/main" xmlns:r="http://schemas.openxmlformats.org/officeDocument/2006/relationships" xmlns:p="http://schemas.openxmlformats.org/presentationml/2006/main">
   <p:cSld>
@@ -31514,6 +33043,241 @@
           <a:p>
             <a:r>
               <a:rPr lang="en-US" dirty="0"/>
+              <a:t>Demo</a:t>
+            </a:r>
+          </a:p>
+        </p:txBody>
+      </p:sp>
+      <p:pic>
+        <p:nvPicPr>
+          <p:cNvPr id="5" name="Picture 4">
+            <a:extLst>
+              <a:ext uri="{FF2B5EF4-FFF2-40B4-BE49-F238E27FC236}">
+                <a16:creationId xmlns:a16="http://schemas.microsoft.com/office/drawing/2014/main" id="{1586E469-D4BE-4FD2-8C2F-DB3709242579}"/>
+              </a:ext>
+            </a:extLst>
+          </p:cNvPr>
+          <p:cNvPicPr>
+            <a:picLocks noChangeAspect="1"/>
+          </p:cNvPicPr>
+          <p:nvPr/>
+        </p:nvPicPr>
+        <p:blipFill>
+          <a:blip r:embed="rId3"/>
+          <a:stretch>
+            <a:fillRect/>
+          </a:stretch>
+        </p:blipFill>
+        <p:spPr>
+          <a:xfrm>
+            <a:off x="3645157" y="976918"/>
+            <a:ext cx="4904163" cy="4904163"/>
+          </a:xfrm>
+          <a:prstGeom prst="rect">
+            <a:avLst/>
+          </a:prstGeom>
+        </p:spPr>
+      </p:pic>
+    </p:spTree>
+    <p:extLst>
+      <p:ext uri="{BB962C8B-B14F-4D97-AF65-F5344CB8AC3E}">
+        <p14:creationId xmlns:p14="http://schemas.microsoft.com/office/powerpoint/2010/main" val="157403842"/>
+      </p:ext>
+    </p:extLst>
+  </p:cSld>
+  <p:clrMapOvr>
+    <a:masterClrMapping/>
+  </p:clrMapOvr>
+</p:sld>
+</file>
+
+<file path=ppt/slides/slide21.xml><?xml version="1.0" encoding="utf-8"?>
+<p:sld xmlns:a="http://schemas.openxmlformats.org/drawingml/2006/main" xmlns:r="http://schemas.openxmlformats.org/officeDocument/2006/relationships" xmlns:p="http://schemas.openxmlformats.org/presentationml/2006/main">
+  <p:cSld>
+    <p:spTree>
+      <p:nvGrpSpPr>
+        <p:cNvPr id="1" name=""/>
+        <p:cNvGrpSpPr/>
+        <p:nvPr/>
+      </p:nvGrpSpPr>
+      <p:grpSpPr>
+        <a:xfrm>
+          <a:off x="0" y="0"/>
+          <a:ext cx="0" cy="0"/>
+          <a:chOff x="0" y="0"/>
+          <a:chExt cx="0" cy="0"/>
+        </a:xfrm>
+      </p:grpSpPr>
+      <p:sp>
+        <p:nvSpPr>
+          <p:cNvPr id="5" name="Text Placeholder 4"/>
+          <p:cNvSpPr>
+            <a:spLocks noGrp="1"/>
+          </p:cNvSpPr>
+          <p:nvPr>
+            <p:ph type="body" sz="quarter" idx="14"/>
+          </p:nvPr>
+        </p:nvSpPr>
+        <p:spPr/>
+        <p:txBody>
+          <a:bodyPr/>
+          <a:lstStyle/>
+          <a:p>
+            <a:r>
+              <a:rPr lang="en-US" dirty="0"/>
+              <a:t>Kubernetes</a:t>
+            </a:r>
+            <a:br>
+              <a:rPr lang="en-US" dirty="0"/>
+            </a:br>
+            <a:r>
+              <a:rPr lang="en-US" dirty="0">
+                <a:solidFill>
+                  <a:schemeClr val="accent1"/>
+                </a:solidFill>
+              </a:rPr>
+              <a:t>Dashboard addon</a:t>
+            </a:r>
+          </a:p>
+        </p:txBody>
+      </p:sp>
+      <p:pic>
+        <p:nvPicPr>
+          <p:cNvPr id="4" name="Picture 3" descr="cid:image003.png@01D31CC6.A08B1C50">
+            <a:extLst>
+              <a:ext uri="{FF2B5EF4-FFF2-40B4-BE49-F238E27FC236}">
+                <a16:creationId xmlns:a16="http://schemas.microsoft.com/office/drawing/2014/main" id="{CE860390-F50F-48A8-AA1A-AE0217946FC1}"/>
+              </a:ext>
+            </a:extLst>
+          </p:cNvPr>
+          <p:cNvPicPr>
+            <a:picLocks noChangeAspect="1" noChangeArrowheads="1"/>
+          </p:cNvPicPr>
+          <p:nvPr/>
+        </p:nvPicPr>
+        <p:blipFill>
+          <a:blip r:embed="rId3">
+            <a:extLst>
+              <a:ext uri="{28A0092B-C50C-407E-A947-70E740481C1C}">
+                <a14:useLocalDpi xmlns:a14="http://schemas.microsoft.com/office/drawing/2010/main" val="0"/>
+              </a:ext>
+            </a:extLst>
+          </a:blip>
+          <a:srcRect/>
+          <a:stretch>
+            <a:fillRect/>
+          </a:stretch>
+        </p:blipFill>
+        <p:spPr bwMode="auto">
+          <a:xfrm>
+            <a:off x="10780712" y="5721975"/>
+            <a:ext cx="1414463" cy="1136025"/>
+          </a:xfrm>
+          <a:prstGeom prst="rect">
+            <a:avLst/>
+          </a:prstGeom>
+          <a:noFill/>
+          <a:ln>
+            <a:noFill/>
+          </a:ln>
+          <a:extLst>
+            <a:ext uri="{909E8E84-426E-40DD-AFC4-6F175D3DCCD1}">
+              <a14:hiddenFill xmlns:a14="http://schemas.microsoft.com/office/drawing/2010/main">
+                <a:solidFill>
+                  <a:srgbClr val="FFFFFF"/>
+                </a:solidFill>
+              </a14:hiddenFill>
+            </a:ext>
+            <a:ext uri="{91240B29-F687-4F45-9708-019B960494DF}">
+              <a14:hiddenLine xmlns:a14="http://schemas.microsoft.com/office/drawing/2010/main" w="9525">
+                <a:solidFill>
+                  <a:srgbClr val="000000"/>
+                </a:solidFill>
+                <a:miter lim="800000"/>
+                <a:headEnd/>
+                <a:tailEnd/>
+              </a14:hiddenLine>
+            </a:ext>
+          </a:extLst>
+        </p:spPr>
+      </p:pic>
+      <p:pic>
+        <p:nvPicPr>
+          <p:cNvPr id="8" name="Illustration" descr="Example of an illustration" title="Illustration for title slide">
+            <a:extLst>
+              <a:ext uri="{FF2B5EF4-FFF2-40B4-BE49-F238E27FC236}">
+                <a16:creationId xmlns:a16="http://schemas.microsoft.com/office/drawing/2014/main" id="{01600F65-CF7C-4978-AEE5-E81564FA87FF}"/>
+              </a:ext>
+            </a:extLst>
+          </p:cNvPr>
+          <p:cNvPicPr>
+            <a:picLocks noGrp="1" noChangeAspect="1"/>
+          </p:cNvPicPr>
+          <p:nvPr>
+            <p:ph type="pic" sz="quarter" idx="12"/>
+          </p:nvPr>
+        </p:nvPicPr>
+        <p:blipFill>
+          <a:blip r:embed="rId4"/>
+          <a:srcRect t="3112" b="3112"/>
+          <a:stretch>
+            <a:fillRect/>
+          </a:stretch>
+        </p:blipFill>
+        <p:spPr bwMode="gray">
+          <a:xfrm>
+            <a:off x="1" y="0"/>
+            <a:ext cx="12195174" cy="3430006"/>
+          </a:xfrm>
+        </p:spPr>
+      </p:pic>
+    </p:spTree>
+    <p:extLst>
+      <p:ext uri="{BB962C8B-B14F-4D97-AF65-F5344CB8AC3E}">
+        <p14:creationId xmlns:p14="http://schemas.microsoft.com/office/powerpoint/2010/main" val="3023893567"/>
+      </p:ext>
+    </p:extLst>
+  </p:cSld>
+  <p:clrMapOvr>
+    <a:masterClrMapping/>
+  </p:clrMapOvr>
+</p:sld>
+</file>
+
+<file path=ppt/slides/slide22.xml><?xml version="1.0" encoding="utf-8"?>
+<p:sld xmlns:a="http://schemas.openxmlformats.org/drawingml/2006/main" xmlns:r="http://schemas.openxmlformats.org/officeDocument/2006/relationships" xmlns:p="http://schemas.openxmlformats.org/presentationml/2006/main">
+  <p:cSld>
+    <p:spTree>
+      <p:nvGrpSpPr>
+        <p:cNvPr id="1" name=""/>
+        <p:cNvGrpSpPr/>
+        <p:nvPr/>
+      </p:nvGrpSpPr>
+      <p:grpSpPr>
+        <a:xfrm>
+          <a:off x="0" y="0"/>
+          <a:ext cx="0" cy="0"/>
+          <a:chOff x="0" y="0"/>
+          <a:chExt cx="0" cy="0"/>
+        </a:xfrm>
+      </p:grpSpPr>
+      <p:sp>
+        <p:nvSpPr>
+          <p:cNvPr id="3" name="Title 2"/>
+          <p:cNvSpPr>
+            <a:spLocks noGrp="1"/>
+          </p:cNvSpPr>
+          <p:nvPr>
+            <p:ph type="title"/>
+          </p:nvPr>
+        </p:nvSpPr>
+        <p:spPr/>
+        <p:txBody>
+          <a:bodyPr/>
+          <a:lstStyle/>
+          <a:p>
+            <a:r>
+              <a:rPr lang="en-US" dirty="0"/>
               <a:t>Sometimes working with </a:t>
             </a:r>
             <a:r>
@@ -31612,7 +33376,7 @@
 </p:sld>
 </file>
 
-<file path=ppt/slides/slide21.xml><?xml version="1.0" encoding="utf-8"?>
+<file path=ppt/slides/slide23.xml><?xml version="1.0" encoding="utf-8"?>
 <p:sld xmlns:a="http://schemas.openxmlformats.org/drawingml/2006/main" xmlns:r="http://schemas.openxmlformats.org/officeDocument/2006/relationships" xmlns:p="http://schemas.openxmlformats.org/presentationml/2006/main">
   <p:cSld>
     <p:spTree>
@@ -31688,7 +33452,7 @@
 </p:sld>
 </file>
 
-<file path=ppt/slides/slide22.xml><?xml version="1.0" encoding="utf-8"?>
+<file path=ppt/slides/slide24.xml><?xml version="1.0" encoding="utf-8"?>
 <p:sld xmlns:a="http://schemas.openxmlformats.org/drawingml/2006/main" xmlns:r="http://schemas.openxmlformats.org/officeDocument/2006/relationships" xmlns:p="http://schemas.openxmlformats.org/presentationml/2006/main">
   <p:cSld>
     <p:spTree>
@@ -31777,7 +33541,7 @@
 </p:sld>
 </file>
 
-<file path=ppt/slides/slide23.xml><?xml version="1.0" encoding="utf-8"?>
+<file path=ppt/slides/slide25.xml><?xml version="1.0" encoding="utf-8"?>
 <p:sld xmlns:a="http://schemas.openxmlformats.org/drawingml/2006/main" xmlns:r="http://schemas.openxmlformats.org/officeDocument/2006/relationships" xmlns:p="http://schemas.openxmlformats.org/presentationml/2006/main">
   <p:cSld>
     <p:spTree>
@@ -31835,7 +33599,7 @@
 </p:sld>
 </file>
 
-<file path=ppt/slides/slide24.xml><?xml version="1.0" encoding="utf-8"?>
+<file path=ppt/slides/slide26.xml><?xml version="1.0" encoding="utf-8"?>
 <p:sld xmlns:a="http://schemas.openxmlformats.org/drawingml/2006/main" xmlns:r="http://schemas.openxmlformats.org/officeDocument/2006/relationships" xmlns:p="http://schemas.openxmlformats.org/presentationml/2006/main">
   <p:cSld>
     <p:spTree>
@@ -32006,7 +33770,7 @@
 </p:sld>
 </file>
 
-<file path=ppt/slides/slide25.xml><?xml version="1.0" encoding="utf-8"?>
+<file path=ppt/slides/slide27.xml><?xml version="1.0" encoding="utf-8"?>
 <p:sld xmlns:a="http://schemas.openxmlformats.org/drawingml/2006/main" xmlns:r="http://schemas.openxmlformats.org/officeDocument/2006/relationships" xmlns:p="http://schemas.openxmlformats.org/presentationml/2006/main" show="0">
   <p:cSld>
     <p:spTree>
@@ -34805,6 +36569,2202 @@
       </p:grpSpPr>
       <p:sp>
         <p:nvSpPr>
+          <p:cNvPr id="4" name="Title 3">
+            <a:extLst>
+              <a:ext uri="{FF2B5EF4-FFF2-40B4-BE49-F238E27FC236}">
+                <a16:creationId xmlns:a16="http://schemas.microsoft.com/office/drawing/2014/main" id="{A0F68627-CEC8-49ED-8042-EB9D316CABA8}"/>
+              </a:ext>
+            </a:extLst>
+          </p:cNvPr>
+          <p:cNvSpPr>
+            <a:spLocks noGrp="1"/>
+          </p:cNvSpPr>
+          <p:nvPr>
+            <p:ph type="title"/>
+          </p:nvPr>
+        </p:nvSpPr>
+        <p:spPr/>
+        <p:txBody>
+          <a:bodyPr/>
+          <a:lstStyle/>
+          <a:p>
+            <a:r>
+              <a:rPr lang="en-US" dirty="0"/>
+              <a:t>Pod Priority &amp; Preemption</a:t>
+            </a:r>
+          </a:p>
+        </p:txBody>
+      </p:sp>
+      <p:sp>
+        <p:nvSpPr>
+          <p:cNvPr id="6" name="Rectangle 5">
+            <a:extLst>
+              <a:ext uri="{FF2B5EF4-FFF2-40B4-BE49-F238E27FC236}">
+                <a16:creationId xmlns:a16="http://schemas.microsoft.com/office/drawing/2014/main" id="{F9982EF5-7B6F-4039-9636-30759BAB718C}"/>
+              </a:ext>
+            </a:extLst>
+          </p:cNvPr>
+          <p:cNvSpPr/>
+          <p:nvPr/>
+        </p:nvSpPr>
+        <p:spPr bwMode="gray">
+          <a:xfrm>
+            <a:off x="858333" y="3180802"/>
+            <a:ext cx="2455957" cy="3070860"/>
+          </a:xfrm>
+          <a:prstGeom prst="rect">
+            <a:avLst/>
+          </a:prstGeom>
+          <a:ln>
+            <a:headEnd/>
+            <a:tailEnd/>
+          </a:ln>
+        </p:spPr>
+        <p:style>
+          <a:lnRef idx="1">
+            <a:schemeClr val="accent2"/>
+          </a:lnRef>
+          <a:fillRef idx="2">
+            <a:schemeClr val="accent2"/>
+          </a:fillRef>
+          <a:effectRef idx="1">
+            <a:schemeClr val="accent2"/>
+          </a:effectRef>
+          <a:fontRef idx="minor">
+            <a:schemeClr val="dk1"/>
+          </a:fontRef>
+        </p:style>
+        <p:txBody>
+          <a:bodyPr lIns="90000" tIns="72000" rIns="90000" bIns="72000" rtlCol="0" anchor="t"/>
+          <a:lstStyle/>
+          <a:p>
+            <a:pPr algn="ctr" defTabSz="914400" fontAlgn="base">
+              <a:spcBef>
+                <a:spcPct val="50000"/>
+              </a:spcBef>
+              <a:spcAft>
+                <a:spcPct val="0"/>
+              </a:spcAft>
+              <a:buClr>
+                <a:srgbClr val="F0AB00"/>
+              </a:buClr>
+              <a:buSzPct val="80000"/>
+            </a:pPr>
+            <a:r>
+              <a:rPr lang="de-DE" sz="2400" b="1" kern="0" dirty="0" err="1">
+                <a:ea typeface="Arial Unicode MS" pitchFamily="34" charset="-128"/>
+                <a:cs typeface="Arial Unicode MS" pitchFamily="34" charset="-128"/>
+              </a:rPr>
+              <a:t>Node</a:t>
+            </a:r>
+            <a:r>
+              <a:rPr lang="de-DE" sz="2400" b="1" kern="0" dirty="0">
+                <a:ea typeface="Arial Unicode MS" pitchFamily="34" charset="-128"/>
+                <a:cs typeface="Arial Unicode MS" pitchFamily="34" charset="-128"/>
+              </a:rPr>
+              <a:t> A</a:t>
+            </a:r>
+          </a:p>
+        </p:txBody>
+      </p:sp>
+      <p:sp>
+        <p:nvSpPr>
+          <p:cNvPr id="8" name="Rectangle 7">
+            <a:extLst>
+              <a:ext uri="{FF2B5EF4-FFF2-40B4-BE49-F238E27FC236}">
+                <a16:creationId xmlns:a16="http://schemas.microsoft.com/office/drawing/2014/main" id="{B16EBA1F-2E48-482B-9A1E-873410610AA7}"/>
+              </a:ext>
+            </a:extLst>
+          </p:cNvPr>
+          <p:cNvSpPr/>
+          <p:nvPr/>
+        </p:nvSpPr>
+        <p:spPr bwMode="gray">
+          <a:xfrm>
+            <a:off x="3683173" y="3188970"/>
+            <a:ext cx="3703320" cy="3070860"/>
+          </a:xfrm>
+          <a:prstGeom prst="rect">
+            <a:avLst/>
+          </a:prstGeom>
+          <a:ln>
+            <a:headEnd/>
+            <a:tailEnd/>
+          </a:ln>
+        </p:spPr>
+        <p:style>
+          <a:lnRef idx="1">
+            <a:schemeClr val="accent2"/>
+          </a:lnRef>
+          <a:fillRef idx="2">
+            <a:schemeClr val="accent2"/>
+          </a:fillRef>
+          <a:effectRef idx="1">
+            <a:schemeClr val="accent2"/>
+          </a:effectRef>
+          <a:fontRef idx="minor">
+            <a:schemeClr val="dk1"/>
+          </a:fontRef>
+        </p:style>
+        <p:txBody>
+          <a:bodyPr lIns="90000" tIns="72000" rIns="90000" bIns="72000" rtlCol="0" anchor="t"/>
+          <a:lstStyle/>
+          <a:p>
+            <a:pPr algn="ctr" defTabSz="914400" fontAlgn="base">
+              <a:spcBef>
+                <a:spcPct val="50000"/>
+              </a:spcBef>
+              <a:spcAft>
+                <a:spcPct val="0"/>
+              </a:spcAft>
+              <a:buClr>
+                <a:srgbClr val="F0AB00"/>
+              </a:buClr>
+              <a:buSzPct val="80000"/>
+            </a:pPr>
+            <a:r>
+              <a:rPr lang="de-DE" sz="2400" b="1" kern="0" dirty="0" err="1">
+                <a:ea typeface="Arial Unicode MS" pitchFamily="34" charset="-128"/>
+                <a:cs typeface="Arial Unicode MS" pitchFamily="34" charset="-128"/>
+              </a:rPr>
+              <a:t>Node</a:t>
+            </a:r>
+            <a:r>
+              <a:rPr lang="de-DE" sz="2400" b="1" kern="0" dirty="0">
+                <a:ea typeface="Arial Unicode MS" pitchFamily="34" charset="-128"/>
+                <a:cs typeface="Arial Unicode MS" pitchFamily="34" charset="-128"/>
+              </a:rPr>
+              <a:t> B</a:t>
+            </a:r>
+          </a:p>
+        </p:txBody>
+      </p:sp>
+      <p:sp>
+        <p:nvSpPr>
+          <p:cNvPr id="9" name="Rectangle 8">
+            <a:extLst>
+              <a:ext uri="{FF2B5EF4-FFF2-40B4-BE49-F238E27FC236}">
+                <a16:creationId xmlns:a16="http://schemas.microsoft.com/office/drawing/2014/main" id="{66AE7B06-40F5-486E-9608-3B70C7181126}"/>
+              </a:ext>
+            </a:extLst>
+          </p:cNvPr>
+          <p:cNvSpPr/>
+          <p:nvPr/>
+        </p:nvSpPr>
+        <p:spPr bwMode="gray">
+          <a:xfrm>
+            <a:off x="4301834" y="5005918"/>
+            <a:ext cx="1208595" cy="773906"/>
+          </a:xfrm>
+          <a:prstGeom prst="rect">
+            <a:avLst/>
+          </a:prstGeom>
+          <a:ln>
+            <a:headEnd/>
+            <a:tailEnd/>
+          </a:ln>
+        </p:spPr>
+        <p:style>
+          <a:lnRef idx="2">
+            <a:schemeClr val="accent2">
+              <a:shade val="50000"/>
+            </a:schemeClr>
+          </a:lnRef>
+          <a:fillRef idx="1">
+            <a:schemeClr val="accent2"/>
+          </a:fillRef>
+          <a:effectRef idx="0">
+            <a:schemeClr val="accent2"/>
+          </a:effectRef>
+          <a:fontRef idx="minor">
+            <a:schemeClr val="lt1"/>
+          </a:fontRef>
+        </p:style>
+        <p:txBody>
+          <a:bodyPr lIns="90000" tIns="72000" rIns="90000" bIns="72000" rtlCol="0" anchor="ctr"/>
+          <a:lstStyle/>
+          <a:p>
+            <a:pPr marR="0" algn="ctr" defTabSz="914400" eaLnBrk="1" fontAlgn="base" latinLnBrk="0" hangingPunct="1">
+              <a:lnSpc>
+                <a:spcPct val="100000"/>
+              </a:lnSpc>
+              <a:spcBef>
+                <a:spcPct val="50000"/>
+              </a:spcBef>
+              <a:spcAft>
+                <a:spcPct val="0"/>
+              </a:spcAft>
+              <a:buClr>
+                <a:srgbClr val="F0AB00"/>
+              </a:buClr>
+              <a:buSzPct val="80000"/>
+              <a:tabLst/>
+            </a:pPr>
+            <a:r>
+              <a:rPr lang="de-DE" sz="1600" b="1" kern="0" noProof="0" dirty="0" err="1">
+                <a:ea typeface="Arial Unicode MS" pitchFamily="34" charset="-128"/>
+                <a:cs typeface="Arial Unicode MS" pitchFamily="34" charset="-128"/>
+              </a:rPr>
+              <a:t>LowPrio</a:t>
+            </a:r>
+            <a:r>
+              <a:rPr lang="de-DE" sz="1600" b="1" kern="0" dirty="0">
+                <a:ea typeface="Arial Unicode MS" pitchFamily="34" charset="-128"/>
+                <a:cs typeface="Arial Unicode MS" pitchFamily="34" charset="-128"/>
+              </a:rPr>
+              <a:t> </a:t>
+            </a:r>
+            <a:r>
+              <a:rPr kumimoji="0" lang="de-DE" sz="1600" b="1" i="0" u="none" strike="noStrike" kern="0" cap="none" spc="0" normalizeH="0" baseline="0" dirty="0" err="1">
+                <a:ln>
+                  <a:noFill/>
+                </a:ln>
+                <a:effectLst/>
+                <a:uLnTx/>
+                <a:uFillTx/>
+                <a:ea typeface="Arial Unicode MS" pitchFamily="34" charset="-128"/>
+                <a:cs typeface="Arial Unicode MS" pitchFamily="34" charset="-128"/>
+              </a:rPr>
+              <a:t>Pod</a:t>
+            </a:r>
+            <a:endParaRPr kumimoji="0" lang="de-DE" sz="1600" b="1" i="0" u="none" strike="noStrike" kern="0" cap="none" spc="0" normalizeH="0" baseline="0" noProof="0" dirty="0">
+              <a:ln>
+                <a:noFill/>
+              </a:ln>
+              <a:effectLst/>
+              <a:uLnTx/>
+              <a:uFillTx/>
+              <a:ea typeface="Arial Unicode MS" pitchFamily="34" charset="-128"/>
+              <a:cs typeface="Arial Unicode MS" pitchFamily="34" charset="-128"/>
+            </a:endParaRPr>
+          </a:p>
+        </p:txBody>
+      </p:sp>
+      <p:sp>
+        <p:nvSpPr>
+          <p:cNvPr id="10" name="Rectangle 9">
+            <a:extLst>
+              <a:ext uri="{FF2B5EF4-FFF2-40B4-BE49-F238E27FC236}">
+                <a16:creationId xmlns:a16="http://schemas.microsoft.com/office/drawing/2014/main" id="{72A8952E-0440-4EAE-B3D3-B07F5E8ED7E2}"/>
+              </a:ext>
+            </a:extLst>
+          </p:cNvPr>
+          <p:cNvSpPr/>
+          <p:nvPr/>
+        </p:nvSpPr>
+        <p:spPr bwMode="gray">
+          <a:xfrm>
+            <a:off x="4620986" y="1141241"/>
+            <a:ext cx="1820636" cy="628650"/>
+          </a:xfrm>
+          <a:prstGeom prst="rect">
+            <a:avLst/>
+          </a:prstGeom>
+          <a:ln>
+            <a:headEnd/>
+            <a:tailEnd/>
+          </a:ln>
+        </p:spPr>
+        <p:style>
+          <a:lnRef idx="1">
+            <a:schemeClr val="accent2"/>
+          </a:lnRef>
+          <a:fillRef idx="2">
+            <a:schemeClr val="accent2"/>
+          </a:fillRef>
+          <a:effectRef idx="1">
+            <a:schemeClr val="accent2"/>
+          </a:effectRef>
+          <a:fontRef idx="minor">
+            <a:schemeClr val="dk1"/>
+          </a:fontRef>
+        </p:style>
+        <p:txBody>
+          <a:bodyPr lIns="90000" tIns="72000" rIns="90000" bIns="72000" rtlCol="0" anchor="ctr"/>
+          <a:lstStyle/>
+          <a:p>
+            <a:pPr marR="0" algn="ctr" defTabSz="914400" eaLnBrk="1" fontAlgn="base" latinLnBrk="0" hangingPunct="1">
+              <a:lnSpc>
+                <a:spcPct val="100000"/>
+              </a:lnSpc>
+              <a:spcBef>
+                <a:spcPct val="50000"/>
+              </a:spcBef>
+              <a:spcAft>
+                <a:spcPct val="0"/>
+              </a:spcAft>
+              <a:buClr>
+                <a:srgbClr val="F0AB00"/>
+              </a:buClr>
+              <a:buSzPct val="80000"/>
+              <a:tabLst/>
+            </a:pPr>
+            <a:r>
+              <a:rPr kumimoji="0" lang="en-US" sz="1800" b="1" i="0" u="none" strike="noStrike" kern="0" cap="none" spc="0" normalizeH="0" baseline="0" noProof="0" dirty="0">
+                <a:ln>
+                  <a:noFill/>
+                </a:ln>
+                <a:effectLst/>
+                <a:uLnTx/>
+                <a:uFillTx/>
+                <a:ea typeface="Arial Unicode MS" pitchFamily="34" charset="-128"/>
+                <a:cs typeface="Arial Unicode MS" pitchFamily="34" charset="-128"/>
+              </a:rPr>
+              <a:t>Scheduler</a:t>
+            </a:r>
+          </a:p>
+        </p:txBody>
+      </p:sp>
+      <p:cxnSp>
+        <p:nvCxnSpPr>
+          <p:cNvPr id="11" name="Connector: Elbow 10">
+            <a:extLst>
+              <a:ext uri="{FF2B5EF4-FFF2-40B4-BE49-F238E27FC236}">
+                <a16:creationId xmlns:a16="http://schemas.microsoft.com/office/drawing/2014/main" id="{3F75998F-0721-44DD-8E44-7B3A00E58828}"/>
+              </a:ext>
+            </a:extLst>
+          </p:cNvPr>
+          <p:cNvCxnSpPr>
+            <a:stCxn id="10" idx="2"/>
+            <a:endCxn id="6" idx="0"/>
+          </p:cNvCxnSpPr>
+          <p:nvPr/>
+        </p:nvCxnSpPr>
+        <p:spPr>
+          <a:xfrm rot="5400000">
+            <a:off x="3103353" y="752850"/>
+            <a:ext cx="1410911" cy="3444992"/>
+          </a:xfrm>
+          <a:prstGeom prst="bentConnector3">
+            <a:avLst/>
+          </a:prstGeom>
+          <a:ln w="57150">
+            <a:solidFill>
+              <a:schemeClr val="tx1"/>
+            </a:solidFill>
+            <a:headEnd type="none" w="med" len="med"/>
+            <a:tailEnd type="triangle"/>
+          </a:ln>
+        </p:spPr>
+        <p:style>
+          <a:lnRef idx="1">
+            <a:schemeClr val="accent1"/>
+          </a:lnRef>
+          <a:fillRef idx="0">
+            <a:schemeClr val="accent1"/>
+          </a:fillRef>
+          <a:effectRef idx="0">
+            <a:schemeClr val="accent1"/>
+          </a:effectRef>
+          <a:fontRef idx="minor">
+            <a:schemeClr val="tx1"/>
+          </a:fontRef>
+        </p:style>
+      </p:cxnSp>
+      <p:cxnSp>
+        <p:nvCxnSpPr>
+          <p:cNvPr id="12" name="Connector: Elbow 11">
+            <a:extLst>
+              <a:ext uri="{FF2B5EF4-FFF2-40B4-BE49-F238E27FC236}">
+                <a16:creationId xmlns:a16="http://schemas.microsoft.com/office/drawing/2014/main" id="{AA269A79-DC88-4A50-AC1A-7472986BBCE2}"/>
+              </a:ext>
+            </a:extLst>
+          </p:cNvPr>
+          <p:cNvCxnSpPr>
+            <a:stCxn id="10" idx="2"/>
+            <a:endCxn id="8" idx="0"/>
+          </p:cNvCxnSpPr>
+          <p:nvPr/>
+        </p:nvCxnSpPr>
+        <p:spPr>
+          <a:xfrm rot="16200000" flipH="1">
+            <a:off x="4823529" y="2477665"/>
+            <a:ext cx="1419079" cy="3529"/>
+          </a:xfrm>
+          <a:prstGeom prst="bentConnector3">
+            <a:avLst>
+              <a:gd name="adj1" fmla="val 50000"/>
+            </a:avLst>
+          </a:prstGeom>
+          <a:ln w="57150">
+            <a:solidFill>
+              <a:schemeClr val="tx1"/>
+            </a:solidFill>
+            <a:headEnd type="none" w="med" len="med"/>
+            <a:tailEnd type="triangle"/>
+          </a:ln>
+        </p:spPr>
+        <p:style>
+          <a:lnRef idx="1">
+            <a:schemeClr val="accent1"/>
+          </a:lnRef>
+          <a:fillRef idx="0">
+            <a:schemeClr val="accent1"/>
+          </a:fillRef>
+          <a:effectRef idx="0">
+            <a:schemeClr val="accent1"/>
+          </a:effectRef>
+          <a:fontRef idx="minor">
+            <a:schemeClr val="tx1"/>
+          </a:fontRef>
+        </p:style>
+      </p:cxnSp>
+      <p:sp>
+        <p:nvSpPr>
+          <p:cNvPr id="14" name="Rectangle 13">
+            <a:extLst>
+              <a:ext uri="{FF2B5EF4-FFF2-40B4-BE49-F238E27FC236}">
+                <a16:creationId xmlns:a16="http://schemas.microsoft.com/office/drawing/2014/main" id="{E9B33AB1-FAC5-4B1E-B6D7-8F0FB580E85C}"/>
+              </a:ext>
+            </a:extLst>
+          </p:cNvPr>
+          <p:cNvSpPr/>
+          <p:nvPr/>
+        </p:nvSpPr>
+        <p:spPr bwMode="gray">
+          <a:xfrm>
+            <a:off x="4301834" y="3966818"/>
+            <a:ext cx="1208595" cy="773906"/>
+          </a:xfrm>
+          <a:prstGeom prst="rect">
+            <a:avLst/>
+          </a:prstGeom>
+          <a:ln>
+            <a:headEnd/>
+            <a:tailEnd/>
+          </a:ln>
+        </p:spPr>
+        <p:style>
+          <a:lnRef idx="2">
+            <a:schemeClr val="accent4">
+              <a:shade val="50000"/>
+            </a:schemeClr>
+          </a:lnRef>
+          <a:fillRef idx="1">
+            <a:schemeClr val="accent4"/>
+          </a:fillRef>
+          <a:effectRef idx="0">
+            <a:schemeClr val="accent4"/>
+          </a:effectRef>
+          <a:fontRef idx="minor">
+            <a:schemeClr val="lt1"/>
+          </a:fontRef>
+        </p:style>
+        <p:txBody>
+          <a:bodyPr lIns="90000" tIns="72000" rIns="90000" bIns="72000" rtlCol="0" anchor="ctr"/>
+          <a:lstStyle/>
+          <a:p>
+            <a:pPr marR="0" algn="ctr" defTabSz="914400" eaLnBrk="1" fontAlgn="base" latinLnBrk="0" hangingPunct="1">
+              <a:lnSpc>
+                <a:spcPct val="100000"/>
+              </a:lnSpc>
+              <a:spcBef>
+                <a:spcPct val="50000"/>
+              </a:spcBef>
+              <a:spcAft>
+                <a:spcPct val="0"/>
+              </a:spcAft>
+              <a:buClr>
+                <a:srgbClr val="F0AB00"/>
+              </a:buClr>
+              <a:buSzPct val="80000"/>
+              <a:tabLst/>
+            </a:pPr>
+            <a:r>
+              <a:rPr kumimoji="0" lang="de-DE" sz="1600" b="1" i="0" u="none" strike="noStrike" kern="0" cap="none" spc="0" normalizeH="0" baseline="0" noProof="0" dirty="0" err="1">
+                <a:ln>
+                  <a:noFill/>
+                </a:ln>
+                <a:effectLst/>
+                <a:uLnTx/>
+                <a:uFillTx/>
+                <a:ea typeface="Arial Unicode MS" pitchFamily="34" charset="-128"/>
+                <a:cs typeface="Arial Unicode MS" pitchFamily="34" charset="-128"/>
+              </a:rPr>
+              <a:t>HighPrio</a:t>
+            </a:r>
+            <a:r>
+              <a:rPr kumimoji="0" lang="de-DE" sz="1600" b="1" i="0" u="none" strike="noStrike" kern="0" cap="none" spc="0" normalizeH="0" baseline="0" noProof="0" dirty="0">
+                <a:ln>
+                  <a:noFill/>
+                </a:ln>
+                <a:effectLst/>
+                <a:uLnTx/>
+                <a:uFillTx/>
+                <a:ea typeface="Arial Unicode MS" pitchFamily="34" charset="-128"/>
+                <a:cs typeface="Arial Unicode MS" pitchFamily="34" charset="-128"/>
+              </a:rPr>
+              <a:t> </a:t>
+            </a:r>
+            <a:r>
+              <a:rPr kumimoji="0" lang="de-DE" sz="1600" b="1" i="0" u="none" strike="noStrike" kern="0" cap="none" spc="0" normalizeH="0" baseline="0" noProof="0" dirty="0" err="1">
+                <a:ln>
+                  <a:noFill/>
+                </a:ln>
+                <a:effectLst/>
+                <a:uLnTx/>
+                <a:uFillTx/>
+                <a:ea typeface="Arial Unicode MS" pitchFamily="34" charset="-128"/>
+                <a:cs typeface="Arial Unicode MS" pitchFamily="34" charset="-128"/>
+              </a:rPr>
+              <a:t>Pod</a:t>
+            </a:r>
+            <a:endParaRPr kumimoji="0" lang="de-DE" sz="1600" b="1" i="0" u="none" strike="noStrike" kern="0" cap="none" spc="0" normalizeH="0" baseline="0" noProof="0" dirty="0">
+              <a:ln>
+                <a:noFill/>
+              </a:ln>
+              <a:effectLst/>
+              <a:uLnTx/>
+              <a:uFillTx/>
+              <a:ea typeface="Arial Unicode MS" pitchFamily="34" charset="-128"/>
+              <a:cs typeface="Arial Unicode MS" pitchFamily="34" charset="-128"/>
+            </a:endParaRPr>
+          </a:p>
+        </p:txBody>
+      </p:sp>
+      <p:sp>
+        <p:nvSpPr>
+          <p:cNvPr id="15" name="Rectangle 14">
+            <a:extLst>
+              <a:ext uri="{FF2B5EF4-FFF2-40B4-BE49-F238E27FC236}">
+                <a16:creationId xmlns:a16="http://schemas.microsoft.com/office/drawing/2014/main" id="{90D8B715-4D53-442D-856A-2955F53F5D24}"/>
+              </a:ext>
+            </a:extLst>
+          </p:cNvPr>
+          <p:cNvSpPr/>
+          <p:nvPr/>
+        </p:nvSpPr>
+        <p:spPr bwMode="gray">
+          <a:xfrm>
+            <a:off x="7750357" y="3180802"/>
+            <a:ext cx="3703320" cy="3070860"/>
+          </a:xfrm>
+          <a:prstGeom prst="rect">
+            <a:avLst/>
+          </a:prstGeom>
+          <a:ln>
+            <a:headEnd/>
+            <a:tailEnd/>
+          </a:ln>
+        </p:spPr>
+        <p:style>
+          <a:lnRef idx="1">
+            <a:schemeClr val="accent2"/>
+          </a:lnRef>
+          <a:fillRef idx="2">
+            <a:schemeClr val="accent2"/>
+          </a:fillRef>
+          <a:effectRef idx="1">
+            <a:schemeClr val="accent2"/>
+          </a:effectRef>
+          <a:fontRef idx="minor">
+            <a:schemeClr val="dk1"/>
+          </a:fontRef>
+        </p:style>
+        <p:txBody>
+          <a:bodyPr lIns="90000" tIns="72000" rIns="90000" bIns="72000" rtlCol="0" anchor="t"/>
+          <a:lstStyle/>
+          <a:p>
+            <a:pPr algn="ctr" defTabSz="914400" fontAlgn="base">
+              <a:spcBef>
+                <a:spcPct val="50000"/>
+              </a:spcBef>
+              <a:spcAft>
+                <a:spcPct val="0"/>
+              </a:spcAft>
+              <a:buClr>
+                <a:srgbClr val="F0AB00"/>
+              </a:buClr>
+              <a:buSzPct val="80000"/>
+            </a:pPr>
+            <a:r>
+              <a:rPr lang="de-DE" sz="2400" b="1" kern="0" dirty="0" err="1">
+                <a:ea typeface="Arial Unicode MS" pitchFamily="34" charset="-128"/>
+                <a:cs typeface="Arial Unicode MS" pitchFamily="34" charset="-128"/>
+              </a:rPr>
+              <a:t>Node</a:t>
+            </a:r>
+            <a:r>
+              <a:rPr lang="de-DE" sz="2400" b="1" kern="0" dirty="0">
+                <a:ea typeface="Arial Unicode MS" pitchFamily="34" charset="-128"/>
+                <a:cs typeface="Arial Unicode MS" pitchFamily="34" charset="-128"/>
+              </a:rPr>
+              <a:t> C</a:t>
+            </a:r>
+          </a:p>
+        </p:txBody>
+      </p:sp>
+      <p:sp>
+        <p:nvSpPr>
+          <p:cNvPr id="16" name="Rectangle 15">
+            <a:extLst>
+              <a:ext uri="{FF2B5EF4-FFF2-40B4-BE49-F238E27FC236}">
+                <a16:creationId xmlns:a16="http://schemas.microsoft.com/office/drawing/2014/main" id="{7348BD99-1AB4-46C7-80B3-3ABCA0640D1F}"/>
+              </a:ext>
+            </a:extLst>
+          </p:cNvPr>
+          <p:cNvSpPr/>
+          <p:nvPr/>
+        </p:nvSpPr>
+        <p:spPr bwMode="gray">
+          <a:xfrm>
+            <a:off x="8291479" y="4896456"/>
+            <a:ext cx="1208595" cy="773906"/>
+          </a:xfrm>
+          <a:prstGeom prst="rect">
+            <a:avLst/>
+          </a:prstGeom>
+          <a:ln>
+            <a:headEnd/>
+            <a:tailEnd/>
+          </a:ln>
+        </p:spPr>
+        <p:style>
+          <a:lnRef idx="2">
+            <a:schemeClr val="accent2">
+              <a:shade val="50000"/>
+            </a:schemeClr>
+          </a:lnRef>
+          <a:fillRef idx="1">
+            <a:schemeClr val="accent2"/>
+          </a:fillRef>
+          <a:effectRef idx="0">
+            <a:schemeClr val="accent2"/>
+          </a:effectRef>
+          <a:fontRef idx="minor">
+            <a:schemeClr val="lt1"/>
+          </a:fontRef>
+        </p:style>
+        <p:txBody>
+          <a:bodyPr lIns="90000" tIns="72000" rIns="90000" bIns="72000" rtlCol="0" anchor="ctr"/>
+          <a:lstStyle/>
+          <a:p>
+            <a:pPr algn="ctr" defTabSz="914400" fontAlgn="base">
+              <a:spcBef>
+                <a:spcPct val="50000"/>
+              </a:spcBef>
+              <a:spcAft>
+                <a:spcPct val="0"/>
+              </a:spcAft>
+              <a:buClr>
+                <a:srgbClr val="F0AB00"/>
+              </a:buClr>
+              <a:buSzPct val="80000"/>
+            </a:pPr>
+            <a:r>
+              <a:rPr lang="de-DE" sz="1600" b="1" kern="0" dirty="0" err="1">
+                <a:ea typeface="Arial Unicode MS" pitchFamily="34" charset="-128"/>
+                <a:cs typeface="Arial Unicode MS" pitchFamily="34" charset="-128"/>
+              </a:rPr>
+              <a:t>LowPrio</a:t>
+            </a:r>
+            <a:r>
+              <a:rPr lang="de-DE" sz="1600" b="1" kern="0" dirty="0">
+                <a:ea typeface="Arial Unicode MS" pitchFamily="34" charset="-128"/>
+                <a:cs typeface="Arial Unicode MS" pitchFamily="34" charset="-128"/>
+              </a:rPr>
+              <a:t> </a:t>
+            </a:r>
+            <a:r>
+              <a:rPr lang="de-DE" sz="1600" b="1" kern="0" dirty="0" err="1">
+                <a:ea typeface="Arial Unicode MS" pitchFamily="34" charset="-128"/>
+                <a:cs typeface="Arial Unicode MS" pitchFamily="34" charset="-128"/>
+              </a:rPr>
+              <a:t>Pod</a:t>
+            </a:r>
+            <a:endParaRPr lang="de-DE" sz="1600" b="1" kern="0" dirty="0">
+              <a:ea typeface="Arial Unicode MS" pitchFamily="34" charset="-128"/>
+              <a:cs typeface="Arial Unicode MS" pitchFamily="34" charset="-128"/>
+            </a:endParaRPr>
+          </a:p>
+        </p:txBody>
+      </p:sp>
+      <p:sp>
+        <p:nvSpPr>
+          <p:cNvPr id="17" name="Rectangle 16">
+            <a:extLst>
+              <a:ext uri="{FF2B5EF4-FFF2-40B4-BE49-F238E27FC236}">
+                <a16:creationId xmlns:a16="http://schemas.microsoft.com/office/drawing/2014/main" id="{DB9CF0C7-5DD1-405B-8323-B37155BE837D}"/>
+              </a:ext>
+            </a:extLst>
+          </p:cNvPr>
+          <p:cNvSpPr/>
+          <p:nvPr/>
+        </p:nvSpPr>
+        <p:spPr bwMode="gray">
+          <a:xfrm>
+            <a:off x="8291478" y="3966818"/>
+            <a:ext cx="1208595" cy="773906"/>
+          </a:xfrm>
+          <a:prstGeom prst="rect">
+            <a:avLst/>
+          </a:prstGeom>
+          <a:ln>
+            <a:headEnd/>
+            <a:tailEnd/>
+          </a:ln>
+        </p:spPr>
+        <p:style>
+          <a:lnRef idx="2">
+            <a:schemeClr val="accent2">
+              <a:shade val="50000"/>
+            </a:schemeClr>
+          </a:lnRef>
+          <a:fillRef idx="1">
+            <a:schemeClr val="accent2"/>
+          </a:fillRef>
+          <a:effectRef idx="0">
+            <a:schemeClr val="accent2"/>
+          </a:effectRef>
+          <a:fontRef idx="minor">
+            <a:schemeClr val="lt1"/>
+          </a:fontRef>
+        </p:style>
+        <p:txBody>
+          <a:bodyPr lIns="90000" tIns="72000" rIns="90000" bIns="72000" rtlCol="0" anchor="ctr"/>
+          <a:lstStyle/>
+          <a:p>
+            <a:pPr algn="ctr" defTabSz="914400" fontAlgn="base">
+              <a:spcBef>
+                <a:spcPct val="50000"/>
+              </a:spcBef>
+              <a:spcAft>
+                <a:spcPct val="0"/>
+              </a:spcAft>
+              <a:buClr>
+                <a:srgbClr val="F0AB00"/>
+              </a:buClr>
+              <a:buSzPct val="80000"/>
+            </a:pPr>
+            <a:r>
+              <a:rPr lang="de-DE" sz="1600" b="1" kern="0" dirty="0" err="1">
+                <a:ea typeface="Arial Unicode MS" pitchFamily="34" charset="-128"/>
+                <a:cs typeface="Arial Unicode MS" pitchFamily="34" charset="-128"/>
+              </a:rPr>
+              <a:t>LowPrio</a:t>
+            </a:r>
+            <a:r>
+              <a:rPr lang="de-DE" sz="1600" b="1" kern="0" dirty="0">
+                <a:ea typeface="Arial Unicode MS" pitchFamily="34" charset="-128"/>
+                <a:cs typeface="Arial Unicode MS" pitchFamily="34" charset="-128"/>
+              </a:rPr>
+              <a:t> </a:t>
+            </a:r>
+            <a:r>
+              <a:rPr lang="de-DE" sz="1600" b="1" kern="0" dirty="0" err="1">
+                <a:ea typeface="Arial Unicode MS" pitchFamily="34" charset="-128"/>
+                <a:cs typeface="Arial Unicode MS" pitchFamily="34" charset="-128"/>
+              </a:rPr>
+              <a:t>Pod</a:t>
+            </a:r>
+            <a:endParaRPr lang="de-DE" sz="1600" b="1" kern="0" dirty="0">
+              <a:ea typeface="Arial Unicode MS" pitchFamily="34" charset="-128"/>
+              <a:cs typeface="Arial Unicode MS" pitchFamily="34" charset="-128"/>
+            </a:endParaRPr>
+          </a:p>
+        </p:txBody>
+      </p:sp>
+      <p:cxnSp>
+        <p:nvCxnSpPr>
+          <p:cNvPr id="18" name="Connector: Elbow 17">
+            <a:extLst>
+              <a:ext uri="{FF2B5EF4-FFF2-40B4-BE49-F238E27FC236}">
+                <a16:creationId xmlns:a16="http://schemas.microsoft.com/office/drawing/2014/main" id="{7F4D6EBA-BFA0-461A-9FDF-F451BC7C94D7}"/>
+              </a:ext>
+            </a:extLst>
+          </p:cNvPr>
+          <p:cNvCxnSpPr>
+            <a:stCxn id="10" idx="2"/>
+            <a:endCxn id="15" idx="0"/>
+          </p:cNvCxnSpPr>
+          <p:nvPr/>
+        </p:nvCxnSpPr>
+        <p:spPr>
+          <a:xfrm rot="16200000" flipH="1">
+            <a:off x="6861205" y="439989"/>
+            <a:ext cx="1410911" cy="4070713"/>
+          </a:xfrm>
+          <a:prstGeom prst="bentConnector3">
+            <a:avLst>
+              <a:gd name="adj1" fmla="val 50000"/>
+            </a:avLst>
+          </a:prstGeom>
+          <a:ln w="57150">
+            <a:solidFill>
+              <a:schemeClr val="tx1"/>
+            </a:solidFill>
+            <a:headEnd type="none" w="med" len="med"/>
+            <a:tailEnd type="triangle"/>
+          </a:ln>
+        </p:spPr>
+        <p:style>
+          <a:lnRef idx="1">
+            <a:schemeClr val="accent1"/>
+          </a:lnRef>
+          <a:fillRef idx="0">
+            <a:schemeClr val="accent1"/>
+          </a:fillRef>
+          <a:effectRef idx="0">
+            <a:schemeClr val="accent1"/>
+          </a:effectRef>
+          <a:fontRef idx="minor">
+            <a:schemeClr val="tx1"/>
+          </a:fontRef>
+        </p:style>
+      </p:cxnSp>
+      <p:sp>
+        <p:nvSpPr>
+          <p:cNvPr id="19" name="Rectangle 18">
+            <a:extLst>
+              <a:ext uri="{FF2B5EF4-FFF2-40B4-BE49-F238E27FC236}">
+                <a16:creationId xmlns:a16="http://schemas.microsoft.com/office/drawing/2014/main" id="{8783143E-55C5-427A-B48E-124384E44F2E}"/>
+              </a:ext>
+            </a:extLst>
+          </p:cNvPr>
+          <p:cNvSpPr/>
+          <p:nvPr/>
+        </p:nvSpPr>
+        <p:spPr bwMode="gray">
+          <a:xfrm>
+            <a:off x="5755533" y="3981031"/>
+            <a:ext cx="1208595" cy="773906"/>
+          </a:xfrm>
+          <a:prstGeom prst="rect">
+            <a:avLst/>
+          </a:prstGeom>
+          <a:ln>
+            <a:headEnd/>
+            <a:tailEnd/>
+          </a:ln>
+        </p:spPr>
+        <p:style>
+          <a:lnRef idx="2">
+            <a:schemeClr val="accent4">
+              <a:shade val="50000"/>
+            </a:schemeClr>
+          </a:lnRef>
+          <a:fillRef idx="1">
+            <a:schemeClr val="accent4"/>
+          </a:fillRef>
+          <a:effectRef idx="0">
+            <a:schemeClr val="accent4"/>
+          </a:effectRef>
+          <a:fontRef idx="minor">
+            <a:schemeClr val="lt1"/>
+          </a:fontRef>
+        </p:style>
+        <p:txBody>
+          <a:bodyPr lIns="90000" tIns="72000" rIns="90000" bIns="72000" rtlCol="0" anchor="ctr"/>
+          <a:lstStyle/>
+          <a:p>
+            <a:pPr marR="0" algn="ctr" defTabSz="914400" eaLnBrk="1" fontAlgn="base" latinLnBrk="0" hangingPunct="1">
+              <a:lnSpc>
+                <a:spcPct val="100000"/>
+              </a:lnSpc>
+              <a:spcBef>
+                <a:spcPct val="50000"/>
+              </a:spcBef>
+              <a:spcAft>
+                <a:spcPct val="0"/>
+              </a:spcAft>
+              <a:buClr>
+                <a:srgbClr val="F0AB00"/>
+              </a:buClr>
+              <a:buSzPct val="80000"/>
+              <a:tabLst/>
+            </a:pPr>
+            <a:r>
+              <a:rPr lang="de-DE" sz="1600" b="1" kern="0" noProof="0" dirty="0" err="1">
+                <a:ea typeface="Arial Unicode MS" pitchFamily="34" charset="-128"/>
+                <a:cs typeface="Arial Unicode MS" pitchFamily="34" charset="-128"/>
+              </a:rPr>
+              <a:t>HighPrio</a:t>
+            </a:r>
+            <a:r>
+              <a:rPr lang="de-DE" sz="1600" b="1" kern="0" noProof="0" dirty="0">
+                <a:ea typeface="Arial Unicode MS" pitchFamily="34" charset="-128"/>
+                <a:cs typeface="Arial Unicode MS" pitchFamily="34" charset="-128"/>
+              </a:rPr>
+              <a:t> </a:t>
+            </a:r>
+            <a:r>
+              <a:rPr lang="de-DE" sz="1600" b="1" kern="0" noProof="0" dirty="0" err="1">
+                <a:ea typeface="Arial Unicode MS" pitchFamily="34" charset="-128"/>
+                <a:cs typeface="Arial Unicode MS" pitchFamily="34" charset="-128"/>
+              </a:rPr>
+              <a:t>Pod</a:t>
+            </a:r>
+            <a:endParaRPr kumimoji="0" lang="de-DE" sz="1600" b="1" i="0" u="none" strike="noStrike" kern="0" cap="none" spc="0" normalizeH="0" baseline="0" noProof="0" dirty="0">
+              <a:ln>
+                <a:noFill/>
+              </a:ln>
+              <a:effectLst/>
+              <a:uLnTx/>
+              <a:uFillTx/>
+              <a:ea typeface="Arial Unicode MS" pitchFamily="34" charset="-128"/>
+              <a:cs typeface="Arial Unicode MS" pitchFamily="34" charset="-128"/>
+            </a:endParaRPr>
+          </a:p>
+        </p:txBody>
+      </p:sp>
+      <p:sp>
+        <p:nvSpPr>
+          <p:cNvPr id="20" name="Rectangle 19">
+            <a:extLst>
+              <a:ext uri="{FF2B5EF4-FFF2-40B4-BE49-F238E27FC236}">
+                <a16:creationId xmlns:a16="http://schemas.microsoft.com/office/drawing/2014/main" id="{7AAD80EF-09D6-48C4-91CA-209AC90A1CE7}"/>
+              </a:ext>
+            </a:extLst>
+          </p:cNvPr>
+          <p:cNvSpPr/>
+          <p:nvPr/>
+        </p:nvSpPr>
+        <p:spPr bwMode="gray">
+          <a:xfrm>
+            <a:off x="9863937" y="3942326"/>
+            <a:ext cx="1208595" cy="773906"/>
+          </a:xfrm>
+          <a:prstGeom prst="rect">
+            <a:avLst/>
+          </a:prstGeom>
+          <a:ln>
+            <a:headEnd/>
+            <a:tailEnd/>
+          </a:ln>
+        </p:spPr>
+        <p:style>
+          <a:lnRef idx="2">
+            <a:schemeClr val="accent2">
+              <a:shade val="50000"/>
+            </a:schemeClr>
+          </a:lnRef>
+          <a:fillRef idx="1">
+            <a:schemeClr val="accent2"/>
+          </a:fillRef>
+          <a:effectRef idx="0">
+            <a:schemeClr val="accent2"/>
+          </a:effectRef>
+          <a:fontRef idx="minor">
+            <a:schemeClr val="lt1"/>
+          </a:fontRef>
+        </p:style>
+        <p:txBody>
+          <a:bodyPr lIns="90000" tIns="72000" rIns="90000" bIns="72000" rtlCol="0" anchor="ctr"/>
+          <a:lstStyle/>
+          <a:p>
+            <a:pPr algn="ctr" defTabSz="914400" fontAlgn="base">
+              <a:spcBef>
+                <a:spcPct val="50000"/>
+              </a:spcBef>
+              <a:spcAft>
+                <a:spcPct val="0"/>
+              </a:spcAft>
+              <a:buClr>
+                <a:srgbClr val="F0AB00"/>
+              </a:buClr>
+              <a:buSzPct val="80000"/>
+            </a:pPr>
+            <a:r>
+              <a:rPr lang="de-DE" sz="1600" b="1" kern="0" dirty="0" err="1">
+                <a:ea typeface="Arial Unicode MS" pitchFamily="34" charset="-128"/>
+                <a:cs typeface="Arial Unicode MS" pitchFamily="34" charset="-128"/>
+              </a:rPr>
+              <a:t>LowPrio</a:t>
+            </a:r>
+            <a:r>
+              <a:rPr lang="de-DE" sz="1600" b="1" kern="0" dirty="0">
+                <a:ea typeface="Arial Unicode MS" pitchFamily="34" charset="-128"/>
+                <a:cs typeface="Arial Unicode MS" pitchFamily="34" charset="-128"/>
+              </a:rPr>
+              <a:t> </a:t>
+            </a:r>
+            <a:r>
+              <a:rPr lang="de-DE" sz="1600" b="1" kern="0" dirty="0" err="1">
+                <a:ea typeface="Arial Unicode MS" pitchFamily="34" charset="-128"/>
+                <a:cs typeface="Arial Unicode MS" pitchFamily="34" charset="-128"/>
+              </a:rPr>
+              <a:t>Pod</a:t>
+            </a:r>
+            <a:endParaRPr lang="de-DE" sz="1600" b="1" kern="0" dirty="0">
+              <a:ea typeface="Arial Unicode MS" pitchFamily="34" charset="-128"/>
+              <a:cs typeface="Arial Unicode MS" pitchFamily="34" charset="-128"/>
+            </a:endParaRPr>
+          </a:p>
+        </p:txBody>
+      </p:sp>
+      <p:sp>
+        <p:nvSpPr>
+          <p:cNvPr id="21" name="Rectangle 20">
+            <a:extLst>
+              <a:ext uri="{FF2B5EF4-FFF2-40B4-BE49-F238E27FC236}">
+                <a16:creationId xmlns:a16="http://schemas.microsoft.com/office/drawing/2014/main" id="{7A59226E-FCF6-4E7A-86AD-01B86C1608DB}"/>
+              </a:ext>
+            </a:extLst>
+          </p:cNvPr>
+          <p:cNvSpPr/>
+          <p:nvPr/>
+        </p:nvSpPr>
+        <p:spPr bwMode="gray">
+          <a:xfrm>
+            <a:off x="5844163" y="5005918"/>
+            <a:ext cx="1208595" cy="773906"/>
+          </a:xfrm>
+          <a:prstGeom prst="rect">
+            <a:avLst/>
+          </a:prstGeom>
+          <a:ln>
+            <a:headEnd/>
+            <a:tailEnd/>
+          </a:ln>
+        </p:spPr>
+        <p:style>
+          <a:lnRef idx="2">
+            <a:schemeClr val="accent2">
+              <a:shade val="50000"/>
+            </a:schemeClr>
+          </a:lnRef>
+          <a:fillRef idx="1">
+            <a:schemeClr val="accent2"/>
+          </a:fillRef>
+          <a:effectRef idx="0">
+            <a:schemeClr val="accent2"/>
+          </a:effectRef>
+          <a:fontRef idx="minor">
+            <a:schemeClr val="lt1"/>
+          </a:fontRef>
+        </p:style>
+        <p:txBody>
+          <a:bodyPr lIns="90000" tIns="72000" rIns="90000" bIns="72000" rtlCol="0" anchor="ctr"/>
+          <a:lstStyle/>
+          <a:p>
+            <a:pPr marR="0" algn="ctr" defTabSz="914400" eaLnBrk="1" fontAlgn="base" latinLnBrk="0" hangingPunct="1">
+              <a:lnSpc>
+                <a:spcPct val="100000"/>
+              </a:lnSpc>
+              <a:spcBef>
+                <a:spcPct val="50000"/>
+              </a:spcBef>
+              <a:spcAft>
+                <a:spcPct val="0"/>
+              </a:spcAft>
+              <a:buClr>
+                <a:srgbClr val="F0AB00"/>
+              </a:buClr>
+              <a:buSzPct val="80000"/>
+              <a:tabLst/>
+            </a:pPr>
+            <a:r>
+              <a:rPr lang="de-DE" sz="1600" b="1" kern="0" noProof="0" dirty="0" err="1">
+                <a:ea typeface="Arial Unicode MS" pitchFamily="34" charset="-128"/>
+                <a:cs typeface="Arial Unicode MS" pitchFamily="34" charset="-128"/>
+              </a:rPr>
+              <a:t>LowPrio</a:t>
+            </a:r>
+            <a:r>
+              <a:rPr lang="de-DE" sz="1600" b="1" kern="0" dirty="0">
+                <a:ea typeface="Arial Unicode MS" pitchFamily="34" charset="-128"/>
+                <a:cs typeface="Arial Unicode MS" pitchFamily="34" charset="-128"/>
+              </a:rPr>
+              <a:t> </a:t>
+            </a:r>
+            <a:r>
+              <a:rPr kumimoji="0" lang="de-DE" sz="1600" b="1" i="0" u="none" strike="noStrike" kern="0" cap="none" spc="0" normalizeH="0" baseline="0" dirty="0" err="1">
+                <a:ln>
+                  <a:noFill/>
+                </a:ln>
+                <a:effectLst/>
+                <a:uLnTx/>
+                <a:uFillTx/>
+                <a:ea typeface="Arial Unicode MS" pitchFamily="34" charset="-128"/>
+                <a:cs typeface="Arial Unicode MS" pitchFamily="34" charset="-128"/>
+              </a:rPr>
+              <a:t>Pod</a:t>
+            </a:r>
+            <a:endParaRPr kumimoji="0" lang="de-DE" sz="1600" b="1" i="0" u="none" strike="noStrike" kern="0" cap="none" spc="0" normalizeH="0" baseline="0" noProof="0" dirty="0">
+              <a:ln>
+                <a:noFill/>
+              </a:ln>
+              <a:effectLst/>
+              <a:uLnTx/>
+              <a:uFillTx/>
+              <a:ea typeface="Arial Unicode MS" pitchFamily="34" charset="-128"/>
+              <a:cs typeface="Arial Unicode MS" pitchFamily="34" charset="-128"/>
+            </a:endParaRPr>
+          </a:p>
+        </p:txBody>
+      </p:sp>
+      <p:sp>
+        <p:nvSpPr>
+          <p:cNvPr id="22" name="Rectangle 21">
+            <a:extLst>
+              <a:ext uri="{FF2B5EF4-FFF2-40B4-BE49-F238E27FC236}">
+                <a16:creationId xmlns:a16="http://schemas.microsoft.com/office/drawing/2014/main" id="{A7E68C4B-E1F2-47A0-B6E9-AA0EF2A9B61A}"/>
+              </a:ext>
+            </a:extLst>
+          </p:cNvPr>
+          <p:cNvSpPr/>
+          <p:nvPr/>
+        </p:nvSpPr>
+        <p:spPr bwMode="gray">
+          <a:xfrm>
+            <a:off x="1479503" y="5005918"/>
+            <a:ext cx="1208595" cy="773906"/>
+          </a:xfrm>
+          <a:prstGeom prst="rect">
+            <a:avLst/>
+          </a:prstGeom>
+          <a:ln>
+            <a:headEnd/>
+            <a:tailEnd/>
+          </a:ln>
+        </p:spPr>
+        <p:style>
+          <a:lnRef idx="2">
+            <a:schemeClr val="accent2">
+              <a:shade val="50000"/>
+            </a:schemeClr>
+          </a:lnRef>
+          <a:fillRef idx="1">
+            <a:schemeClr val="accent2"/>
+          </a:fillRef>
+          <a:effectRef idx="0">
+            <a:schemeClr val="accent2"/>
+          </a:effectRef>
+          <a:fontRef idx="minor">
+            <a:schemeClr val="lt1"/>
+          </a:fontRef>
+        </p:style>
+        <p:txBody>
+          <a:bodyPr lIns="90000" tIns="72000" rIns="90000" bIns="72000" rtlCol="0" anchor="ctr"/>
+          <a:lstStyle/>
+          <a:p>
+            <a:pPr marR="0" algn="ctr" defTabSz="914400" eaLnBrk="1" fontAlgn="base" latinLnBrk="0" hangingPunct="1">
+              <a:lnSpc>
+                <a:spcPct val="100000"/>
+              </a:lnSpc>
+              <a:spcBef>
+                <a:spcPct val="50000"/>
+              </a:spcBef>
+              <a:spcAft>
+                <a:spcPct val="0"/>
+              </a:spcAft>
+              <a:buClr>
+                <a:srgbClr val="F0AB00"/>
+              </a:buClr>
+              <a:buSzPct val="80000"/>
+              <a:tabLst/>
+            </a:pPr>
+            <a:r>
+              <a:rPr lang="de-DE" sz="1600" b="1" kern="0" noProof="0" dirty="0" err="1">
+                <a:ea typeface="Arial Unicode MS" pitchFamily="34" charset="-128"/>
+                <a:cs typeface="Arial Unicode MS" pitchFamily="34" charset="-128"/>
+              </a:rPr>
+              <a:t>LowPrio</a:t>
+            </a:r>
+            <a:r>
+              <a:rPr lang="de-DE" sz="1600" b="1" kern="0" dirty="0">
+                <a:ea typeface="Arial Unicode MS" pitchFamily="34" charset="-128"/>
+                <a:cs typeface="Arial Unicode MS" pitchFamily="34" charset="-128"/>
+              </a:rPr>
+              <a:t> </a:t>
+            </a:r>
+            <a:r>
+              <a:rPr kumimoji="0" lang="de-DE" sz="1600" b="1" i="0" u="none" strike="noStrike" kern="0" cap="none" spc="0" normalizeH="0" baseline="0" dirty="0" err="1">
+                <a:ln>
+                  <a:noFill/>
+                </a:ln>
+                <a:effectLst/>
+                <a:uLnTx/>
+                <a:uFillTx/>
+                <a:ea typeface="Arial Unicode MS" pitchFamily="34" charset="-128"/>
+                <a:cs typeface="Arial Unicode MS" pitchFamily="34" charset="-128"/>
+              </a:rPr>
+              <a:t>Pod</a:t>
+            </a:r>
+            <a:endParaRPr kumimoji="0" lang="de-DE" sz="1600" b="1" i="0" u="none" strike="noStrike" kern="0" cap="none" spc="0" normalizeH="0" baseline="0" noProof="0" dirty="0">
+              <a:ln>
+                <a:noFill/>
+              </a:ln>
+              <a:effectLst/>
+              <a:uLnTx/>
+              <a:uFillTx/>
+              <a:ea typeface="Arial Unicode MS" pitchFamily="34" charset="-128"/>
+              <a:cs typeface="Arial Unicode MS" pitchFamily="34" charset="-128"/>
+            </a:endParaRPr>
+          </a:p>
+        </p:txBody>
+      </p:sp>
+      <p:sp>
+        <p:nvSpPr>
+          <p:cNvPr id="23" name="Rectangle 22">
+            <a:extLst>
+              <a:ext uri="{FF2B5EF4-FFF2-40B4-BE49-F238E27FC236}">
+                <a16:creationId xmlns:a16="http://schemas.microsoft.com/office/drawing/2014/main" id="{2E0AD6D3-F789-489E-923F-6442FB3ADD43}"/>
+              </a:ext>
+            </a:extLst>
+          </p:cNvPr>
+          <p:cNvSpPr/>
+          <p:nvPr/>
+        </p:nvSpPr>
+        <p:spPr bwMode="gray">
+          <a:xfrm>
+            <a:off x="1474984" y="3942326"/>
+            <a:ext cx="1208595" cy="773906"/>
+          </a:xfrm>
+          <a:prstGeom prst="rect">
+            <a:avLst/>
+          </a:prstGeom>
+          <a:ln>
+            <a:headEnd/>
+            <a:tailEnd/>
+          </a:ln>
+        </p:spPr>
+        <p:style>
+          <a:lnRef idx="2">
+            <a:schemeClr val="accent2">
+              <a:shade val="50000"/>
+            </a:schemeClr>
+          </a:lnRef>
+          <a:fillRef idx="1">
+            <a:schemeClr val="accent2"/>
+          </a:fillRef>
+          <a:effectRef idx="0">
+            <a:schemeClr val="accent2"/>
+          </a:effectRef>
+          <a:fontRef idx="minor">
+            <a:schemeClr val="lt1"/>
+          </a:fontRef>
+        </p:style>
+        <p:txBody>
+          <a:bodyPr lIns="90000" tIns="72000" rIns="90000" bIns="72000" rtlCol="0" anchor="ctr"/>
+          <a:lstStyle/>
+          <a:p>
+            <a:pPr marR="0" algn="ctr" defTabSz="914400" eaLnBrk="1" fontAlgn="base" latinLnBrk="0" hangingPunct="1">
+              <a:lnSpc>
+                <a:spcPct val="100000"/>
+              </a:lnSpc>
+              <a:spcBef>
+                <a:spcPct val="50000"/>
+              </a:spcBef>
+              <a:spcAft>
+                <a:spcPct val="0"/>
+              </a:spcAft>
+              <a:buClr>
+                <a:srgbClr val="F0AB00"/>
+              </a:buClr>
+              <a:buSzPct val="80000"/>
+              <a:tabLst/>
+            </a:pPr>
+            <a:r>
+              <a:rPr lang="de-DE" sz="1600" b="1" kern="0" noProof="0" dirty="0" err="1">
+                <a:ea typeface="Arial Unicode MS" pitchFamily="34" charset="-128"/>
+                <a:cs typeface="Arial Unicode MS" pitchFamily="34" charset="-128"/>
+              </a:rPr>
+              <a:t>LowPrio</a:t>
+            </a:r>
+            <a:r>
+              <a:rPr lang="de-DE" sz="1600" b="1" kern="0" dirty="0">
+                <a:ea typeface="Arial Unicode MS" pitchFamily="34" charset="-128"/>
+                <a:cs typeface="Arial Unicode MS" pitchFamily="34" charset="-128"/>
+              </a:rPr>
+              <a:t> </a:t>
+            </a:r>
+            <a:r>
+              <a:rPr kumimoji="0" lang="de-DE" sz="1600" b="1" i="0" u="none" strike="noStrike" kern="0" cap="none" spc="0" normalizeH="0" baseline="0" dirty="0" err="1">
+                <a:ln>
+                  <a:noFill/>
+                </a:ln>
+                <a:effectLst/>
+                <a:uLnTx/>
+                <a:uFillTx/>
+                <a:ea typeface="Arial Unicode MS" pitchFamily="34" charset="-128"/>
+                <a:cs typeface="Arial Unicode MS" pitchFamily="34" charset="-128"/>
+              </a:rPr>
+              <a:t>Pod</a:t>
+            </a:r>
+            <a:endParaRPr kumimoji="0" lang="de-DE" sz="1600" b="1" i="0" u="none" strike="noStrike" kern="0" cap="none" spc="0" normalizeH="0" baseline="0" noProof="0" dirty="0">
+              <a:ln>
+                <a:noFill/>
+              </a:ln>
+              <a:effectLst/>
+              <a:uLnTx/>
+              <a:uFillTx/>
+              <a:ea typeface="Arial Unicode MS" pitchFamily="34" charset="-128"/>
+              <a:cs typeface="Arial Unicode MS" pitchFamily="34" charset="-128"/>
+            </a:endParaRPr>
+          </a:p>
+        </p:txBody>
+      </p:sp>
+      <p:sp>
+        <p:nvSpPr>
+          <p:cNvPr id="24" name="Rectangle 23">
+            <a:extLst>
+              <a:ext uri="{FF2B5EF4-FFF2-40B4-BE49-F238E27FC236}">
+                <a16:creationId xmlns:a16="http://schemas.microsoft.com/office/drawing/2014/main" id="{14DE6F3E-0976-41FC-8F37-C86777E26FBA}"/>
+              </a:ext>
+            </a:extLst>
+          </p:cNvPr>
+          <p:cNvSpPr/>
+          <p:nvPr/>
+        </p:nvSpPr>
+        <p:spPr bwMode="gray">
+          <a:xfrm>
+            <a:off x="9863936" y="4897538"/>
+            <a:ext cx="1208595" cy="773906"/>
+          </a:xfrm>
+          <a:prstGeom prst="rect">
+            <a:avLst/>
+          </a:prstGeom>
+          <a:ln>
+            <a:headEnd/>
+            <a:tailEnd/>
+          </a:ln>
+        </p:spPr>
+        <p:style>
+          <a:lnRef idx="2">
+            <a:schemeClr val="accent2">
+              <a:shade val="50000"/>
+            </a:schemeClr>
+          </a:lnRef>
+          <a:fillRef idx="1">
+            <a:schemeClr val="accent2"/>
+          </a:fillRef>
+          <a:effectRef idx="0">
+            <a:schemeClr val="accent2"/>
+          </a:effectRef>
+          <a:fontRef idx="minor">
+            <a:schemeClr val="lt1"/>
+          </a:fontRef>
+        </p:style>
+        <p:txBody>
+          <a:bodyPr lIns="90000" tIns="72000" rIns="90000" bIns="72000" rtlCol="0" anchor="ctr"/>
+          <a:lstStyle/>
+          <a:p>
+            <a:pPr algn="ctr" defTabSz="914400" fontAlgn="base">
+              <a:spcBef>
+                <a:spcPct val="50000"/>
+              </a:spcBef>
+              <a:spcAft>
+                <a:spcPct val="0"/>
+              </a:spcAft>
+              <a:buClr>
+                <a:srgbClr val="F0AB00"/>
+              </a:buClr>
+              <a:buSzPct val="80000"/>
+            </a:pPr>
+            <a:r>
+              <a:rPr lang="de-DE" sz="1600" b="1" kern="0" dirty="0" err="1">
+                <a:ea typeface="Arial Unicode MS" pitchFamily="34" charset="-128"/>
+                <a:cs typeface="Arial Unicode MS" pitchFamily="34" charset="-128"/>
+              </a:rPr>
+              <a:t>LowPrio</a:t>
+            </a:r>
+            <a:r>
+              <a:rPr lang="de-DE" sz="1600" b="1" kern="0" dirty="0">
+                <a:ea typeface="Arial Unicode MS" pitchFamily="34" charset="-128"/>
+                <a:cs typeface="Arial Unicode MS" pitchFamily="34" charset="-128"/>
+              </a:rPr>
+              <a:t> </a:t>
+            </a:r>
+            <a:r>
+              <a:rPr lang="de-DE" sz="1600" b="1" kern="0" dirty="0" err="1">
+                <a:ea typeface="Arial Unicode MS" pitchFamily="34" charset="-128"/>
+                <a:cs typeface="Arial Unicode MS" pitchFamily="34" charset="-128"/>
+              </a:rPr>
+              <a:t>Pod</a:t>
+            </a:r>
+            <a:endParaRPr lang="de-DE" sz="1600" b="1" kern="0" dirty="0">
+              <a:ea typeface="Arial Unicode MS" pitchFamily="34" charset="-128"/>
+              <a:cs typeface="Arial Unicode MS" pitchFamily="34" charset="-128"/>
+            </a:endParaRPr>
+          </a:p>
+        </p:txBody>
+      </p:sp>
+      <p:sp>
+        <p:nvSpPr>
+          <p:cNvPr id="25" name="Rectangle 24">
+            <a:extLst>
+              <a:ext uri="{FF2B5EF4-FFF2-40B4-BE49-F238E27FC236}">
+                <a16:creationId xmlns:a16="http://schemas.microsoft.com/office/drawing/2014/main" id="{ECA21933-B84E-4C3F-A053-9FC8DE5A3D29}"/>
+              </a:ext>
+            </a:extLst>
+          </p:cNvPr>
+          <p:cNvSpPr/>
+          <p:nvPr/>
+        </p:nvSpPr>
+        <p:spPr bwMode="gray">
+          <a:xfrm>
+            <a:off x="6662321" y="444221"/>
+            <a:ext cx="1208595" cy="1859276"/>
+          </a:xfrm>
+          <a:prstGeom prst="rect">
+            <a:avLst/>
+          </a:prstGeom>
+          <a:ln>
+            <a:headEnd/>
+            <a:tailEnd/>
+          </a:ln>
+        </p:spPr>
+        <p:style>
+          <a:lnRef idx="2">
+            <a:schemeClr val="accent4">
+              <a:shade val="50000"/>
+            </a:schemeClr>
+          </a:lnRef>
+          <a:fillRef idx="1">
+            <a:schemeClr val="accent4"/>
+          </a:fillRef>
+          <a:effectRef idx="0">
+            <a:schemeClr val="accent4"/>
+          </a:effectRef>
+          <a:fontRef idx="minor">
+            <a:schemeClr val="lt1"/>
+          </a:fontRef>
+        </p:style>
+        <p:txBody>
+          <a:bodyPr lIns="90000" tIns="72000" rIns="90000" bIns="72000" rtlCol="0" anchor="ctr"/>
+          <a:lstStyle/>
+          <a:p>
+            <a:pPr marR="0" algn="ctr" defTabSz="914400" eaLnBrk="1" fontAlgn="base" latinLnBrk="0" hangingPunct="1">
+              <a:lnSpc>
+                <a:spcPct val="100000"/>
+              </a:lnSpc>
+              <a:spcBef>
+                <a:spcPct val="50000"/>
+              </a:spcBef>
+              <a:spcAft>
+                <a:spcPct val="0"/>
+              </a:spcAft>
+              <a:buClr>
+                <a:srgbClr val="F0AB00"/>
+              </a:buClr>
+              <a:buSzPct val="80000"/>
+              <a:tabLst/>
+            </a:pPr>
+            <a:r>
+              <a:rPr kumimoji="0" lang="de-DE" sz="1600" b="1" i="0" u="none" strike="noStrike" kern="0" cap="none" spc="0" normalizeH="0" baseline="0" noProof="0" dirty="0" err="1">
+                <a:ln>
+                  <a:noFill/>
+                </a:ln>
+                <a:effectLst/>
+                <a:uLnTx/>
+                <a:uFillTx/>
+                <a:ea typeface="Arial Unicode MS" pitchFamily="34" charset="-128"/>
+                <a:cs typeface="Arial Unicode MS" pitchFamily="34" charset="-128"/>
+              </a:rPr>
+              <a:t>HighPrio</a:t>
+            </a:r>
+            <a:r>
+              <a:rPr kumimoji="0" lang="de-DE" sz="1600" b="1" i="0" u="none" strike="noStrike" kern="0" cap="none" spc="0" normalizeH="0" baseline="0" noProof="0" dirty="0">
+                <a:ln>
+                  <a:noFill/>
+                </a:ln>
+                <a:effectLst/>
+                <a:uLnTx/>
+                <a:uFillTx/>
+                <a:ea typeface="Arial Unicode MS" pitchFamily="34" charset="-128"/>
+                <a:cs typeface="Arial Unicode MS" pitchFamily="34" charset="-128"/>
+              </a:rPr>
+              <a:t> </a:t>
+            </a:r>
+            <a:r>
+              <a:rPr kumimoji="0" lang="de-DE" sz="1600" b="1" i="0" u="none" strike="noStrike" kern="0" cap="none" spc="0" normalizeH="0" baseline="0" noProof="0" dirty="0" err="1">
+                <a:ln>
+                  <a:noFill/>
+                </a:ln>
+                <a:effectLst/>
+                <a:uLnTx/>
+                <a:uFillTx/>
+                <a:ea typeface="Arial Unicode MS" pitchFamily="34" charset="-128"/>
+                <a:cs typeface="Arial Unicode MS" pitchFamily="34" charset="-128"/>
+              </a:rPr>
+              <a:t>Pod</a:t>
+            </a:r>
+            <a:endParaRPr kumimoji="0" lang="de-DE" sz="1600" b="1" i="0" u="none" strike="noStrike" kern="0" cap="none" spc="0" normalizeH="0" baseline="0" noProof="0" dirty="0">
+              <a:ln>
+                <a:noFill/>
+              </a:ln>
+              <a:effectLst/>
+              <a:uLnTx/>
+              <a:uFillTx/>
+              <a:ea typeface="Arial Unicode MS" pitchFamily="34" charset="-128"/>
+              <a:cs typeface="Arial Unicode MS" pitchFamily="34" charset="-128"/>
+            </a:endParaRPr>
+          </a:p>
+        </p:txBody>
+      </p:sp>
+    </p:spTree>
+    <p:extLst>
+      <p:ext uri="{BB962C8B-B14F-4D97-AF65-F5344CB8AC3E}">
+        <p14:creationId xmlns:p14="http://schemas.microsoft.com/office/powerpoint/2010/main" val="1644440612"/>
+      </p:ext>
+    </p:extLst>
+  </p:cSld>
+  <p:clrMapOvr>
+    <a:masterClrMapping/>
+  </p:clrMapOvr>
+  <p:timing>
+    <p:tnLst>
+      <p:par>
+        <p:cTn id="1" dur="indefinite" restart="never" nodeType="tmRoot">
+          <p:childTnLst>
+            <p:seq concurrent="1" nextAc="seek">
+              <p:cTn id="2" dur="indefinite" nodeType="mainSeq">
+                <p:childTnLst>
+                  <p:par>
+                    <p:cTn id="3" fill="hold">
+                      <p:stCondLst>
+                        <p:cond delay="indefinite"/>
+                      </p:stCondLst>
+                      <p:childTnLst>
+                        <p:par>
+                          <p:cTn id="4" fill="hold">
+                            <p:stCondLst>
+                              <p:cond delay="0"/>
+                            </p:stCondLst>
+                            <p:childTnLst>
+                              <p:par>
+                                <p:cTn id="5" presetID="1" presetClass="entr" presetSubtype="0" fill="hold" grpId="1" nodeType="clickEffect">
+                                  <p:stCondLst>
+                                    <p:cond delay="0"/>
+                                  </p:stCondLst>
+                                  <p:childTnLst>
+                                    <p:set>
+                                      <p:cBhvr>
+                                        <p:cTn id="6" dur="1" fill="hold">
+                                          <p:stCondLst>
+                                            <p:cond delay="0"/>
+                                          </p:stCondLst>
+                                        </p:cTn>
+                                        <p:tgtEl>
+                                          <p:spTgt spid="25"/>
+                                        </p:tgtEl>
+                                        <p:attrNameLst>
+                                          <p:attrName>style.visibility</p:attrName>
+                                        </p:attrNameLst>
+                                      </p:cBhvr>
+                                      <p:to>
+                                        <p:strVal val="visible"/>
+                                      </p:to>
+                                    </p:set>
+                                  </p:childTnLst>
+                                </p:cTn>
+                              </p:par>
+                            </p:childTnLst>
+                          </p:cTn>
+                        </p:par>
+                      </p:childTnLst>
+                    </p:cTn>
+                  </p:par>
+                  <p:par>
+                    <p:cTn id="7" fill="hold">
+                      <p:stCondLst>
+                        <p:cond delay="indefinite"/>
+                      </p:stCondLst>
+                      <p:childTnLst>
+                        <p:par>
+                          <p:cTn id="8" fill="hold">
+                            <p:stCondLst>
+                              <p:cond delay="0"/>
+                            </p:stCondLst>
+                            <p:childTnLst>
+                              <p:par>
+                                <p:cTn id="9" presetID="19" presetClass="emph" presetSubtype="0" fill="hold" grpId="1" nodeType="clickEffect">
+                                  <p:stCondLst>
+                                    <p:cond delay="0"/>
+                                  </p:stCondLst>
+                                  <p:childTnLst>
+                                    <p:animClr clrSpc="rgb" dir="cw">
+                                      <p:cBhvr override="childStyle">
+                                        <p:cTn id="10" dur="500" fill="hold"/>
+                                        <p:tgtEl>
+                                          <p:spTgt spid="23"/>
+                                        </p:tgtEl>
+                                        <p:attrNameLst>
+                                          <p:attrName>style.color</p:attrName>
+                                        </p:attrNameLst>
+                                      </p:cBhvr>
+                                      <p:to>
+                                        <a:srgbClr val="E30B0B"/>
+                                      </p:to>
+                                    </p:animClr>
+                                    <p:animClr clrSpc="rgb" dir="cw">
+                                      <p:cBhvr>
+                                        <p:cTn id="11" dur="500" fill="hold"/>
+                                        <p:tgtEl>
+                                          <p:spTgt spid="23"/>
+                                        </p:tgtEl>
+                                        <p:attrNameLst>
+                                          <p:attrName>fillcolor</p:attrName>
+                                        </p:attrNameLst>
+                                      </p:cBhvr>
+                                      <p:to>
+                                        <a:srgbClr val="E30B0B"/>
+                                      </p:to>
+                                    </p:animClr>
+                                    <p:set>
+                                      <p:cBhvr>
+                                        <p:cTn id="12" dur="500" fill="hold"/>
+                                        <p:tgtEl>
+                                          <p:spTgt spid="23"/>
+                                        </p:tgtEl>
+                                        <p:attrNameLst>
+                                          <p:attrName>fill.type</p:attrName>
+                                        </p:attrNameLst>
+                                      </p:cBhvr>
+                                      <p:to>
+                                        <p:strVal val="solid"/>
+                                      </p:to>
+                                    </p:set>
+                                    <p:set>
+                                      <p:cBhvr>
+                                        <p:cTn id="13" dur="500" fill="hold"/>
+                                        <p:tgtEl>
+                                          <p:spTgt spid="23"/>
+                                        </p:tgtEl>
+                                        <p:attrNameLst>
+                                          <p:attrName>fill.on</p:attrName>
+                                        </p:attrNameLst>
+                                      </p:cBhvr>
+                                      <p:to>
+                                        <p:strVal val="true"/>
+                                      </p:to>
+                                    </p:set>
+                                  </p:childTnLst>
+                                </p:cTn>
+                              </p:par>
+                              <p:par>
+                                <p:cTn id="14" presetID="19" presetClass="emph" presetSubtype="0" fill="hold" grpId="1" nodeType="withEffect">
+                                  <p:stCondLst>
+                                    <p:cond delay="0"/>
+                                  </p:stCondLst>
+                                  <p:childTnLst>
+                                    <p:animClr clrSpc="rgb" dir="cw">
+                                      <p:cBhvr override="childStyle">
+                                        <p:cTn id="15" dur="500" fill="hold"/>
+                                        <p:tgtEl>
+                                          <p:spTgt spid="22"/>
+                                        </p:tgtEl>
+                                        <p:attrNameLst>
+                                          <p:attrName>style.color</p:attrName>
+                                        </p:attrNameLst>
+                                      </p:cBhvr>
+                                      <p:to>
+                                        <a:srgbClr val="E30B0B"/>
+                                      </p:to>
+                                    </p:animClr>
+                                    <p:animClr clrSpc="rgb" dir="cw">
+                                      <p:cBhvr>
+                                        <p:cTn id="16" dur="500" fill="hold"/>
+                                        <p:tgtEl>
+                                          <p:spTgt spid="22"/>
+                                        </p:tgtEl>
+                                        <p:attrNameLst>
+                                          <p:attrName>fillcolor</p:attrName>
+                                        </p:attrNameLst>
+                                      </p:cBhvr>
+                                      <p:to>
+                                        <a:srgbClr val="E30B0B"/>
+                                      </p:to>
+                                    </p:animClr>
+                                    <p:set>
+                                      <p:cBhvr>
+                                        <p:cTn id="17" dur="500" fill="hold"/>
+                                        <p:tgtEl>
+                                          <p:spTgt spid="22"/>
+                                        </p:tgtEl>
+                                        <p:attrNameLst>
+                                          <p:attrName>fill.type</p:attrName>
+                                        </p:attrNameLst>
+                                      </p:cBhvr>
+                                      <p:to>
+                                        <p:strVal val="solid"/>
+                                      </p:to>
+                                    </p:set>
+                                    <p:set>
+                                      <p:cBhvr>
+                                        <p:cTn id="18" dur="500" fill="hold"/>
+                                        <p:tgtEl>
+                                          <p:spTgt spid="22"/>
+                                        </p:tgtEl>
+                                        <p:attrNameLst>
+                                          <p:attrName>fill.on</p:attrName>
+                                        </p:attrNameLst>
+                                      </p:cBhvr>
+                                      <p:to>
+                                        <p:strVal val="true"/>
+                                      </p:to>
+                                    </p:set>
+                                  </p:childTnLst>
+                                </p:cTn>
+                              </p:par>
+                            </p:childTnLst>
+                          </p:cTn>
+                        </p:par>
+                        <p:par>
+                          <p:cTn id="19" fill="hold">
+                            <p:stCondLst>
+                              <p:cond delay="500"/>
+                            </p:stCondLst>
+                            <p:childTnLst>
+                              <p:par>
+                                <p:cTn id="20" presetID="2" presetClass="exit" presetSubtype="4" fill="hold" grpId="0" nodeType="afterEffect">
+                                  <p:stCondLst>
+                                    <p:cond delay="0"/>
+                                  </p:stCondLst>
+                                  <p:childTnLst>
+                                    <p:anim calcmode="lin" valueType="num">
+                                      <p:cBhvr additive="base">
+                                        <p:cTn id="21" dur="500"/>
+                                        <p:tgtEl>
+                                          <p:spTgt spid="23"/>
+                                        </p:tgtEl>
+                                        <p:attrNameLst>
+                                          <p:attrName>ppt_x</p:attrName>
+                                        </p:attrNameLst>
+                                      </p:cBhvr>
+                                      <p:tavLst>
+                                        <p:tav tm="0">
+                                          <p:val>
+                                            <p:strVal val="ppt_x"/>
+                                          </p:val>
+                                        </p:tav>
+                                        <p:tav tm="100000">
+                                          <p:val>
+                                            <p:strVal val="ppt_x"/>
+                                          </p:val>
+                                        </p:tav>
+                                      </p:tavLst>
+                                    </p:anim>
+                                    <p:anim calcmode="lin" valueType="num">
+                                      <p:cBhvr additive="base">
+                                        <p:cTn id="22" dur="500"/>
+                                        <p:tgtEl>
+                                          <p:spTgt spid="23"/>
+                                        </p:tgtEl>
+                                        <p:attrNameLst>
+                                          <p:attrName>ppt_y</p:attrName>
+                                        </p:attrNameLst>
+                                      </p:cBhvr>
+                                      <p:tavLst>
+                                        <p:tav tm="0">
+                                          <p:val>
+                                            <p:strVal val="ppt_y"/>
+                                          </p:val>
+                                        </p:tav>
+                                        <p:tav tm="100000">
+                                          <p:val>
+                                            <p:strVal val="1+ppt_h/2"/>
+                                          </p:val>
+                                        </p:tav>
+                                      </p:tavLst>
+                                    </p:anim>
+                                    <p:set>
+                                      <p:cBhvr>
+                                        <p:cTn id="23" dur="1" fill="hold">
+                                          <p:stCondLst>
+                                            <p:cond delay="499"/>
+                                          </p:stCondLst>
+                                        </p:cTn>
+                                        <p:tgtEl>
+                                          <p:spTgt spid="23"/>
+                                        </p:tgtEl>
+                                        <p:attrNameLst>
+                                          <p:attrName>style.visibility</p:attrName>
+                                        </p:attrNameLst>
+                                      </p:cBhvr>
+                                      <p:to>
+                                        <p:strVal val="hidden"/>
+                                      </p:to>
+                                    </p:set>
+                                  </p:childTnLst>
+                                </p:cTn>
+                              </p:par>
+                              <p:par>
+                                <p:cTn id="24" presetID="2" presetClass="exit" presetSubtype="4" fill="hold" grpId="0" nodeType="withEffect">
+                                  <p:stCondLst>
+                                    <p:cond delay="0"/>
+                                  </p:stCondLst>
+                                  <p:childTnLst>
+                                    <p:anim calcmode="lin" valueType="num">
+                                      <p:cBhvr additive="base">
+                                        <p:cTn id="25" dur="500"/>
+                                        <p:tgtEl>
+                                          <p:spTgt spid="22"/>
+                                        </p:tgtEl>
+                                        <p:attrNameLst>
+                                          <p:attrName>ppt_x</p:attrName>
+                                        </p:attrNameLst>
+                                      </p:cBhvr>
+                                      <p:tavLst>
+                                        <p:tav tm="0">
+                                          <p:val>
+                                            <p:strVal val="ppt_x"/>
+                                          </p:val>
+                                        </p:tav>
+                                        <p:tav tm="100000">
+                                          <p:val>
+                                            <p:strVal val="ppt_x"/>
+                                          </p:val>
+                                        </p:tav>
+                                      </p:tavLst>
+                                    </p:anim>
+                                    <p:anim calcmode="lin" valueType="num">
+                                      <p:cBhvr additive="base">
+                                        <p:cTn id="26" dur="500"/>
+                                        <p:tgtEl>
+                                          <p:spTgt spid="22"/>
+                                        </p:tgtEl>
+                                        <p:attrNameLst>
+                                          <p:attrName>ppt_y</p:attrName>
+                                        </p:attrNameLst>
+                                      </p:cBhvr>
+                                      <p:tavLst>
+                                        <p:tav tm="0">
+                                          <p:val>
+                                            <p:strVal val="ppt_y"/>
+                                          </p:val>
+                                        </p:tav>
+                                        <p:tav tm="100000">
+                                          <p:val>
+                                            <p:strVal val="1+ppt_h/2"/>
+                                          </p:val>
+                                        </p:tav>
+                                      </p:tavLst>
+                                    </p:anim>
+                                    <p:set>
+                                      <p:cBhvr>
+                                        <p:cTn id="27" dur="1" fill="hold">
+                                          <p:stCondLst>
+                                            <p:cond delay="499"/>
+                                          </p:stCondLst>
+                                        </p:cTn>
+                                        <p:tgtEl>
+                                          <p:spTgt spid="22"/>
+                                        </p:tgtEl>
+                                        <p:attrNameLst>
+                                          <p:attrName>style.visibility</p:attrName>
+                                        </p:attrNameLst>
+                                      </p:cBhvr>
+                                      <p:to>
+                                        <p:strVal val="hidden"/>
+                                      </p:to>
+                                    </p:set>
+                                  </p:childTnLst>
+                                </p:cTn>
+                              </p:par>
+                            </p:childTnLst>
+                          </p:cTn>
+                        </p:par>
+                      </p:childTnLst>
+                    </p:cTn>
+                  </p:par>
+                  <p:par>
+                    <p:cTn id="28" fill="hold">
+                      <p:stCondLst>
+                        <p:cond delay="indefinite"/>
+                      </p:stCondLst>
+                      <p:childTnLst>
+                        <p:par>
+                          <p:cTn id="29" fill="hold">
+                            <p:stCondLst>
+                              <p:cond delay="0"/>
+                            </p:stCondLst>
+                            <p:childTnLst>
+                              <p:par>
+                                <p:cTn id="30" presetID="50" presetClass="path" presetSubtype="0" accel="50000" decel="50000" fill="hold" grpId="0" nodeType="clickEffect">
+                                  <p:stCondLst>
+                                    <p:cond delay="0"/>
+                                  </p:stCondLst>
+                                  <p:childTnLst>
+                                    <p:animMotion origin="layout" path="M 1.61677E-6 -0.00139 L -0.21245 -0.00139 C -0.3076 -0.00139 -0.42502 0.13912 -0.42502 0.25324 L -0.42502 0.5081 " pathEditMode="relative" rAng="0" ptsTypes="AAAA">
+                                      <p:cBhvr>
+                                        <p:cTn id="31" dur="2000" fill="hold"/>
+                                        <p:tgtEl>
+                                          <p:spTgt spid="25"/>
+                                        </p:tgtEl>
+                                        <p:attrNameLst>
+                                          <p:attrName>ppt_x</p:attrName>
+                                          <p:attrName>ppt_y</p:attrName>
+                                        </p:attrNameLst>
+                                      </p:cBhvr>
+                                      <p:rCtr x="-21257" y="25463"/>
+                                    </p:animMotion>
+                                  </p:childTnLst>
+                                </p:cTn>
+                              </p:par>
+                            </p:childTnLst>
+                          </p:cTn>
+                        </p:par>
+                      </p:childTnLst>
+                    </p:cTn>
+                  </p:par>
+                </p:childTnLst>
+              </p:cTn>
+              <p:prevCondLst>
+                <p:cond evt="onPrev" delay="0">
+                  <p:tgtEl>
+                    <p:sldTgt/>
+                  </p:tgtEl>
+                </p:cond>
+              </p:prevCondLst>
+              <p:nextCondLst>
+                <p:cond evt="onNext" delay="0">
+                  <p:tgtEl>
+                    <p:sldTgt/>
+                  </p:tgtEl>
+                </p:cond>
+              </p:nextCondLst>
+            </p:seq>
+          </p:childTnLst>
+        </p:cTn>
+      </p:par>
+    </p:tnLst>
+    <p:bldLst>
+      <p:bldP spid="22" grpId="0" animBg="1"/>
+      <p:bldP spid="22" grpId="1" animBg="1"/>
+      <p:bldP spid="23" grpId="0" animBg="1"/>
+      <p:bldP spid="23" grpId="1" animBg="1"/>
+      <p:bldP spid="25" grpId="0" animBg="1"/>
+      <p:bldP spid="25" grpId="1" animBg="1"/>
+    </p:bldLst>
+  </p:timing>
+</p:sld>
+</file>
+
+<file path=ppt/slides/slide8.xml><?xml version="1.0" encoding="utf-8"?>
+<p:sld xmlns:a="http://schemas.openxmlformats.org/drawingml/2006/main" xmlns:r="http://schemas.openxmlformats.org/officeDocument/2006/relationships" xmlns:p="http://schemas.openxmlformats.org/presentationml/2006/main">
+  <p:cSld>
+    <p:spTree>
+      <p:nvGrpSpPr>
+        <p:cNvPr id="1" name=""/>
+        <p:cNvGrpSpPr/>
+        <p:nvPr/>
+      </p:nvGrpSpPr>
+      <p:grpSpPr>
+        <a:xfrm>
+          <a:off x="0" y="0"/>
+          <a:ext cx="0" cy="0"/>
+          <a:chOff x="0" y="0"/>
+          <a:chExt cx="0" cy="0"/>
+        </a:xfrm>
+      </p:grpSpPr>
+      <p:sp>
+        <p:nvSpPr>
+          <p:cNvPr id="2" name="Title 1">
+            <a:extLst>
+              <a:ext uri="{FF2B5EF4-FFF2-40B4-BE49-F238E27FC236}">
+                <a16:creationId xmlns:a16="http://schemas.microsoft.com/office/drawing/2014/main" id="{A25C833F-141B-43CD-9D75-BF0D5B7F2771}"/>
+              </a:ext>
+            </a:extLst>
+          </p:cNvPr>
+          <p:cNvSpPr>
+            <a:spLocks noGrp="1"/>
+          </p:cNvSpPr>
+          <p:nvPr>
+            <p:ph type="title"/>
+          </p:nvPr>
+        </p:nvSpPr>
+        <p:spPr/>
+        <p:txBody>
+          <a:bodyPr/>
+          <a:lstStyle/>
+          <a:p>
+            <a:r>
+              <a:rPr lang="en-US" dirty="0"/>
+              <a:t>Priority Classes</a:t>
+            </a:r>
+          </a:p>
+        </p:txBody>
+      </p:sp>
+      <p:pic>
+        <p:nvPicPr>
+          <p:cNvPr id="3" name="Picture 2">
+            <a:extLst>
+              <a:ext uri="{FF2B5EF4-FFF2-40B4-BE49-F238E27FC236}">
+                <a16:creationId xmlns:a16="http://schemas.microsoft.com/office/drawing/2014/main" id="{577D9036-EBF3-4D80-A630-B3D077473A7B}"/>
+              </a:ext>
+            </a:extLst>
+          </p:cNvPr>
+          <p:cNvPicPr>
+            <a:picLocks noChangeAspect="1"/>
+          </p:cNvPicPr>
+          <p:nvPr/>
+        </p:nvPicPr>
+        <p:blipFill>
+          <a:blip r:embed="rId3"/>
+          <a:stretch>
+            <a:fillRect/>
+          </a:stretch>
+        </p:blipFill>
+        <p:spPr>
+          <a:xfrm>
+            <a:off x="504001" y="1598947"/>
+            <a:ext cx="4777944" cy="2440906"/>
+          </a:xfrm>
+          <a:prstGeom prst="rect">
+            <a:avLst/>
+          </a:prstGeom>
+          <a:ln>
+            <a:solidFill>
+              <a:schemeClr val="tx1"/>
+            </a:solidFill>
+          </a:ln>
+        </p:spPr>
+      </p:pic>
+      <p:pic>
+        <p:nvPicPr>
+          <p:cNvPr id="4" name="Picture 3">
+            <a:extLst>
+              <a:ext uri="{FF2B5EF4-FFF2-40B4-BE49-F238E27FC236}">
+                <a16:creationId xmlns:a16="http://schemas.microsoft.com/office/drawing/2014/main" id="{E99D6578-421A-43DF-86F2-11ABA16CC1E8}"/>
+              </a:ext>
+            </a:extLst>
+          </p:cNvPr>
+          <p:cNvPicPr>
+            <a:picLocks noChangeAspect="1"/>
+          </p:cNvPicPr>
+          <p:nvPr/>
+        </p:nvPicPr>
+        <p:blipFill>
+          <a:blip r:embed="rId4"/>
+          <a:stretch>
+            <a:fillRect/>
+          </a:stretch>
+        </p:blipFill>
+        <p:spPr>
+          <a:xfrm>
+            <a:off x="6479749" y="490690"/>
+            <a:ext cx="5210728" cy="5712758"/>
+          </a:xfrm>
+          <a:prstGeom prst="rect">
+            <a:avLst/>
+          </a:prstGeom>
+          <a:ln>
+            <a:solidFill>
+              <a:schemeClr val="tx1"/>
+            </a:solidFill>
+          </a:ln>
+        </p:spPr>
+      </p:pic>
+      <p:cxnSp>
+        <p:nvCxnSpPr>
+          <p:cNvPr id="6" name="Connector: Elbow 5">
+            <a:extLst>
+              <a:ext uri="{FF2B5EF4-FFF2-40B4-BE49-F238E27FC236}">
+                <a16:creationId xmlns:a16="http://schemas.microsoft.com/office/drawing/2014/main" id="{168CF65B-5068-40E0-BA82-77CFF9605F48}"/>
+              </a:ext>
+            </a:extLst>
+          </p:cNvPr>
+          <p:cNvCxnSpPr>
+            <a:cxnSpLocks/>
+            <a:stCxn id="3" idx="3"/>
+          </p:cNvCxnSpPr>
+          <p:nvPr/>
+        </p:nvCxnSpPr>
+        <p:spPr>
+          <a:xfrm>
+            <a:off x="5281945" y="2819400"/>
+            <a:ext cx="1801607" cy="1742942"/>
+          </a:xfrm>
+          <a:prstGeom prst="bentConnector3">
+            <a:avLst>
+              <a:gd name="adj1" fmla="val 50000"/>
+            </a:avLst>
+          </a:prstGeom>
+          <a:ln w="57150">
+            <a:solidFill>
+              <a:schemeClr val="tx1"/>
+            </a:solidFill>
+            <a:headEnd type="none" w="med" len="med"/>
+            <a:tailEnd type="triangle"/>
+          </a:ln>
+        </p:spPr>
+        <p:style>
+          <a:lnRef idx="1">
+            <a:schemeClr val="accent1"/>
+          </a:lnRef>
+          <a:fillRef idx="0">
+            <a:schemeClr val="accent1"/>
+          </a:fillRef>
+          <a:effectRef idx="0">
+            <a:schemeClr val="accent1"/>
+          </a:effectRef>
+          <a:fontRef idx="minor">
+            <a:schemeClr val="tx1"/>
+          </a:fontRef>
+        </p:style>
+      </p:cxnSp>
+      <p:sp>
+        <p:nvSpPr>
+          <p:cNvPr id="9" name="Rectangle 8">
+            <a:extLst>
+              <a:ext uri="{FF2B5EF4-FFF2-40B4-BE49-F238E27FC236}">
+                <a16:creationId xmlns:a16="http://schemas.microsoft.com/office/drawing/2014/main" id="{E7AFE58F-BB5D-4D29-BDFE-E8929289D32D}"/>
+              </a:ext>
+            </a:extLst>
+          </p:cNvPr>
+          <p:cNvSpPr/>
+          <p:nvPr/>
+        </p:nvSpPr>
+        <p:spPr>
+          <a:xfrm>
+            <a:off x="1647953" y="6203448"/>
+            <a:ext cx="8898572" cy="369332"/>
+          </a:xfrm>
+          <a:prstGeom prst="rect">
+            <a:avLst/>
+          </a:prstGeom>
+        </p:spPr>
+        <p:txBody>
+          <a:bodyPr wrap="square">
+            <a:spAutoFit/>
+          </a:bodyPr>
+          <a:lstStyle/>
+          <a:p>
+            <a:pPr algn="ctr"/>
+            <a:r>
+              <a:rPr lang="de-DE" sz="1800" dirty="0">
+                <a:hlinkClick r:id="rId5"/>
+              </a:rPr>
+              <a:t>https://kubernetes.io/docs/concepts/configuration/pod-priority-preemption/</a:t>
+            </a:r>
+            <a:endParaRPr lang="en-US" sz="1800" dirty="0"/>
+          </a:p>
+        </p:txBody>
+      </p:sp>
+    </p:spTree>
+    <p:extLst>
+      <p:ext uri="{BB962C8B-B14F-4D97-AF65-F5344CB8AC3E}">
+        <p14:creationId xmlns:p14="http://schemas.microsoft.com/office/powerpoint/2010/main" val="2673186271"/>
+      </p:ext>
+    </p:extLst>
+  </p:cSld>
+  <p:clrMapOvr>
+    <a:masterClrMapping/>
+  </p:clrMapOvr>
+</p:sld>
+</file>
+
+<file path=ppt/slides/slide9.xml><?xml version="1.0" encoding="utf-8"?>
+<p:sld xmlns:a="http://schemas.openxmlformats.org/drawingml/2006/main" xmlns:r="http://schemas.openxmlformats.org/officeDocument/2006/relationships" xmlns:p="http://schemas.openxmlformats.org/presentationml/2006/main">
+  <p:cSld>
+    <p:spTree>
+      <p:nvGrpSpPr>
+        <p:cNvPr id="1" name=""/>
+        <p:cNvGrpSpPr/>
+        <p:nvPr/>
+      </p:nvGrpSpPr>
+      <p:grpSpPr>
+        <a:xfrm>
+          <a:off x="0" y="0"/>
+          <a:ext cx="0" cy="0"/>
+          <a:chOff x="0" y="0"/>
+          <a:chExt cx="0" cy="0"/>
+        </a:xfrm>
+      </p:grpSpPr>
+      <p:sp>
+        <p:nvSpPr>
           <p:cNvPr id="2" name="Title 1">
             <a:extLst>
               <a:ext uri="{FF2B5EF4-FFF2-40B4-BE49-F238E27FC236}">
@@ -34871,1212 +38831,6 @@
   <p:clrMapOvr>
     <a:masterClrMapping/>
   </p:clrMapOvr>
-</p:sld>
-</file>
-
-<file path=ppt/slides/slide8.xml><?xml version="1.0" encoding="utf-8"?>
-<p:sld xmlns:a="http://schemas.openxmlformats.org/drawingml/2006/main" xmlns:r="http://schemas.openxmlformats.org/officeDocument/2006/relationships" xmlns:p="http://schemas.openxmlformats.org/presentationml/2006/main">
-  <p:cSld>
-    <p:spTree>
-      <p:nvGrpSpPr>
-        <p:cNvPr id="1" name=""/>
-        <p:cNvGrpSpPr/>
-        <p:nvPr/>
-      </p:nvGrpSpPr>
-      <p:grpSpPr>
-        <a:xfrm>
-          <a:off x="0" y="0"/>
-          <a:ext cx="0" cy="0"/>
-          <a:chOff x="0" y="0"/>
-          <a:chExt cx="0" cy="0"/>
-        </a:xfrm>
-      </p:grpSpPr>
-      <p:sp>
-        <p:nvSpPr>
-          <p:cNvPr id="5" name="Text Placeholder 4"/>
-          <p:cNvSpPr>
-            <a:spLocks noGrp="1"/>
-          </p:cNvSpPr>
-          <p:nvPr>
-            <p:ph type="body" sz="quarter" idx="14"/>
-          </p:nvPr>
-        </p:nvSpPr>
-        <p:spPr/>
-        <p:txBody>
-          <a:bodyPr/>
-          <a:lstStyle/>
-          <a:p>
-            <a:r>
-              <a:rPr lang="en-US" dirty="0"/>
-              <a:t>Kubernetes</a:t>
-            </a:r>
-            <a:br>
-              <a:rPr lang="en-US" dirty="0"/>
-            </a:br>
-            <a:r>
-              <a:rPr lang="en-US" dirty="0">
-                <a:solidFill>
-                  <a:schemeClr val="accent1"/>
-                </a:solidFill>
-              </a:rPr>
-              <a:t>Extensibility with custom resources</a:t>
-            </a:r>
-          </a:p>
-        </p:txBody>
-      </p:sp>
-      <p:pic>
-        <p:nvPicPr>
-          <p:cNvPr id="4" name="Picture 3" descr="cid:image003.png@01D31CC6.A08B1C50">
-            <a:extLst>
-              <a:ext uri="{FF2B5EF4-FFF2-40B4-BE49-F238E27FC236}">
-                <a16:creationId xmlns:a16="http://schemas.microsoft.com/office/drawing/2014/main" id="{CE860390-F50F-48A8-AA1A-AE0217946FC1}"/>
-              </a:ext>
-            </a:extLst>
-          </p:cNvPr>
-          <p:cNvPicPr>
-            <a:picLocks noChangeAspect="1" noChangeArrowheads="1"/>
-          </p:cNvPicPr>
-          <p:nvPr/>
-        </p:nvPicPr>
-        <p:blipFill>
-          <a:blip r:embed="rId3">
-            <a:extLst>
-              <a:ext uri="{28A0092B-C50C-407E-A947-70E740481C1C}">
-                <a14:useLocalDpi xmlns:a14="http://schemas.microsoft.com/office/drawing/2010/main" val="0"/>
-              </a:ext>
-            </a:extLst>
-          </a:blip>
-          <a:srcRect/>
-          <a:stretch>
-            <a:fillRect/>
-          </a:stretch>
-        </p:blipFill>
-        <p:spPr bwMode="auto">
-          <a:xfrm>
-            <a:off x="10780712" y="5721975"/>
-            <a:ext cx="1414463" cy="1136025"/>
-          </a:xfrm>
-          <a:prstGeom prst="rect">
-            <a:avLst/>
-          </a:prstGeom>
-          <a:noFill/>
-          <a:ln>
-            <a:noFill/>
-          </a:ln>
-          <a:extLst>
-            <a:ext uri="{909E8E84-426E-40DD-AFC4-6F175D3DCCD1}">
-              <a14:hiddenFill xmlns:a14="http://schemas.microsoft.com/office/drawing/2010/main">
-                <a:solidFill>
-                  <a:srgbClr val="FFFFFF"/>
-                </a:solidFill>
-              </a14:hiddenFill>
-            </a:ext>
-            <a:ext uri="{91240B29-F687-4F45-9708-019B960494DF}">
-              <a14:hiddenLine xmlns:a14="http://schemas.microsoft.com/office/drawing/2010/main" w="9525">
-                <a:solidFill>
-                  <a:srgbClr val="000000"/>
-                </a:solidFill>
-                <a:miter lim="800000"/>
-                <a:headEnd/>
-                <a:tailEnd/>
-              </a14:hiddenLine>
-            </a:ext>
-          </a:extLst>
-        </p:spPr>
-      </p:pic>
-      <p:pic>
-        <p:nvPicPr>
-          <p:cNvPr id="8" name="Illustration" descr="Example of an illustration" title="Illustration for title slide">
-            <a:extLst>
-              <a:ext uri="{FF2B5EF4-FFF2-40B4-BE49-F238E27FC236}">
-                <a16:creationId xmlns:a16="http://schemas.microsoft.com/office/drawing/2014/main" id="{01600F65-CF7C-4978-AEE5-E81564FA87FF}"/>
-              </a:ext>
-            </a:extLst>
-          </p:cNvPr>
-          <p:cNvPicPr>
-            <a:picLocks noGrp="1" noChangeAspect="1"/>
-          </p:cNvPicPr>
-          <p:nvPr>
-            <p:ph type="pic" sz="quarter" idx="12"/>
-          </p:nvPr>
-        </p:nvPicPr>
-        <p:blipFill>
-          <a:blip r:embed="rId4"/>
-          <a:srcRect t="3112" b="3112"/>
-          <a:stretch>
-            <a:fillRect/>
-          </a:stretch>
-        </p:blipFill>
-        <p:spPr bwMode="gray">
-          <a:xfrm>
-            <a:off x="1" y="0"/>
-            <a:ext cx="12195174" cy="3430006"/>
-          </a:xfrm>
-        </p:spPr>
-      </p:pic>
-    </p:spTree>
-    <p:extLst>
-      <p:ext uri="{BB962C8B-B14F-4D97-AF65-F5344CB8AC3E}">
-        <p14:creationId xmlns:p14="http://schemas.microsoft.com/office/powerpoint/2010/main" val="2442442933"/>
-      </p:ext>
-    </p:extLst>
-  </p:cSld>
-  <p:clrMapOvr>
-    <a:masterClrMapping/>
-  </p:clrMapOvr>
-</p:sld>
-</file>
-
-<file path=ppt/slides/slide9.xml><?xml version="1.0" encoding="utf-8"?>
-<p:sld xmlns:a="http://schemas.openxmlformats.org/drawingml/2006/main" xmlns:r="http://schemas.openxmlformats.org/officeDocument/2006/relationships" xmlns:p="http://schemas.openxmlformats.org/presentationml/2006/main">
-  <p:cSld>
-    <p:spTree>
-      <p:nvGrpSpPr>
-        <p:cNvPr id="1" name=""/>
-        <p:cNvGrpSpPr/>
-        <p:nvPr/>
-      </p:nvGrpSpPr>
-      <p:grpSpPr>
-        <a:xfrm>
-          <a:off x="0" y="0"/>
-          <a:ext cx="0" cy="0"/>
-          <a:chOff x="0" y="0"/>
-          <a:chExt cx="0" cy="0"/>
-        </a:xfrm>
-      </p:grpSpPr>
-      <p:sp>
-        <p:nvSpPr>
-          <p:cNvPr id="3" name="Title 2">
-            <a:extLst>
-              <a:ext uri="{FF2B5EF4-FFF2-40B4-BE49-F238E27FC236}">
-                <a16:creationId xmlns:a16="http://schemas.microsoft.com/office/drawing/2014/main" id="{0C59C333-28D0-4634-874F-97F7337CB0CD}"/>
-              </a:ext>
-            </a:extLst>
-          </p:cNvPr>
-          <p:cNvSpPr>
-            <a:spLocks noGrp="1"/>
-          </p:cNvSpPr>
-          <p:nvPr>
-            <p:ph type="title"/>
-          </p:nvPr>
-        </p:nvSpPr>
-        <p:spPr/>
-        <p:txBody>
-          <a:bodyPr/>
-          <a:lstStyle/>
-          <a:p>
-            <a:r>
-              <a:rPr lang="en-US" dirty="0"/>
-              <a:t>What was this something about a “controller”?</a:t>
-            </a:r>
-          </a:p>
-        </p:txBody>
-      </p:sp>
-      <p:graphicFrame>
-        <p:nvGraphicFramePr>
-          <p:cNvPr id="6" name="Diagram 5">
-            <a:extLst>
-              <a:ext uri="{FF2B5EF4-FFF2-40B4-BE49-F238E27FC236}">
-                <a16:creationId xmlns:a16="http://schemas.microsoft.com/office/drawing/2014/main" id="{96400DA1-E9AF-4D54-8833-28161067C5A9}"/>
-              </a:ext>
-            </a:extLst>
-          </p:cNvPr>
-          <p:cNvGraphicFramePr/>
-          <p:nvPr>
-            <p:extLst/>
-          </p:nvPr>
-        </p:nvGraphicFramePr>
-        <p:xfrm>
-          <a:off x="267706" y="1179576"/>
-          <a:ext cx="11422771" cy="1065354"/>
-        </p:xfrm>
-        <a:graphic>
-          <a:graphicData uri="http://schemas.openxmlformats.org/drawingml/2006/diagram">
-            <dgm:relIds xmlns:dgm="http://schemas.openxmlformats.org/drawingml/2006/diagram" xmlns:r="http://schemas.openxmlformats.org/officeDocument/2006/relationships" r:dm="rId3" r:lo="rId4" r:qs="rId5" r:cs="rId6"/>
-          </a:graphicData>
-        </a:graphic>
-      </p:graphicFrame>
-      <p:sp>
-        <p:nvSpPr>
-          <p:cNvPr id="7" name="Flowchart: Alternate Process 6">
-            <a:extLst>
-              <a:ext uri="{FF2B5EF4-FFF2-40B4-BE49-F238E27FC236}">
-                <a16:creationId xmlns:a16="http://schemas.microsoft.com/office/drawing/2014/main" id="{555CF690-EFA8-43B1-B072-7D0EA34EB271}"/>
-              </a:ext>
-            </a:extLst>
-          </p:cNvPr>
-          <p:cNvSpPr/>
-          <p:nvPr/>
-        </p:nvSpPr>
-        <p:spPr bwMode="gray">
-          <a:xfrm>
-            <a:off x="5244831" y="3374212"/>
-            <a:ext cx="2216880" cy="1248155"/>
-          </a:xfrm>
-          <a:prstGeom prst="flowChartAlternateProcess">
-            <a:avLst/>
-          </a:prstGeom>
-          <a:ln>
-            <a:headEnd/>
-            <a:tailEnd/>
-          </a:ln>
-        </p:spPr>
-        <p:style>
-          <a:lnRef idx="2">
-            <a:schemeClr val="accent2"/>
-          </a:lnRef>
-          <a:fillRef idx="1">
-            <a:schemeClr val="lt1"/>
-          </a:fillRef>
-          <a:effectRef idx="0">
-            <a:schemeClr val="accent2"/>
-          </a:effectRef>
-          <a:fontRef idx="minor">
-            <a:schemeClr val="dk1"/>
-          </a:fontRef>
-        </p:style>
-        <p:txBody>
-          <a:bodyPr lIns="90000" tIns="72000" rIns="90000" bIns="72000" rtlCol="0" anchor="ctr"/>
-          <a:lstStyle/>
-          <a:p>
-            <a:pPr marR="0" algn="ctr" defTabSz="914400" eaLnBrk="1" fontAlgn="base" latinLnBrk="0" hangingPunct="1">
-              <a:lnSpc>
-                <a:spcPct val="100000"/>
-              </a:lnSpc>
-              <a:spcBef>
-                <a:spcPct val="50000"/>
-              </a:spcBef>
-              <a:spcAft>
-                <a:spcPct val="0"/>
-              </a:spcAft>
-              <a:buClr>
-                <a:srgbClr val="F0AB00"/>
-              </a:buClr>
-              <a:buSzPct val="80000"/>
-              <a:tabLst/>
-            </a:pPr>
-            <a:r>
-              <a:rPr kumimoji="0" lang="en-US" sz="1800" b="0" i="0" u="none" strike="noStrike" kern="0" cap="none" spc="0" normalizeH="0" baseline="0" noProof="0" dirty="0">
-                <a:ln>
-                  <a:noFill/>
-                </a:ln>
-                <a:effectLst/>
-                <a:uLnTx/>
-                <a:uFillTx/>
-                <a:ea typeface="Arial Unicode MS" pitchFamily="34" charset="-128"/>
-                <a:cs typeface="Arial Unicode MS" pitchFamily="34" charset="-128"/>
-              </a:rPr>
-              <a:t>Operator</a:t>
-            </a:r>
-          </a:p>
-        </p:txBody>
-      </p:sp>
-      <p:sp>
-        <p:nvSpPr>
-          <p:cNvPr id="8" name="Scroll: Vertical 7">
-            <a:extLst>
-              <a:ext uri="{FF2B5EF4-FFF2-40B4-BE49-F238E27FC236}">
-                <a16:creationId xmlns:a16="http://schemas.microsoft.com/office/drawing/2014/main" id="{150895A8-6424-40BB-94B2-76ADA3C2C250}"/>
-              </a:ext>
-            </a:extLst>
-          </p:cNvPr>
-          <p:cNvSpPr/>
-          <p:nvPr/>
-        </p:nvSpPr>
-        <p:spPr bwMode="gray">
-          <a:xfrm>
-            <a:off x="1996155" y="2626691"/>
-            <a:ext cx="1508760" cy="1371599"/>
-          </a:xfrm>
-          <a:prstGeom prst="verticalScroll">
-            <a:avLst/>
-          </a:prstGeom>
-          <a:ln>
-            <a:headEnd/>
-            <a:tailEnd/>
-          </a:ln>
-        </p:spPr>
-        <p:style>
-          <a:lnRef idx="2">
-            <a:schemeClr val="accent2"/>
-          </a:lnRef>
-          <a:fillRef idx="1">
-            <a:schemeClr val="lt1"/>
-          </a:fillRef>
-          <a:effectRef idx="0">
-            <a:schemeClr val="accent2"/>
-          </a:effectRef>
-          <a:fontRef idx="minor">
-            <a:schemeClr val="dk1"/>
-          </a:fontRef>
-        </p:style>
-        <p:txBody>
-          <a:bodyPr vert="horz" lIns="90000" tIns="72000" rIns="90000" bIns="72000" rtlCol="0" anchor="ctr"/>
-          <a:lstStyle/>
-          <a:p>
-            <a:pPr marR="0" algn="ctr" defTabSz="914400" eaLnBrk="1" fontAlgn="base" latinLnBrk="0" hangingPunct="1">
-              <a:lnSpc>
-                <a:spcPct val="100000"/>
-              </a:lnSpc>
-              <a:spcBef>
-                <a:spcPct val="50000"/>
-              </a:spcBef>
-              <a:spcAft>
-                <a:spcPct val="0"/>
-              </a:spcAft>
-              <a:buClr>
-                <a:srgbClr val="F0AB00"/>
-              </a:buClr>
-              <a:buSzPct val="80000"/>
-              <a:tabLst/>
-            </a:pPr>
-            <a:r>
-              <a:rPr kumimoji="0" lang="en-US" sz="1800" b="0" i="0" u="none" strike="noStrike" kern="0" cap="none" spc="0" normalizeH="0" baseline="0" noProof="0" dirty="0">
-                <a:ln>
-                  <a:noFill/>
-                </a:ln>
-                <a:effectLst/>
-                <a:uLnTx/>
-                <a:uFillTx/>
-                <a:ea typeface="Arial Unicode MS" pitchFamily="34" charset="-128"/>
-                <a:cs typeface="Arial Unicode MS" pitchFamily="34" charset="-128"/>
-              </a:rPr>
-              <a:t>CRD</a:t>
-            </a:r>
-          </a:p>
-        </p:txBody>
-      </p:sp>
-      <p:sp>
-        <p:nvSpPr>
-          <p:cNvPr id="9" name="Flowchart: Alternate Process 8">
-            <a:extLst>
-              <a:ext uri="{FF2B5EF4-FFF2-40B4-BE49-F238E27FC236}">
-                <a16:creationId xmlns:a16="http://schemas.microsoft.com/office/drawing/2014/main" id="{BEF33497-C8DA-4C6A-95AC-86631F28F97C}"/>
-              </a:ext>
-            </a:extLst>
-          </p:cNvPr>
-          <p:cNvSpPr/>
-          <p:nvPr/>
-        </p:nvSpPr>
-        <p:spPr bwMode="gray">
-          <a:xfrm>
-            <a:off x="8978877" y="4213217"/>
-            <a:ext cx="1396476" cy="1274488"/>
-          </a:xfrm>
-          <a:prstGeom prst="flowChartAlternateProcess">
-            <a:avLst/>
-          </a:prstGeom>
-          <a:ln>
-            <a:headEnd/>
-            <a:tailEnd/>
-          </a:ln>
-        </p:spPr>
-        <p:style>
-          <a:lnRef idx="2">
-            <a:schemeClr val="accent2"/>
-          </a:lnRef>
-          <a:fillRef idx="1">
-            <a:schemeClr val="lt1"/>
-          </a:fillRef>
-          <a:effectRef idx="0">
-            <a:schemeClr val="accent2"/>
-          </a:effectRef>
-          <a:fontRef idx="minor">
-            <a:schemeClr val="dk1"/>
-          </a:fontRef>
-        </p:style>
-        <p:txBody>
-          <a:bodyPr lIns="90000" tIns="72000" rIns="90000" bIns="72000" rtlCol="0" anchor="ctr"/>
-          <a:lstStyle/>
-          <a:p>
-            <a:pPr marR="0" algn="ctr" defTabSz="914400" eaLnBrk="1" fontAlgn="base" latinLnBrk="0" hangingPunct="1">
-              <a:lnSpc>
-                <a:spcPct val="100000"/>
-              </a:lnSpc>
-              <a:spcBef>
-                <a:spcPct val="50000"/>
-              </a:spcBef>
-              <a:spcAft>
-                <a:spcPct val="0"/>
-              </a:spcAft>
-              <a:buClr>
-                <a:srgbClr val="F0AB00"/>
-              </a:buClr>
-              <a:buSzPct val="80000"/>
-              <a:tabLst/>
-            </a:pPr>
-            <a:r>
-              <a:rPr kumimoji="0" lang="en-US" sz="1800" b="0" i="0" u="none" strike="noStrike" kern="0" cap="none" spc="0" normalizeH="0" baseline="0" noProof="0" dirty="0">
-                <a:ln>
-                  <a:noFill/>
-                </a:ln>
-                <a:effectLst/>
-                <a:uLnTx/>
-                <a:uFillTx/>
-                <a:ea typeface="Arial Unicode MS" pitchFamily="34" charset="-128"/>
-                <a:cs typeface="Arial Unicode MS" pitchFamily="34" charset="-128"/>
-              </a:rPr>
-              <a:t>Pod</a:t>
-            </a:r>
-          </a:p>
-        </p:txBody>
-      </p:sp>
-      <p:sp>
-        <p:nvSpPr>
-          <p:cNvPr id="10" name="Scroll: Vertical 9">
-            <a:extLst>
-              <a:ext uri="{FF2B5EF4-FFF2-40B4-BE49-F238E27FC236}">
-                <a16:creationId xmlns:a16="http://schemas.microsoft.com/office/drawing/2014/main" id="{3F63FEC2-BB88-483F-83BB-F72560D01569}"/>
-              </a:ext>
-            </a:extLst>
-          </p:cNvPr>
-          <p:cNvSpPr/>
-          <p:nvPr/>
-        </p:nvSpPr>
-        <p:spPr bwMode="gray">
-          <a:xfrm>
-            <a:off x="1996155" y="4324008"/>
-            <a:ext cx="1508760" cy="1371599"/>
-          </a:xfrm>
-          <a:prstGeom prst="verticalScroll">
-            <a:avLst/>
-          </a:prstGeom>
-          <a:ln>
-            <a:headEnd/>
-            <a:tailEnd/>
-          </a:ln>
-        </p:spPr>
-        <p:style>
-          <a:lnRef idx="2">
-            <a:schemeClr val="accent2"/>
-          </a:lnRef>
-          <a:fillRef idx="1">
-            <a:schemeClr val="lt1"/>
-          </a:fillRef>
-          <a:effectRef idx="0">
-            <a:schemeClr val="accent2"/>
-          </a:effectRef>
-          <a:fontRef idx="minor">
-            <a:schemeClr val="dk1"/>
-          </a:fontRef>
-        </p:style>
-        <p:txBody>
-          <a:bodyPr vert="horz" lIns="90000" tIns="72000" rIns="90000" bIns="72000" rtlCol="0" anchor="ctr"/>
-          <a:lstStyle/>
-          <a:p>
-            <a:pPr marR="0" algn="ctr" defTabSz="914400" eaLnBrk="1" fontAlgn="base" latinLnBrk="0" hangingPunct="1">
-              <a:lnSpc>
-                <a:spcPct val="100000"/>
-              </a:lnSpc>
-              <a:spcBef>
-                <a:spcPct val="50000"/>
-              </a:spcBef>
-              <a:spcAft>
-                <a:spcPct val="0"/>
-              </a:spcAft>
-              <a:buClr>
-                <a:srgbClr val="F0AB00"/>
-              </a:buClr>
-              <a:buSzPct val="80000"/>
-              <a:tabLst/>
-            </a:pPr>
-            <a:r>
-              <a:rPr kumimoji="0" lang="en-US" sz="1800" b="0" i="0" u="none" strike="noStrike" kern="0" cap="none" spc="0" normalizeH="0" baseline="0" noProof="0" dirty="0">
-                <a:ln>
-                  <a:noFill/>
-                </a:ln>
-                <a:effectLst/>
-                <a:uLnTx/>
-                <a:uFillTx/>
-                <a:ea typeface="Arial Unicode MS" pitchFamily="34" charset="-128"/>
-                <a:cs typeface="Arial Unicode MS" pitchFamily="34" charset="-128"/>
-              </a:rPr>
-              <a:t>CRO</a:t>
-            </a:r>
-          </a:p>
-        </p:txBody>
-      </p:sp>
-      <p:sp>
-        <p:nvSpPr>
-          <p:cNvPr id="11" name="Flowchart: Alternate Process 10">
-            <a:extLst>
-              <a:ext uri="{FF2B5EF4-FFF2-40B4-BE49-F238E27FC236}">
-                <a16:creationId xmlns:a16="http://schemas.microsoft.com/office/drawing/2014/main" id="{D9AB9761-B883-4C75-80CE-78B6EA344896}"/>
-              </a:ext>
-            </a:extLst>
-          </p:cNvPr>
-          <p:cNvSpPr/>
-          <p:nvPr/>
-        </p:nvSpPr>
-        <p:spPr bwMode="gray">
-          <a:xfrm>
-            <a:off x="8978877" y="2626691"/>
-            <a:ext cx="1396476" cy="1274488"/>
-          </a:xfrm>
-          <a:prstGeom prst="flowChartAlternateProcess">
-            <a:avLst/>
-          </a:prstGeom>
-          <a:ln>
-            <a:headEnd/>
-            <a:tailEnd/>
-          </a:ln>
-        </p:spPr>
-        <p:style>
-          <a:lnRef idx="2">
-            <a:schemeClr val="accent2"/>
-          </a:lnRef>
-          <a:fillRef idx="1">
-            <a:schemeClr val="lt1"/>
-          </a:fillRef>
-          <a:effectRef idx="0">
-            <a:schemeClr val="accent2"/>
-          </a:effectRef>
-          <a:fontRef idx="minor">
-            <a:schemeClr val="dk1"/>
-          </a:fontRef>
-        </p:style>
-        <p:txBody>
-          <a:bodyPr lIns="90000" tIns="72000" rIns="90000" bIns="72000" rtlCol="0" anchor="ctr"/>
-          <a:lstStyle/>
-          <a:p>
-            <a:pPr marR="0" algn="ctr" defTabSz="914400" eaLnBrk="1" fontAlgn="base" latinLnBrk="0" hangingPunct="1">
-              <a:lnSpc>
-                <a:spcPct val="100000"/>
-              </a:lnSpc>
-              <a:spcBef>
-                <a:spcPct val="50000"/>
-              </a:spcBef>
-              <a:spcAft>
-                <a:spcPct val="0"/>
-              </a:spcAft>
-              <a:buClr>
-                <a:srgbClr val="F0AB00"/>
-              </a:buClr>
-              <a:buSzPct val="80000"/>
-              <a:tabLst/>
-            </a:pPr>
-            <a:r>
-              <a:rPr kumimoji="0" lang="en-US" sz="1800" b="0" i="0" u="none" strike="noStrike" kern="0" cap="none" spc="0" normalizeH="0" baseline="0" noProof="0" dirty="0">
-                <a:ln>
-                  <a:noFill/>
-                </a:ln>
-                <a:effectLst/>
-                <a:uLnTx/>
-                <a:uFillTx/>
-                <a:ea typeface="Arial Unicode MS" pitchFamily="34" charset="-128"/>
-                <a:cs typeface="Arial Unicode MS" pitchFamily="34" charset="-128"/>
-              </a:rPr>
-              <a:t>Pod</a:t>
-            </a:r>
-          </a:p>
-        </p:txBody>
-      </p:sp>
-      <p:cxnSp>
-        <p:nvCxnSpPr>
-          <p:cNvPr id="17" name="Straight Arrow Connector 16">
-            <a:extLst>
-              <a:ext uri="{FF2B5EF4-FFF2-40B4-BE49-F238E27FC236}">
-                <a16:creationId xmlns:a16="http://schemas.microsoft.com/office/drawing/2014/main" id="{C4881647-A915-4AF8-BF46-39EA1FFEC4BE}"/>
-              </a:ext>
-            </a:extLst>
-          </p:cNvPr>
-          <p:cNvCxnSpPr>
-            <a:cxnSpLocks/>
-            <a:stCxn id="8" idx="2"/>
-            <a:endCxn id="10" idx="0"/>
-          </p:cNvCxnSpPr>
-          <p:nvPr/>
-        </p:nvCxnSpPr>
-        <p:spPr>
-          <a:xfrm>
-            <a:off x="2750535" y="3998290"/>
-            <a:ext cx="0" cy="325718"/>
-          </a:xfrm>
-          <a:prstGeom prst="straightConnector1">
-            <a:avLst/>
-          </a:prstGeom>
-          <a:ln w="57150">
-            <a:solidFill>
-              <a:schemeClr val="tx1"/>
-            </a:solidFill>
-            <a:headEnd type="none" w="med" len="med"/>
-            <a:tailEnd type="triangle"/>
-          </a:ln>
-        </p:spPr>
-        <p:style>
-          <a:lnRef idx="1">
-            <a:schemeClr val="accent1"/>
-          </a:lnRef>
-          <a:fillRef idx="0">
-            <a:schemeClr val="accent1"/>
-          </a:fillRef>
-          <a:effectRef idx="0">
-            <a:schemeClr val="accent1"/>
-          </a:effectRef>
-          <a:fontRef idx="minor">
-            <a:schemeClr val="tx1"/>
-          </a:fontRef>
-        </p:style>
-      </p:cxnSp>
-      <p:cxnSp>
-        <p:nvCxnSpPr>
-          <p:cNvPr id="18" name="Straight Arrow Connector 17">
-            <a:extLst>
-              <a:ext uri="{FF2B5EF4-FFF2-40B4-BE49-F238E27FC236}">
-                <a16:creationId xmlns:a16="http://schemas.microsoft.com/office/drawing/2014/main" id="{AA796564-D3CB-48A7-8DA1-312179EB1493}"/>
-              </a:ext>
-            </a:extLst>
-          </p:cNvPr>
-          <p:cNvCxnSpPr>
-            <a:cxnSpLocks/>
-            <a:stCxn id="7" idx="1"/>
-            <a:endCxn id="8" idx="3"/>
-          </p:cNvCxnSpPr>
-          <p:nvPr/>
-        </p:nvCxnSpPr>
-        <p:spPr>
-          <a:xfrm flipH="1" flipV="1">
-            <a:off x="3333465" y="3312491"/>
-            <a:ext cx="1911366" cy="685799"/>
-          </a:xfrm>
-          <a:prstGeom prst="straightConnector1">
-            <a:avLst/>
-          </a:prstGeom>
-          <a:ln w="57150">
-            <a:solidFill>
-              <a:schemeClr val="tx1"/>
-            </a:solidFill>
-            <a:headEnd type="none" w="med" len="med"/>
-            <a:tailEnd type="triangle"/>
-          </a:ln>
-        </p:spPr>
-        <p:style>
-          <a:lnRef idx="1">
-            <a:schemeClr val="accent1"/>
-          </a:lnRef>
-          <a:fillRef idx="0">
-            <a:schemeClr val="accent1"/>
-          </a:fillRef>
-          <a:effectRef idx="0">
-            <a:schemeClr val="accent1"/>
-          </a:effectRef>
-          <a:fontRef idx="minor">
-            <a:schemeClr val="tx1"/>
-          </a:fontRef>
-        </p:style>
-      </p:cxnSp>
-      <p:cxnSp>
-        <p:nvCxnSpPr>
-          <p:cNvPr id="21" name="Straight Arrow Connector 20">
-            <a:extLst>
-              <a:ext uri="{FF2B5EF4-FFF2-40B4-BE49-F238E27FC236}">
-                <a16:creationId xmlns:a16="http://schemas.microsoft.com/office/drawing/2014/main" id="{475C0C7B-918A-4516-8A24-5D9F230EF895}"/>
-              </a:ext>
-            </a:extLst>
-          </p:cNvPr>
-          <p:cNvCxnSpPr>
-            <a:cxnSpLocks/>
-            <a:stCxn id="7" idx="1"/>
-            <a:endCxn id="10" idx="3"/>
-          </p:cNvCxnSpPr>
-          <p:nvPr/>
-        </p:nvCxnSpPr>
-        <p:spPr>
-          <a:xfrm flipH="1">
-            <a:off x="3333465" y="3998290"/>
-            <a:ext cx="1911366" cy="1011518"/>
-          </a:xfrm>
-          <a:prstGeom prst="straightConnector1">
-            <a:avLst/>
-          </a:prstGeom>
-          <a:ln w="57150">
-            <a:solidFill>
-              <a:schemeClr val="tx1"/>
-            </a:solidFill>
-            <a:headEnd type="none" w="med" len="med"/>
-            <a:tailEnd type="triangle"/>
-          </a:ln>
-        </p:spPr>
-        <p:style>
-          <a:lnRef idx="1">
-            <a:schemeClr val="accent1"/>
-          </a:lnRef>
-          <a:fillRef idx="0">
-            <a:schemeClr val="accent1"/>
-          </a:fillRef>
-          <a:effectRef idx="0">
-            <a:schemeClr val="accent1"/>
-          </a:effectRef>
-          <a:fontRef idx="minor">
-            <a:schemeClr val="tx1"/>
-          </a:fontRef>
-        </p:style>
-      </p:cxnSp>
-      <p:cxnSp>
-        <p:nvCxnSpPr>
-          <p:cNvPr id="25" name="Straight Arrow Connector 24">
-            <a:extLst>
-              <a:ext uri="{FF2B5EF4-FFF2-40B4-BE49-F238E27FC236}">
-                <a16:creationId xmlns:a16="http://schemas.microsoft.com/office/drawing/2014/main" id="{2B18D363-4106-4F15-B4DA-0BE8BA1CA451}"/>
-              </a:ext>
-            </a:extLst>
-          </p:cNvPr>
-          <p:cNvCxnSpPr>
-            <a:cxnSpLocks/>
-            <a:stCxn id="7" idx="3"/>
-            <a:endCxn id="9" idx="1"/>
-          </p:cNvCxnSpPr>
-          <p:nvPr/>
-        </p:nvCxnSpPr>
-        <p:spPr>
-          <a:xfrm>
-            <a:off x="7461711" y="3998290"/>
-            <a:ext cx="1517166" cy="852171"/>
-          </a:xfrm>
-          <a:prstGeom prst="straightConnector1">
-            <a:avLst/>
-          </a:prstGeom>
-          <a:ln w="57150">
-            <a:solidFill>
-              <a:schemeClr val="tx1"/>
-            </a:solidFill>
-            <a:headEnd type="none" w="med" len="med"/>
-            <a:tailEnd type="triangle"/>
-          </a:ln>
-        </p:spPr>
-        <p:style>
-          <a:lnRef idx="1">
-            <a:schemeClr val="accent1"/>
-          </a:lnRef>
-          <a:fillRef idx="0">
-            <a:schemeClr val="accent1"/>
-          </a:fillRef>
-          <a:effectRef idx="0">
-            <a:schemeClr val="accent1"/>
-          </a:effectRef>
-          <a:fontRef idx="minor">
-            <a:schemeClr val="tx1"/>
-          </a:fontRef>
-        </p:style>
-      </p:cxnSp>
-      <p:cxnSp>
-        <p:nvCxnSpPr>
-          <p:cNvPr id="28" name="Straight Arrow Connector 27">
-            <a:extLst>
-              <a:ext uri="{FF2B5EF4-FFF2-40B4-BE49-F238E27FC236}">
-                <a16:creationId xmlns:a16="http://schemas.microsoft.com/office/drawing/2014/main" id="{B81C3205-BAFC-4DF3-9EB5-62487BE70D2F}"/>
-              </a:ext>
-            </a:extLst>
-          </p:cNvPr>
-          <p:cNvCxnSpPr>
-            <a:cxnSpLocks/>
-            <a:stCxn id="7" idx="3"/>
-            <a:endCxn id="11" idx="1"/>
-          </p:cNvCxnSpPr>
-          <p:nvPr/>
-        </p:nvCxnSpPr>
-        <p:spPr>
-          <a:xfrm flipV="1">
-            <a:off x="7461711" y="3263935"/>
-            <a:ext cx="1517166" cy="734355"/>
-          </a:xfrm>
-          <a:prstGeom prst="straightConnector1">
-            <a:avLst/>
-          </a:prstGeom>
-          <a:ln w="57150">
-            <a:solidFill>
-              <a:schemeClr val="tx1"/>
-            </a:solidFill>
-            <a:headEnd type="none" w="med" len="med"/>
-            <a:tailEnd type="triangle"/>
-          </a:ln>
-        </p:spPr>
-        <p:style>
-          <a:lnRef idx="1">
-            <a:schemeClr val="accent1"/>
-          </a:lnRef>
-          <a:fillRef idx="0">
-            <a:schemeClr val="accent1"/>
-          </a:fillRef>
-          <a:effectRef idx="0">
-            <a:schemeClr val="accent1"/>
-          </a:effectRef>
-          <a:fontRef idx="minor">
-            <a:schemeClr val="tx1"/>
-          </a:fontRef>
-        </p:style>
-      </p:cxnSp>
-    </p:spTree>
-    <p:extLst>
-      <p:ext uri="{BB962C8B-B14F-4D97-AF65-F5344CB8AC3E}">
-        <p14:creationId xmlns:p14="http://schemas.microsoft.com/office/powerpoint/2010/main" val="48665732"/>
-      </p:ext>
-    </p:extLst>
-  </p:cSld>
-  <p:clrMapOvr>
-    <a:masterClrMapping/>
-  </p:clrMapOvr>
-  <p:timing>
-    <p:tnLst>
-      <p:par>
-        <p:cTn id="1" dur="indefinite" restart="never" nodeType="tmRoot">
-          <p:childTnLst>
-            <p:seq concurrent="1" nextAc="seek">
-              <p:cTn id="2" dur="indefinite" nodeType="mainSeq">
-                <p:childTnLst>
-                  <p:par>
-                    <p:cTn id="3" fill="hold">
-                      <p:stCondLst>
-                        <p:cond delay="indefinite"/>
-                      </p:stCondLst>
-                      <p:childTnLst>
-                        <p:par>
-                          <p:cTn id="4" fill="hold">
-                            <p:stCondLst>
-                              <p:cond delay="0"/>
-                            </p:stCondLst>
-                            <p:childTnLst>
-                              <p:par>
-                                <p:cTn id="5" presetID="1" presetClass="entr" presetSubtype="0" fill="hold" grpId="0" nodeType="clickEffect">
-                                  <p:stCondLst>
-                                    <p:cond delay="0"/>
-                                  </p:stCondLst>
-                                  <p:childTnLst>
-                                    <p:set>
-                                      <p:cBhvr>
-                                        <p:cTn id="6" dur="1" fill="hold">
-                                          <p:stCondLst>
-                                            <p:cond delay="0"/>
-                                          </p:stCondLst>
-                                        </p:cTn>
-                                        <p:tgtEl>
-                                          <p:spTgt spid="8"/>
-                                        </p:tgtEl>
-                                        <p:attrNameLst>
-                                          <p:attrName>style.visibility</p:attrName>
-                                        </p:attrNameLst>
-                                      </p:cBhvr>
-                                      <p:to>
-                                        <p:strVal val="visible"/>
-                                      </p:to>
-                                    </p:set>
-                                  </p:childTnLst>
-                                </p:cTn>
-                              </p:par>
-                              <p:par>
-                                <p:cTn id="7" presetID="1" presetClass="entr" presetSubtype="0" fill="hold" nodeType="withEffect">
-                                  <p:stCondLst>
-                                    <p:cond delay="0"/>
-                                  </p:stCondLst>
-                                  <p:childTnLst>
-                                    <p:set>
-                                      <p:cBhvr>
-                                        <p:cTn id="8" dur="1" fill="hold">
-                                          <p:stCondLst>
-                                            <p:cond delay="0"/>
-                                          </p:stCondLst>
-                                        </p:cTn>
-                                        <p:tgtEl>
-                                          <p:spTgt spid="17"/>
-                                        </p:tgtEl>
-                                        <p:attrNameLst>
-                                          <p:attrName>style.visibility</p:attrName>
-                                        </p:attrNameLst>
-                                      </p:cBhvr>
-                                      <p:to>
-                                        <p:strVal val="visible"/>
-                                      </p:to>
-                                    </p:set>
-                                  </p:childTnLst>
-                                </p:cTn>
-                              </p:par>
-                              <p:par>
-                                <p:cTn id="9" presetID="1" presetClass="entr" presetSubtype="0" fill="hold" grpId="0" nodeType="withEffect">
-                                  <p:stCondLst>
-                                    <p:cond delay="0"/>
-                                  </p:stCondLst>
-                                  <p:childTnLst>
-                                    <p:set>
-                                      <p:cBhvr>
-                                        <p:cTn id="10" dur="1" fill="hold">
-                                          <p:stCondLst>
-                                            <p:cond delay="0"/>
-                                          </p:stCondLst>
-                                        </p:cTn>
-                                        <p:tgtEl>
-                                          <p:spTgt spid="10"/>
-                                        </p:tgtEl>
-                                        <p:attrNameLst>
-                                          <p:attrName>style.visibility</p:attrName>
-                                        </p:attrNameLst>
-                                      </p:cBhvr>
-                                      <p:to>
-                                        <p:strVal val="visible"/>
-                                      </p:to>
-                                    </p:set>
-                                  </p:childTnLst>
-                                </p:cTn>
-                              </p:par>
-                            </p:childTnLst>
-                          </p:cTn>
-                        </p:par>
-                      </p:childTnLst>
-                    </p:cTn>
-                  </p:par>
-                  <p:par>
-                    <p:cTn id="11" fill="hold">
-                      <p:stCondLst>
-                        <p:cond delay="indefinite"/>
-                      </p:stCondLst>
-                      <p:childTnLst>
-                        <p:par>
-                          <p:cTn id="12" fill="hold">
-                            <p:stCondLst>
-                              <p:cond delay="0"/>
-                            </p:stCondLst>
-                            <p:childTnLst>
-                              <p:par>
-                                <p:cTn id="13" presetID="1" presetClass="entr" presetSubtype="0" fill="hold" nodeType="clickEffect">
-                                  <p:stCondLst>
-                                    <p:cond delay="0"/>
-                                  </p:stCondLst>
-                                  <p:childTnLst>
-                                    <p:set>
-                                      <p:cBhvr>
-                                        <p:cTn id="14" dur="1" fill="hold">
-                                          <p:stCondLst>
-                                            <p:cond delay="0"/>
-                                          </p:stCondLst>
-                                        </p:cTn>
-                                        <p:tgtEl>
-                                          <p:spTgt spid="18"/>
-                                        </p:tgtEl>
-                                        <p:attrNameLst>
-                                          <p:attrName>style.visibility</p:attrName>
-                                        </p:attrNameLst>
-                                      </p:cBhvr>
-                                      <p:to>
-                                        <p:strVal val="visible"/>
-                                      </p:to>
-                                    </p:set>
-                                  </p:childTnLst>
-                                </p:cTn>
-                              </p:par>
-                              <p:par>
-                                <p:cTn id="15" presetID="1" presetClass="entr" presetSubtype="0" fill="hold" grpId="0" nodeType="withEffect">
-                                  <p:stCondLst>
-                                    <p:cond delay="0"/>
-                                  </p:stCondLst>
-                                  <p:childTnLst>
-                                    <p:set>
-                                      <p:cBhvr>
-                                        <p:cTn id="16" dur="1" fill="hold">
-                                          <p:stCondLst>
-                                            <p:cond delay="0"/>
-                                          </p:stCondLst>
-                                        </p:cTn>
-                                        <p:tgtEl>
-                                          <p:spTgt spid="7"/>
-                                        </p:tgtEl>
-                                        <p:attrNameLst>
-                                          <p:attrName>style.visibility</p:attrName>
-                                        </p:attrNameLst>
-                                      </p:cBhvr>
-                                      <p:to>
-                                        <p:strVal val="visible"/>
-                                      </p:to>
-                                    </p:set>
-                                  </p:childTnLst>
-                                </p:cTn>
-                              </p:par>
-                              <p:par>
-                                <p:cTn id="17" presetID="1" presetClass="entr" presetSubtype="0" fill="hold" nodeType="withEffect">
-                                  <p:stCondLst>
-                                    <p:cond delay="0"/>
-                                  </p:stCondLst>
-                                  <p:childTnLst>
-                                    <p:set>
-                                      <p:cBhvr>
-                                        <p:cTn id="18" dur="1" fill="hold">
-                                          <p:stCondLst>
-                                            <p:cond delay="0"/>
-                                          </p:stCondLst>
-                                        </p:cTn>
-                                        <p:tgtEl>
-                                          <p:spTgt spid="21"/>
-                                        </p:tgtEl>
-                                        <p:attrNameLst>
-                                          <p:attrName>style.visibility</p:attrName>
-                                        </p:attrNameLst>
-                                      </p:cBhvr>
-                                      <p:to>
-                                        <p:strVal val="visible"/>
-                                      </p:to>
-                                    </p:set>
-                                  </p:childTnLst>
-                                </p:cTn>
-                              </p:par>
-                            </p:childTnLst>
-                          </p:cTn>
-                        </p:par>
-                      </p:childTnLst>
-                    </p:cTn>
-                  </p:par>
-                  <p:par>
-                    <p:cTn id="19" fill="hold">
-                      <p:stCondLst>
-                        <p:cond delay="indefinite"/>
-                      </p:stCondLst>
-                      <p:childTnLst>
-                        <p:par>
-                          <p:cTn id="20" fill="hold">
-                            <p:stCondLst>
-                              <p:cond delay="0"/>
-                            </p:stCondLst>
-                            <p:childTnLst>
-                              <p:par>
-                                <p:cTn id="21" presetID="1" presetClass="entr" presetSubtype="0" fill="hold" grpId="0" nodeType="clickEffect">
-                                  <p:stCondLst>
-                                    <p:cond delay="0"/>
-                                  </p:stCondLst>
-                                  <p:childTnLst>
-                                    <p:set>
-                                      <p:cBhvr>
-                                        <p:cTn id="22" dur="1" fill="hold">
-                                          <p:stCondLst>
-                                            <p:cond delay="0"/>
-                                          </p:stCondLst>
-                                        </p:cTn>
-                                        <p:tgtEl>
-                                          <p:spTgt spid="9"/>
-                                        </p:tgtEl>
-                                        <p:attrNameLst>
-                                          <p:attrName>style.visibility</p:attrName>
-                                        </p:attrNameLst>
-                                      </p:cBhvr>
-                                      <p:to>
-                                        <p:strVal val="visible"/>
-                                      </p:to>
-                                    </p:set>
-                                  </p:childTnLst>
-                                </p:cTn>
-                              </p:par>
-                              <p:par>
-                                <p:cTn id="23" presetID="1" presetClass="entr" presetSubtype="0" fill="hold" nodeType="withEffect">
-                                  <p:stCondLst>
-                                    <p:cond delay="0"/>
-                                  </p:stCondLst>
-                                  <p:childTnLst>
-                                    <p:set>
-                                      <p:cBhvr>
-                                        <p:cTn id="24" dur="1" fill="hold">
-                                          <p:stCondLst>
-                                            <p:cond delay="0"/>
-                                          </p:stCondLst>
-                                        </p:cTn>
-                                        <p:tgtEl>
-                                          <p:spTgt spid="25"/>
-                                        </p:tgtEl>
-                                        <p:attrNameLst>
-                                          <p:attrName>style.visibility</p:attrName>
-                                        </p:attrNameLst>
-                                      </p:cBhvr>
-                                      <p:to>
-                                        <p:strVal val="visible"/>
-                                      </p:to>
-                                    </p:set>
-                                  </p:childTnLst>
-                                </p:cTn>
-                              </p:par>
-                              <p:par>
-                                <p:cTn id="25" presetID="1" presetClass="entr" presetSubtype="0" fill="hold" nodeType="withEffect">
-                                  <p:stCondLst>
-                                    <p:cond delay="0"/>
-                                  </p:stCondLst>
-                                  <p:childTnLst>
-                                    <p:set>
-                                      <p:cBhvr>
-                                        <p:cTn id="26" dur="1" fill="hold">
-                                          <p:stCondLst>
-                                            <p:cond delay="0"/>
-                                          </p:stCondLst>
-                                        </p:cTn>
-                                        <p:tgtEl>
-                                          <p:spTgt spid="28"/>
-                                        </p:tgtEl>
-                                        <p:attrNameLst>
-                                          <p:attrName>style.visibility</p:attrName>
-                                        </p:attrNameLst>
-                                      </p:cBhvr>
-                                      <p:to>
-                                        <p:strVal val="visible"/>
-                                      </p:to>
-                                    </p:set>
-                                  </p:childTnLst>
-                                </p:cTn>
-                              </p:par>
-                              <p:par>
-                                <p:cTn id="27" presetID="1" presetClass="entr" presetSubtype="0" fill="hold" grpId="0" nodeType="withEffect">
-                                  <p:stCondLst>
-                                    <p:cond delay="0"/>
-                                  </p:stCondLst>
-                                  <p:childTnLst>
-                                    <p:set>
-                                      <p:cBhvr>
-                                        <p:cTn id="28" dur="1" fill="hold">
-                                          <p:stCondLst>
-                                            <p:cond delay="0"/>
-                                          </p:stCondLst>
-                                        </p:cTn>
-                                        <p:tgtEl>
-                                          <p:spTgt spid="11"/>
-                                        </p:tgtEl>
-                                        <p:attrNameLst>
-                                          <p:attrName>style.visibility</p:attrName>
-                                        </p:attrNameLst>
-                                      </p:cBhvr>
-                                      <p:to>
-                                        <p:strVal val="visible"/>
-                                      </p:to>
-                                    </p:set>
-                                  </p:childTnLst>
-                                </p:cTn>
-                              </p:par>
-                            </p:childTnLst>
-                          </p:cTn>
-                        </p:par>
-                      </p:childTnLst>
-                    </p:cTn>
-                  </p:par>
-                </p:childTnLst>
-              </p:cTn>
-              <p:prevCondLst>
-                <p:cond evt="onPrev" delay="0">
-                  <p:tgtEl>
-                    <p:sldTgt/>
-                  </p:tgtEl>
-                </p:cond>
-              </p:prevCondLst>
-              <p:nextCondLst>
-                <p:cond evt="onNext" delay="0">
-                  <p:tgtEl>
-                    <p:sldTgt/>
-                  </p:tgtEl>
-                </p:cond>
-              </p:nextCondLst>
-            </p:seq>
-          </p:childTnLst>
-        </p:cTn>
-      </p:par>
-    </p:tnLst>
-    <p:bldLst>
-      <p:bldP spid="7" grpId="0" animBg="1"/>
-      <p:bldP spid="8" grpId="0" animBg="1"/>
-      <p:bldP spid="9" grpId="0" animBg="1"/>
-      <p:bldP spid="10" grpId="0" animBg="1"/>
-      <p:bldP spid="11" grpId="0" animBg="1"/>
-    </p:bldLst>
-  </p:timing>
 </p:sld>
 </file>
 

--- a/kubernetes/11_3_morePods_Sheduling_and_Gardener.pptx
+++ b/kubernetes/11_3_morePods_Sheduling_and_Gardener.pptx
@@ -5,10 +5,10 @@
     <p:sldMasterId id="2147483733" r:id="rId1"/>
   </p:sldMasterIdLst>
   <p:notesMasterIdLst>
-    <p:notesMasterId r:id="rId29"/>
+    <p:notesMasterId r:id="rId30"/>
   </p:notesMasterIdLst>
   <p:handoutMasterIdLst>
-    <p:handoutMasterId r:id="rId30"/>
+    <p:handoutMasterId r:id="rId31"/>
   </p:handoutMasterIdLst>
   <p:sldIdLst>
     <p:sldId id="476" r:id="rId2"/>
@@ -25,19 +25,20 @@
     <p:sldId id="958" r:id="rId13"/>
     <p:sldId id="463" r:id="rId14"/>
     <p:sldId id="955" r:id="rId15"/>
-    <p:sldId id="950" r:id="rId16"/>
-    <p:sldId id="951" r:id="rId17"/>
-    <p:sldId id="932" r:id="rId18"/>
-    <p:sldId id="952" r:id="rId19"/>
-    <p:sldId id="953" r:id="rId20"/>
-    <p:sldId id="961" r:id="rId21"/>
-    <p:sldId id="470" r:id="rId22"/>
-    <p:sldId id="457" r:id="rId23"/>
-    <p:sldId id="456" r:id="rId24"/>
-    <p:sldId id="468" r:id="rId25"/>
-    <p:sldId id="954" r:id="rId26"/>
-    <p:sldId id="931" r:id="rId27"/>
-    <p:sldId id="265" r:id="rId28"/>
+    <p:sldId id="964" r:id="rId16"/>
+    <p:sldId id="950" r:id="rId17"/>
+    <p:sldId id="951" r:id="rId18"/>
+    <p:sldId id="932" r:id="rId19"/>
+    <p:sldId id="952" r:id="rId20"/>
+    <p:sldId id="953" r:id="rId21"/>
+    <p:sldId id="961" r:id="rId22"/>
+    <p:sldId id="470" r:id="rId23"/>
+    <p:sldId id="457" r:id="rId24"/>
+    <p:sldId id="456" r:id="rId25"/>
+    <p:sldId id="468" r:id="rId26"/>
+    <p:sldId id="954" r:id="rId27"/>
+    <p:sldId id="931" r:id="rId28"/>
+    <p:sldId id="265" r:id="rId29"/>
   </p:sldIdLst>
   <p:sldSz cx="12195175" cy="6858000"/>
   <p:notesSz cx="6858000" cy="9144000"/>
@@ -3984,23 +3985,32 @@
           <a:p>
             <a:r>
               <a:rPr lang="en-US" dirty="0"/>
-              <a:t>Gardener is SAP’s solution for managed </a:t>
+              <a:t>You can use </a:t>
             </a:r>
             <a:r>
               <a:rPr lang="en-US" dirty="0" err="1"/>
-              <a:t>kubernetes</a:t>
+              <a:t>Minikube</a:t>
             </a:r>
             <a:r>
               <a:rPr lang="en-US" dirty="0"/>
-              <a:t> cluster. It is open source &amp; completely available on </a:t>
+              <a:t> for a local Kubernetes installation on your Laptop. Great for testing and development, but of course, unsuitable for productive usage.</a:t>
+            </a:r>
+          </a:p>
+          <a:p>
+            <a:endParaRPr lang="en-US" dirty="0"/>
+          </a:p>
+          <a:p>
+            <a:r>
+              <a:rPr lang="en-US" dirty="0"/>
+              <a:t>K3S is similar to </a:t>
             </a:r>
             <a:r>
               <a:rPr lang="en-US" dirty="0" err="1"/>
-              <a:t>github</a:t>
+              <a:t>Minikube</a:t>
             </a:r>
             <a:r>
               <a:rPr lang="en-US" dirty="0"/>
-              <a:t>: https://github.com/gardener/gardener/ </a:t>
+              <a:t> and offers a very lightweight, one-node Kubernetes Cluster on your laptop.</a:t>
             </a:r>
           </a:p>
           <a:p>
@@ -4009,16 +4019,15 @@
           <a:p>
             <a:r>
               <a:rPr lang="en-US" dirty="0"/>
-              <a:t>Show internal landing page: https://github.wdf.sap.corp/pages/kubernetes/gardener/ including blog &amp; help section</a:t>
-            </a:r>
-          </a:p>
-          <a:p>
-            <a:endParaRPr lang="en-US" dirty="0"/>
-          </a:p>
-          <a:p>
+              <a:t>The Cloud Providers/</a:t>
+            </a:r>
+            <a:r>
+              <a:rPr lang="en-US" dirty="0" err="1"/>
+              <a:t>Hyperscalers</a:t>
+            </a:r>
             <a:r>
               <a:rPr lang="en-US" dirty="0"/>
-              <a:t>Jam Group Kubernetes Clusters as a Service in SAP Cloud Platform: https://jam4.sapjam.com/groups/Niq7TSBxLlzgb3nroBZJVx/overview_page/e9uqTDxXBRFbk7FJXEA4Cd</a:t>
+              <a:t> offer managed, large-scale Kubernetes clusters for a fee. AWS calls its managed K8S offering EKS, Google calls it GKE and Microsoft's Azure calls it AKS. They all have their own custom adaptations and modifications to Kubernetes which offer additional functionality but can make portability across the different offerings a bit harder.</a:t>
             </a:r>
           </a:p>
         </p:txBody>
@@ -4109,7 +4118,7 @@
     </p:spTree>
     <p:extLst>
       <p:ext uri="{BB962C8B-B14F-4D97-AF65-F5344CB8AC3E}">
-        <p14:creationId xmlns:p14="http://schemas.microsoft.com/office/powerpoint/2010/main" val="2214560461"/>
+        <p14:creationId xmlns:p14="http://schemas.microsoft.com/office/powerpoint/2010/main" val="2532460930"/>
       </p:ext>
     </p:extLst>
   </p:cSld>
@@ -4165,7 +4174,41 @@
           <a:p>
             <a:r>
               <a:rPr lang="en-US" dirty="0"/>
-              <a:t>https://jam4.sapjam.com/groups/Niq7TSBxLlzgb3nroBZJVx/overview_page/e9uqTDxXBRFbk7FJXEA4Cd</a:t>
+              <a:t>Gardener is SAP’s solution for managed </a:t>
+            </a:r>
+            <a:r>
+              <a:rPr lang="en-US" dirty="0" err="1"/>
+              <a:t>kubernetes</a:t>
+            </a:r>
+            <a:r>
+              <a:rPr lang="en-US" dirty="0"/>
+              <a:t> cluster. It is open source &amp; completely available on </a:t>
+            </a:r>
+            <a:r>
+              <a:rPr lang="en-US" dirty="0" err="1"/>
+              <a:t>github</a:t>
+            </a:r>
+            <a:r>
+              <a:rPr lang="en-US" dirty="0"/>
+              <a:t>: https://github.com/gardener/gardener/ </a:t>
+            </a:r>
+          </a:p>
+          <a:p>
+            <a:endParaRPr lang="en-US" dirty="0"/>
+          </a:p>
+          <a:p>
+            <a:r>
+              <a:rPr lang="en-US" dirty="0"/>
+              <a:t>Show internal landing page: https://github.wdf.sap.corp/pages/kubernetes/gardener/ including blog &amp; help section</a:t>
+            </a:r>
+          </a:p>
+          <a:p>
+            <a:endParaRPr lang="en-US" dirty="0"/>
+          </a:p>
+          <a:p>
+            <a:r>
+              <a:rPr lang="en-US" dirty="0"/>
+              <a:t>Jam Group Kubernetes Clusters as a Service in SAP Cloud Platform: https://jam4.sapjam.com/groups/Niq7TSBxLlzgb3nroBZJVx/overview_page/e9uqTDxXBRFbk7FJXEA4Cd</a:t>
             </a:r>
           </a:p>
         </p:txBody>
@@ -4256,7 +4299,7 @@
     </p:spTree>
     <p:extLst>
       <p:ext uri="{BB962C8B-B14F-4D97-AF65-F5344CB8AC3E}">
-        <p14:creationId xmlns:p14="http://schemas.microsoft.com/office/powerpoint/2010/main" val="1625447852"/>
+        <p14:creationId xmlns:p14="http://schemas.microsoft.com/office/powerpoint/2010/main" val="2214560461"/>
       </p:ext>
     </p:extLst>
   </p:cSld>
@@ -4311,45 +4354,6 @@
           <a:lstStyle/>
           <a:p>
             <a:r>
-              <a:rPr lang="de-DE" sz="1400" u="sng" kern="1200" dirty="0">
-                <a:solidFill>
-                  <a:schemeClr val="tx1"/>
-                </a:solidFill>
-                <a:effectLst/>
-                <a:latin typeface="+mn-lt"/>
-                <a:ea typeface="+mn-ea"/>
-                <a:cs typeface="+mn-cs"/>
-                <a:hlinkClick r:id="rId3"/>
-              </a:rPr>
-              <a:t>https://github.wdf.sap.corp/pages/kubernetes/gardener/#features</a:t>
-            </a:r>
-            <a:endParaRPr lang="de-DE" sz="1400" u="sng" kern="1200" dirty="0">
-              <a:solidFill>
-                <a:schemeClr val="tx1"/>
-              </a:solidFill>
-              <a:effectLst/>
-              <a:latin typeface="+mn-lt"/>
-              <a:ea typeface="+mn-ea"/>
-              <a:cs typeface="+mn-cs"/>
-            </a:endParaRPr>
-          </a:p>
-          <a:p>
-            <a:endParaRPr lang="en-US" dirty="0"/>
-          </a:p>
-          <a:p>
-            <a:r>
-              <a:rPr lang="en-US" dirty="0"/>
-              <a:t>https://github.wdf.sap.corp/kubernetes/kube-docs/wiki/Gardener-Service-FAQ</a:t>
-            </a:r>
-          </a:p>
-          <a:p>
-            <a:endParaRPr lang="en-US" dirty="0"/>
-          </a:p>
-          <a:p>
-            <a:endParaRPr lang="en-US" dirty="0"/>
-          </a:p>
-          <a:p>
-            <a:r>
               <a:rPr lang="en-US" dirty="0"/>
               <a:t>https://jam4.sapjam.com/groups/Niq7TSBxLlzgb3nroBZJVx/overview_page/e9uqTDxXBRFbk7FJXEA4Cd</a:t>
             </a:r>
@@ -4442,7 +4446,7 @@
     </p:spTree>
     <p:extLst>
       <p:ext uri="{BB962C8B-B14F-4D97-AF65-F5344CB8AC3E}">
-        <p14:creationId xmlns:p14="http://schemas.microsoft.com/office/powerpoint/2010/main" val="1006053830"/>
+        <p14:creationId xmlns:p14="http://schemas.microsoft.com/office/powerpoint/2010/main" val="1625447852"/>
       </p:ext>
     </p:extLst>
   </p:cSld>
@@ -4497,8 +4501,47 @@
           <a:lstStyle/>
           <a:p>
             <a:r>
+              <a:rPr lang="de-DE" sz="1400" u="sng" kern="1200" dirty="0">
+                <a:solidFill>
+                  <a:schemeClr val="tx1"/>
+                </a:solidFill>
+                <a:effectLst/>
+                <a:latin typeface="+mn-lt"/>
+                <a:ea typeface="+mn-ea"/>
+                <a:cs typeface="+mn-cs"/>
+                <a:hlinkClick r:id="rId3"/>
+              </a:rPr>
+              <a:t>https://github.wdf.sap.corp/pages/kubernetes/gardener/#features</a:t>
+            </a:r>
+            <a:endParaRPr lang="de-DE" sz="1400" u="sng" kern="1200" dirty="0">
+              <a:solidFill>
+                <a:schemeClr val="tx1"/>
+              </a:solidFill>
+              <a:effectLst/>
+              <a:latin typeface="+mn-lt"/>
+              <a:ea typeface="+mn-ea"/>
+              <a:cs typeface="+mn-cs"/>
+            </a:endParaRPr>
+          </a:p>
+          <a:p>
+            <a:endParaRPr lang="en-US" dirty="0"/>
+          </a:p>
+          <a:p>
+            <a:r>
               <a:rPr lang="en-US" dirty="0"/>
-              <a:t>Setting up lots of small clusters individually leads to resource waste. The control plane / master needs to be high available but the resources reserved for fail-over usually idle.</a:t>
+              <a:t>https://github.wdf.sap.corp/kubernetes/kube-docs/wiki/Gardener-Service-FAQ</a:t>
+            </a:r>
+          </a:p>
+          <a:p>
+            <a:endParaRPr lang="en-US" dirty="0"/>
+          </a:p>
+          <a:p>
+            <a:endParaRPr lang="en-US" dirty="0"/>
+          </a:p>
+          <a:p>
+            <a:r>
+              <a:rPr lang="en-US" dirty="0"/>
+              <a:t>https://jam4.sapjam.com/groups/Niq7TSBxLlzgb3nroBZJVx/overview_page/e9uqTDxXBRFbk7FJXEA4Cd</a:t>
             </a:r>
           </a:p>
         </p:txBody>
@@ -4536,7 +4579,7 @@
               <a:defRPr/>
             </a:pPr>
             <a:fld id="{7D8C2C35-2B8A-446E-BEC0-FD36716C29AC}" type="slidenum">
-              <a:rPr kumimoji="0" lang="en-US" sz="800" b="0" i="0" u="none" strike="noStrike" kern="1200" cap="none" spc="0" normalizeH="0" baseline="0" noProof="0" smtClean="0">
+              <a:rPr kumimoji="0" lang="de-DE" sz="800" b="0" i="0" u="none" strike="noStrike" kern="1200" cap="none" spc="0" normalizeH="0" baseline="0" noProof="0" smtClean="0">
                 <a:ln>
                   <a:noFill/>
                 </a:ln>
@@ -4569,7 +4612,7 @@
               </a:pPr>
               <a:t>18</a:t>
             </a:fld>
-            <a:endParaRPr kumimoji="0" lang="en-US" sz="800" b="0" i="0" u="none" strike="noStrike" kern="1200" cap="none" spc="0" normalizeH="0" baseline="0" noProof="0" dirty="0">
+            <a:endParaRPr kumimoji="0" lang="de-DE" sz="800" b="0" i="0" u="none" strike="noStrike" kern="1200" cap="none" spc="0" normalizeH="0" baseline="0" noProof="0" dirty="0">
               <a:ln>
                 <a:noFill/>
               </a:ln>
@@ -4589,7 +4632,7 @@
     </p:spTree>
     <p:extLst>
       <p:ext uri="{BB962C8B-B14F-4D97-AF65-F5344CB8AC3E}">
-        <p14:creationId xmlns:p14="http://schemas.microsoft.com/office/powerpoint/2010/main" val="1591729321"/>
+        <p14:creationId xmlns:p14="http://schemas.microsoft.com/office/powerpoint/2010/main" val="1006053830"/>
       </p:ext>
     </p:extLst>
   </p:cSld>
@@ -4645,7 +4688,7 @@
           <a:p>
             <a:r>
               <a:rPr lang="en-US" dirty="0"/>
-              <a:t>Solution: Gardener runs the control plane / master components of many “worker” clusters in a separate cluster</a:t>
+              <a:t>Setting up lots of small clusters individually leads to resource waste. The control plane / master needs to be high available but the resources reserved for fail-over usually idle.</a:t>
             </a:r>
           </a:p>
         </p:txBody>
@@ -4683,7 +4726,7 @@
               <a:defRPr/>
             </a:pPr>
             <a:fld id="{7D8C2C35-2B8A-446E-BEC0-FD36716C29AC}" type="slidenum">
-              <a:rPr kumimoji="0" lang="de-DE" sz="800" b="0" i="0" u="none" strike="noStrike" kern="1200" cap="none" spc="0" normalizeH="0" baseline="0" noProof="0" smtClean="0">
+              <a:rPr kumimoji="0" lang="en-US" sz="800" b="0" i="0" u="none" strike="noStrike" kern="1200" cap="none" spc="0" normalizeH="0" baseline="0" noProof="0" smtClean="0">
                 <a:ln>
                   <a:noFill/>
                 </a:ln>
@@ -4716,7 +4759,7 @@
               </a:pPr>
               <a:t>19</a:t>
             </a:fld>
-            <a:endParaRPr kumimoji="0" lang="de-DE" sz="800" b="0" i="0" u="none" strike="noStrike" kern="1200" cap="none" spc="0" normalizeH="0" baseline="0" noProof="0" dirty="0">
+            <a:endParaRPr kumimoji="0" lang="en-US" sz="800" b="0" i="0" u="none" strike="noStrike" kern="1200" cap="none" spc="0" normalizeH="0" baseline="0" noProof="0" dirty="0">
               <a:ln>
                 <a:noFill/>
               </a:ln>
@@ -4736,7 +4779,7 @@
     </p:spTree>
     <p:extLst>
       <p:ext uri="{BB962C8B-B14F-4D97-AF65-F5344CB8AC3E}">
-        <p14:creationId xmlns:p14="http://schemas.microsoft.com/office/powerpoint/2010/main" val="640484921"/>
+        <p14:creationId xmlns:p14="http://schemas.microsoft.com/office/powerpoint/2010/main" val="1591729321"/>
       </p:ext>
     </p:extLst>
   </p:cSld>
@@ -4787,31 +4830,12 @@
         </p:nvSpPr>
         <p:spPr/>
         <p:txBody>
-          <a:bodyPr>
-            <a:normAutofit/>
-          </a:bodyPr>
+          <a:bodyPr/>
           <a:lstStyle/>
           <a:p>
-            <a:pPr marL="285750" marR="0" lvl="0" indent="-285750" algn="l" defTabSz="1088776" rtl="0" eaLnBrk="1" fontAlgn="auto" latinLnBrk="0" hangingPunct="1">
-              <a:lnSpc>
-                <a:spcPct val="100000"/>
-              </a:lnSpc>
-              <a:spcBef>
-                <a:spcPts val="0"/>
-              </a:spcBef>
-              <a:spcAft>
-                <a:spcPts val="0"/>
-              </a:spcAft>
-              <a:buClrTx/>
-              <a:buSzTx/>
-              <a:buFontTx/>
-              <a:buChar char="-"/>
-              <a:tabLst/>
-              <a:defRPr/>
-            </a:pPr>
-            <a:r>
-              <a:rPr lang="en-US" baseline="0" dirty="0"/>
-              <a:t>Create a trial cluster with Gardener!</a:t>
+            <a:r>
+              <a:rPr lang="en-US" dirty="0"/>
+              <a:t>Solution: Gardener runs the control plane / master components of many “worker” clusters in a separate cluster</a:t>
             </a:r>
           </a:p>
         </p:txBody>
@@ -4831,19 +4855,78 @@
           <a:bodyPr/>
           <a:lstStyle/>
           <a:p>
+            <a:pPr marL="0" marR="0" lvl="0" indent="0" algn="ctr" defTabSz="1088776" rtl="0" eaLnBrk="1" fontAlgn="auto" latinLnBrk="0" hangingPunct="1">
+              <a:lnSpc>
+                <a:spcPct val="100000"/>
+              </a:lnSpc>
+              <a:spcBef>
+                <a:spcPts val="0"/>
+              </a:spcBef>
+              <a:spcAft>
+                <a:spcPts val="0"/>
+              </a:spcAft>
+              <a:buClrTx/>
+              <a:buSzTx/>
+              <a:buFontTx/>
+              <a:buNone/>
+              <a:tabLst/>
+              <a:defRPr/>
+            </a:pPr>
             <a:fld id="{7D8C2C35-2B8A-446E-BEC0-FD36716C29AC}" type="slidenum">
-              <a:rPr lang="de-DE" smtClean="0"/>
-              <a:pPr/>
+              <a:rPr kumimoji="0" lang="de-DE" sz="800" b="0" i="0" u="none" strike="noStrike" kern="1200" cap="none" spc="0" normalizeH="0" baseline="0" noProof="0" smtClean="0">
+                <a:ln>
+                  <a:noFill/>
+                </a:ln>
+                <a:solidFill>
+                  <a:srgbClr val="000000"/>
+                </a:solidFill>
+                <a:effectLst/>
+                <a:uLnTx/>
+                <a:uFillTx/>
+                <a:latin typeface="Arial"/>
+                <a:ea typeface="+mn-ea"/>
+                <a:cs typeface="+mn-cs"/>
+              </a:rPr>
+              <a:pPr marL="0" marR="0" lvl="0" indent="0" algn="ctr" defTabSz="1088776" rtl="0" eaLnBrk="1" fontAlgn="auto" latinLnBrk="0" hangingPunct="1">
+                <a:lnSpc>
+                  <a:spcPct val="100000"/>
+                </a:lnSpc>
+                <a:spcBef>
+                  <a:spcPts val="0"/>
+                </a:spcBef>
+                <a:spcAft>
+                  <a:spcPts val="0"/>
+                </a:spcAft>
+                <a:buClrTx/>
+                <a:buSzTx/>
+                <a:buFontTx/>
+                <a:buNone/>
+                <a:tabLst/>
+                <a:defRPr/>
+              </a:pPr>
               <a:t>20</a:t>
             </a:fld>
-            <a:endParaRPr lang="de-DE" dirty="0"/>
+            <a:endParaRPr kumimoji="0" lang="de-DE" sz="800" b="0" i="0" u="none" strike="noStrike" kern="1200" cap="none" spc="0" normalizeH="0" baseline="0" noProof="0" dirty="0">
+              <a:ln>
+                <a:noFill/>
+              </a:ln>
+              <a:solidFill>
+                <a:srgbClr val="000000"/>
+              </a:solidFill>
+              <a:effectLst/>
+              <a:uLnTx/>
+              <a:uFillTx/>
+              <a:latin typeface="Arial"/>
+              <a:ea typeface="+mn-ea"/>
+              <a:cs typeface="+mn-cs"/>
+            </a:endParaRPr>
           </a:p>
         </p:txBody>
       </p:sp>
     </p:spTree>
     <p:extLst>
       <p:ext uri="{BB962C8B-B14F-4D97-AF65-F5344CB8AC3E}">
-        <p14:creationId xmlns:p14="http://schemas.microsoft.com/office/powerpoint/2010/main" val="1970043196"/>
+        <p14:creationId xmlns:p14="http://schemas.microsoft.com/office/powerpoint/2010/main" val="640484921"/>
       </p:ext>
     </p:extLst>
   </p:cSld>
@@ -4894,10 +4977,32 @@
         </p:nvSpPr>
         <p:spPr/>
         <p:txBody>
-          <a:bodyPr/>
+          <a:bodyPr>
+            <a:normAutofit/>
+          </a:bodyPr>
           <a:lstStyle/>
           <a:p>
-            <a:endParaRPr lang="en-US" dirty="0"/>
+            <a:pPr marL="285750" marR="0" lvl="0" indent="-285750" algn="l" defTabSz="1088776" rtl="0" eaLnBrk="1" fontAlgn="auto" latinLnBrk="0" hangingPunct="1">
+              <a:lnSpc>
+                <a:spcPct val="100000"/>
+              </a:lnSpc>
+              <a:spcBef>
+                <a:spcPts val="0"/>
+              </a:spcBef>
+              <a:spcAft>
+                <a:spcPts val="0"/>
+              </a:spcAft>
+              <a:buClrTx/>
+              <a:buSzTx/>
+              <a:buFontTx/>
+              <a:buChar char="-"/>
+              <a:tabLst/>
+              <a:defRPr/>
+            </a:pPr>
+            <a:r>
+              <a:rPr lang="en-US" baseline="0" dirty="0"/>
+              <a:t>Create a trial cluster with Gardener!</a:t>
+            </a:r>
           </a:p>
         </p:txBody>
       </p:sp>
@@ -4917,18 +5022,18 @@
           <a:lstStyle/>
           <a:p>
             <a:fld id="{7D8C2C35-2B8A-446E-BEC0-FD36716C29AC}" type="slidenum">
-              <a:rPr lang="en-US" smtClean="0"/>
+              <a:rPr lang="de-DE" smtClean="0"/>
               <a:pPr/>
               <a:t>21</a:t>
             </a:fld>
-            <a:endParaRPr lang="en-US" dirty="0"/>
+            <a:endParaRPr lang="de-DE" dirty="0"/>
           </a:p>
         </p:txBody>
       </p:sp>
     </p:spTree>
     <p:extLst>
       <p:ext uri="{BB962C8B-B14F-4D97-AF65-F5344CB8AC3E}">
-        <p14:creationId xmlns:p14="http://schemas.microsoft.com/office/powerpoint/2010/main" val="1582342442"/>
+        <p14:creationId xmlns:p14="http://schemas.microsoft.com/office/powerpoint/2010/main" val="1970043196"/>
       </p:ext>
     </p:extLst>
   </p:cSld>
@@ -5131,18 +5236,18 @@
           <a:lstStyle/>
           <a:p>
             <a:fld id="{7D8C2C35-2B8A-446E-BEC0-FD36716C29AC}" type="slidenum">
-              <a:rPr lang="de-DE" smtClean="0"/>
+              <a:rPr lang="en-US" smtClean="0"/>
               <a:pPr/>
               <a:t>22</a:t>
             </a:fld>
-            <a:endParaRPr lang="de-DE" dirty="0"/>
+            <a:endParaRPr lang="en-US" dirty="0"/>
           </a:p>
         </p:txBody>
       </p:sp>
     </p:spTree>
     <p:extLst>
       <p:ext uri="{BB962C8B-B14F-4D97-AF65-F5344CB8AC3E}">
-        <p14:creationId xmlns:p14="http://schemas.microsoft.com/office/powerpoint/2010/main" val="3466716593"/>
+        <p14:creationId xmlns:p14="http://schemas.microsoft.com/office/powerpoint/2010/main" val="1582342442"/>
       </p:ext>
     </p:extLst>
   </p:cSld>
@@ -5227,7 +5332,7 @@
     </p:spTree>
     <p:extLst>
       <p:ext uri="{BB962C8B-B14F-4D97-AF65-F5344CB8AC3E}">
-        <p14:creationId xmlns:p14="http://schemas.microsoft.com/office/powerpoint/2010/main" val="157809321"/>
+        <p14:creationId xmlns:p14="http://schemas.microsoft.com/office/powerpoint/2010/main" val="3466716593"/>
       </p:ext>
     </p:extLst>
   </p:cSld>
@@ -5278,70 +5383,9 @@
         </p:nvSpPr>
         <p:spPr/>
         <p:txBody>
-          <a:bodyPr>
-            <a:normAutofit/>
-          </a:bodyPr>
+          <a:bodyPr/>
           <a:lstStyle/>
           <a:p>
-            <a:r>
-              <a:rPr lang="en-US" baseline="0" dirty="0"/>
-              <a:t>Optional demo: </a:t>
-            </a:r>
-          </a:p>
-          <a:p>
-            <a:r>
-              <a:rPr lang="en-US" baseline="0" dirty="0"/>
-              <a:t>To access the cluster’s dashboard, use the Gardener UI or port-forward the to dashboard pod (example: </a:t>
-            </a:r>
-            <a:r>
-              <a:rPr lang="en-US" baseline="0" dirty="0" err="1"/>
-              <a:t>kubectl</a:t>
-            </a:r>
-            <a:r>
-              <a:rPr lang="en-US" baseline="0" dirty="0"/>
-              <a:t> port-forward -n </a:t>
-            </a:r>
-            <a:r>
-              <a:rPr lang="en-US" baseline="0" dirty="0" err="1"/>
-              <a:t>kube</a:t>
-            </a:r>
-            <a:r>
-              <a:rPr lang="en-US" baseline="0" dirty="0"/>
-              <a:t>-system addons-kubernetes-dashboard-5486b968b7-zf62b 8443:8443)</a:t>
-            </a:r>
-          </a:p>
-          <a:p>
-            <a:endParaRPr lang="en-US" baseline="0" dirty="0"/>
-          </a:p>
-          <a:p>
-            <a:r>
-              <a:rPr lang="en-US" baseline="0" dirty="0"/>
-              <a:t>Demo the dashboard</a:t>
-            </a:r>
-          </a:p>
-          <a:p>
-            <a:r>
-              <a:rPr lang="en-US" baseline="0" dirty="0"/>
-              <a:t>- Show status info &amp; utilization of nodes</a:t>
-            </a:r>
-          </a:p>
-          <a:p>
-            <a:r>
-              <a:rPr lang="en-US" dirty="0"/>
-              <a:t>- Show deployments</a:t>
-            </a:r>
-            <a:r>
-              <a:rPr lang="en-US" baseline="0" dirty="0"/>
-              <a:t> </a:t>
-            </a:r>
-            <a:r>
-              <a:rPr lang="en-US" dirty="0"/>
-              <a:t>&amp; services and how to create a new</a:t>
-            </a:r>
-            <a:r>
-              <a:rPr lang="en-US" baseline="0" dirty="0"/>
-              <a:t> deployment</a:t>
-            </a:r>
             <a:endParaRPr lang="en-US" dirty="0"/>
           </a:p>
         </p:txBody>
@@ -5373,7 +5417,7 @@
     </p:spTree>
     <p:extLst>
       <p:ext uri="{BB962C8B-B14F-4D97-AF65-F5344CB8AC3E}">
-        <p14:creationId xmlns:p14="http://schemas.microsoft.com/office/powerpoint/2010/main" val="3052625252"/>
+        <p14:creationId xmlns:p14="http://schemas.microsoft.com/office/powerpoint/2010/main" val="157809321"/>
       </p:ext>
     </p:extLst>
   </p:cSld>
@@ -5424,10 +5468,71 @@
         </p:nvSpPr>
         <p:spPr/>
         <p:txBody>
-          <a:bodyPr/>
+          <a:bodyPr>
+            <a:normAutofit/>
+          </a:bodyPr>
           <a:lstStyle/>
           <a:p>
-            <a:endParaRPr lang="de-DE" dirty="0"/>
+            <a:r>
+              <a:rPr lang="en-US" baseline="0" dirty="0"/>
+              <a:t>Optional demo: </a:t>
+            </a:r>
+          </a:p>
+          <a:p>
+            <a:r>
+              <a:rPr lang="en-US" baseline="0" dirty="0"/>
+              <a:t>To access the cluster’s dashboard, use the Gardener UI or port-forward the to dashboard pod (example: </a:t>
+            </a:r>
+            <a:r>
+              <a:rPr lang="en-US" baseline="0" dirty="0" err="1"/>
+              <a:t>kubectl</a:t>
+            </a:r>
+            <a:r>
+              <a:rPr lang="en-US" baseline="0" dirty="0"/>
+              <a:t> port-forward -n </a:t>
+            </a:r>
+            <a:r>
+              <a:rPr lang="en-US" baseline="0" dirty="0" err="1"/>
+              <a:t>kube</a:t>
+            </a:r>
+            <a:r>
+              <a:rPr lang="en-US" baseline="0" dirty="0"/>
+              <a:t>-system addons-kubernetes-dashboard-5486b968b7-zf62b 8443:8443)</a:t>
+            </a:r>
+          </a:p>
+          <a:p>
+            <a:endParaRPr lang="en-US" baseline="0" dirty="0"/>
+          </a:p>
+          <a:p>
+            <a:r>
+              <a:rPr lang="en-US" baseline="0" dirty="0"/>
+              <a:t>Demo the dashboard</a:t>
+            </a:r>
+          </a:p>
+          <a:p>
+            <a:r>
+              <a:rPr lang="en-US" baseline="0" dirty="0"/>
+              <a:t>- Show status info &amp; utilization of nodes</a:t>
+            </a:r>
+          </a:p>
+          <a:p>
+            <a:r>
+              <a:rPr lang="en-US" dirty="0"/>
+              <a:t>- Show deployments</a:t>
+            </a:r>
+            <a:r>
+              <a:rPr lang="en-US" baseline="0" dirty="0"/>
+              <a:t> </a:t>
+            </a:r>
+            <a:r>
+              <a:rPr lang="en-US" dirty="0"/>
+              <a:t>&amp; services and how to create a new</a:t>
+            </a:r>
+            <a:r>
+              <a:rPr lang="en-US" baseline="0" dirty="0"/>
+              <a:t> deployment</a:t>
+            </a:r>
+            <a:endParaRPr lang="en-US" dirty="0"/>
           </a:p>
         </p:txBody>
       </p:sp>
@@ -5446,78 +5551,19 @@
           <a:bodyPr/>
           <a:lstStyle/>
           <a:p>
-            <a:pPr marL="0" marR="0" lvl="0" indent="0" algn="ctr" defTabSz="1088776" rtl="0" eaLnBrk="1" fontAlgn="auto" latinLnBrk="0" hangingPunct="1">
-              <a:lnSpc>
-                <a:spcPct val="100000"/>
-              </a:lnSpc>
-              <a:spcBef>
-                <a:spcPts val="0"/>
-              </a:spcBef>
-              <a:spcAft>
-                <a:spcPts val="0"/>
-              </a:spcAft>
-              <a:buClrTx/>
-              <a:buSzTx/>
-              <a:buFontTx/>
-              <a:buNone/>
-              <a:tabLst/>
-              <a:defRPr/>
-            </a:pPr>
             <a:fld id="{7D8C2C35-2B8A-446E-BEC0-FD36716C29AC}" type="slidenum">
-              <a:rPr kumimoji="0" lang="de-DE" sz="800" b="0" i="0" u="none" strike="noStrike" kern="1200" cap="none" spc="0" normalizeH="0" baseline="0" noProof="0" smtClean="0">
-                <a:ln>
-                  <a:noFill/>
-                </a:ln>
-                <a:solidFill>
-                  <a:srgbClr val="000000"/>
-                </a:solidFill>
-                <a:effectLst/>
-                <a:uLnTx/>
-                <a:uFillTx/>
-                <a:latin typeface="Arial"/>
-                <a:ea typeface="+mn-ea"/>
-                <a:cs typeface="+mn-cs"/>
-              </a:rPr>
-              <a:pPr marL="0" marR="0" lvl="0" indent="0" algn="ctr" defTabSz="1088776" rtl="0" eaLnBrk="1" fontAlgn="auto" latinLnBrk="0" hangingPunct="1">
-                <a:lnSpc>
-                  <a:spcPct val="100000"/>
-                </a:lnSpc>
-                <a:spcBef>
-                  <a:spcPts val="0"/>
-                </a:spcBef>
-                <a:spcAft>
-                  <a:spcPts val="0"/>
-                </a:spcAft>
-                <a:buClrTx/>
-                <a:buSzTx/>
-                <a:buFontTx/>
-                <a:buNone/>
-                <a:tabLst/>
-                <a:defRPr/>
-              </a:pPr>
+              <a:rPr lang="de-DE" smtClean="0"/>
+              <a:pPr/>
               <a:t>25</a:t>
             </a:fld>
-            <a:endParaRPr kumimoji="0" lang="de-DE" sz="800" b="0" i="0" u="none" strike="noStrike" kern="1200" cap="none" spc="0" normalizeH="0" baseline="0" noProof="0" dirty="0">
-              <a:ln>
-                <a:noFill/>
-              </a:ln>
-              <a:solidFill>
-                <a:srgbClr val="000000"/>
-              </a:solidFill>
-              <a:effectLst/>
-              <a:uLnTx/>
-              <a:uFillTx/>
-              <a:latin typeface="Arial"/>
-              <a:ea typeface="+mn-ea"/>
-              <a:cs typeface="+mn-cs"/>
-            </a:endParaRPr>
+            <a:endParaRPr lang="de-DE" dirty="0"/>
           </a:p>
         </p:txBody>
       </p:sp>
     </p:spTree>
     <p:extLst>
       <p:ext uri="{BB962C8B-B14F-4D97-AF65-F5344CB8AC3E}">
-        <p14:creationId xmlns:p14="http://schemas.microsoft.com/office/powerpoint/2010/main" val="69457181"/>
+        <p14:creationId xmlns:p14="http://schemas.microsoft.com/office/powerpoint/2010/main" val="3052625252"/>
       </p:ext>
     </p:extLst>
   </p:cSld>
@@ -5571,7 +5617,7 @@
           <a:bodyPr/>
           <a:lstStyle/>
           <a:p>
-            <a:endParaRPr lang="en-US" dirty="0"/>
+            <a:endParaRPr lang="de-DE" dirty="0"/>
           </a:p>
         </p:txBody>
       </p:sp>
@@ -5661,6 +5707,150 @@
     </p:spTree>
     <p:extLst>
       <p:ext uri="{BB962C8B-B14F-4D97-AF65-F5344CB8AC3E}">
+        <p14:creationId xmlns:p14="http://schemas.microsoft.com/office/powerpoint/2010/main" val="69457181"/>
+      </p:ext>
+    </p:extLst>
+  </p:cSld>
+  <p:clrMapOvr>
+    <a:masterClrMapping/>
+  </p:clrMapOvr>
+</p:notes>
+</file>
+
+<file path=ppt/notesSlides/notesSlide25.xml><?xml version="1.0" encoding="utf-8"?>
+<p:notes xmlns:a="http://schemas.openxmlformats.org/drawingml/2006/main" xmlns:r="http://schemas.openxmlformats.org/officeDocument/2006/relationships" xmlns:p="http://schemas.openxmlformats.org/presentationml/2006/main">
+  <p:cSld>
+    <p:spTree>
+      <p:nvGrpSpPr>
+        <p:cNvPr id="1" name=""/>
+        <p:cNvGrpSpPr/>
+        <p:nvPr/>
+      </p:nvGrpSpPr>
+      <p:grpSpPr>
+        <a:xfrm>
+          <a:off x="0" y="0"/>
+          <a:ext cx="0" cy="0"/>
+          <a:chOff x="0" y="0"/>
+          <a:chExt cx="0" cy="0"/>
+        </a:xfrm>
+      </p:grpSpPr>
+      <p:sp>
+        <p:nvSpPr>
+          <p:cNvPr id="2" name="Slide Image Placeholder 1"/>
+          <p:cNvSpPr>
+            <a:spLocks noGrp="1" noRot="1" noChangeAspect="1"/>
+          </p:cNvSpPr>
+          <p:nvPr>
+            <p:ph type="sldImg"/>
+          </p:nvPr>
+        </p:nvSpPr>
+        <p:spPr/>
+      </p:sp>
+      <p:sp>
+        <p:nvSpPr>
+          <p:cNvPr id="3" name="Notes Placeholder 2"/>
+          <p:cNvSpPr>
+            <a:spLocks noGrp="1"/>
+          </p:cNvSpPr>
+          <p:nvPr>
+            <p:ph type="body" idx="1"/>
+          </p:nvPr>
+        </p:nvSpPr>
+        <p:spPr/>
+        <p:txBody>
+          <a:bodyPr/>
+          <a:lstStyle/>
+          <a:p>
+            <a:endParaRPr lang="en-US" dirty="0"/>
+          </a:p>
+        </p:txBody>
+      </p:sp>
+      <p:sp>
+        <p:nvSpPr>
+          <p:cNvPr id="4" name="Slide Number Placeholder 3"/>
+          <p:cNvSpPr>
+            <a:spLocks noGrp="1"/>
+          </p:cNvSpPr>
+          <p:nvPr>
+            <p:ph type="sldNum" sz="quarter" idx="10"/>
+          </p:nvPr>
+        </p:nvSpPr>
+        <p:spPr/>
+        <p:txBody>
+          <a:bodyPr/>
+          <a:lstStyle/>
+          <a:p>
+            <a:pPr marL="0" marR="0" lvl="0" indent="0" algn="ctr" defTabSz="1088776" rtl="0" eaLnBrk="1" fontAlgn="auto" latinLnBrk="0" hangingPunct="1">
+              <a:lnSpc>
+                <a:spcPct val="100000"/>
+              </a:lnSpc>
+              <a:spcBef>
+                <a:spcPts val="0"/>
+              </a:spcBef>
+              <a:spcAft>
+                <a:spcPts val="0"/>
+              </a:spcAft>
+              <a:buClrTx/>
+              <a:buSzTx/>
+              <a:buFontTx/>
+              <a:buNone/>
+              <a:tabLst/>
+              <a:defRPr/>
+            </a:pPr>
+            <a:fld id="{7D8C2C35-2B8A-446E-BEC0-FD36716C29AC}" type="slidenum">
+              <a:rPr kumimoji="0" lang="de-DE" sz="800" b="0" i="0" u="none" strike="noStrike" kern="1200" cap="none" spc="0" normalizeH="0" baseline="0" noProof="0" smtClean="0">
+                <a:ln>
+                  <a:noFill/>
+                </a:ln>
+                <a:solidFill>
+                  <a:srgbClr val="000000"/>
+                </a:solidFill>
+                <a:effectLst/>
+                <a:uLnTx/>
+                <a:uFillTx/>
+                <a:latin typeface="Arial"/>
+                <a:ea typeface="+mn-ea"/>
+                <a:cs typeface="+mn-cs"/>
+              </a:rPr>
+              <a:pPr marL="0" marR="0" lvl="0" indent="0" algn="ctr" defTabSz="1088776" rtl="0" eaLnBrk="1" fontAlgn="auto" latinLnBrk="0" hangingPunct="1">
+                <a:lnSpc>
+                  <a:spcPct val="100000"/>
+                </a:lnSpc>
+                <a:spcBef>
+                  <a:spcPts val="0"/>
+                </a:spcBef>
+                <a:spcAft>
+                  <a:spcPts val="0"/>
+                </a:spcAft>
+                <a:buClrTx/>
+                <a:buSzTx/>
+                <a:buFontTx/>
+                <a:buNone/>
+                <a:tabLst/>
+                <a:defRPr/>
+              </a:pPr>
+              <a:t>27</a:t>
+            </a:fld>
+            <a:endParaRPr kumimoji="0" lang="de-DE" sz="800" b="0" i="0" u="none" strike="noStrike" kern="1200" cap="none" spc="0" normalizeH="0" baseline="0" noProof="0" dirty="0">
+              <a:ln>
+                <a:noFill/>
+              </a:ln>
+              <a:solidFill>
+                <a:srgbClr val="000000"/>
+              </a:solidFill>
+              <a:effectLst/>
+              <a:uLnTx/>
+              <a:uFillTx/>
+              <a:latin typeface="Arial"/>
+              <a:ea typeface="+mn-ea"/>
+              <a:cs typeface="+mn-cs"/>
+            </a:endParaRPr>
+          </a:p>
+        </p:txBody>
+      </p:sp>
+    </p:spTree>
+    <p:extLst>
+      <p:ext uri="{BB962C8B-B14F-4D97-AF65-F5344CB8AC3E}">
         <p14:creationId xmlns:p14="http://schemas.microsoft.com/office/powerpoint/2010/main" val="2710628521"/>
       </p:ext>
     </p:extLst>
@@ -5671,7 +5861,7 @@
 </p:notes>
 </file>
 
-<file path=ppt/notesSlides/notesSlide25.xml><?xml version="1.0" encoding="utf-8"?>
+<file path=ppt/notesSlides/notesSlide26.xml><?xml version="1.0" encoding="utf-8"?>
 <p:notes xmlns:a="http://schemas.openxmlformats.org/drawingml/2006/main" xmlns:r="http://schemas.openxmlformats.org/officeDocument/2006/relationships" xmlns:p="http://schemas.openxmlformats.org/presentationml/2006/main">
   <p:cSld>
     <p:spTree>
@@ -5706,7 +5896,7 @@
             <a:fld id="{7D8C2C35-2B8A-446E-BEC0-FD36716C29AC}" type="slidenum">
               <a:rPr lang="en-US" smtClean="0"/>
               <a:pPr/>
-              <a:t>27</a:t>
+              <a:t>28</a:t>
             </a:fld>
             <a:endParaRPr lang="en-US" dirty="0"/>
           </a:p>
@@ -6049,6 +6239,40 @@
               <a:rPr lang="en-US" dirty="0"/>
               <a:t>Pod anti-affinity: don’t schedule on a node, where a certain pod is already running</a:t>
             </a:r>
+          </a:p>
+          <a:p>
+            <a:pPr marL="285750" indent="-285750">
+              <a:buFontTx/>
+              <a:buChar char="-"/>
+            </a:pPr>
+            <a:endParaRPr lang="en-US" dirty="0"/>
+          </a:p>
+          <a:p>
+            <a:pPr marL="0" indent="0">
+              <a:buFontTx/>
+              <a:buNone/>
+            </a:pPr>
+            <a:r>
+              <a:rPr lang="en-US" dirty="0"/>
+              <a:t>This is just a quick primer for what is possible. More on this can be found in the Kubernetes Documentation at </a:t>
+            </a:r>
+            <a:r>
+              <a:rPr lang="en-US" dirty="0">
+                <a:hlinkClick r:id="rId3"/>
+              </a:rPr>
+              <a:t>https://kubernetes.io/docs/concepts/configuration/taint-and-toleration/</a:t>
+            </a:r>
+            <a:r>
+              <a:rPr lang="en-US" dirty="0"/>
+              <a:t> and </a:t>
+            </a:r>
+            <a:r>
+              <a:rPr lang="en-US" dirty="0">
+                <a:hlinkClick r:id="rId4"/>
+              </a:rPr>
+              <a:t>https://kubernetes.io/docs/concepts/configuration/assign-pod-node/</a:t>
+            </a:r>
+            <a:endParaRPr lang="en-US" dirty="0"/>
           </a:p>
         </p:txBody>
       </p:sp>
@@ -22383,8 +22607,8 @@
         </p:blipFill>
         <p:spPr bwMode="auto">
           <a:xfrm>
-            <a:off x="504001" y="2244819"/>
-            <a:ext cx="1760724" cy="924676"/>
+            <a:off x="672859" y="4682360"/>
+            <a:ext cx="2408319" cy="1264772"/>
           </a:xfrm>
           <a:prstGeom prst="rect">
             <a:avLst/>
@@ -22403,7 +22627,7 @@
       </p:pic>
       <p:pic>
         <p:nvPicPr>
-          <p:cNvPr id="1034" name="Picture 10" descr="Image result for gcp"/>
+          <p:cNvPr id="1040" name="Picture 16" descr="Image result for azure"/>
           <p:cNvPicPr>
             <a:picLocks noChangeAspect="1" noChangeArrowheads="1"/>
           </p:cNvPicPr>
@@ -22424,8 +22648,8 @@
         </p:blipFill>
         <p:spPr bwMode="auto">
           <a:xfrm>
-            <a:off x="-188915" y="763798"/>
-            <a:ext cx="3413761" cy="1453395"/>
+            <a:off x="8780059" y="688666"/>
+            <a:ext cx="2095687" cy="1081645"/>
           </a:xfrm>
           <a:prstGeom prst="rect">
             <a:avLst/>
@@ -22444,7 +22668,7 @@
       </p:pic>
       <p:pic>
         <p:nvPicPr>
-          <p:cNvPr id="1040" name="Picture 16" descr="Image result for azure"/>
+          <p:cNvPr id="1042" name="Picture 18" descr="Image result for giantswarm"/>
           <p:cNvPicPr>
             <a:picLocks noChangeAspect="1" noChangeArrowheads="1"/>
           </p:cNvPicPr>
@@ -22465,8 +22689,8 @@
         </p:blipFill>
         <p:spPr bwMode="auto">
           <a:xfrm>
-            <a:off x="357953" y="3414347"/>
-            <a:ext cx="2095687" cy="1081645"/>
+            <a:off x="9590854" y="3509560"/>
+            <a:ext cx="2095686" cy="2095686"/>
           </a:xfrm>
           <a:prstGeom prst="rect">
             <a:avLst/>
@@ -22483,126 +22707,190 @@
           </a:extLst>
         </p:spPr>
       </p:pic>
+      <p:grpSp>
+        <p:nvGrpSpPr>
+          <p:cNvPr id="6" name="Group 5">
+            <a:extLst>
+              <a:ext uri="{FF2B5EF4-FFF2-40B4-BE49-F238E27FC236}">
+                <a16:creationId xmlns:a16="http://schemas.microsoft.com/office/drawing/2014/main" id="{D97CF6CA-F1FA-4D42-AC27-BC6268C8AFEF}"/>
+              </a:ext>
+            </a:extLst>
+          </p:cNvPr>
+          <p:cNvGrpSpPr/>
+          <p:nvPr/>
+        </p:nvGrpSpPr>
+        <p:grpSpPr>
+          <a:xfrm>
+            <a:off x="4500039" y="1114977"/>
+            <a:ext cx="3671954" cy="3165890"/>
+            <a:chOff x="3960275" y="1206039"/>
+            <a:chExt cx="5013441" cy="4322495"/>
+          </a:xfrm>
+        </p:grpSpPr>
+        <p:sp>
+          <p:nvSpPr>
+            <p:cNvPr id="3" name="Rectangle 2"/>
+            <p:cNvSpPr/>
+            <p:nvPr/>
+          </p:nvSpPr>
+          <p:spPr>
+            <a:xfrm>
+              <a:off x="3960275" y="4562034"/>
+              <a:ext cx="5013441" cy="966500"/>
+            </a:xfrm>
+            <a:prstGeom prst="rect">
+              <a:avLst/>
+            </a:prstGeom>
+          </p:spPr>
+          <p:txBody>
+            <a:bodyPr wrap="square">
+              <a:spAutoFit/>
+            </a:bodyPr>
+            <a:lstStyle/>
+            <a:p>
+              <a:pPr marL="0" marR="0" lvl="0" indent="0" algn="ctr" defTabSz="1088776" rtl="0" eaLnBrk="1" fontAlgn="auto" latinLnBrk="0" hangingPunct="1">
+                <a:lnSpc>
+                  <a:spcPct val="100000"/>
+                </a:lnSpc>
+                <a:spcBef>
+                  <a:spcPts val="0"/>
+                </a:spcBef>
+                <a:spcAft>
+                  <a:spcPts val="0"/>
+                </a:spcAft>
+                <a:buClrTx/>
+                <a:buSzTx/>
+                <a:buFontTx/>
+                <a:buNone/>
+                <a:tabLst/>
+                <a:defRPr/>
+              </a:pPr>
+              <a:r>
+                <a:rPr kumimoji="0" lang="en-US" sz="2000" b="0" i="0" u="none" strike="noStrike" kern="1200" cap="none" spc="0" normalizeH="0" baseline="0" noProof="0" dirty="0">
+                  <a:ln>
+                    <a:noFill/>
+                  </a:ln>
+                  <a:solidFill>
+                    <a:srgbClr val="000000"/>
+                  </a:solidFill>
+                  <a:effectLst/>
+                  <a:uLnTx/>
+                  <a:uFillTx/>
+                  <a:latin typeface="Arial"/>
+                  <a:ea typeface="+mn-ea"/>
+                  <a:cs typeface="+mn-cs"/>
+                  <a:hlinkClick r:id="rId6"/>
+                </a:rPr>
+                <a:t>https://github.com/kubernetes/</a:t>
+              </a:r>
+            </a:p>
+            <a:p>
+              <a:pPr marL="0" marR="0" lvl="0" indent="0" algn="ctr" defTabSz="1088776" rtl="0" eaLnBrk="1" fontAlgn="auto" latinLnBrk="0" hangingPunct="1">
+                <a:lnSpc>
+                  <a:spcPct val="100000"/>
+                </a:lnSpc>
+                <a:spcBef>
+                  <a:spcPts val="0"/>
+                </a:spcBef>
+                <a:spcAft>
+                  <a:spcPts val="0"/>
+                </a:spcAft>
+                <a:buClrTx/>
+                <a:buSzTx/>
+                <a:buFontTx/>
+                <a:buNone/>
+                <a:tabLst/>
+                <a:defRPr/>
+              </a:pPr>
+              <a:r>
+                <a:rPr kumimoji="0" lang="en-US" sz="2000" b="0" i="0" u="none" strike="noStrike" kern="1200" cap="none" spc="0" normalizeH="0" baseline="0" noProof="0" dirty="0" err="1">
+                  <a:ln>
+                    <a:noFill/>
+                  </a:ln>
+                  <a:solidFill>
+                    <a:srgbClr val="000000"/>
+                  </a:solidFill>
+                  <a:effectLst/>
+                  <a:uLnTx/>
+                  <a:uFillTx/>
+                  <a:latin typeface="Arial"/>
+                  <a:ea typeface="+mn-ea"/>
+                  <a:cs typeface="+mn-cs"/>
+                  <a:hlinkClick r:id="rId6"/>
+                </a:rPr>
+                <a:t>minikube</a:t>
+              </a:r>
+              <a:r>
+                <a:rPr kumimoji="0" lang="en-US" sz="2000" b="0" i="0" u="none" strike="noStrike" kern="1200" cap="none" spc="0" normalizeH="0" baseline="0" noProof="0" dirty="0">
+                  <a:ln>
+                    <a:noFill/>
+                  </a:ln>
+                  <a:solidFill>
+                    <a:srgbClr val="000000"/>
+                  </a:solidFill>
+                  <a:effectLst/>
+                  <a:uLnTx/>
+                  <a:uFillTx/>
+                  <a:latin typeface="Arial"/>
+                  <a:ea typeface="+mn-ea"/>
+                  <a:cs typeface="+mn-cs"/>
+                </a:rPr>
+                <a:t> </a:t>
+              </a:r>
+            </a:p>
+          </p:txBody>
+        </p:sp>
+        <p:pic>
+          <p:nvPicPr>
+            <p:cNvPr id="1026" name="Picture 2" descr="logo.png"/>
+            <p:cNvPicPr>
+              <a:picLocks noChangeAspect="1" noChangeArrowheads="1"/>
+            </p:cNvPicPr>
+            <p:nvPr/>
+          </p:nvPicPr>
+          <p:blipFill>
+            <a:blip r:embed="rId7">
+              <a:extLst>
+                <a:ext uri="{28A0092B-C50C-407E-A947-70E740481C1C}">
+                  <a14:useLocalDpi xmlns:a14="http://schemas.microsoft.com/office/drawing/2010/main" val="0"/>
+                </a:ext>
+              </a:extLst>
+            </a:blip>
+            <a:srcRect/>
+            <a:stretch>
+              <a:fillRect/>
+            </a:stretch>
+          </p:blipFill>
+          <p:spPr bwMode="auto">
+            <a:xfrm>
+              <a:off x="4737727" y="1206039"/>
+              <a:ext cx="3458539" cy="3355995"/>
+            </a:xfrm>
+            <a:prstGeom prst="rect">
+              <a:avLst/>
+            </a:prstGeom>
+            <a:noFill/>
+            <a:extLst>
+              <a:ext uri="{909E8E84-426E-40DD-AFC4-6F175D3DCCD1}">
+                <a14:hiddenFill xmlns:a14="http://schemas.microsoft.com/office/drawing/2010/main">
+                  <a:solidFill>
+                    <a:srgbClr val="FFFFFF"/>
+                  </a:solidFill>
+                </a14:hiddenFill>
+              </a:ext>
+            </a:extLst>
+          </p:spPr>
+        </p:pic>
+      </p:grpSp>
       <p:pic>
         <p:nvPicPr>
-          <p:cNvPr id="1042" name="Picture 18" descr="Image result for giantswarm"/>
-          <p:cNvPicPr>
-            <a:picLocks noChangeAspect="1" noChangeArrowheads="1"/>
-          </p:cNvPicPr>
-          <p:nvPr/>
-        </p:nvPicPr>
-        <p:blipFill>
-          <a:blip r:embed="rId6">
+          <p:cNvPr id="7" name="Picture 2" descr="Image result for gcp">
             <a:extLst>
-              <a:ext uri="{28A0092B-C50C-407E-A947-70E740481C1C}">
-                <a14:useLocalDpi xmlns:a14="http://schemas.microsoft.com/office/drawing/2010/main" val="0"/>
+              <a:ext uri="{FF2B5EF4-FFF2-40B4-BE49-F238E27FC236}">
+                <a16:creationId xmlns:a16="http://schemas.microsoft.com/office/drawing/2014/main" id="{7C223ABA-239A-4293-BBBB-7A1887C38463}"/>
               </a:ext>
             </a:extLst>
-          </a:blip>
-          <a:srcRect/>
-          <a:stretch>
-            <a:fillRect/>
-          </a:stretch>
-        </p:blipFill>
-        <p:spPr bwMode="auto">
-          <a:xfrm>
-            <a:off x="550135" y="4796281"/>
-            <a:ext cx="1579432" cy="1579432"/>
-          </a:xfrm>
-          <a:prstGeom prst="rect">
-            <a:avLst/>
-          </a:prstGeom>
-          <a:noFill/>
-          <a:extLst>
-            <a:ext uri="{909E8E84-426E-40DD-AFC4-6F175D3DCCD1}">
-              <a14:hiddenFill xmlns:a14="http://schemas.microsoft.com/office/drawing/2010/main">
-                <a:solidFill>
-                  <a:srgbClr val="FFFFFF"/>
-                </a:solidFill>
-              </a14:hiddenFill>
-            </a:ext>
-          </a:extLst>
-        </p:spPr>
-      </p:pic>
-      <p:sp>
-        <p:nvSpPr>
-          <p:cNvPr id="3" name="Rectangle 2"/>
-          <p:cNvSpPr/>
-          <p:nvPr/>
-        </p:nvSpPr>
-        <p:spPr>
-          <a:xfrm>
-            <a:off x="4022866" y="5710510"/>
-            <a:ext cx="4937570" cy="415498"/>
-          </a:xfrm>
-          <a:prstGeom prst="rect">
-            <a:avLst/>
-          </a:prstGeom>
-        </p:spPr>
-        <p:txBody>
-          <a:bodyPr wrap="none">
-            <a:spAutoFit/>
-          </a:bodyPr>
-          <a:lstStyle/>
-          <a:p>
-            <a:pPr marL="0" marR="0" lvl="0" indent="0" algn="l" defTabSz="1088776" rtl="0" eaLnBrk="1" fontAlgn="auto" latinLnBrk="0" hangingPunct="1">
-              <a:lnSpc>
-                <a:spcPct val="100000"/>
-              </a:lnSpc>
-              <a:spcBef>
-                <a:spcPts val="0"/>
-              </a:spcBef>
-              <a:spcAft>
-                <a:spcPts val="0"/>
-              </a:spcAft>
-              <a:buClrTx/>
-              <a:buSzTx/>
-              <a:buFontTx/>
-              <a:buNone/>
-              <a:tabLst/>
-              <a:defRPr/>
-            </a:pPr>
-            <a:r>
-              <a:rPr kumimoji="0" lang="en-US" sz="2100" b="0" i="0" u="none" strike="noStrike" kern="1200" cap="none" spc="0" normalizeH="0" baseline="0" noProof="0" dirty="0">
-                <a:ln>
-                  <a:noFill/>
-                </a:ln>
-                <a:solidFill>
-                  <a:srgbClr val="000000"/>
-                </a:solidFill>
-                <a:effectLst/>
-                <a:uLnTx/>
-                <a:uFillTx/>
-                <a:latin typeface="Arial"/>
-                <a:ea typeface="+mn-ea"/>
-                <a:cs typeface="+mn-cs"/>
-                <a:hlinkClick r:id="rId7"/>
-              </a:rPr>
-              <a:t>https://github.com/kubernetes/minikube</a:t>
-            </a:r>
-            <a:r>
-              <a:rPr kumimoji="0" lang="en-US" sz="2100" b="0" i="0" u="none" strike="noStrike" kern="1200" cap="none" spc="0" normalizeH="0" baseline="0" noProof="0" dirty="0">
-                <a:ln>
-                  <a:noFill/>
-                </a:ln>
-                <a:solidFill>
-                  <a:srgbClr val="000000"/>
-                </a:solidFill>
-                <a:effectLst/>
-                <a:uLnTx/>
-                <a:uFillTx/>
-                <a:latin typeface="Arial"/>
-                <a:ea typeface="+mn-ea"/>
-                <a:cs typeface="+mn-cs"/>
-              </a:rPr>
-              <a:t> </a:t>
-            </a:r>
-          </a:p>
-        </p:txBody>
-      </p:sp>
-      <p:pic>
-        <p:nvPicPr>
-          <p:cNvPr id="1026" name="Picture 2" descr="logo.png"/>
+          </p:cNvPr>
           <p:cNvPicPr>
             <a:picLocks noChangeAspect="1" noChangeArrowheads="1"/>
           </p:cNvPicPr>
@@ -22623,8 +22911,8 @@
         </p:blipFill>
         <p:spPr bwMode="auto">
           <a:xfrm>
-            <a:off x="4053343" y="1330277"/>
-            <a:ext cx="4295500" cy="4168140"/>
+            <a:off x="621598" y="1287262"/>
+            <a:ext cx="2510842" cy="2222298"/>
           </a:xfrm>
           <a:prstGeom prst="rect">
             <a:avLst/>
@@ -22641,147 +22929,122 @@
           </a:extLst>
         </p:spPr>
       </p:pic>
-      <p:pic>
-        <p:nvPicPr>
-          <p:cNvPr id="1048" name="Picture 24" descr="logo@2x.png"/>
-          <p:cNvPicPr>
-            <a:picLocks noChangeAspect="1" noChangeArrowheads="1"/>
-          </p:cNvPicPr>
-          <p:nvPr/>
-        </p:nvPicPr>
-        <p:blipFill>
-          <a:blip r:embed="rId9">
-            <a:extLst>
-              <a:ext uri="{28A0092B-C50C-407E-A947-70E740481C1C}">
-                <a14:useLocalDpi xmlns:a14="http://schemas.microsoft.com/office/drawing/2010/main" val="0"/>
-              </a:ext>
-            </a:extLst>
-          </a:blip>
-          <a:srcRect/>
-          <a:stretch>
-            <a:fillRect/>
-          </a:stretch>
-        </p:blipFill>
-        <p:spPr bwMode="auto">
-          <a:xfrm>
-            <a:off x="4053343" y="1330277"/>
-            <a:ext cx="4299387" cy="4299387"/>
-          </a:xfrm>
-          <a:prstGeom prst="rect">
-            <a:avLst/>
-          </a:prstGeom>
-          <a:noFill/>
-          <a:extLst>
-            <a:ext uri="{909E8E84-426E-40DD-AFC4-6F175D3DCCD1}">
-              <a14:hiddenFill xmlns:a14="http://schemas.microsoft.com/office/drawing/2010/main">
-                <a:solidFill>
-                  <a:srgbClr val="FFFFFF"/>
-                </a:solidFill>
-              </a14:hiddenFill>
-            </a:ext>
-          </a:extLst>
-        </p:spPr>
-      </p:pic>
-      <p:sp>
-        <p:nvSpPr>
-          <p:cNvPr id="4" name="Rectangle 3">
+      <p:grpSp>
+        <p:nvGrpSpPr>
+          <p:cNvPr id="13" name="Group 12">
             <a:extLst>
               <a:ext uri="{FF2B5EF4-FFF2-40B4-BE49-F238E27FC236}">
-                <a16:creationId xmlns:a16="http://schemas.microsoft.com/office/drawing/2014/main" id="{A1956F51-7F19-4FA4-88E2-3D4AAC0272EF}"/>
+                <a16:creationId xmlns:a16="http://schemas.microsoft.com/office/drawing/2014/main" id="{92239A2A-EE09-4733-8D0B-F32C6A66B81F}"/>
               </a:ext>
             </a:extLst>
           </p:cNvPr>
-          <p:cNvSpPr/>
+          <p:cNvGrpSpPr/>
           <p:nvPr/>
-        </p:nvSpPr>
-        <p:spPr>
+        </p:nvGrpSpPr>
+        <p:grpSpPr>
           <a:xfrm>
-            <a:off x="3085567" y="5710510"/>
-            <a:ext cx="6812167" cy="415498"/>
+            <a:off x="4969178" y="4924005"/>
+            <a:ext cx="2733675" cy="1348625"/>
+            <a:chOff x="4969178" y="4682360"/>
+            <a:chExt cx="2733675" cy="1348625"/>
           </a:xfrm>
-          <a:prstGeom prst="rect">
-            <a:avLst/>
-          </a:prstGeom>
-        </p:spPr>
-        <p:txBody>
-          <a:bodyPr wrap="square">
-            <a:spAutoFit/>
-          </a:bodyPr>
-          <a:lstStyle/>
-          <a:p>
-            <a:pPr marL="0" marR="0" lvl="0" indent="0" algn="l" defTabSz="1088776" rtl="0" eaLnBrk="1" fontAlgn="auto" latinLnBrk="0" hangingPunct="1">
-              <a:lnSpc>
-                <a:spcPct val="100000"/>
-              </a:lnSpc>
-              <a:spcBef>
-                <a:spcPts val="0"/>
-              </a:spcBef>
-              <a:spcAft>
-                <a:spcPts val="0"/>
-              </a:spcAft>
-              <a:buClrTx/>
-              <a:buSzTx/>
-              <a:buFontTx/>
-              <a:buNone/>
-              <a:tabLst/>
-              <a:defRPr/>
-            </a:pPr>
-            <a:r>
-              <a:rPr kumimoji="0" lang="en-US" sz="2100" b="0" i="0" u="sng" strike="noStrike" kern="1200" cap="none" spc="0" normalizeH="0" baseline="0" noProof="0" dirty="0">
-                <a:ln>
-                  <a:noFill/>
-                </a:ln>
-                <a:solidFill>
-                  <a:srgbClr val="000000"/>
-                </a:solidFill>
-                <a:effectLst/>
-                <a:uLnTx/>
-                <a:uFillTx/>
-                <a:latin typeface="Arial"/>
-                <a:ea typeface="+mn-ea"/>
-                <a:cs typeface="+mn-cs"/>
-                <a:hlinkClick r:id="rId10"/>
-              </a:rPr>
-              <a:t>https://github.wdf.sap.corp/pages/kubernetes/gardener</a:t>
-            </a:r>
-            <a:r>
-              <a:rPr kumimoji="0" lang="en-US" sz="2100" b="0" i="0" u="sng" strike="noStrike" kern="1200" cap="none" spc="0" normalizeH="0" baseline="0" noProof="0" dirty="0">
-                <a:ln>
-                  <a:noFill/>
-                </a:ln>
-                <a:solidFill>
-                  <a:srgbClr val="000000"/>
-                </a:solidFill>
-                <a:effectLst/>
-                <a:uLnTx/>
-                <a:uFillTx/>
-                <a:latin typeface="Arial"/>
-                <a:ea typeface="+mn-ea"/>
-                <a:cs typeface="+mn-cs"/>
-              </a:rPr>
-              <a:t> </a:t>
-            </a:r>
-            <a:endParaRPr kumimoji="0" lang="en-US" sz="2100" b="0" i="0" u="none" strike="noStrike" kern="1200" cap="none" spc="0" normalizeH="0" baseline="0" noProof="0" dirty="0">
-              <a:ln>
-                <a:noFill/>
-              </a:ln>
-              <a:solidFill>
-                <a:srgbClr val="000000"/>
-              </a:solidFill>
-              <a:effectLst/>
-              <a:uLnTx/>
-              <a:uFillTx/>
-              <a:latin typeface="Arial"/>
-              <a:ea typeface="+mn-ea"/>
-              <a:cs typeface="+mn-cs"/>
-            </a:endParaRPr>
-          </a:p>
-        </p:txBody>
-      </p:sp>
+        </p:grpSpPr>
+        <p:pic>
+          <p:nvPicPr>
+            <p:cNvPr id="11" name="Graphic 10">
+              <a:extLst>
+                <a:ext uri="{FF2B5EF4-FFF2-40B4-BE49-F238E27FC236}">
+                  <a16:creationId xmlns:a16="http://schemas.microsoft.com/office/drawing/2014/main" id="{734AF586-FECA-4A81-8492-31AB182E0BF6}"/>
+                </a:ext>
+              </a:extLst>
+            </p:cNvPr>
+            <p:cNvPicPr>
+              <a:picLocks noChangeAspect="1"/>
+            </p:cNvPicPr>
+            <p:nvPr/>
+          </p:nvPicPr>
+          <p:blipFill>
+            <a:blip r:embed="rId9">
+              <a:extLst>
+                <a:ext uri="{96DAC541-7B7A-43D3-8B79-37D633B846F1}">
+                  <asvg:svgBlip xmlns:asvg="http://schemas.microsoft.com/office/drawing/2016/SVG/main" r:embed="rId10"/>
+                </a:ext>
+              </a:extLst>
+            </a:blip>
+            <a:stretch>
+              <a:fillRect/>
+            </a:stretch>
+          </p:blipFill>
+          <p:spPr>
+            <a:xfrm>
+              <a:off x="4969178" y="4682360"/>
+              <a:ext cx="2733675" cy="1057275"/>
+            </a:xfrm>
+            <a:prstGeom prst="rect">
+              <a:avLst/>
+            </a:prstGeom>
+          </p:spPr>
+        </p:pic>
+        <p:sp>
+          <p:nvSpPr>
+            <p:cNvPr id="12" name="TextBox 11">
+              <a:extLst>
+                <a:ext uri="{FF2B5EF4-FFF2-40B4-BE49-F238E27FC236}">
+                  <a16:creationId xmlns:a16="http://schemas.microsoft.com/office/drawing/2014/main" id="{F9F1F978-C32E-473E-92AF-BB1C19DB315D}"/>
+                </a:ext>
+              </a:extLst>
+            </p:cNvPr>
+            <p:cNvSpPr txBox="1"/>
+            <p:nvPr/>
+          </p:nvSpPr>
+          <p:spPr>
+            <a:xfrm>
+              <a:off x="5449626" y="5753986"/>
+              <a:ext cx="1295226" cy="276999"/>
+            </a:xfrm>
+            <a:prstGeom prst="rect">
+              <a:avLst/>
+            </a:prstGeom>
+            <a:noFill/>
+          </p:spPr>
+          <p:txBody>
+            <a:bodyPr wrap="none" lIns="0" tIns="0" rIns="0" bIns="0" rtlCol="0">
+              <a:spAutoFit/>
+            </a:bodyPr>
+            <a:lstStyle/>
+            <a:p>
+              <a:pPr fontAlgn="base">
+                <a:spcBef>
+                  <a:spcPct val="50000"/>
+                </a:spcBef>
+                <a:spcAft>
+                  <a:spcPct val="0"/>
+                </a:spcAft>
+                <a:buClr>
+                  <a:srgbClr val="F0AB00"/>
+                </a:buClr>
+                <a:buSzPct val="80000"/>
+              </a:pPr>
+              <a:r>
+                <a:rPr lang="en-US" sz="1800" kern="0" dirty="0">
+                  <a:ea typeface="Arial Unicode MS" pitchFamily="34" charset="-128"/>
+                  <a:cs typeface="Arial Unicode MS" pitchFamily="34" charset="-128"/>
+                  <a:hlinkClick r:id="rId11"/>
+                </a:rPr>
+                <a:t>https://k3s.io</a:t>
+              </a:r>
+              <a:endParaRPr lang="en-US" sz="1800" kern="0" dirty="0">
+                <a:ea typeface="Arial Unicode MS" pitchFamily="34" charset="-128"/>
+                <a:cs typeface="Arial Unicode MS" pitchFamily="34" charset="-128"/>
+              </a:endParaRPr>
+            </a:p>
+          </p:txBody>
+        </p:sp>
+      </p:grpSp>
     </p:spTree>
     <p:extLst>
       <p:ext uri="{BB962C8B-B14F-4D97-AF65-F5344CB8AC3E}">
-        <p14:creationId xmlns:p14="http://schemas.microsoft.com/office/powerpoint/2010/main" val="3753432109"/>
+        <p14:creationId xmlns:p14="http://schemas.microsoft.com/office/powerpoint/2010/main" val="3403328019"/>
       </p:ext>
     </p:extLst>
   </p:cSld>
@@ -22809,7 +23072,7 @@
                             </p:stCondLst>
                             <p:childTnLst>
                               <p:par>
-                                <p:cTn id="5" presetID="1" presetClass="exit" presetSubtype="0" fill="hold" grpId="0" nodeType="clickEffect">
+                                <p:cTn id="5" presetID="1" presetClass="entr" presetSubtype="0" fill="hold" nodeType="clickEffect">
                                   <p:stCondLst>
                                     <p:cond delay="0"/>
                                   </p:stCondLst>
@@ -22817,96 +23080,6 @@
                                     <p:set>
                                       <p:cBhvr>
                                         <p:cTn id="6" dur="1" fill="hold">
-                                          <p:stCondLst>
-                                            <p:cond delay="0"/>
-                                          </p:stCondLst>
-                                        </p:cTn>
-                                        <p:tgtEl>
-                                          <p:spTgt spid="3"/>
-                                        </p:tgtEl>
-                                        <p:attrNameLst>
-                                          <p:attrName>style.visibility</p:attrName>
-                                        </p:attrNameLst>
-                                      </p:cBhvr>
-                                      <p:to>
-                                        <p:strVal val="hidden"/>
-                                      </p:to>
-                                    </p:set>
-                                  </p:childTnLst>
-                                </p:cTn>
-                              </p:par>
-                              <p:par>
-                                <p:cTn id="7" presetID="1" presetClass="exit" presetSubtype="0" fill="hold" nodeType="withEffect">
-                                  <p:stCondLst>
-                                    <p:cond delay="0"/>
-                                  </p:stCondLst>
-                                  <p:childTnLst>
-                                    <p:set>
-                                      <p:cBhvr>
-                                        <p:cTn id="8" dur="1" fill="hold">
-                                          <p:stCondLst>
-                                            <p:cond delay="0"/>
-                                          </p:stCondLst>
-                                        </p:cTn>
-                                        <p:tgtEl>
-                                          <p:spTgt spid="1026"/>
-                                        </p:tgtEl>
-                                        <p:attrNameLst>
-                                          <p:attrName>style.visibility</p:attrName>
-                                        </p:attrNameLst>
-                                      </p:cBhvr>
-                                      <p:to>
-                                        <p:strVal val="hidden"/>
-                                      </p:to>
-                                    </p:set>
-                                  </p:childTnLst>
-                                </p:cTn>
-                              </p:par>
-                            </p:childTnLst>
-                          </p:cTn>
-                        </p:par>
-                        <p:par>
-                          <p:cTn id="9" fill="hold">
-                            <p:stCondLst>
-                              <p:cond delay="0"/>
-                            </p:stCondLst>
-                            <p:childTnLst>
-                              <p:par>
-                                <p:cTn id="10" presetID="1" presetClass="entr" presetSubtype="0" fill="hold" nodeType="afterEffect">
-                                  <p:stCondLst>
-                                    <p:cond delay="0"/>
-                                  </p:stCondLst>
-                                  <p:childTnLst>
-                                    <p:set>
-                                      <p:cBhvr>
-                                        <p:cTn id="11" dur="1" fill="hold">
-                                          <p:stCondLst>
-                                            <p:cond delay="0"/>
-                                          </p:stCondLst>
-                                        </p:cTn>
-                                        <p:tgtEl>
-                                          <p:spTgt spid="1034"/>
-                                        </p:tgtEl>
-                                        <p:attrNameLst>
-                                          <p:attrName>style.visibility</p:attrName>
-                                        </p:attrNameLst>
-                                      </p:cBhvr>
-                                      <p:to>
-                                        <p:strVal val="visible"/>
-                                      </p:to>
-                                    </p:set>
-                                  </p:childTnLst>
-                                </p:cTn>
-                              </p:par>
-                              <p:par>
-                                <p:cTn id="12" presetID="1" presetClass="entr" presetSubtype="0" fill="hold" nodeType="withEffect">
-                                  <p:stCondLst>
-                                    <p:cond delay="0"/>
-                                  </p:stCondLst>
-                                  <p:childTnLst>
-                                    <p:set>
-                                      <p:cBhvr>
-                                        <p:cTn id="13" dur="1" fill="hold">
                                           <p:stCondLst>
                                             <p:cond delay="0"/>
                                           </p:stCondLst>
@@ -22926,14 +23099,14 @@
                                 </p:cTn>
                               </p:par>
                               <p:par>
-                                <p:cTn id="14" presetID="1" presetClass="entr" presetSubtype="0" fill="hold" nodeType="withEffect">
+                                <p:cTn id="7" presetID="1" presetClass="entr" presetSubtype="0" fill="hold" nodeType="withEffect">
                                   <p:stCondLst>
                                     <p:cond delay="0"/>
                                   </p:stCondLst>
                                   <p:childTnLst>
                                     <p:set>
                                       <p:cBhvr>
-                                        <p:cTn id="15" dur="1" fill="hold">
+                                        <p:cTn id="8" dur="1" fill="hold">
                                           <p:stCondLst>
                                             <p:cond delay="0"/>
                                           </p:stCondLst>
@@ -22953,14 +23126,14 @@
                                 </p:cTn>
                               </p:par>
                               <p:par>
-                                <p:cTn id="16" presetID="1" presetClass="entr" presetSubtype="0" fill="hold" nodeType="withEffect">
+                                <p:cTn id="9" presetID="1" presetClass="entr" presetSubtype="0" fill="hold" nodeType="withEffect">
                                   <p:stCondLst>
                                     <p:cond delay="0"/>
                                   </p:stCondLst>
                                   <p:childTnLst>
                                     <p:set>
                                       <p:cBhvr>
-                                        <p:cTn id="17" dur="1" fill="hold">
+                                        <p:cTn id="10" dur="1" fill="hold">
                                           <p:stCondLst>
                                             <p:cond delay="0"/>
                                           </p:stCondLst>
@@ -22979,66 +23152,21 @@
                                   </p:childTnLst>
                                 </p:cTn>
                               </p:par>
-                            </p:childTnLst>
-                          </p:cTn>
-                        </p:par>
-                      </p:childTnLst>
-                    </p:cTn>
-                  </p:par>
-                  <p:par>
-                    <p:cTn id="18" fill="hold">
-                      <p:stCondLst>
-                        <p:cond delay="indefinite"/>
-                      </p:stCondLst>
-                      <p:childTnLst>
-                        <p:par>
-                          <p:cTn id="19" fill="hold">
-                            <p:stCondLst>
-                              <p:cond delay="0"/>
-                            </p:stCondLst>
-                            <p:childTnLst>
                               <p:par>
-                                <p:cTn id="20" presetID="1" presetClass="entr" presetSubtype="0" fill="hold" nodeType="clickEffect">
+                                <p:cTn id="11" presetID="1" presetClass="entr" presetSubtype="0" fill="hold" nodeType="withEffect">
                                   <p:stCondLst>
                                     <p:cond delay="0"/>
                                   </p:stCondLst>
                                   <p:childTnLst>
                                     <p:set>
                                       <p:cBhvr>
-                                        <p:cTn id="21" dur="1" fill="hold">
+                                        <p:cTn id="12" dur="1" fill="hold">
                                           <p:stCondLst>
                                             <p:cond delay="0"/>
                                           </p:stCondLst>
                                         </p:cTn>
                                         <p:tgtEl>
-                                          <p:spTgt spid="1048"/>
-                                        </p:tgtEl>
-                                        <p:attrNameLst>
-                                          <p:attrName>style.visibility</p:attrName>
-                                        </p:attrNameLst>
-                                      </p:cBhvr>
-                                      <p:to>
-                                        <p:strVal val="visible"/>
-                                      </p:to>
-                                    </p:set>
-                                  </p:childTnLst>
-                                </p:cTn>
-                              </p:par>
-                              <p:par>
-                                <p:cTn id="22" presetID="1" presetClass="entr" presetSubtype="0" fill="hold" grpId="0" nodeType="withEffect">
-                                  <p:stCondLst>
-                                    <p:cond delay="0"/>
-                                  </p:stCondLst>
-                                  <p:childTnLst>
-                                    <p:set>
-                                      <p:cBhvr>
-                                        <p:cTn id="23" dur="1" fill="hold">
-                                          <p:stCondLst>
-                                            <p:cond delay="0"/>
-                                          </p:stCondLst>
-                                        </p:cTn>
-                                        <p:tgtEl>
-                                          <p:spTgt spid="4"/>
+                                          <p:spTgt spid="7"/>
                                         </p:tgtEl>
                                         <p:attrNameLst>
                                           <p:attrName>style.visibility</p:attrName>
@@ -23078,15 +23206,200 @@
         </p:cTn>
       </p:par>
     </p:tnLst>
-    <p:bldLst>
-      <p:bldP spid="3" grpId="0"/>
-      <p:bldP spid="4" grpId="0"/>
-    </p:bldLst>
   </p:timing>
 </p:sld>
 </file>
 
 <file path=ppt/slides/slide16.xml><?xml version="1.0" encoding="utf-8"?>
+<p:sld xmlns:a="http://schemas.openxmlformats.org/drawingml/2006/main" xmlns:r="http://schemas.openxmlformats.org/officeDocument/2006/relationships" xmlns:p="http://schemas.openxmlformats.org/presentationml/2006/main">
+  <p:cSld>
+    <p:spTree>
+      <p:nvGrpSpPr>
+        <p:cNvPr id="1" name=""/>
+        <p:cNvGrpSpPr/>
+        <p:nvPr/>
+      </p:nvGrpSpPr>
+      <p:grpSpPr>
+        <a:xfrm>
+          <a:off x="0" y="0"/>
+          <a:ext cx="0" cy="0"/>
+          <a:chOff x="0" y="0"/>
+          <a:chExt cx="0" cy="0"/>
+        </a:xfrm>
+      </p:grpSpPr>
+      <p:pic>
+        <p:nvPicPr>
+          <p:cNvPr id="1048" name="Picture 24" descr="logo@2x.png"/>
+          <p:cNvPicPr>
+            <a:picLocks noChangeAspect="1" noChangeArrowheads="1"/>
+          </p:cNvPicPr>
+          <p:nvPr/>
+        </p:nvPicPr>
+        <p:blipFill>
+          <a:blip r:embed="rId3">
+            <a:extLst>
+              <a:ext uri="{28A0092B-C50C-407E-A947-70E740481C1C}">
+                <a14:useLocalDpi xmlns:a14="http://schemas.microsoft.com/office/drawing/2010/main" val="0"/>
+              </a:ext>
+            </a:extLst>
+          </a:blip>
+          <a:srcRect/>
+          <a:stretch>
+            <a:fillRect/>
+          </a:stretch>
+        </p:blipFill>
+        <p:spPr bwMode="auto">
+          <a:xfrm>
+            <a:off x="3947545" y="1173867"/>
+            <a:ext cx="4299387" cy="4299387"/>
+          </a:xfrm>
+          <a:prstGeom prst="rect">
+            <a:avLst/>
+          </a:prstGeom>
+          <a:noFill/>
+          <a:extLst>
+            <a:ext uri="{909E8E84-426E-40DD-AFC4-6F175D3DCCD1}">
+              <a14:hiddenFill xmlns:a14="http://schemas.microsoft.com/office/drawing/2010/main">
+                <a:solidFill>
+                  <a:srgbClr val="FFFFFF"/>
+                </a:solidFill>
+              </a14:hiddenFill>
+            </a:ext>
+          </a:extLst>
+        </p:spPr>
+      </p:pic>
+      <p:sp>
+        <p:nvSpPr>
+          <p:cNvPr id="2" name="Title 1"/>
+          <p:cNvSpPr>
+            <a:spLocks noGrp="1"/>
+          </p:cNvSpPr>
+          <p:nvPr>
+            <p:ph type="title"/>
+          </p:nvPr>
+        </p:nvSpPr>
+        <p:spPr/>
+        <p:txBody>
+          <a:bodyPr/>
+          <a:lstStyle/>
+          <a:p>
+            <a:r>
+              <a:rPr lang="en-US" dirty="0"/>
+              <a:t>Isn't there something by SAP?</a:t>
+            </a:r>
+          </a:p>
+        </p:txBody>
+      </p:sp>
+      <p:sp>
+        <p:nvSpPr>
+          <p:cNvPr id="4" name="Rectangle 3">
+            <a:extLst>
+              <a:ext uri="{FF2B5EF4-FFF2-40B4-BE49-F238E27FC236}">
+                <a16:creationId xmlns:a16="http://schemas.microsoft.com/office/drawing/2014/main" id="{A1956F51-7F19-4FA4-88E2-3D4AAC0272EF}"/>
+              </a:ext>
+            </a:extLst>
+          </p:cNvPr>
+          <p:cNvSpPr/>
+          <p:nvPr/>
+        </p:nvSpPr>
+        <p:spPr>
+          <a:xfrm>
+            <a:off x="2691154" y="5358291"/>
+            <a:ext cx="6812167" cy="415498"/>
+          </a:xfrm>
+          <a:prstGeom prst="rect">
+            <a:avLst/>
+          </a:prstGeom>
+        </p:spPr>
+        <p:txBody>
+          <a:bodyPr wrap="square">
+            <a:spAutoFit/>
+          </a:bodyPr>
+          <a:lstStyle/>
+          <a:p>
+            <a:pPr marL="0" marR="0" lvl="0" indent="0" algn="l" defTabSz="1088776" rtl="0" eaLnBrk="1" fontAlgn="auto" latinLnBrk="0" hangingPunct="1">
+              <a:lnSpc>
+                <a:spcPct val="100000"/>
+              </a:lnSpc>
+              <a:spcBef>
+                <a:spcPts val="0"/>
+              </a:spcBef>
+              <a:spcAft>
+                <a:spcPts val="0"/>
+              </a:spcAft>
+              <a:buClrTx/>
+              <a:buSzTx/>
+              <a:buFontTx/>
+              <a:buNone/>
+              <a:tabLst/>
+              <a:defRPr/>
+            </a:pPr>
+            <a:r>
+              <a:rPr kumimoji="0" lang="en-US" sz="2100" b="0" i="0" u="sng" strike="noStrike" kern="1200" cap="none" spc="0" normalizeH="0" baseline="0" noProof="0" dirty="0">
+                <a:ln>
+                  <a:noFill/>
+                </a:ln>
+                <a:solidFill>
+                  <a:srgbClr val="000000"/>
+                </a:solidFill>
+                <a:effectLst/>
+                <a:uLnTx/>
+                <a:uFillTx/>
+                <a:latin typeface="Arial"/>
+                <a:ea typeface="+mn-ea"/>
+                <a:cs typeface="+mn-cs"/>
+                <a:hlinkClick r:id="rId4"/>
+              </a:rPr>
+              <a:t>https://github.wdf.sap.corp/pages/kubernetes/gardener</a:t>
+            </a:r>
+            <a:r>
+              <a:rPr kumimoji="0" lang="en-US" sz="2100" b="0" i="0" u="sng" strike="noStrike" kern="1200" cap="none" spc="0" normalizeH="0" baseline="0" noProof="0" dirty="0">
+                <a:ln>
+                  <a:noFill/>
+                </a:ln>
+                <a:solidFill>
+                  <a:srgbClr val="000000"/>
+                </a:solidFill>
+                <a:effectLst/>
+                <a:uLnTx/>
+                <a:uFillTx/>
+                <a:latin typeface="Arial"/>
+                <a:ea typeface="+mn-ea"/>
+                <a:cs typeface="+mn-cs"/>
+              </a:rPr>
+              <a:t> </a:t>
+            </a:r>
+            <a:endParaRPr kumimoji="0" lang="en-US" sz="2100" b="0" i="0" u="none" strike="noStrike" kern="1200" cap="none" spc="0" normalizeH="0" baseline="0" noProof="0" dirty="0">
+              <a:ln>
+                <a:noFill/>
+              </a:ln>
+              <a:solidFill>
+                <a:srgbClr val="000000"/>
+              </a:solidFill>
+              <a:effectLst/>
+              <a:uLnTx/>
+              <a:uFillTx/>
+              <a:latin typeface="Arial"/>
+              <a:ea typeface="+mn-ea"/>
+              <a:cs typeface="+mn-cs"/>
+            </a:endParaRPr>
+          </a:p>
+        </p:txBody>
+      </p:sp>
+    </p:spTree>
+    <p:extLst>
+      <p:ext uri="{BB962C8B-B14F-4D97-AF65-F5344CB8AC3E}">
+        <p14:creationId xmlns:p14="http://schemas.microsoft.com/office/powerpoint/2010/main" val="3753432109"/>
+      </p:ext>
+    </p:extLst>
+  </p:cSld>
+  <p:clrMapOvr>
+    <a:masterClrMapping/>
+  </p:clrMapOvr>
+</p:sld>
+</file>
+
+<file path=ppt/slides/slide17.xml><?xml version="1.0" encoding="utf-8"?>
 <p:sld xmlns:a="http://schemas.openxmlformats.org/drawingml/2006/main" xmlns:r="http://schemas.openxmlformats.org/officeDocument/2006/relationships" xmlns:p="http://schemas.openxmlformats.org/presentationml/2006/main">
   <p:cSld>
     <p:spTree>
@@ -23120,7 +23433,7 @@
           <a:p>
             <a:r>
               <a:rPr lang="en-US" dirty="0"/>
-              <a:t>Wherefrom can I get a cluster?</a:t>
+              <a:t>Gardener, the Kubernetes Botanist</a:t>
             </a:r>
           </a:p>
         </p:txBody>
@@ -23319,7 +23632,7 @@
 </p:sld>
 </file>
 
-<file path=ppt/slides/slide17.xml><?xml version="1.0" encoding="utf-8"?>
+<file path=ppt/slides/slide18.xml><?xml version="1.0" encoding="utf-8"?>
 <p:sld xmlns:a="http://schemas.openxmlformats.org/drawingml/2006/main" xmlns:r="http://schemas.openxmlformats.org/officeDocument/2006/relationships" xmlns:p="http://schemas.openxmlformats.org/presentationml/2006/main">
   <p:cSld>
     <p:spTree>
@@ -23559,7 +23872,7 @@
 </p:sld>
 </file>
 
-<file path=ppt/slides/slide18.xml><?xml version="1.0" encoding="utf-8"?>
+<file path=ppt/slides/slide19.xml><?xml version="1.0" encoding="utf-8"?>
 <p:sld xmlns:a="http://schemas.openxmlformats.org/drawingml/2006/main" xmlns:r="http://schemas.openxmlformats.org/officeDocument/2006/relationships" xmlns:p="http://schemas.openxmlformats.org/presentationml/2006/main">
   <p:cSld>
     <p:spTree>
@@ -26846,7 +27159,934 @@
 </p:sld>
 </file>
 
-<file path=ppt/slides/slide19.xml><?xml version="1.0" encoding="utf-8"?>
+<file path=ppt/slides/slide2.xml><?xml version="1.0" encoding="utf-8"?>
+<p:sld xmlns:a="http://schemas.openxmlformats.org/drawingml/2006/main" xmlns:r="http://schemas.openxmlformats.org/officeDocument/2006/relationships" xmlns:p="http://schemas.openxmlformats.org/presentationml/2006/main">
+  <p:cSld>
+    <p:spTree>
+      <p:nvGrpSpPr>
+        <p:cNvPr id="1" name=""/>
+        <p:cNvGrpSpPr/>
+        <p:nvPr/>
+      </p:nvGrpSpPr>
+      <p:grpSpPr>
+        <a:xfrm>
+          <a:off x="0" y="0"/>
+          <a:ext cx="0" cy="0"/>
+          <a:chOff x="0" y="0"/>
+          <a:chExt cx="0" cy="0"/>
+        </a:xfrm>
+      </p:grpSpPr>
+      <p:sp>
+        <p:nvSpPr>
+          <p:cNvPr id="25" name="Rectangle: Rounded Corners 24">
+            <a:extLst>
+              <a:ext uri="{FF2B5EF4-FFF2-40B4-BE49-F238E27FC236}">
+                <a16:creationId xmlns:a16="http://schemas.microsoft.com/office/drawing/2014/main" id="{557E297D-7B46-446E-B019-BAB0A8F143BB}"/>
+              </a:ext>
+            </a:extLst>
+          </p:cNvPr>
+          <p:cNvSpPr/>
+          <p:nvPr/>
+        </p:nvSpPr>
+        <p:spPr bwMode="gray">
+          <a:xfrm>
+            <a:off x="602460" y="1696296"/>
+            <a:ext cx="3184843" cy="3948366"/>
+          </a:xfrm>
+          <a:prstGeom prst="roundRect">
+            <a:avLst/>
+          </a:prstGeom>
+          <a:ln>
+            <a:headEnd/>
+            <a:tailEnd/>
+          </a:ln>
+        </p:spPr>
+        <p:style>
+          <a:lnRef idx="2">
+            <a:schemeClr val="accent2"/>
+          </a:lnRef>
+          <a:fillRef idx="1">
+            <a:schemeClr val="lt1"/>
+          </a:fillRef>
+          <a:effectRef idx="0">
+            <a:schemeClr val="accent2"/>
+          </a:effectRef>
+          <a:fontRef idx="minor">
+            <a:schemeClr val="dk1"/>
+          </a:fontRef>
+        </p:style>
+        <p:txBody>
+          <a:bodyPr lIns="90000" tIns="72000" rIns="90000" bIns="72000" rtlCol="0" anchor="t"/>
+          <a:lstStyle/>
+          <a:p>
+            <a:pPr marR="0" algn="ctr" defTabSz="914400" eaLnBrk="1" fontAlgn="base" latinLnBrk="0" hangingPunct="1">
+              <a:lnSpc>
+                <a:spcPct val="100000"/>
+              </a:lnSpc>
+              <a:spcBef>
+                <a:spcPct val="50000"/>
+              </a:spcBef>
+              <a:spcAft>
+                <a:spcPct val="0"/>
+              </a:spcAft>
+              <a:buClr>
+                <a:srgbClr val="F0AB00"/>
+              </a:buClr>
+              <a:buSzPct val="80000"/>
+              <a:tabLst/>
+            </a:pPr>
+            <a:r>
+              <a:rPr kumimoji="0" lang="en-US" sz="2000" b="1" i="0" u="none" strike="noStrike" kern="0" cap="none" spc="0" normalizeH="0" baseline="0" noProof="0" dirty="0" err="1">
+                <a:ln>
+                  <a:noFill/>
+                </a:ln>
+                <a:effectLst/>
+                <a:uLnTx/>
+                <a:uFillTx/>
+                <a:ea typeface="Arial Unicode MS" pitchFamily="34" charset="-128"/>
+                <a:cs typeface="Arial Unicode MS" pitchFamily="34" charset="-128"/>
+              </a:rPr>
+              <a:t>CronJob</a:t>
+            </a:r>
+            <a:endParaRPr kumimoji="0" lang="en-US" sz="2000" b="1" i="0" u="none" strike="noStrike" kern="0" cap="none" spc="0" normalizeH="0" baseline="0" noProof="0" dirty="0">
+              <a:ln>
+                <a:noFill/>
+              </a:ln>
+              <a:effectLst/>
+              <a:uLnTx/>
+              <a:uFillTx/>
+              <a:ea typeface="Arial Unicode MS" pitchFamily="34" charset="-128"/>
+              <a:cs typeface="Arial Unicode MS" pitchFamily="34" charset="-128"/>
+            </a:endParaRPr>
+          </a:p>
+        </p:txBody>
+      </p:sp>
+      <p:sp>
+        <p:nvSpPr>
+          <p:cNvPr id="17" name="Rectangle: Rounded Corners 16">
+            <a:extLst>
+              <a:ext uri="{FF2B5EF4-FFF2-40B4-BE49-F238E27FC236}">
+                <a16:creationId xmlns:a16="http://schemas.microsoft.com/office/drawing/2014/main" id="{7708F0DC-E3E8-41CB-9B4E-C99E440BD9B2}"/>
+              </a:ext>
+            </a:extLst>
+          </p:cNvPr>
+          <p:cNvSpPr/>
+          <p:nvPr/>
+        </p:nvSpPr>
+        <p:spPr bwMode="gray">
+          <a:xfrm>
+            <a:off x="725477" y="2428182"/>
+            <a:ext cx="2949776" cy="1978268"/>
+          </a:xfrm>
+          <a:prstGeom prst="roundRect">
+            <a:avLst/>
+          </a:prstGeom>
+          <a:solidFill>
+            <a:schemeClr val="accent1">
+              <a:lumMod val="60000"/>
+              <a:lumOff val="40000"/>
+            </a:schemeClr>
+          </a:solidFill>
+          <a:ln w="6350" algn="ctr">
+            <a:noFill/>
+            <a:miter lim="800000"/>
+            <a:headEnd/>
+            <a:tailEnd/>
+          </a:ln>
+        </p:spPr>
+        <p:txBody>
+          <a:bodyPr lIns="90000" tIns="72000" rIns="90000" bIns="72000" rtlCol="0" anchor="t"/>
+          <a:lstStyle/>
+          <a:p>
+            <a:pPr marR="0" algn="ctr" defTabSz="914400" eaLnBrk="1" fontAlgn="base" latinLnBrk="0" hangingPunct="1">
+              <a:lnSpc>
+                <a:spcPct val="100000"/>
+              </a:lnSpc>
+              <a:spcBef>
+                <a:spcPct val="50000"/>
+              </a:spcBef>
+              <a:spcAft>
+                <a:spcPct val="0"/>
+              </a:spcAft>
+              <a:buClr>
+                <a:srgbClr val="F0AB00"/>
+              </a:buClr>
+              <a:buSzPct val="80000"/>
+              <a:tabLst/>
+            </a:pPr>
+            <a:r>
+              <a:rPr kumimoji="0" lang="en-US" sz="2000" b="1" i="0" u="none" strike="noStrike" kern="0" cap="none" spc="0" normalizeH="0" baseline="0" noProof="0" dirty="0">
+                <a:ln>
+                  <a:noFill/>
+                </a:ln>
+                <a:effectLst/>
+                <a:uLnTx/>
+                <a:uFillTx/>
+                <a:ea typeface="Arial Unicode MS" pitchFamily="34" charset="-128"/>
+                <a:cs typeface="Arial Unicode MS" pitchFamily="34" charset="-128"/>
+              </a:rPr>
+              <a:t>Job</a:t>
+            </a:r>
+          </a:p>
+        </p:txBody>
+      </p:sp>
+      <p:sp>
+        <p:nvSpPr>
+          <p:cNvPr id="2" name="Title 1">
+            <a:extLst>
+              <a:ext uri="{FF2B5EF4-FFF2-40B4-BE49-F238E27FC236}">
+                <a16:creationId xmlns:a16="http://schemas.microsoft.com/office/drawing/2014/main" id="{79A3867E-5C44-4F73-A818-77DC474E4F16}"/>
+              </a:ext>
+            </a:extLst>
+          </p:cNvPr>
+          <p:cNvSpPr>
+            <a:spLocks noGrp="1"/>
+          </p:cNvSpPr>
+          <p:nvPr>
+            <p:ph type="title"/>
+          </p:nvPr>
+        </p:nvSpPr>
+        <p:spPr/>
+        <p:txBody>
+          <a:bodyPr/>
+          <a:lstStyle/>
+          <a:p>
+            <a:r>
+              <a:rPr lang="en-US" dirty="0"/>
+              <a:t>Job &amp; </a:t>
+            </a:r>
+            <a:r>
+              <a:rPr lang="en-US" dirty="0" err="1"/>
+              <a:t>CronJob</a:t>
+            </a:r>
+            <a:endParaRPr lang="en-US" dirty="0"/>
+          </a:p>
+        </p:txBody>
+      </p:sp>
+      <p:pic>
+        <p:nvPicPr>
+          <p:cNvPr id="5" name="Graphic 4" descr="Alarm Clock">
+            <a:extLst>
+              <a:ext uri="{FF2B5EF4-FFF2-40B4-BE49-F238E27FC236}">
+                <a16:creationId xmlns:a16="http://schemas.microsoft.com/office/drawing/2014/main" id="{044084AF-52CD-4D9B-9537-EAC3C1CB0209}"/>
+              </a:ext>
+            </a:extLst>
+          </p:cNvPr>
+          <p:cNvPicPr>
+            <a:picLocks noChangeAspect="1"/>
+          </p:cNvPicPr>
+          <p:nvPr/>
+        </p:nvPicPr>
+        <p:blipFill>
+          <a:blip r:embed="rId3">
+            <a:extLst>
+              <a:ext uri="{96DAC541-7B7A-43D3-8B79-37D633B846F1}">
+                <asvg:svgBlip xmlns:asvg="http://schemas.microsoft.com/office/drawing/2016/SVG/main" r:embed="rId4"/>
+              </a:ext>
+            </a:extLst>
+          </a:blip>
+          <a:stretch>
+            <a:fillRect/>
+          </a:stretch>
+        </p:blipFill>
+        <p:spPr>
+          <a:xfrm>
+            <a:off x="1218973" y="4484562"/>
+            <a:ext cx="914400" cy="914400"/>
+          </a:xfrm>
+          <a:prstGeom prst="rect">
+            <a:avLst/>
+          </a:prstGeom>
+        </p:spPr>
+      </p:pic>
+      <p:pic>
+        <p:nvPicPr>
+          <p:cNvPr id="7" name="Graphic 6" descr="Daily Calendar">
+            <a:extLst>
+              <a:ext uri="{FF2B5EF4-FFF2-40B4-BE49-F238E27FC236}">
+                <a16:creationId xmlns:a16="http://schemas.microsoft.com/office/drawing/2014/main" id="{C574A738-D8EF-40D0-8B36-1FE7AC4C50B9}"/>
+              </a:ext>
+            </a:extLst>
+          </p:cNvPr>
+          <p:cNvPicPr>
+            <a:picLocks noChangeAspect="1"/>
+          </p:cNvPicPr>
+          <p:nvPr/>
+        </p:nvPicPr>
+        <p:blipFill>
+          <a:blip r:embed="rId5">
+            <a:extLst>
+              <a:ext uri="{96DAC541-7B7A-43D3-8B79-37D633B846F1}">
+                <asvg:svgBlip xmlns:asvg="http://schemas.microsoft.com/office/drawing/2016/SVG/main" r:embed="rId6"/>
+              </a:ext>
+            </a:extLst>
+          </a:blip>
+          <a:stretch>
+            <a:fillRect/>
+          </a:stretch>
+        </p:blipFill>
+        <p:spPr>
+          <a:xfrm>
+            <a:off x="2194881" y="4484562"/>
+            <a:ext cx="914400" cy="914400"/>
+          </a:xfrm>
+          <a:prstGeom prst="rect">
+            <a:avLst/>
+          </a:prstGeom>
+        </p:spPr>
+      </p:pic>
+      <p:pic>
+        <p:nvPicPr>
+          <p:cNvPr id="9" name="Graphic 8" descr="Warning">
+            <a:extLst>
+              <a:ext uri="{FF2B5EF4-FFF2-40B4-BE49-F238E27FC236}">
+                <a16:creationId xmlns:a16="http://schemas.microsoft.com/office/drawing/2014/main" id="{858368F5-DB96-4236-A0FA-F0ADEA234037}"/>
+              </a:ext>
+            </a:extLst>
+          </p:cNvPr>
+          <p:cNvPicPr>
+            <a:picLocks noChangeAspect="1"/>
+          </p:cNvPicPr>
+          <p:nvPr/>
+        </p:nvPicPr>
+        <p:blipFill>
+          <a:blip r:embed="rId7">
+            <a:extLst>
+              <a:ext uri="{96DAC541-7B7A-43D3-8B79-37D633B846F1}">
+                <asvg:svgBlip xmlns:asvg="http://schemas.microsoft.com/office/drawing/2016/SVG/main" r:embed="rId8"/>
+              </a:ext>
+            </a:extLst>
+          </a:blip>
+          <a:stretch>
+            <a:fillRect/>
+          </a:stretch>
+        </p:blipFill>
+        <p:spPr>
+          <a:xfrm>
+            <a:off x="9453034" y="2062035"/>
+            <a:ext cx="914400" cy="914400"/>
+          </a:xfrm>
+          <a:prstGeom prst="rect">
+            <a:avLst/>
+          </a:prstGeom>
+        </p:spPr>
+      </p:pic>
+      <p:pic>
+        <p:nvPicPr>
+          <p:cNvPr id="11" name="Graphic 10" descr="Checkmark">
+            <a:extLst>
+              <a:ext uri="{FF2B5EF4-FFF2-40B4-BE49-F238E27FC236}">
+                <a16:creationId xmlns:a16="http://schemas.microsoft.com/office/drawing/2014/main" id="{C313D2C8-090B-44A5-83A8-D9D1E57B73E1}"/>
+              </a:ext>
+            </a:extLst>
+          </p:cNvPr>
+          <p:cNvPicPr>
+            <a:picLocks noChangeAspect="1"/>
+          </p:cNvPicPr>
+          <p:nvPr/>
+        </p:nvPicPr>
+        <p:blipFill>
+          <a:blip r:embed="rId9">
+            <a:extLst>
+              <a:ext uri="{96DAC541-7B7A-43D3-8B79-37D633B846F1}">
+                <asvg:svgBlip xmlns:asvg="http://schemas.microsoft.com/office/drawing/2016/SVG/main" r:embed="rId10"/>
+              </a:ext>
+            </a:extLst>
+          </a:blip>
+          <a:stretch>
+            <a:fillRect/>
+          </a:stretch>
+        </p:blipFill>
+        <p:spPr>
+          <a:xfrm>
+            <a:off x="9572978" y="4112311"/>
+            <a:ext cx="914400" cy="914400"/>
+          </a:xfrm>
+          <a:prstGeom prst="rect">
+            <a:avLst/>
+          </a:prstGeom>
+        </p:spPr>
+      </p:pic>
+      <p:pic>
+        <p:nvPicPr>
+          <p:cNvPr id="15" name="Graphic 14" descr="Arrow: Slight curve">
+            <a:extLst>
+              <a:ext uri="{FF2B5EF4-FFF2-40B4-BE49-F238E27FC236}">
+                <a16:creationId xmlns:a16="http://schemas.microsoft.com/office/drawing/2014/main" id="{312A76A1-D589-4B37-83A2-DE70121C2383}"/>
+              </a:ext>
+            </a:extLst>
+          </p:cNvPr>
+          <p:cNvPicPr>
+            <a:picLocks noChangeAspect="1"/>
+          </p:cNvPicPr>
+          <p:nvPr/>
+        </p:nvPicPr>
+        <p:blipFill>
+          <a:blip r:embed="rId11">
+            <a:extLst>
+              <a:ext uri="{96DAC541-7B7A-43D3-8B79-37D633B846F1}">
+                <asvg:svgBlip xmlns:asvg="http://schemas.microsoft.com/office/drawing/2016/SVG/main" r:embed="rId12"/>
+              </a:ext>
+            </a:extLst>
+          </a:blip>
+          <a:stretch>
+            <a:fillRect/>
+          </a:stretch>
+        </p:blipFill>
+        <p:spPr>
+          <a:xfrm>
+            <a:off x="3910320" y="2683084"/>
+            <a:ext cx="1807237" cy="1807237"/>
+          </a:xfrm>
+          <a:prstGeom prst="rect">
+            <a:avLst/>
+          </a:prstGeom>
+        </p:spPr>
+      </p:pic>
+      <p:sp>
+        <p:nvSpPr>
+          <p:cNvPr id="16" name="Rectangle 15">
+            <a:extLst>
+              <a:ext uri="{FF2B5EF4-FFF2-40B4-BE49-F238E27FC236}">
+                <a16:creationId xmlns:a16="http://schemas.microsoft.com/office/drawing/2014/main" id="{FC7DAD24-7589-4286-BB49-360C4826BF00}"/>
+              </a:ext>
+            </a:extLst>
+          </p:cNvPr>
+          <p:cNvSpPr/>
+          <p:nvPr/>
+        </p:nvSpPr>
+        <p:spPr bwMode="gray">
+          <a:xfrm>
+            <a:off x="5948001" y="3119669"/>
+            <a:ext cx="1356852" cy="934065"/>
+          </a:xfrm>
+          <a:prstGeom prst="rect">
+            <a:avLst/>
+          </a:prstGeom>
+          <a:solidFill>
+            <a:schemeClr val="bg2">
+              <a:lumMod val="60000"/>
+              <a:lumOff val="40000"/>
+            </a:schemeClr>
+          </a:solidFill>
+          <a:ln>
+            <a:solidFill>
+              <a:schemeClr val="bg1"/>
+            </a:solidFill>
+            <a:headEnd/>
+            <a:tailEnd/>
+          </a:ln>
+        </p:spPr>
+        <p:style>
+          <a:lnRef idx="2">
+            <a:schemeClr val="accent2">
+              <a:shade val="50000"/>
+            </a:schemeClr>
+          </a:lnRef>
+          <a:fillRef idx="1">
+            <a:schemeClr val="accent2"/>
+          </a:fillRef>
+          <a:effectRef idx="0">
+            <a:schemeClr val="accent2"/>
+          </a:effectRef>
+          <a:fontRef idx="minor">
+            <a:schemeClr val="lt1"/>
+          </a:fontRef>
+        </p:style>
+        <p:txBody>
+          <a:bodyPr lIns="90000" tIns="72000" rIns="90000" bIns="72000" rtlCol="0" anchor="ctr"/>
+          <a:lstStyle/>
+          <a:p>
+            <a:pPr marR="0" algn="ctr" defTabSz="914400" eaLnBrk="1" fontAlgn="base" latinLnBrk="0" hangingPunct="1">
+              <a:lnSpc>
+                <a:spcPct val="100000"/>
+              </a:lnSpc>
+              <a:spcBef>
+                <a:spcPct val="50000"/>
+              </a:spcBef>
+              <a:spcAft>
+                <a:spcPct val="0"/>
+              </a:spcAft>
+              <a:buClr>
+                <a:srgbClr val="F0AB00"/>
+              </a:buClr>
+              <a:buSzPct val="80000"/>
+              <a:tabLst/>
+            </a:pPr>
+            <a:r>
+              <a:rPr kumimoji="0" lang="en-US" sz="1800" b="1" i="0" u="none" strike="noStrike" kern="0" cap="none" spc="0" normalizeH="0" baseline="0" noProof="0" dirty="0">
+                <a:ln>
+                  <a:noFill/>
+                </a:ln>
+                <a:solidFill>
+                  <a:sysClr val="windowText" lastClr="000000"/>
+                </a:solidFill>
+                <a:effectLst/>
+                <a:uLnTx/>
+                <a:uFillTx/>
+                <a:ea typeface="Arial Unicode MS" pitchFamily="34" charset="-128"/>
+                <a:cs typeface="Arial Unicode MS" pitchFamily="34" charset="-128"/>
+              </a:rPr>
+              <a:t>Pod</a:t>
+            </a:r>
+          </a:p>
+        </p:txBody>
+      </p:sp>
+      <p:sp>
+        <p:nvSpPr>
+          <p:cNvPr id="18" name="Rectangle 17">
+            <a:extLst>
+              <a:ext uri="{FF2B5EF4-FFF2-40B4-BE49-F238E27FC236}">
+                <a16:creationId xmlns:a16="http://schemas.microsoft.com/office/drawing/2014/main" id="{AAC7CD80-8A94-4547-AF14-FCCBD9D8D8AB}"/>
+              </a:ext>
+            </a:extLst>
+          </p:cNvPr>
+          <p:cNvSpPr/>
+          <p:nvPr/>
+        </p:nvSpPr>
+        <p:spPr bwMode="gray">
+          <a:xfrm>
+            <a:off x="837105" y="3591780"/>
+            <a:ext cx="2726520" cy="486666"/>
+          </a:xfrm>
+          <a:prstGeom prst="rect">
+            <a:avLst/>
+          </a:prstGeom>
+          <a:ln>
+            <a:headEnd/>
+            <a:tailEnd/>
+          </a:ln>
+        </p:spPr>
+        <p:style>
+          <a:lnRef idx="2">
+            <a:schemeClr val="accent1"/>
+          </a:lnRef>
+          <a:fillRef idx="1">
+            <a:schemeClr val="lt1"/>
+          </a:fillRef>
+          <a:effectRef idx="0">
+            <a:schemeClr val="accent1"/>
+          </a:effectRef>
+          <a:fontRef idx="minor">
+            <a:schemeClr val="dk1"/>
+          </a:fontRef>
+        </p:style>
+        <p:txBody>
+          <a:bodyPr lIns="90000" tIns="72000" rIns="90000" bIns="72000" rtlCol="0" anchor="ctr"/>
+          <a:lstStyle/>
+          <a:p>
+            <a:pPr algn="ctr" defTabSz="914400" fontAlgn="base">
+              <a:spcBef>
+                <a:spcPct val="50000"/>
+              </a:spcBef>
+              <a:spcAft>
+                <a:spcPct val="0"/>
+              </a:spcAft>
+              <a:buClr>
+                <a:srgbClr val="F0AB00"/>
+              </a:buClr>
+              <a:buSzPct val="80000"/>
+            </a:pPr>
+            <a:r>
+              <a:rPr lang="en-US" sz="1800" kern="0" dirty="0" err="1">
+                <a:solidFill>
+                  <a:schemeClr val="dk1"/>
+                </a:solidFill>
+                <a:ea typeface="Arial Unicode MS" pitchFamily="34" charset="-128"/>
+              </a:rPr>
+              <a:t>PodSpecTemplate</a:t>
+            </a:r>
+            <a:endParaRPr lang="en-US" sz="1800" kern="0" dirty="0">
+              <a:solidFill>
+                <a:schemeClr val="dk1"/>
+              </a:solidFill>
+              <a:ea typeface="Arial Unicode MS" pitchFamily="34" charset="-128"/>
+            </a:endParaRPr>
+          </a:p>
+        </p:txBody>
+      </p:sp>
+      <p:sp>
+        <p:nvSpPr>
+          <p:cNvPr id="19" name="Rectangle 18">
+            <a:extLst>
+              <a:ext uri="{FF2B5EF4-FFF2-40B4-BE49-F238E27FC236}">
+                <a16:creationId xmlns:a16="http://schemas.microsoft.com/office/drawing/2014/main" id="{9D660193-0DF1-4A86-B49C-C1B3D70075A6}"/>
+              </a:ext>
+            </a:extLst>
+          </p:cNvPr>
+          <p:cNvSpPr/>
+          <p:nvPr/>
+        </p:nvSpPr>
+        <p:spPr bwMode="gray">
+          <a:xfrm>
+            <a:off x="831622" y="2998120"/>
+            <a:ext cx="2726520" cy="486666"/>
+          </a:xfrm>
+          <a:prstGeom prst="rect">
+            <a:avLst/>
+          </a:prstGeom>
+          <a:ln>
+            <a:headEnd/>
+            <a:tailEnd/>
+          </a:ln>
+        </p:spPr>
+        <p:style>
+          <a:lnRef idx="2">
+            <a:schemeClr val="accent1"/>
+          </a:lnRef>
+          <a:fillRef idx="1">
+            <a:schemeClr val="lt1"/>
+          </a:fillRef>
+          <a:effectRef idx="0">
+            <a:schemeClr val="accent1"/>
+          </a:effectRef>
+          <a:fontRef idx="minor">
+            <a:schemeClr val="dk1"/>
+          </a:fontRef>
+        </p:style>
+        <p:txBody>
+          <a:bodyPr lIns="90000" tIns="72000" rIns="90000" bIns="72000" rtlCol="0" anchor="ctr"/>
+          <a:lstStyle/>
+          <a:p>
+            <a:pPr algn="ctr" defTabSz="914400" fontAlgn="base">
+              <a:spcBef>
+                <a:spcPct val="50000"/>
+              </a:spcBef>
+              <a:spcAft>
+                <a:spcPct val="0"/>
+              </a:spcAft>
+              <a:buClr>
+                <a:srgbClr val="F0AB00"/>
+              </a:buClr>
+              <a:buSzPct val="80000"/>
+            </a:pPr>
+            <a:r>
+              <a:rPr lang="en-US" sz="1800" kern="0" dirty="0" err="1">
+                <a:solidFill>
+                  <a:schemeClr val="dk1"/>
+                </a:solidFill>
+                <a:ea typeface="Arial Unicode MS" pitchFamily="34" charset="-128"/>
+              </a:rPr>
+              <a:t>JobSpec</a:t>
+            </a:r>
+            <a:endParaRPr lang="en-US" sz="1800" kern="0" dirty="0">
+              <a:solidFill>
+                <a:schemeClr val="dk1"/>
+              </a:solidFill>
+              <a:ea typeface="Arial Unicode MS" pitchFamily="34" charset="-128"/>
+            </a:endParaRPr>
+          </a:p>
+        </p:txBody>
+      </p:sp>
+      <p:pic>
+        <p:nvPicPr>
+          <p:cNvPr id="20" name="Graphic 19" descr="Arrow: Slight curve">
+            <a:extLst>
+              <a:ext uri="{FF2B5EF4-FFF2-40B4-BE49-F238E27FC236}">
+                <a16:creationId xmlns:a16="http://schemas.microsoft.com/office/drawing/2014/main" id="{C2B1B27F-315E-43CA-B1DD-2AC899C34282}"/>
+              </a:ext>
+            </a:extLst>
+          </p:cNvPr>
+          <p:cNvPicPr>
+            <a:picLocks noChangeAspect="1"/>
+          </p:cNvPicPr>
+          <p:nvPr/>
+        </p:nvPicPr>
+        <p:blipFill>
+          <a:blip r:embed="rId11">
+            <a:extLst>
+              <a:ext uri="{96DAC541-7B7A-43D3-8B79-37D633B846F1}">
+                <asvg:svgBlip xmlns:asvg="http://schemas.microsoft.com/office/drawing/2016/SVG/main" r:embed="rId12"/>
+              </a:ext>
+            </a:extLst>
+          </a:blip>
+          <a:stretch>
+            <a:fillRect/>
+          </a:stretch>
+        </p:blipFill>
+        <p:spPr>
+          <a:xfrm>
+            <a:off x="7535297" y="2683084"/>
+            <a:ext cx="1807237" cy="1807237"/>
+          </a:xfrm>
+          <a:prstGeom prst="rect">
+            <a:avLst/>
+          </a:prstGeom>
+        </p:spPr>
+      </p:pic>
+      <p:pic>
+        <p:nvPicPr>
+          <p:cNvPr id="21" name="Graphic 20" descr="Arrow: Slight curve">
+            <a:extLst>
+              <a:ext uri="{FF2B5EF4-FFF2-40B4-BE49-F238E27FC236}">
+                <a16:creationId xmlns:a16="http://schemas.microsoft.com/office/drawing/2014/main" id="{3773ABA9-DE2B-4082-B40A-F93EFC5321CE}"/>
+              </a:ext>
+            </a:extLst>
+          </p:cNvPr>
+          <p:cNvPicPr>
+            <a:picLocks noChangeAspect="1"/>
+          </p:cNvPicPr>
+          <p:nvPr/>
+        </p:nvPicPr>
+        <p:blipFill>
+          <a:blip r:embed="rId11">
+            <a:extLst>
+              <a:ext uri="{96DAC541-7B7A-43D3-8B79-37D633B846F1}">
+                <asvg:svgBlip xmlns:asvg="http://schemas.microsoft.com/office/drawing/2016/SVG/main" r:embed="rId12"/>
+              </a:ext>
+            </a:extLst>
+          </a:blip>
+          <a:stretch>
+            <a:fillRect/>
+          </a:stretch>
+        </p:blipFill>
+        <p:spPr>
+          <a:xfrm rot="10800000">
+            <a:off x="7528686" y="1312432"/>
+            <a:ext cx="1807237" cy="1807237"/>
+          </a:xfrm>
+          <a:prstGeom prst="rect">
+            <a:avLst/>
+          </a:prstGeom>
+        </p:spPr>
+      </p:pic>
+      <p:sp>
+        <p:nvSpPr>
+          <p:cNvPr id="22" name="Speech Bubble: Rectangle 21">
+            <a:extLst>
+              <a:ext uri="{FF2B5EF4-FFF2-40B4-BE49-F238E27FC236}">
+                <a16:creationId xmlns:a16="http://schemas.microsoft.com/office/drawing/2014/main" id="{4AE32203-9AB4-471C-8B9D-49FACB1A819C}"/>
+              </a:ext>
+            </a:extLst>
+          </p:cNvPr>
+          <p:cNvSpPr/>
+          <p:nvPr/>
+        </p:nvSpPr>
+        <p:spPr bwMode="gray">
+          <a:xfrm>
+            <a:off x="5253984" y="5262395"/>
+            <a:ext cx="4101737" cy="725167"/>
+          </a:xfrm>
+          <a:prstGeom prst="wedgeRectCallout">
+            <a:avLst>
+              <a:gd name="adj1" fmla="val 49211"/>
+              <a:gd name="adj2" fmla="val -160845"/>
+            </a:avLst>
+          </a:prstGeom>
+          <a:ln>
+            <a:headEnd/>
+            <a:tailEnd/>
+          </a:ln>
+        </p:spPr>
+        <p:style>
+          <a:lnRef idx="2">
+            <a:schemeClr val="accent5"/>
+          </a:lnRef>
+          <a:fillRef idx="1">
+            <a:schemeClr val="lt1"/>
+          </a:fillRef>
+          <a:effectRef idx="0">
+            <a:schemeClr val="accent5"/>
+          </a:effectRef>
+          <a:fontRef idx="minor">
+            <a:schemeClr val="dk1"/>
+          </a:fontRef>
+        </p:style>
+        <p:txBody>
+          <a:bodyPr lIns="90000" tIns="72000" rIns="90000" bIns="72000" rtlCol="0" anchor="ctr"/>
+          <a:lstStyle/>
+          <a:p>
+            <a:pPr marR="0" algn="ctr" defTabSz="914400" eaLnBrk="1" fontAlgn="base" latinLnBrk="0" hangingPunct="1">
+              <a:lnSpc>
+                <a:spcPct val="100000"/>
+              </a:lnSpc>
+              <a:spcBef>
+                <a:spcPct val="50000"/>
+              </a:spcBef>
+              <a:spcAft>
+                <a:spcPct val="0"/>
+              </a:spcAft>
+              <a:buClr>
+                <a:srgbClr val="F0AB00"/>
+              </a:buClr>
+              <a:buSzPct val="80000"/>
+              <a:tabLst/>
+            </a:pPr>
+            <a:r>
+              <a:rPr lang="en-US" sz="1800" kern="0" dirty="0">
+                <a:ea typeface="Arial Unicode MS" pitchFamily="34" charset="-128"/>
+                <a:cs typeface="Arial Unicode MS" pitchFamily="34" charset="-128"/>
+              </a:rPr>
+              <a:t>Pod terminates successfully – Job is considered ok / complete</a:t>
+            </a:r>
+            <a:endParaRPr kumimoji="0" lang="en-US" sz="1800" b="0" i="0" u="none" strike="noStrike" kern="0" cap="none" spc="0" normalizeH="0" baseline="0" noProof="0" dirty="0">
+              <a:ln>
+                <a:noFill/>
+              </a:ln>
+              <a:effectLst/>
+              <a:uLnTx/>
+              <a:uFillTx/>
+              <a:ea typeface="Arial Unicode MS" pitchFamily="34" charset="-128"/>
+              <a:cs typeface="Arial Unicode MS" pitchFamily="34" charset="-128"/>
+            </a:endParaRPr>
+          </a:p>
+        </p:txBody>
+      </p:sp>
+      <p:sp>
+        <p:nvSpPr>
+          <p:cNvPr id="23" name="Title 1">
+            <a:extLst>
+              <a:ext uri="{FF2B5EF4-FFF2-40B4-BE49-F238E27FC236}">
+                <a16:creationId xmlns:a16="http://schemas.microsoft.com/office/drawing/2014/main" id="{08B53A76-3C14-4E6B-A892-CCA5F14A0679}"/>
+              </a:ext>
+            </a:extLst>
+          </p:cNvPr>
+          <p:cNvSpPr txBox="1">
+            <a:spLocks/>
+          </p:cNvSpPr>
+          <p:nvPr/>
+        </p:nvSpPr>
+        <p:spPr bwMode="gray">
+          <a:xfrm>
+            <a:off x="9523048" y="3402035"/>
+            <a:ext cx="1718785" cy="369332"/>
+          </a:xfrm>
+          <a:prstGeom prst="rect">
+            <a:avLst/>
+          </a:prstGeom>
+        </p:spPr>
+        <p:txBody>
+          <a:bodyPr vert="horz" wrap="square" lIns="0" tIns="0" rIns="0" bIns="0" rtlCol="0" anchor="t" anchorCtr="0">
+            <a:spAutoFit/>
+          </a:bodyPr>
+          <a:lstStyle>
+            <a:lvl1pPr algn="l" defTabSz="1088558" rtl="0" eaLnBrk="1" latinLnBrk="0" hangingPunct="1">
+              <a:spcBef>
+                <a:spcPct val="0"/>
+              </a:spcBef>
+              <a:buNone/>
+              <a:defRPr sz="2400" b="1" kern="1200" baseline="0">
+                <a:solidFill>
+                  <a:schemeClr val="tx1"/>
+                </a:solidFill>
+                <a:latin typeface="+mj-lt"/>
+                <a:ea typeface="+mj-ea"/>
+                <a:cs typeface="+mj-cs"/>
+              </a:defRPr>
+            </a:lvl1pPr>
+          </a:lstStyle>
+          <a:p>
+            <a:r>
+              <a:rPr lang="en-US" dirty="0"/>
+              <a:t>exit(??)</a:t>
+            </a:r>
+          </a:p>
+        </p:txBody>
+      </p:sp>
+      <p:sp>
+        <p:nvSpPr>
+          <p:cNvPr id="24" name="Speech Bubble: Rectangle 23">
+            <a:extLst>
+              <a:ext uri="{FF2B5EF4-FFF2-40B4-BE49-F238E27FC236}">
+                <a16:creationId xmlns:a16="http://schemas.microsoft.com/office/drawing/2014/main" id="{B51628FA-1849-4F62-A7A2-DB06358049AA}"/>
+              </a:ext>
+            </a:extLst>
+          </p:cNvPr>
+          <p:cNvSpPr/>
+          <p:nvPr/>
+        </p:nvSpPr>
+        <p:spPr bwMode="gray">
+          <a:xfrm>
+            <a:off x="6097239" y="693565"/>
+            <a:ext cx="4101737" cy="725167"/>
+          </a:xfrm>
+          <a:prstGeom prst="wedgeRectCallout">
+            <a:avLst>
+              <a:gd name="adj1" fmla="val 41923"/>
+              <a:gd name="adj2" fmla="val 131356"/>
+            </a:avLst>
+          </a:prstGeom>
+          <a:ln>
+            <a:headEnd/>
+            <a:tailEnd/>
+          </a:ln>
+        </p:spPr>
+        <p:style>
+          <a:lnRef idx="2">
+            <a:schemeClr val="accent5"/>
+          </a:lnRef>
+          <a:fillRef idx="1">
+            <a:schemeClr val="lt1"/>
+          </a:fillRef>
+          <a:effectRef idx="0">
+            <a:schemeClr val="accent5"/>
+          </a:effectRef>
+          <a:fontRef idx="minor">
+            <a:schemeClr val="dk1"/>
+          </a:fontRef>
+        </p:style>
+        <p:txBody>
+          <a:bodyPr lIns="90000" tIns="72000" rIns="90000" bIns="72000" rtlCol="0" anchor="ctr"/>
+          <a:lstStyle/>
+          <a:p>
+            <a:pPr marR="0" algn="ctr" defTabSz="914400" eaLnBrk="1" fontAlgn="base" latinLnBrk="0" hangingPunct="1">
+              <a:lnSpc>
+                <a:spcPct val="100000"/>
+              </a:lnSpc>
+              <a:spcBef>
+                <a:spcPct val="50000"/>
+              </a:spcBef>
+              <a:spcAft>
+                <a:spcPct val="0"/>
+              </a:spcAft>
+              <a:buClr>
+                <a:srgbClr val="F0AB00"/>
+              </a:buClr>
+              <a:buSzPct val="80000"/>
+              <a:tabLst/>
+            </a:pPr>
+            <a:r>
+              <a:rPr lang="en-US" sz="1800" kern="0" dirty="0">
+                <a:ea typeface="Arial Unicode MS" pitchFamily="34" charset="-128"/>
+                <a:cs typeface="Arial Unicode MS" pitchFamily="34" charset="-128"/>
+              </a:rPr>
+              <a:t>If exit code != 0 </a:t>
+            </a:r>
+            <a:r>
+              <a:rPr lang="en-US" sz="1800" kern="0" dirty="0">
+                <a:ea typeface="Arial Unicode MS" pitchFamily="34" charset="-128"/>
+                <a:cs typeface="Arial Unicode MS" pitchFamily="34" charset="-128"/>
+                <a:sym typeface="Wingdings" panose="05000000000000000000" pitchFamily="2" charset="2"/>
+              </a:rPr>
+              <a:t> consider pod as failed and restart</a:t>
+            </a:r>
+            <a:endParaRPr kumimoji="0" lang="en-US" sz="1800" b="0" i="0" u="none" strike="noStrike" kern="0" cap="none" spc="0" normalizeH="0" baseline="0" noProof="0" dirty="0">
+              <a:ln>
+                <a:noFill/>
+              </a:ln>
+              <a:effectLst/>
+              <a:uLnTx/>
+              <a:uFillTx/>
+              <a:ea typeface="Arial Unicode MS" pitchFamily="34" charset="-128"/>
+              <a:cs typeface="Arial Unicode MS" pitchFamily="34" charset="-128"/>
+            </a:endParaRPr>
+          </a:p>
+        </p:txBody>
+      </p:sp>
+    </p:spTree>
+    <p:extLst>
+      <p:ext uri="{BB962C8B-B14F-4D97-AF65-F5344CB8AC3E}">
+        <p14:creationId xmlns:p14="http://schemas.microsoft.com/office/powerpoint/2010/main" val="33153753"/>
+      </p:ext>
+    </p:extLst>
+  </p:cSld>
+  <p:clrMapOvr>
+    <a:masterClrMapping/>
+  </p:clrMapOvr>
+</p:sld>
+</file>
+
+<file path=ppt/slides/slide20.xml><?xml version="1.0" encoding="utf-8"?>
 <p:sld xmlns:a="http://schemas.openxmlformats.org/drawingml/2006/main" xmlns:r="http://schemas.openxmlformats.org/officeDocument/2006/relationships" xmlns:p="http://schemas.openxmlformats.org/presentationml/2006/main">
   <p:cSld>
     <p:spTree>
@@ -32082,934 +33322,7 @@
 </p:sld>
 </file>
 
-<file path=ppt/slides/slide2.xml><?xml version="1.0" encoding="utf-8"?>
-<p:sld xmlns:a="http://schemas.openxmlformats.org/drawingml/2006/main" xmlns:r="http://schemas.openxmlformats.org/officeDocument/2006/relationships" xmlns:p="http://schemas.openxmlformats.org/presentationml/2006/main">
-  <p:cSld>
-    <p:spTree>
-      <p:nvGrpSpPr>
-        <p:cNvPr id="1" name=""/>
-        <p:cNvGrpSpPr/>
-        <p:nvPr/>
-      </p:nvGrpSpPr>
-      <p:grpSpPr>
-        <a:xfrm>
-          <a:off x="0" y="0"/>
-          <a:ext cx="0" cy="0"/>
-          <a:chOff x="0" y="0"/>
-          <a:chExt cx="0" cy="0"/>
-        </a:xfrm>
-      </p:grpSpPr>
-      <p:sp>
-        <p:nvSpPr>
-          <p:cNvPr id="25" name="Rectangle: Rounded Corners 24">
-            <a:extLst>
-              <a:ext uri="{FF2B5EF4-FFF2-40B4-BE49-F238E27FC236}">
-                <a16:creationId xmlns:a16="http://schemas.microsoft.com/office/drawing/2014/main" id="{557E297D-7B46-446E-B019-BAB0A8F143BB}"/>
-              </a:ext>
-            </a:extLst>
-          </p:cNvPr>
-          <p:cNvSpPr/>
-          <p:nvPr/>
-        </p:nvSpPr>
-        <p:spPr bwMode="gray">
-          <a:xfrm>
-            <a:off x="602460" y="1696296"/>
-            <a:ext cx="3184843" cy="3948366"/>
-          </a:xfrm>
-          <a:prstGeom prst="roundRect">
-            <a:avLst/>
-          </a:prstGeom>
-          <a:ln>
-            <a:headEnd/>
-            <a:tailEnd/>
-          </a:ln>
-        </p:spPr>
-        <p:style>
-          <a:lnRef idx="2">
-            <a:schemeClr val="accent2"/>
-          </a:lnRef>
-          <a:fillRef idx="1">
-            <a:schemeClr val="lt1"/>
-          </a:fillRef>
-          <a:effectRef idx="0">
-            <a:schemeClr val="accent2"/>
-          </a:effectRef>
-          <a:fontRef idx="minor">
-            <a:schemeClr val="dk1"/>
-          </a:fontRef>
-        </p:style>
-        <p:txBody>
-          <a:bodyPr lIns="90000" tIns="72000" rIns="90000" bIns="72000" rtlCol="0" anchor="t"/>
-          <a:lstStyle/>
-          <a:p>
-            <a:pPr marR="0" algn="ctr" defTabSz="914400" eaLnBrk="1" fontAlgn="base" latinLnBrk="0" hangingPunct="1">
-              <a:lnSpc>
-                <a:spcPct val="100000"/>
-              </a:lnSpc>
-              <a:spcBef>
-                <a:spcPct val="50000"/>
-              </a:spcBef>
-              <a:spcAft>
-                <a:spcPct val="0"/>
-              </a:spcAft>
-              <a:buClr>
-                <a:srgbClr val="F0AB00"/>
-              </a:buClr>
-              <a:buSzPct val="80000"/>
-              <a:tabLst/>
-            </a:pPr>
-            <a:r>
-              <a:rPr kumimoji="0" lang="en-US" sz="2000" b="1" i="0" u="none" strike="noStrike" kern="0" cap="none" spc="0" normalizeH="0" baseline="0" noProof="0" dirty="0" err="1">
-                <a:ln>
-                  <a:noFill/>
-                </a:ln>
-                <a:effectLst/>
-                <a:uLnTx/>
-                <a:uFillTx/>
-                <a:ea typeface="Arial Unicode MS" pitchFamily="34" charset="-128"/>
-                <a:cs typeface="Arial Unicode MS" pitchFamily="34" charset="-128"/>
-              </a:rPr>
-              <a:t>CronJob</a:t>
-            </a:r>
-            <a:endParaRPr kumimoji="0" lang="en-US" sz="2000" b="1" i="0" u="none" strike="noStrike" kern="0" cap="none" spc="0" normalizeH="0" baseline="0" noProof="0" dirty="0">
-              <a:ln>
-                <a:noFill/>
-              </a:ln>
-              <a:effectLst/>
-              <a:uLnTx/>
-              <a:uFillTx/>
-              <a:ea typeface="Arial Unicode MS" pitchFamily="34" charset="-128"/>
-              <a:cs typeface="Arial Unicode MS" pitchFamily="34" charset="-128"/>
-            </a:endParaRPr>
-          </a:p>
-        </p:txBody>
-      </p:sp>
-      <p:sp>
-        <p:nvSpPr>
-          <p:cNvPr id="17" name="Rectangle: Rounded Corners 16">
-            <a:extLst>
-              <a:ext uri="{FF2B5EF4-FFF2-40B4-BE49-F238E27FC236}">
-                <a16:creationId xmlns:a16="http://schemas.microsoft.com/office/drawing/2014/main" id="{7708F0DC-E3E8-41CB-9B4E-C99E440BD9B2}"/>
-              </a:ext>
-            </a:extLst>
-          </p:cNvPr>
-          <p:cNvSpPr/>
-          <p:nvPr/>
-        </p:nvSpPr>
-        <p:spPr bwMode="gray">
-          <a:xfrm>
-            <a:off x="725477" y="2428182"/>
-            <a:ext cx="2949776" cy="1978268"/>
-          </a:xfrm>
-          <a:prstGeom prst="roundRect">
-            <a:avLst/>
-          </a:prstGeom>
-          <a:solidFill>
-            <a:schemeClr val="accent1">
-              <a:lumMod val="60000"/>
-              <a:lumOff val="40000"/>
-            </a:schemeClr>
-          </a:solidFill>
-          <a:ln w="6350" algn="ctr">
-            <a:noFill/>
-            <a:miter lim="800000"/>
-            <a:headEnd/>
-            <a:tailEnd/>
-          </a:ln>
-        </p:spPr>
-        <p:txBody>
-          <a:bodyPr lIns="90000" tIns="72000" rIns="90000" bIns="72000" rtlCol="0" anchor="t"/>
-          <a:lstStyle/>
-          <a:p>
-            <a:pPr marR="0" algn="ctr" defTabSz="914400" eaLnBrk="1" fontAlgn="base" latinLnBrk="0" hangingPunct="1">
-              <a:lnSpc>
-                <a:spcPct val="100000"/>
-              </a:lnSpc>
-              <a:spcBef>
-                <a:spcPct val="50000"/>
-              </a:spcBef>
-              <a:spcAft>
-                <a:spcPct val="0"/>
-              </a:spcAft>
-              <a:buClr>
-                <a:srgbClr val="F0AB00"/>
-              </a:buClr>
-              <a:buSzPct val="80000"/>
-              <a:tabLst/>
-            </a:pPr>
-            <a:r>
-              <a:rPr kumimoji="0" lang="en-US" sz="2000" b="1" i="0" u="none" strike="noStrike" kern="0" cap="none" spc="0" normalizeH="0" baseline="0" noProof="0" dirty="0">
-                <a:ln>
-                  <a:noFill/>
-                </a:ln>
-                <a:effectLst/>
-                <a:uLnTx/>
-                <a:uFillTx/>
-                <a:ea typeface="Arial Unicode MS" pitchFamily="34" charset="-128"/>
-                <a:cs typeface="Arial Unicode MS" pitchFamily="34" charset="-128"/>
-              </a:rPr>
-              <a:t>Job</a:t>
-            </a:r>
-          </a:p>
-        </p:txBody>
-      </p:sp>
-      <p:sp>
-        <p:nvSpPr>
-          <p:cNvPr id="2" name="Title 1">
-            <a:extLst>
-              <a:ext uri="{FF2B5EF4-FFF2-40B4-BE49-F238E27FC236}">
-                <a16:creationId xmlns:a16="http://schemas.microsoft.com/office/drawing/2014/main" id="{79A3867E-5C44-4F73-A818-77DC474E4F16}"/>
-              </a:ext>
-            </a:extLst>
-          </p:cNvPr>
-          <p:cNvSpPr>
-            <a:spLocks noGrp="1"/>
-          </p:cNvSpPr>
-          <p:nvPr>
-            <p:ph type="title"/>
-          </p:nvPr>
-        </p:nvSpPr>
-        <p:spPr/>
-        <p:txBody>
-          <a:bodyPr/>
-          <a:lstStyle/>
-          <a:p>
-            <a:r>
-              <a:rPr lang="en-US" dirty="0"/>
-              <a:t>Job &amp; </a:t>
-            </a:r>
-            <a:r>
-              <a:rPr lang="en-US" dirty="0" err="1"/>
-              <a:t>CronJob</a:t>
-            </a:r>
-            <a:endParaRPr lang="en-US" dirty="0"/>
-          </a:p>
-        </p:txBody>
-      </p:sp>
-      <p:pic>
-        <p:nvPicPr>
-          <p:cNvPr id="5" name="Graphic 4" descr="Alarm Clock">
-            <a:extLst>
-              <a:ext uri="{FF2B5EF4-FFF2-40B4-BE49-F238E27FC236}">
-                <a16:creationId xmlns:a16="http://schemas.microsoft.com/office/drawing/2014/main" id="{044084AF-52CD-4D9B-9537-EAC3C1CB0209}"/>
-              </a:ext>
-            </a:extLst>
-          </p:cNvPr>
-          <p:cNvPicPr>
-            <a:picLocks noChangeAspect="1"/>
-          </p:cNvPicPr>
-          <p:nvPr/>
-        </p:nvPicPr>
-        <p:blipFill>
-          <a:blip r:embed="rId3">
-            <a:extLst>
-              <a:ext uri="{96DAC541-7B7A-43D3-8B79-37D633B846F1}">
-                <asvg:svgBlip xmlns:asvg="http://schemas.microsoft.com/office/drawing/2016/SVG/main" r:embed="rId4"/>
-              </a:ext>
-            </a:extLst>
-          </a:blip>
-          <a:stretch>
-            <a:fillRect/>
-          </a:stretch>
-        </p:blipFill>
-        <p:spPr>
-          <a:xfrm>
-            <a:off x="1218973" y="4484562"/>
-            <a:ext cx="914400" cy="914400"/>
-          </a:xfrm>
-          <a:prstGeom prst="rect">
-            <a:avLst/>
-          </a:prstGeom>
-        </p:spPr>
-      </p:pic>
-      <p:pic>
-        <p:nvPicPr>
-          <p:cNvPr id="7" name="Graphic 6" descr="Daily Calendar">
-            <a:extLst>
-              <a:ext uri="{FF2B5EF4-FFF2-40B4-BE49-F238E27FC236}">
-                <a16:creationId xmlns:a16="http://schemas.microsoft.com/office/drawing/2014/main" id="{C574A738-D8EF-40D0-8B36-1FE7AC4C50B9}"/>
-              </a:ext>
-            </a:extLst>
-          </p:cNvPr>
-          <p:cNvPicPr>
-            <a:picLocks noChangeAspect="1"/>
-          </p:cNvPicPr>
-          <p:nvPr/>
-        </p:nvPicPr>
-        <p:blipFill>
-          <a:blip r:embed="rId5">
-            <a:extLst>
-              <a:ext uri="{96DAC541-7B7A-43D3-8B79-37D633B846F1}">
-                <asvg:svgBlip xmlns:asvg="http://schemas.microsoft.com/office/drawing/2016/SVG/main" r:embed="rId6"/>
-              </a:ext>
-            </a:extLst>
-          </a:blip>
-          <a:stretch>
-            <a:fillRect/>
-          </a:stretch>
-        </p:blipFill>
-        <p:spPr>
-          <a:xfrm>
-            <a:off x="2194881" y="4484562"/>
-            <a:ext cx="914400" cy="914400"/>
-          </a:xfrm>
-          <a:prstGeom prst="rect">
-            <a:avLst/>
-          </a:prstGeom>
-        </p:spPr>
-      </p:pic>
-      <p:pic>
-        <p:nvPicPr>
-          <p:cNvPr id="9" name="Graphic 8" descr="Warning">
-            <a:extLst>
-              <a:ext uri="{FF2B5EF4-FFF2-40B4-BE49-F238E27FC236}">
-                <a16:creationId xmlns:a16="http://schemas.microsoft.com/office/drawing/2014/main" id="{858368F5-DB96-4236-A0FA-F0ADEA234037}"/>
-              </a:ext>
-            </a:extLst>
-          </p:cNvPr>
-          <p:cNvPicPr>
-            <a:picLocks noChangeAspect="1"/>
-          </p:cNvPicPr>
-          <p:nvPr/>
-        </p:nvPicPr>
-        <p:blipFill>
-          <a:blip r:embed="rId7">
-            <a:extLst>
-              <a:ext uri="{96DAC541-7B7A-43D3-8B79-37D633B846F1}">
-                <asvg:svgBlip xmlns:asvg="http://schemas.microsoft.com/office/drawing/2016/SVG/main" r:embed="rId8"/>
-              </a:ext>
-            </a:extLst>
-          </a:blip>
-          <a:stretch>
-            <a:fillRect/>
-          </a:stretch>
-        </p:blipFill>
-        <p:spPr>
-          <a:xfrm>
-            <a:off x="9453034" y="2062035"/>
-            <a:ext cx="914400" cy="914400"/>
-          </a:xfrm>
-          <a:prstGeom prst="rect">
-            <a:avLst/>
-          </a:prstGeom>
-        </p:spPr>
-      </p:pic>
-      <p:pic>
-        <p:nvPicPr>
-          <p:cNvPr id="11" name="Graphic 10" descr="Checkmark">
-            <a:extLst>
-              <a:ext uri="{FF2B5EF4-FFF2-40B4-BE49-F238E27FC236}">
-                <a16:creationId xmlns:a16="http://schemas.microsoft.com/office/drawing/2014/main" id="{C313D2C8-090B-44A5-83A8-D9D1E57B73E1}"/>
-              </a:ext>
-            </a:extLst>
-          </p:cNvPr>
-          <p:cNvPicPr>
-            <a:picLocks noChangeAspect="1"/>
-          </p:cNvPicPr>
-          <p:nvPr/>
-        </p:nvPicPr>
-        <p:blipFill>
-          <a:blip r:embed="rId9">
-            <a:extLst>
-              <a:ext uri="{96DAC541-7B7A-43D3-8B79-37D633B846F1}">
-                <asvg:svgBlip xmlns:asvg="http://schemas.microsoft.com/office/drawing/2016/SVG/main" r:embed="rId10"/>
-              </a:ext>
-            </a:extLst>
-          </a:blip>
-          <a:stretch>
-            <a:fillRect/>
-          </a:stretch>
-        </p:blipFill>
-        <p:spPr>
-          <a:xfrm>
-            <a:off x="9572978" y="4112311"/>
-            <a:ext cx="914400" cy="914400"/>
-          </a:xfrm>
-          <a:prstGeom prst="rect">
-            <a:avLst/>
-          </a:prstGeom>
-        </p:spPr>
-      </p:pic>
-      <p:pic>
-        <p:nvPicPr>
-          <p:cNvPr id="15" name="Graphic 14" descr="Arrow: Slight curve">
-            <a:extLst>
-              <a:ext uri="{FF2B5EF4-FFF2-40B4-BE49-F238E27FC236}">
-                <a16:creationId xmlns:a16="http://schemas.microsoft.com/office/drawing/2014/main" id="{312A76A1-D589-4B37-83A2-DE70121C2383}"/>
-              </a:ext>
-            </a:extLst>
-          </p:cNvPr>
-          <p:cNvPicPr>
-            <a:picLocks noChangeAspect="1"/>
-          </p:cNvPicPr>
-          <p:nvPr/>
-        </p:nvPicPr>
-        <p:blipFill>
-          <a:blip r:embed="rId11">
-            <a:extLst>
-              <a:ext uri="{96DAC541-7B7A-43D3-8B79-37D633B846F1}">
-                <asvg:svgBlip xmlns:asvg="http://schemas.microsoft.com/office/drawing/2016/SVG/main" r:embed="rId12"/>
-              </a:ext>
-            </a:extLst>
-          </a:blip>
-          <a:stretch>
-            <a:fillRect/>
-          </a:stretch>
-        </p:blipFill>
-        <p:spPr>
-          <a:xfrm>
-            <a:off x="3910320" y="2683084"/>
-            <a:ext cx="1807237" cy="1807237"/>
-          </a:xfrm>
-          <a:prstGeom prst="rect">
-            <a:avLst/>
-          </a:prstGeom>
-        </p:spPr>
-      </p:pic>
-      <p:sp>
-        <p:nvSpPr>
-          <p:cNvPr id="16" name="Rectangle 15">
-            <a:extLst>
-              <a:ext uri="{FF2B5EF4-FFF2-40B4-BE49-F238E27FC236}">
-                <a16:creationId xmlns:a16="http://schemas.microsoft.com/office/drawing/2014/main" id="{FC7DAD24-7589-4286-BB49-360C4826BF00}"/>
-              </a:ext>
-            </a:extLst>
-          </p:cNvPr>
-          <p:cNvSpPr/>
-          <p:nvPr/>
-        </p:nvSpPr>
-        <p:spPr bwMode="gray">
-          <a:xfrm>
-            <a:off x="5948001" y="3119669"/>
-            <a:ext cx="1356852" cy="934065"/>
-          </a:xfrm>
-          <a:prstGeom prst="rect">
-            <a:avLst/>
-          </a:prstGeom>
-          <a:solidFill>
-            <a:schemeClr val="bg2">
-              <a:lumMod val="60000"/>
-              <a:lumOff val="40000"/>
-            </a:schemeClr>
-          </a:solidFill>
-          <a:ln>
-            <a:solidFill>
-              <a:schemeClr val="bg1"/>
-            </a:solidFill>
-            <a:headEnd/>
-            <a:tailEnd/>
-          </a:ln>
-        </p:spPr>
-        <p:style>
-          <a:lnRef idx="2">
-            <a:schemeClr val="accent2">
-              <a:shade val="50000"/>
-            </a:schemeClr>
-          </a:lnRef>
-          <a:fillRef idx="1">
-            <a:schemeClr val="accent2"/>
-          </a:fillRef>
-          <a:effectRef idx="0">
-            <a:schemeClr val="accent2"/>
-          </a:effectRef>
-          <a:fontRef idx="minor">
-            <a:schemeClr val="lt1"/>
-          </a:fontRef>
-        </p:style>
-        <p:txBody>
-          <a:bodyPr lIns="90000" tIns="72000" rIns="90000" bIns="72000" rtlCol="0" anchor="ctr"/>
-          <a:lstStyle/>
-          <a:p>
-            <a:pPr marR="0" algn="ctr" defTabSz="914400" eaLnBrk="1" fontAlgn="base" latinLnBrk="0" hangingPunct="1">
-              <a:lnSpc>
-                <a:spcPct val="100000"/>
-              </a:lnSpc>
-              <a:spcBef>
-                <a:spcPct val="50000"/>
-              </a:spcBef>
-              <a:spcAft>
-                <a:spcPct val="0"/>
-              </a:spcAft>
-              <a:buClr>
-                <a:srgbClr val="F0AB00"/>
-              </a:buClr>
-              <a:buSzPct val="80000"/>
-              <a:tabLst/>
-            </a:pPr>
-            <a:r>
-              <a:rPr kumimoji="0" lang="en-US" sz="1800" b="1" i="0" u="none" strike="noStrike" kern="0" cap="none" spc="0" normalizeH="0" baseline="0" noProof="0" dirty="0">
-                <a:ln>
-                  <a:noFill/>
-                </a:ln>
-                <a:solidFill>
-                  <a:sysClr val="windowText" lastClr="000000"/>
-                </a:solidFill>
-                <a:effectLst/>
-                <a:uLnTx/>
-                <a:uFillTx/>
-                <a:ea typeface="Arial Unicode MS" pitchFamily="34" charset="-128"/>
-                <a:cs typeface="Arial Unicode MS" pitchFamily="34" charset="-128"/>
-              </a:rPr>
-              <a:t>Pod</a:t>
-            </a:r>
-          </a:p>
-        </p:txBody>
-      </p:sp>
-      <p:sp>
-        <p:nvSpPr>
-          <p:cNvPr id="18" name="Rectangle 17">
-            <a:extLst>
-              <a:ext uri="{FF2B5EF4-FFF2-40B4-BE49-F238E27FC236}">
-                <a16:creationId xmlns:a16="http://schemas.microsoft.com/office/drawing/2014/main" id="{AAC7CD80-8A94-4547-AF14-FCCBD9D8D8AB}"/>
-              </a:ext>
-            </a:extLst>
-          </p:cNvPr>
-          <p:cNvSpPr/>
-          <p:nvPr/>
-        </p:nvSpPr>
-        <p:spPr bwMode="gray">
-          <a:xfrm>
-            <a:off x="837105" y="3591780"/>
-            <a:ext cx="2726520" cy="486666"/>
-          </a:xfrm>
-          <a:prstGeom prst="rect">
-            <a:avLst/>
-          </a:prstGeom>
-          <a:ln>
-            <a:headEnd/>
-            <a:tailEnd/>
-          </a:ln>
-        </p:spPr>
-        <p:style>
-          <a:lnRef idx="2">
-            <a:schemeClr val="accent1"/>
-          </a:lnRef>
-          <a:fillRef idx="1">
-            <a:schemeClr val="lt1"/>
-          </a:fillRef>
-          <a:effectRef idx="0">
-            <a:schemeClr val="accent1"/>
-          </a:effectRef>
-          <a:fontRef idx="minor">
-            <a:schemeClr val="dk1"/>
-          </a:fontRef>
-        </p:style>
-        <p:txBody>
-          <a:bodyPr lIns="90000" tIns="72000" rIns="90000" bIns="72000" rtlCol="0" anchor="ctr"/>
-          <a:lstStyle/>
-          <a:p>
-            <a:pPr algn="ctr" defTabSz="914400" fontAlgn="base">
-              <a:spcBef>
-                <a:spcPct val="50000"/>
-              </a:spcBef>
-              <a:spcAft>
-                <a:spcPct val="0"/>
-              </a:spcAft>
-              <a:buClr>
-                <a:srgbClr val="F0AB00"/>
-              </a:buClr>
-              <a:buSzPct val="80000"/>
-            </a:pPr>
-            <a:r>
-              <a:rPr lang="en-US" sz="1800" kern="0" dirty="0" err="1">
-                <a:solidFill>
-                  <a:schemeClr val="dk1"/>
-                </a:solidFill>
-                <a:ea typeface="Arial Unicode MS" pitchFamily="34" charset="-128"/>
-              </a:rPr>
-              <a:t>PodSpecTemplate</a:t>
-            </a:r>
-            <a:endParaRPr lang="en-US" sz="1800" kern="0" dirty="0">
-              <a:solidFill>
-                <a:schemeClr val="dk1"/>
-              </a:solidFill>
-              <a:ea typeface="Arial Unicode MS" pitchFamily="34" charset="-128"/>
-            </a:endParaRPr>
-          </a:p>
-        </p:txBody>
-      </p:sp>
-      <p:sp>
-        <p:nvSpPr>
-          <p:cNvPr id="19" name="Rectangle 18">
-            <a:extLst>
-              <a:ext uri="{FF2B5EF4-FFF2-40B4-BE49-F238E27FC236}">
-                <a16:creationId xmlns:a16="http://schemas.microsoft.com/office/drawing/2014/main" id="{9D660193-0DF1-4A86-B49C-C1B3D70075A6}"/>
-              </a:ext>
-            </a:extLst>
-          </p:cNvPr>
-          <p:cNvSpPr/>
-          <p:nvPr/>
-        </p:nvSpPr>
-        <p:spPr bwMode="gray">
-          <a:xfrm>
-            <a:off x="831622" y="2998120"/>
-            <a:ext cx="2726520" cy="486666"/>
-          </a:xfrm>
-          <a:prstGeom prst="rect">
-            <a:avLst/>
-          </a:prstGeom>
-          <a:ln>
-            <a:headEnd/>
-            <a:tailEnd/>
-          </a:ln>
-        </p:spPr>
-        <p:style>
-          <a:lnRef idx="2">
-            <a:schemeClr val="accent1"/>
-          </a:lnRef>
-          <a:fillRef idx="1">
-            <a:schemeClr val="lt1"/>
-          </a:fillRef>
-          <a:effectRef idx="0">
-            <a:schemeClr val="accent1"/>
-          </a:effectRef>
-          <a:fontRef idx="minor">
-            <a:schemeClr val="dk1"/>
-          </a:fontRef>
-        </p:style>
-        <p:txBody>
-          <a:bodyPr lIns="90000" tIns="72000" rIns="90000" bIns="72000" rtlCol="0" anchor="ctr"/>
-          <a:lstStyle/>
-          <a:p>
-            <a:pPr algn="ctr" defTabSz="914400" fontAlgn="base">
-              <a:spcBef>
-                <a:spcPct val="50000"/>
-              </a:spcBef>
-              <a:spcAft>
-                <a:spcPct val="0"/>
-              </a:spcAft>
-              <a:buClr>
-                <a:srgbClr val="F0AB00"/>
-              </a:buClr>
-              <a:buSzPct val="80000"/>
-            </a:pPr>
-            <a:r>
-              <a:rPr lang="en-US" sz="1800" kern="0" dirty="0" err="1">
-                <a:solidFill>
-                  <a:schemeClr val="dk1"/>
-                </a:solidFill>
-                <a:ea typeface="Arial Unicode MS" pitchFamily="34" charset="-128"/>
-              </a:rPr>
-              <a:t>JobSpec</a:t>
-            </a:r>
-            <a:endParaRPr lang="en-US" sz="1800" kern="0" dirty="0">
-              <a:solidFill>
-                <a:schemeClr val="dk1"/>
-              </a:solidFill>
-              <a:ea typeface="Arial Unicode MS" pitchFamily="34" charset="-128"/>
-            </a:endParaRPr>
-          </a:p>
-        </p:txBody>
-      </p:sp>
-      <p:pic>
-        <p:nvPicPr>
-          <p:cNvPr id="20" name="Graphic 19" descr="Arrow: Slight curve">
-            <a:extLst>
-              <a:ext uri="{FF2B5EF4-FFF2-40B4-BE49-F238E27FC236}">
-                <a16:creationId xmlns:a16="http://schemas.microsoft.com/office/drawing/2014/main" id="{C2B1B27F-315E-43CA-B1DD-2AC899C34282}"/>
-              </a:ext>
-            </a:extLst>
-          </p:cNvPr>
-          <p:cNvPicPr>
-            <a:picLocks noChangeAspect="1"/>
-          </p:cNvPicPr>
-          <p:nvPr/>
-        </p:nvPicPr>
-        <p:blipFill>
-          <a:blip r:embed="rId11">
-            <a:extLst>
-              <a:ext uri="{96DAC541-7B7A-43D3-8B79-37D633B846F1}">
-                <asvg:svgBlip xmlns:asvg="http://schemas.microsoft.com/office/drawing/2016/SVG/main" r:embed="rId12"/>
-              </a:ext>
-            </a:extLst>
-          </a:blip>
-          <a:stretch>
-            <a:fillRect/>
-          </a:stretch>
-        </p:blipFill>
-        <p:spPr>
-          <a:xfrm>
-            <a:off x="7535297" y="2683084"/>
-            <a:ext cx="1807237" cy="1807237"/>
-          </a:xfrm>
-          <a:prstGeom prst="rect">
-            <a:avLst/>
-          </a:prstGeom>
-        </p:spPr>
-      </p:pic>
-      <p:pic>
-        <p:nvPicPr>
-          <p:cNvPr id="21" name="Graphic 20" descr="Arrow: Slight curve">
-            <a:extLst>
-              <a:ext uri="{FF2B5EF4-FFF2-40B4-BE49-F238E27FC236}">
-                <a16:creationId xmlns:a16="http://schemas.microsoft.com/office/drawing/2014/main" id="{3773ABA9-DE2B-4082-B40A-F93EFC5321CE}"/>
-              </a:ext>
-            </a:extLst>
-          </p:cNvPr>
-          <p:cNvPicPr>
-            <a:picLocks noChangeAspect="1"/>
-          </p:cNvPicPr>
-          <p:nvPr/>
-        </p:nvPicPr>
-        <p:blipFill>
-          <a:blip r:embed="rId11">
-            <a:extLst>
-              <a:ext uri="{96DAC541-7B7A-43D3-8B79-37D633B846F1}">
-                <asvg:svgBlip xmlns:asvg="http://schemas.microsoft.com/office/drawing/2016/SVG/main" r:embed="rId12"/>
-              </a:ext>
-            </a:extLst>
-          </a:blip>
-          <a:stretch>
-            <a:fillRect/>
-          </a:stretch>
-        </p:blipFill>
-        <p:spPr>
-          <a:xfrm rot="10800000">
-            <a:off x="7528686" y="1312432"/>
-            <a:ext cx="1807237" cy="1807237"/>
-          </a:xfrm>
-          <a:prstGeom prst="rect">
-            <a:avLst/>
-          </a:prstGeom>
-        </p:spPr>
-      </p:pic>
-      <p:sp>
-        <p:nvSpPr>
-          <p:cNvPr id="22" name="Speech Bubble: Rectangle 21">
-            <a:extLst>
-              <a:ext uri="{FF2B5EF4-FFF2-40B4-BE49-F238E27FC236}">
-                <a16:creationId xmlns:a16="http://schemas.microsoft.com/office/drawing/2014/main" id="{4AE32203-9AB4-471C-8B9D-49FACB1A819C}"/>
-              </a:ext>
-            </a:extLst>
-          </p:cNvPr>
-          <p:cNvSpPr/>
-          <p:nvPr/>
-        </p:nvSpPr>
-        <p:spPr bwMode="gray">
-          <a:xfrm>
-            <a:off x="5253984" y="5262395"/>
-            <a:ext cx="4101737" cy="725167"/>
-          </a:xfrm>
-          <a:prstGeom prst="wedgeRectCallout">
-            <a:avLst>
-              <a:gd name="adj1" fmla="val 49211"/>
-              <a:gd name="adj2" fmla="val -160845"/>
-            </a:avLst>
-          </a:prstGeom>
-          <a:ln>
-            <a:headEnd/>
-            <a:tailEnd/>
-          </a:ln>
-        </p:spPr>
-        <p:style>
-          <a:lnRef idx="2">
-            <a:schemeClr val="accent5"/>
-          </a:lnRef>
-          <a:fillRef idx="1">
-            <a:schemeClr val="lt1"/>
-          </a:fillRef>
-          <a:effectRef idx="0">
-            <a:schemeClr val="accent5"/>
-          </a:effectRef>
-          <a:fontRef idx="minor">
-            <a:schemeClr val="dk1"/>
-          </a:fontRef>
-        </p:style>
-        <p:txBody>
-          <a:bodyPr lIns="90000" tIns="72000" rIns="90000" bIns="72000" rtlCol="0" anchor="ctr"/>
-          <a:lstStyle/>
-          <a:p>
-            <a:pPr marR="0" algn="ctr" defTabSz="914400" eaLnBrk="1" fontAlgn="base" latinLnBrk="0" hangingPunct="1">
-              <a:lnSpc>
-                <a:spcPct val="100000"/>
-              </a:lnSpc>
-              <a:spcBef>
-                <a:spcPct val="50000"/>
-              </a:spcBef>
-              <a:spcAft>
-                <a:spcPct val="0"/>
-              </a:spcAft>
-              <a:buClr>
-                <a:srgbClr val="F0AB00"/>
-              </a:buClr>
-              <a:buSzPct val="80000"/>
-              <a:tabLst/>
-            </a:pPr>
-            <a:r>
-              <a:rPr lang="en-US" sz="1800" kern="0" dirty="0">
-                <a:ea typeface="Arial Unicode MS" pitchFamily="34" charset="-128"/>
-                <a:cs typeface="Arial Unicode MS" pitchFamily="34" charset="-128"/>
-              </a:rPr>
-              <a:t>Pod terminates successfully – Job is considered ok / complete</a:t>
-            </a:r>
-            <a:endParaRPr kumimoji="0" lang="en-US" sz="1800" b="0" i="0" u="none" strike="noStrike" kern="0" cap="none" spc="0" normalizeH="0" baseline="0" noProof="0" dirty="0">
-              <a:ln>
-                <a:noFill/>
-              </a:ln>
-              <a:effectLst/>
-              <a:uLnTx/>
-              <a:uFillTx/>
-              <a:ea typeface="Arial Unicode MS" pitchFamily="34" charset="-128"/>
-              <a:cs typeface="Arial Unicode MS" pitchFamily="34" charset="-128"/>
-            </a:endParaRPr>
-          </a:p>
-        </p:txBody>
-      </p:sp>
-      <p:sp>
-        <p:nvSpPr>
-          <p:cNvPr id="23" name="Title 1">
-            <a:extLst>
-              <a:ext uri="{FF2B5EF4-FFF2-40B4-BE49-F238E27FC236}">
-                <a16:creationId xmlns:a16="http://schemas.microsoft.com/office/drawing/2014/main" id="{08B53A76-3C14-4E6B-A892-CCA5F14A0679}"/>
-              </a:ext>
-            </a:extLst>
-          </p:cNvPr>
-          <p:cNvSpPr txBox="1">
-            <a:spLocks/>
-          </p:cNvSpPr>
-          <p:nvPr/>
-        </p:nvSpPr>
-        <p:spPr bwMode="gray">
-          <a:xfrm>
-            <a:off x="9523048" y="3402035"/>
-            <a:ext cx="1718785" cy="369332"/>
-          </a:xfrm>
-          <a:prstGeom prst="rect">
-            <a:avLst/>
-          </a:prstGeom>
-        </p:spPr>
-        <p:txBody>
-          <a:bodyPr vert="horz" wrap="square" lIns="0" tIns="0" rIns="0" bIns="0" rtlCol="0" anchor="t" anchorCtr="0">
-            <a:spAutoFit/>
-          </a:bodyPr>
-          <a:lstStyle>
-            <a:lvl1pPr algn="l" defTabSz="1088558" rtl="0" eaLnBrk="1" latinLnBrk="0" hangingPunct="1">
-              <a:spcBef>
-                <a:spcPct val="0"/>
-              </a:spcBef>
-              <a:buNone/>
-              <a:defRPr sz="2400" b="1" kern="1200" baseline="0">
-                <a:solidFill>
-                  <a:schemeClr val="tx1"/>
-                </a:solidFill>
-                <a:latin typeface="+mj-lt"/>
-                <a:ea typeface="+mj-ea"/>
-                <a:cs typeface="+mj-cs"/>
-              </a:defRPr>
-            </a:lvl1pPr>
-          </a:lstStyle>
-          <a:p>
-            <a:r>
-              <a:rPr lang="en-US" dirty="0"/>
-              <a:t>exit(??)</a:t>
-            </a:r>
-          </a:p>
-        </p:txBody>
-      </p:sp>
-      <p:sp>
-        <p:nvSpPr>
-          <p:cNvPr id="24" name="Speech Bubble: Rectangle 23">
-            <a:extLst>
-              <a:ext uri="{FF2B5EF4-FFF2-40B4-BE49-F238E27FC236}">
-                <a16:creationId xmlns:a16="http://schemas.microsoft.com/office/drawing/2014/main" id="{B51628FA-1849-4F62-A7A2-DB06358049AA}"/>
-              </a:ext>
-            </a:extLst>
-          </p:cNvPr>
-          <p:cNvSpPr/>
-          <p:nvPr/>
-        </p:nvSpPr>
-        <p:spPr bwMode="gray">
-          <a:xfrm>
-            <a:off x="6097239" y="693565"/>
-            <a:ext cx="4101737" cy="725167"/>
-          </a:xfrm>
-          <a:prstGeom prst="wedgeRectCallout">
-            <a:avLst>
-              <a:gd name="adj1" fmla="val 41923"/>
-              <a:gd name="adj2" fmla="val 131356"/>
-            </a:avLst>
-          </a:prstGeom>
-          <a:ln>
-            <a:headEnd/>
-            <a:tailEnd/>
-          </a:ln>
-        </p:spPr>
-        <p:style>
-          <a:lnRef idx="2">
-            <a:schemeClr val="accent5"/>
-          </a:lnRef>
-          <a:fillRef idx="1">
-            <a:schemeClr val="lt1"/>
-          </a:fillRef>
-          <a:effectRef idx="0">
-            <a:schemeClr val="accent5"/>
-          </a:effectRef>
-          <a:fontRef idx="minor">
-            <a:schemeClr val="dk1"/>
-          </a:fontRef>
-        </p:style>
-        <p:txBody>
-          <a:bodyPr lIns="90000" tIns="72000" rIns="90000" bIns="72000" rtlCol="0" anchor="ctr"/>
-          <a:lstStyle/>
-          <a:p>
-            <a:pPr marR="0" algn="ctr" defTabSz="914400" eaLnBrk="1" fontAlgn="base" latinLnBrk="0" hangingPunct="1">
-              <a:lnSpc>
-                <a:spcPct val="100000"/>
-              </a:lnSpc>
-              <a:spcBef>
-                <a:spcPct val="50000"/>
-              </a:spcBef>
-              <a:spcAft>
-                <a:spcPct val="0"/>
-              </a:spcAft>
-              <a:buClr>
-                <a:srgbClr val="F0AB00"/>
-              </a:buClr>
-              <a:buSzPct val="80000"/>
-              <a:tabLst/>
-            </a:pPr>
-            <a:r>
-              <a:rPr lang="en-US" sz="1800" kern="0" dirty="0">
-                <a:ea typeface="Arial Unicode MS" pitchFamily="34" charset="-128"/>
-                <a:cs typeface="Arial Unicode MS" pitchFamily="34" charset="-128"/>
-              </a:rPr>
-              <a:t>If exit code != 0 </a:t>
-            </a:r>
-            <a:r>
-              <a:rPr lang="en-US" sz="1800" kern="0" dirty="0">
-                <a:ea typeface="Arial Unicode MS" pitchFamily="34" charset="-128"/>
-                <a:cs typeface="Arial Unicode MS" pitchFamily="34" charset="-128"/>
-                <a:sym typeface="Wingdings" panose="05000000000000000000" pitchFamily="2" charset="2"/>
-              </a:rPr>
-              <a:t> consider pod as failed and restart</a:t>
-            </a:r>
-            <a:endParaRPr kumimoji="0" lang="en-US" sz="1800" b="0" i="0" u="none" strike="noStrike" kern="0" cap="none" spc="0" normalizeH="0" baseline="0" noProof="0" dirty="0">
-              <a:ln>
-                <a:noFill/>
-              </a:ln>
-              <a:effectLst/>
-              <a:uLnTx/>
-              <a:uFillTx/>
-              <a:ea typeface="Arial Unicode MS" pitchFamily="34" charset="-128"/>
-              <a:cs typeface="Arial Unicode MS" pitchFamily="34" charset="-128"/>
-            </a:endParaRPr>
-          </a:p>
-        </p:txBody>
-      </p:sp>
-    </p:spTree>
-    <p:extLst>
-      <p:ext uri="{BB962C8B-B14F-4D97-AF65-F5344CB8AC3E}">
-        <p14:creationId xmlns:p14="http://schemas.microsoft.com/office/powerpoint/2010/main" val="33153753"/>
-      </p:ext>
-    </p:extLst>
-  </p:cSld>
-  <p:clrMapOvr>
-    <a:masterClrMapping/>
-  </p:clrMapOvr>
-</p:sld>
-</file>
-
-<file path=ppt/slides/slide20.xml><?xml version="1.0" encoding="utf-8"?>
+<file path=ppt/slides/slide21.xml><?xml version="1.0" encoding="utf-8"?>
 <p:sld xmlns:a="http://schemas.openxmlformats.org/drawingml/2006/main" xmlns:r="http://schemas.openxmlformats.org/officeDocument/2006/relationships" xmlns:p="http://schemas.openxmlformats.org/presentationml/2006/main">
   <p:cSld>
     <p:spTree>
@@ -33091,7 +33404,7 @@
 </p:sld>
 </file>
 
-<file path=ppt/slides/slide21.xml><?xml version="1.0" encoding="utf-8"?>
+<file path=ppt/slides/slide22.xml><?xml version="1.0" encoding="utf-8"?>
 <p:sld xmlns:a="http://schemas.openxmlformats.org/drawingml/2006/main" xmlns:r="http://schemas.openxmlformats.org/officeDocument/2006/relationships" xmlns:p="http://schemas.openxmlformats.org/presentationml/2006/main">
   <p:cSld>
     <p:spTree>
@@ -33244,7 +33557,7 @@
 </p:sld>
 </file>
 
-<file path=ppt/slides/slide22.xml><?xml version="1.0" encoding="utf-8"?>
+<file path=ppt/slides/slide23.xml><?xml version="1.0" encoding="utf-8"?>
 <p:sld xmlns:a="http://schemas.openxmlformats.org/drawingml/2006/main" xmlns:r="http://schemas.openxmlformats.org/officeDocument/2006/relationships" xmlns:p="http://schemas.openxmlformats.org/presentationml/2006/main">
   <p:cSld>
     <p:spTree>
@@ -33376,7 +33689,7 @@
 </p:sld>
 </file>
 
-<file path=ppt/slides/slide23.xml><?xml version="1.0" encoding="utf-8"?>
+<file path=ppt/slides/slide24.xml><?xml version="1.0" encoding="utf-8"?>
 <p:sld xmlns:a="http://schemas.openxmlformats.org/drawingml/2006/main" xmlns:r="http://schemas.openxmlformats.org/officeDocument/2006/relationships" xmlns:p="http://schemas.openxmlformats.org/presentationml/2006/main">
   <p:cSld>
     <p:spTree>
@@ -33452,7 +33765,7 @@
 </p:sld>
 </file>
 
-<file path=ppt/slides/slide24.xml><?xml version="1.0" encoding="utf-8"?>
+<file path=ppt/slides/slide25.xml><?xml version="1.0" encoding="utf-8"?>
 <p:sld xmlns:a="http://schemas.openxmlformats.org/drawingml/2006/main" xmlns:r="http://schemas.openxmlformats.org/officeDocument/2006/relationships" xmlns:p="http://schemas.openxmlformats.org/presentationml/2006/main">
   <p:cSld>
     <p:spTree>
@@ -33541,7 +33854,7 @@
 </p:sld>
 </file>
 
-<file path=ppt/slides/slide25.xml><?xml version="1.0" encoding="utf-8"?>
+<file path=ppt/slides/slide26.xml><?xml version="1.0" encoding="utf-8"?>
 <p:sld xmlns:a="http://schemas.openxmlformats.org/drawingml/2006/main" xmlns:r="http://schemas.openxmlformats.org/officeDocument/2006/relationships" xmlns:p="http://schemas.openxmlformats.org/presentationml/2006/main">
   <p:cSld>
     <p:spTree>
@@ -33599,7 +33912,7 @@
 </p:sld>
 </file>
 
-<file path=ppt/slides/slide26.xml><?xml version="1.0" encoding="utf-8"?>
+<file path=ppt/slides/slide27.xml><?xml version="1.0" encoding="utf-8"?>
 <p:sld xmlns:a="http://schemas.openxmlformats.org/drawingml/2006/main" xmlns:r="http://schemas.openxmlformats.org/officeDocument/2006/relationships" xmlns:p="http://schemas.openxmlformats.org/presentationml/2006/main">
   <p:cSld>
     <p:spTree>
@@ -33770,7 +34083,7 @@
 </p:sld>
 </file>
 
-<file path=ppt/slides/slide27.xml><?xml version="1.0" encoding="utf-8"?>
+<file path=ppt/slides/slide28.xml><?xml version="1.0" encoding="utf-8"?>
 <p:sld xmlns:a="http://schemas.openxmlformats.org/drawingml/2006/main" xmlns:r="http://schemas.openxmlformats.org/officeDocument/2006/relationships" xmlns:p="http://schemas.openxmlformats.org/presentationml/2006/main" show="0">
   <p:cSld>
     <p:spTree>
@@ -35439,7 +35752,7 @@
         </p:nvSpPr>
         <p:spPr bwMode="gray">
           <a:xfrm>
-            <a:off x="1482013" y="4951493"/>
+            <a:off x="1486507" y="5028221"/>
             <a:ext cx="1208595" cy="773906"/>
           </a:xfrm>
           <a:prstGeom prst="rect">
@@ -35535,7 +35848,7 @@
         </p:nvSpPr>
         <p:spPr bwMode="gray">
           <a:xfrm>
-            <a:off x="3683173" y="3188970"/>
+            <a:off x="3679643" y="3180801"/>
             <a:ext cx="3703320" cy="3070860"/>
           </a:xfrm>
           <a:prstGeom prst="rect">
@@ -35601,7 +35914,7 @@
         </p:nvSpPr>
         <p:spPr bwMode="gray">
           <a:xfrm>
-            <a:off x="4301834" y="5005918"/>
+            <a:off x="4146714" y="5028221"/>
             <a:ext cx="1208595" cy="773906"/>
           </a:xfrm>
           <a:prstGeom prst="rect">
@@ -35794,9 +36107,9 @@
           <p:nvPr/>
         </p:nvCxnSpPr>
         <p:spPr>
-          <a:xfrm rot="16200000" flipH="1">
-            <a:off x="4823529" y="2477665"/>
-            <a:ext cx="1419079" cy="3529"/>
+          <a:xfrm rot="5400000">
+            <a:off x="4825849" y="2475346"/>
+            <a:ext cx="1410910" cy="1"/>
           </a:xfrm>
           <a:prstGeom prst="bentConnector3">
             <a:avLst>
@@ -35834,8 +36147,8 @@
         </p:nvSpPr>
         <p:spPr bwMode="gray">
           <a:xfrm>
-            <a:off x="1184481" y="3826324"/>
-            <a:ext cx="1803657" cy="889908"/>
+            <a:off x="1184482" y="3966818"/>
+            <a:ext cx="1803657" cy="773906"/>
           </a:xfrm>
           <a:prstGeom prst="flowChartPreparation">
             <a:avLst/>
@@ -35916,7 +36229,7 @@
         </p:nvSpPr>
         <p:spPr bwMode="gray">
           <a:xfrm>
-            <a:off x="4301834" y="3966818"/>
+            <a:off x="4146714" y="3966818"/>
             <a:ext cx="1208595" cy="773906"/>
           </a:xfrm>
           <a:prstGeom prst="rect">
@@ -36063,7 +36376,7 @@
         </p:nvSpPr>
         <p:spPr bwMode="gray">
           <a:xfrm>
-            <a:off x="8291479" y="4896456"/>
+            <a:off x="8291478" y="5028221"/>
             <a:ext cx="1208595" cy="773906"/>
           </a:xfrm>
           <a:prstGeom prst="rect">
@@ -36278,7 +36591,7 @@
         </p:nvSpPr>
         <p:spPr bwMode="gray">
           <a:xfrm>
-            <a:off x="5755533" y="3981031"/>
+            <a:off x="5660351" y="3966818"/>
             <a:ext cx="1208595" cy="773906"/>
           </a:xfrm>
           <a:prstGeom prst="rect">
@@ -36353,7 +36666,7 @@
         </p:nvSpPr>
         <p:spPr bwMode="gray">
           <a:xfrm>
-            <a:off x="9863937" y="3942326"/>
+            <a:off x="9872577" y="3969409"/>
             <a:ext cx="1208595" cy="773906"/>
           </a:xfrm>
           <a:prstGeom prst="rect">
@@ -36439,6 +36752,307 @@
           </a:p>
         </p:txBody>
       </p:sp>
+      <p:pic>
+        <p:nvPicPr>
+          <p:cNvPr id="14" name="Graphic 13" descr="Heart">
+            <a:extLst>
+              <a:ext uri="{FF2B5EF4-FFF2-40B4-BE49-F238E27FC236}">
+                <a16:creationId xmlns:a16="http://schemas.microsoft.com/office/drawing/2014/main" id="{1FC2DC5C-1154-4D01-B827-9BE6B75E2FF6}"/>
+              </a:ext>
+            </a:extLst>
+          </p:cNvPr>
+          <p:cNvPicPr>
+            <a:picLocks noChangeAspect="1"/>
+          </p:cNvPicPr>
+          <p:nvPr/>
+        </p:nvPicPr>
+        <p:blipFill>
+          <a:blip r:embed="rId3">
+            <a:extLst>
+              <a:ext uri="{96DAC541-7B7A-43D3-8B79-37D633B846F1}">
+                <asvg:svgBlip xmlns:asvg="http://schemas.microsoft.com/office/drawing/2016/SVG/main" r:embed="rId4"/>
+              </a:ext>
+            </a:extLst>
+          </a:blip>
+          <a:stretch>
+            <a:fillRect/>
+          </a:stretch>
+        </p:blipFill>
+        <p:spPr>
+          <a:xfrm>
+            <a:off x="9229125" y="3896571"/>
+            <a:ext cx="914400" cy="914400"/>
+          </a:xfrm>
+          <a:prstGeom prst="rect">
+            <a:avLst/>
+          </a:prstGeom>
+          <a:effectLst>
+            <a:outerShdw blurRad="50800" dist="38100" dir="2700000" algn="tl" rotWithShape="0">
+              <a:srgbClr val="C00000">
+                <a:alpha val="40000"/>
+              </a:srgbClr>
+            </a:outerShdw>
+          </a:effectLst>
+        </p:spPr>
+      </p:pic>
+      <p:cxnSp>
+        <p:nvCxnSpPr>
+          <p:cNvPr id="16" name="Straight Connector 15">
+            <a:extLst>
+              <a:ext uri="{FF2B5EF4-FFF2-40B4-BE49-F238E27FC236}">
+                <a16:creationId xmlns:a16="http://schemas.microsoft.com/office/drawing/2014/main" id="{3C0F4253-58D3-4881-98F8-648C2D3ABC65}"/>
+              </a:ext>
+            </a:extLst>
+          </p:cNvPr>
+          <p:cNvCxnSpPr>
+            <a:stCxn id="9" idx="3"/>
+            <a:endCxn id="23" idx="1"/>
+          </p:cNvCxnSpPr>
+          <p:nvPr/>
+        </p:nvCxnSpPr>
+        <p:spPr>
+          <a:xfrm>
+            <a:off x="5355309" y="5415174"/>
+            <a:ext cx="2936169" cy="0"/>
+          </a:xfrm>
+          <a:prstGeom prst="line">
+            <a:avLst/>
+          </a:prstGeom>
+          <a:ln w="9525">
+            <a:solidFill>
+              <a:schemeClr val="tx1"/>
+            </a:solidFill>
+            <a:headEnd type="none" w="med" len="med"/>
+            <a:tailEnd type="none" w="med" len="med"/>
+          </a:ln>
+        </p:spPr>
+        <p:style>
+          <a:lnRef idx="1">
+            <a:schemeClr val="accent1"/>
+          </a:lnRef>
+          <a:fillRef idx="0">
+            <a:schemeClr val="accent1"/>
+          </a:fillRef>
+          <a:effectRef idx="0">
+            <a:schemeClr val="accent1"/>
+          </a:effectRef>
+          <a:fontRef idx="minor">
+            <a:schemeClr val="tx1"/>
+          </a:fontRef>
+        </p:style>
+      </p:cxnSp>
+      <p:pic>
+        <p:nvPicPr>
+          <p:cNvPr id="18" name="Graphic 17" descr="Lightning bolt">
+            <a:extLst>
+              <a:ext uri="{FF2B5EF4-FFF2-40B4-BE49-F238E27FC236}">
+                <a16:creationId xmlns:a16="http://schemas.microsoft.com/office/drawing/2014/main" id="{21081ABD-EF4C-4C76-8DED-DFBC17B72986}"/>
+              </a:ext>
+            </a:extLst>
+          </p:cNvPr>
+          <p:cNvPicPr>
+            <a:picLocks noChangeAspect="1"/>
+          </p:cNvPicPr>
+          <p:nvPr/>
+        </p:nvPicPr>
+        <p:blipFill>
+          <a:blip r:embed="rId5">
+            <a:extLst>
+              <a:ext uri="{96DAC541-7B7A-43D3-8B79-37D633B846F1}">
+                <asvg:svgBlip xmlns:asvg="http://schemas.microsoft.com/office/drawing/2016/SVG/main" r:embed="rId6"/>
+              </a:ext>
+            </a:extLst>
+          </a:blip>
+          <a:stretch>
+            <a:fillRect/>
+          </a:stretch>
+        </p:blipFill>
+        <p:spPr>
+          <a:xfrm>
+            <a:off x="6481755" y="4957974"/>
+            <a:ext cx="914400" cy="914400"/>
+          </a:xfrm>
+          <a:prstGeom prst="rect">
+            <a:avLst/>
+          </a:prstGeom>
+          <a:effectLst>
+            <a:outerShdw blurRad="50800" dist="38100" dir="2700000" algn="tl" rotWithShape="0">
+              <a:srgbClr val="FFC000">
+                <a:alpha val="40000"/>
+              </a:srgbClr>
+            </a:outerShdw>
+          </a:effectLst>
+        </p:spPr>
+      </p:pic>
+      <p:pic>
+        <p:nvPicPr>
+          <p:cNvPr id="26" name="Picture 4" descr="C:\Users\D044431\AppData\Local\Microsoft\Windows\Temporary Internet Files\Content.IE5\W6J11NSI\406241985_e27afd50da_z[1].jpg">
+            <a:extLst>
+              <a:ext uri="{FF2B5EF4-FFF2-40B4-BE49-F238E27FC236}">
+                <a16:creationId xmlns:a16="http://schemas.microsoft.com/office/drawing/2014/main" id="{654C7817-B62C-4AEE-BED8-ECE0292D82E6}"/>
+              </a:ext>
+            </a:extLst>
+          </p:cNvPr>
+          <p:cNvPicPr>
+            <a:picLocks noChangeAspect="1" noChangeArrowheads="1"/>
+          </p:cNvPicPr>
+          <p:nvPr/>
+        </p:nvPicPr>
+        <p:blipFill>
+          <a:blip r:embed="rId7" cstate="print">
+            <a:extLst>
+              <a:ext uri="{BEBA8EAE-BF5A-486C-A8C5-ECC9F3942E4B}">
+                <a14:imgProps xmlns:a14="http://schemas.microsoft.com/office/drawing/2010/main">
+                  <a14:imgLayer r:embed="rId8">
+                    <a14:imgEffect>
+                      <a14:backgroundRemoval t="922" b="95853" l="4147" r="95853">
+                        <a14:foregroundMark x1="48848" y1="63594" x2="48848" y2="63594"/>
+                        <a14:foregroundMark x1="41475" y1="66359" x2="41475" y2="66359"/>
+                        <a14:foregroundMark x1="22581" y1="56682" x2="22581" y2="56682"/>
+                        <a14:foregroundMark x1="21659" y1="34101" x2="21659" y2="34101"/>
+                        <a14:foregroundMark x1="38249" y1="80645" x2="38249" y2="80645"/>
+                        <a14:foregroundMark x1="58525" y1="88940" x2="58525" y2="88940"/>
+                        <a14:foregroundMark x1="58525" y1="92627" x2="58525" y2="92627"/>
+                        <a14:foregroundMark x1="83871" y1="77880" x2="83871" y2="77880"/>
+                        <a14:foregroundMark x1="58986" y1="461" x2="93548" y2="63594"/>
+                        <a14:foregroundMark x1="93548" y1="63594" x2="27189" y2="93548"/>
+                        <a14:foregroundMark x1="27189" y1="93548" x2="14747" y2="22120"/>
+                        <a14:foregroundMark x1="14747" y1="22120" x2="88018" y2="30415"/>
+                        <a14:foregroundMark x1="88018" y1="30415" x2="40553" y2="88479"/>
+                        <a14:foregroundMark x1="40553" y1="88479" x2="38710" y2="14747"/>
+                        <a14:foregroundMark x1="38710" y1="14747" x2="35945" y2="58525"/>
+                        <a14:foregroundMark x1="22581" y1="17051" x2="23041" y2="15668"/>
+                        <a14:foregroundMark x1="13825" y1="21198" x2="21659" y2="13364"/>
+                        <a14:foregroundMark x1="18433" y1="16129" x2="64516" y2="6912"/>
+                        <a14:foregroundMark x1="59908" y1="8295" x2="32258" y2="7373"/>
+                        <a14:foregroundMark x1="35945" y1="5530" x2="59908" y2="2304"/>
+                        <a14:foregroundMark x1="59447" y1="3687" x2="61290" y2="5530"/>
+                        <a14:foregroundMark x1="66359" y1="5530" x2="64977" y2="10138"/>
+                        <a14:foregroundMark x1="71889" y1="12903" x2="94009" y2="28111"/>
+                        <a14:foregroundMark x1="88479" y1="25806" x2="92627" y2="49770"/>
+                        <a14:foregroundMark x1="93548" y1="50230" x2="65438" y2="93548"/>
+                        <a14:foregroundMark x1="91705" y1="32719" x2="96774" y2="64977"/>
+                        <a14:foregroundMark x1="90323" y1="68664" x2="66820" y2="91705"/>
+                        <a14:foregroundMark x1="66820" y1="91705" x2="27650" y2="89401"/>
+                        <a14:foregroundMark x1="27650" y1="89401" x2="61751" y2="96313"/>
+                        <a14:foregroundMark x1="46083" y1="91705" x2="16590" y2="29493"/>
+                        <a14:foregroundMark x1="12903" y1="26728" x2="23502" y2="85714"/>
+                        <a14:foregroundMark x1="23502" y1="85714" x2="9677" y2="33180"/>
+                        <a14:foregroundMark x1="9217" y1="33180" x2="21198" y2="84793"/>
+                        <a14:foregroundMark x1="21198" y1="84793" x2="11060" y2="34101"/>
+                        <a14:foregroundMark x1="6912" y1="33641" x2="17512" y2="77419"/>
+                        <a14:foregroundMark x1="14286" y1="79263" x2="7373" y2="32719"/>
+                        <a14:foregroundMark x1="4147" y1="38249" x2="8756" y2="69585"/>
+                        <a14:foregroundMark x1="16129" y1="48848" x2="79724" y2="81567"/>
+                        <a14:foregroundMark x1="79724" y1="81567" x2="57604" y2="78341"/>
+                        <a14:foregroundMark x1="54839" y1="77419" x2="36406" y2="46083"/>
+                        <a14:foregroundMark x1="36406" y1="46083" x2="37327" y2="64516"/>
+                        <a14:foregroundMark x1="31797" y1="58065" x2="23041" y2="43318"/>
+                        <a14:foregroundMark x1="26728" y1="53456" x2="23963" y2="59447"/>
+                        <a14:backgroundMark x1="92166" y1="80184" x2="92166" y2="88940"/>
+                      </a14:backgroundRemoval>
+                    </a14:imgEffect>
+                    <a14:imgEffect>
+                      <a14:brightnessContrast bright="40000" contrast="40000"/>
+                    </a14:imgEffect>
+                  </a14:imgLayer>
+                </a14:imgProps>
+              </a:ext>
+              <a:ext uri="{28A0092B-C50C-407E-A947-70E740481C1C}">
+                <a14:useLocalDpi xmlns:a14="http://schemas.microsoft.com/office/drawing/2010/main" val="0"/>
+              </a:ext>
+            </a:extLst>
+          </a:blip>
+          <a:srcRect/>
+          <a:stretch>
+            <a:fillRect/>
+          </a:stretch>
+        </p:blipFill>
+        <p:spPr bwMode="auto">
+          <a:xfrm>
+            <a:off x="2471242" y="3577567"/>
+            <a:ext cx="773906" cy="773906"/>
+          </a:xfrm>
+          <a:prstGeom prst="rect">
+            <a:avLst/>
+          </a:prstGeom>
+          <a:noFill/>
+          <a:extLst>
+            <a:ext uri="{909E8E84-426E-40DD-AFC4-6F175D3DCCD1}">
+              <a14:hiddenFill xmlns:a14="http://schemas.microsoft.com/office/drawing/2010/main">
+                <a:solidFill>
+                  <a:srgbClr val="FFFFFF"/>
+                </a:solidFill>
+              </a14:hiddenFill>
+            </a:ext>
+          </a:extLst>
+        </p:spPr>
+      </p:pic>
+      <p:pic>
+        <p:nvPicPr>
+          <p:cNvPr id="25" name="Picture 24">
+            <a:extLst>
+              <a:ext uri="{FF2B5EF4-FFF2-40B4-BE49-F238E27FC236}">
+                <a16:creationId xmlns:a16="http://schemas.microsoft.com/office/drawing/2014/main" id="{5A7C9ABE-B8F7-4003-8993-F2001BBF057C}"/>
+              </a:ext>
+            </a:extLst>
+          </p:cNvPr>
+          <p:cNvPicPr>
+            <a:picLocks noChangeAspect="1"/>
+          </p:cNvPicPr>
+          <p:nvPr/>
+        </p:nvPicPr>
+        <p:blipFill>
+          <a:blip r:embed="rId9">
+            <a:extLst>
+              <a:ext uri="{BEBA8EAE-BF5A-486C-A8C5-ECC9F3942E4B}">
+                <a14:imgProps xmlns:a14="http://schemas.microsoft.com/office/drawing/2010/main">
+                  <a14:imgLayer r:embed="rId10">
+                    <a14:imgEffect>
+                      <a14:backgroundRemoval t="2905" b="94343" l="2857" r="89925">
+                        <a14:foregroundMark x1="18779" y1="8408" x2="50677" y2="3211"/>
+                        <a14:foregroundMark x1="43459" y1="82569" x2="43459" y2="82569"/>
+                        <a14:foregroundMark x1="53985" y1="71101" x2="53985" y2="71101"/>
+                        <a14:foregroundMark x1="47519" y1="94495" x2="47519" y2="94495"/>
+                        <a14:foregroundMark x1="73684" y1="55810" x2="73684" y2="55810"/>
+                        <a14:foregroundMark x1="83609" y1="44190" x2="83609" y2="44190"/>
+                        <a14:foregroundMark x1="2857" y1="38379" x2="2857" y2="38379"/>
+                        <a14:foregroundMark x1="18195" y1="8563" x2="18195" y2="8563"/>
+                        <a14:foregroundMark x1="16842" y1="9480" x2="16842" y2="9480"/>
+                        <a14:foregroundMark x1="16842" y1="10550" x2="19398" y2="9786"/>
+                        <a14:foregroundMark x1="18797" y1="7339" x2="15940" y2="11468"/>
+                        <a14:backgroundMark x1="8872" y1="10245" x2="8872" y2="10245"/>
+                        <a14:backgroundMark x1="11579" y1="8869" x2="11579" y2="8869"/>
+                        <a14:backgroundMark x1="14737" y1="8257" x2="11579" y2="9480"/>
+                        <a14:backgroundMark x1="5714" y1="9786" x2="9173" y2="10245"/>
+                        <a14:backgroundMark x1="13233" y1="7339" x2="3158" y2="10245"/>
+                        <a14:backgroundMark x1="14135" y1="8563" x2="14744" y2="8687"/>
+                        <a14:backgroundMark x1="15940" y1="5657" x2="16327" y2="6400"/>
+                        <a14:backgroundMark x1="17293" y1="5352" x2="17293" y2="5352"/>
+                        <a14:backgroundMark x1="20301" y1="6116" x2="20301" y2="6116"/>
+                        <a14:backgroundMark x1="13975" y1="9480" x2="8872" y2="10856"/>
+                        <a14:backgroundMark x1="7218" y1="9174" x2="14544" y2="8976"/>
+                      </a14:backgroundRemoval>
+                    </a14:imgEffect>
+                  </a14:imgLayer>
+                </a14:imgProps>
+              </a:ext>
+            </a:extLst>
+          </a:blip>
+          <a:stretch>
+            <a:fillRect/>
+          </a:stretch>
+        </p:blipFill>
+        <p:spPr>
+          <a:xfrm>
+            <a:off x="3855411" y="3577567"/>
+            <a:ext cx="825538" cy="811882"/>
+          </a:xfrm>
+          <a:prstGeom prst="rect">
+            <a:avLst/>
+          </a:prstGeom>
+        </p:spPr>
+      </p:pic>
     </p:spTree>
     <p:extLst>
       <p:ext uri="{BB962C8B-B14F-4D97-AF65-F5344CB8AC3E}">
@@ -36449,6 +37063,469 @@
   <p:clrMapOvr>
     <a:masterClrMapping/>
   </p:clrMapOvr>
+  <p:timing>
+    <p:tnLst>
+      <p:par>
+        <p:cTn id="1" dur="indefinite" restart="never" nodeType="tmRoot">
+          <p:childTnLst>
+            <p:seq concurrent="1" nextAc="seek">
+              <p:cTn id="2" dur="indefinite" nodeType="mainSeq">
+                <p:childTnLst>
+                  <p:par>
+                    <p:cTn id="3" fill="hold">
+                      <p:stCondLst>
+                        <p:cond delay="indefinite"/>
+                      </p:stCondLst>
+                      <p:childTnLst>
+                        <p:par>
+                          <p:cTn id="4" fill="hold">
+                            <p:stCondLst>
+                              <p:cond delay="0"/>
+                            </p:stCondLst>
+                            <p:childTnLst>
+                              <p:par>
+                                <p:cTn id="5" presetID="1" presetClass="entr" presetSubtype="0" fill="hold" nodeType="clickEffect">
+                                  <p:stCondLst>
+                                    <p:cond delay="0"/>
+                                  </p:stCondLst>
+                                  <p:childTnLst>
+                                    <p:set>
+                                      <p:cBhvr>
+                                        <p:cTn id="6" dur="1" fill="hold">
+                                          <p:stCondLst>
+                                            <p:cond delay="0"/>
+                                          </p:stCondLst>
+                                        </p:cTn>
+                                        <p:tgtEl>
+                                          <p:spTgt spid="26"/>
+                                        </p:tgtEl>
+                                        <p:attrNameLst>
+                                          <p:attrName>style.visibility</p:attrName>
+                                        </p:attrNameLst>
+                                      </p:cBhvr>
+                                      <p:to>
+                                        <p:strVal val="visible"/>
+                                      </p:to>
+                                    </p:set>
+                                  </p:childTnLst>
+                                </p:cTn>
+                              </p:par>
+                              <p:par>
+                                <p:cTn id="7" presetID="1" presetClass="entr" presetSubtype="0" fill="hold" grpId="0" nodeType="withEffect">
+                                  <p:stCondLst>
+                                    <p:cond delay="0"/>
+                                  </p:stCondLst>
+                                  <p:childTnLst>
+                                    <p:set>
+                                      <p:cBhvr>
+                                        <p:cTn id="8" dur="1" fill="hold">
+                                          <p:stCondLst>
+                                            <p:cond delay="0"/>
+                                          </p:stCondLst>
+                                        </p:cTn>
+                                        <p:tgtEl>
+                                          <p:spTgt spid="10"/>
+                                        </p:tgtEl>
+                                        <p:attrNameLst>
+                                          <p:attrName>style.visibility</p:attrName>
+                                        </p:attrNameLst>
+                                      </p:cBhvr>
+                                      <p:to>
+                                        <p:strVal val="visible"/>
+                                      </p:to>
+                                    </p:set>
+                                  </p:childTnLst>
+                                </p:cTn>
+                              </p:par>
+                              <p:par>
+                                <p:cTn id="9" presetID="1" presetClass="entr" presetSubtype="0" fill="hold" grpId="0" nodeType="withEffect">
+                                  <p:stCondLst>
+                                    <p:cond delay="0"/>
+                                  </p:stCondLst>
+                                  <p:childTnLst>
+                                    <p:set>
+                                      <p:cBhvr>
+                                        <p:cTn id="10" dur="1" fill="hold">
+                                          <p:stCondLst>
+                                            <p:cond delay="0"/>
+                                          </p:stCondLst>
+                                        </p:cTn>
+                                        <p:tgtEl>
+                                          <p:spTgt spid="6"/>
+                                        </p:tgtEl>
+                                        <p:attrNameLst>
+                                          <p:attrName>style.visibility</p:attrName>
+                                        </p:attrNameLst>
+                                      </p:cBhvr>
+                                      <p:to>
+                                        <p:strVal val="visible"/>
+                                      </p:to>
+                                    </p:set>
+                                  </p:childTnLst>
+                                </p:cTn>
+                              </p:par>
+                            </p:childTnLst>
+                          </p:cTn>
+                        </p:par>
+                      </p:childTnLst>
+                    </p:cTn>
+                  </p:par>
+                  <p:par>
+                    <p:cTn id="11" fill="hold">
+                      <p:stCondLst>
+                        <p:cond delay="indefinite"/>
+                      </p:stCondLst>
+                      <p:childTnLst>
+                        <p:par>
+                          <p:cTn id="12" fill="hold">
+                            <p:stCondLst>
+                              <p:cond delay="0"/>
+                            </p:stCondLst>
+                            <p:childTnLst>
+                              <p:par>
+                                <p:cTn id="13" presetID="1" presetClass="entr" presetSubtype="0" fill="hold" nodeType="clickEffect">
+                                  <p:stCondLst>
+                                    <p:cond delay="0"/>
+                                  </p:stCondLst>
+                                  <p:childTnLst>
+                                    <p:set>
+                                      <p:cBhvr>
+                                        <p:cTn id="14" dur="1" fill="hold">
+                                          <p:stCondLst>
+                                            <p:cond delay="0"/>
+                                          </p:stCondLst>
+                                        </p:cTn>
+                                        <p:tgtEl>
+                                          <p:spTgt spid="25"/>
+                                        </p:tgtEl>
+                                        <p:attrNameLst>
+                                          <p:attrName>style.visibility</p:attrName>
+                                        </p:attrNameLst>
+                                      </p:cBhvr>
+                                      <p:to>
+                                        <p:strVal val="visible"/>
+                                      </p:to>
+                                    </p:set>
+                                  </p:childTnLst>
+                                </p:cTn>
+                              </p:par>
+                              <p:par>
+                                <p:cTn id="15" presetID="1" presetClass="entr" presetSubtype="0" fill="hold" grpId="0" nodeType="withEffect">
+                                  <p:stCondLst>
+                                    <p:cond delay="0"/>
+                                  </p:stCondLst>
+                                  <p:childTnLst>
+                                    <p:set>
+                                      <p:cBhvr>
+                                        <p:cTn id="16" dur="1" fill="hold">
+                                          <p:stCondLst>
+                                            <p:cond delay="0"/>
+                                          </p:stCondLst>
+                                        </p:cTn>
+                                        <p:tgtEl>
+                                          <p:spTgt spid="19"/>
+                                        </p:tgtEl>
+                                        <p:attrNameLst>
+                                          <p:attrName>style.visibility</p:attrName>
+                                        </p:attrNameLst>
+                                      </p:cBhvr>
+                                      <p:to>
+                                        <p:strVal val="visible"/>
+                                      </p:to>
+                                    </p:set>
+                                  </p:childTnLst>
+                                </p:cTn>
+                              </p:par>
+                              <p:par>
+                                <p:cTn id="17" presetID="1" presetClass="entr" presetSubtype="0" fill="hold" grpId="0" nodeType="withEffect">
+                                  <p:stCondLst>
+                                    <p:cond delay="0"/>
+                                  </p:stCondLst>
+                                  <p:childTnLst>
+                                    <p:set>
+                                      <p:cBhvr>
+                                        <p:cTn id="18" dur="1" fill="hold">
+                                          <p:stCondLst>
+                                            <p:cond delay="0"/>
+                                          </p:stCondLst>
+                                        </p:cTn>
+                                        <p:tgtEl>
+                                          <p:spTgt spid="31"/>
+                                        </p:tgtEl>
+                                        <p:attrNameLst>
+                                          <p:attrName>style.visibility</p:attrName>
+                                        </p:attrNameLst>
+                                      </p:cBhvr>
+                                      <p:to>
+                                        <p:strVal val="visible"/>
+                                      </p:to>
+                                    </p:set>
+                                  </p:childTnLst>
+                                </p:cTn>
+                              </p:par>
+                            </p:childTnLst>
+                          </p:cTn>
+                        </p:par>
+                      </p:childTnLst>
+                    </p:cTn>
+                  </p:par>
+                  <p:par>
+                    <p:cTn id="19" fill="hold">
+                      <p:stCondLst>
+                        <p:cond delay="indefinite"/>
+                      </p:stCondLst>
+                      <p:childTnLst>
+                        <p:par>
+                          <p:cTn id="20" fill="hold">
+                            <p:stCondLst>
+                              <p:cond delay="0"/>
+                            </p:stCondLst>
+                            <p:childTnLst>
+                              <p:par>
+                                <p:cTn id="21" presetID="1" presetClass="entr" presetSubtype="0" fill="hold" grpId="0" nodeType="clickEffect">
+                                  <p:stCondLst>
+                                    <p:cond delay="0"/>
+                                  </p:stCondLst>
+                                  <p:childTnLst>
+                                    <p:set>
+                                      <p:cBhvr>
+                                        <p:cTn id="22" dur="1" fill="hold">
+                                          <p:stCondLst>
+                                            <p:cond delay="0"/>
+                                          </p:stCondLst>
+                                        </p:cTn>
+                                        <p:tgtEl>
+                                          <p:spTgt spid="24"/>
+                                        </p:tgtEl>
+                                        <p:attrNameLst>
+                                          <p:attrName>style.visibility</p:attrName>
+                                        </p:attrNameLst>
+                                      </p:cBhvr>
+                                      <p:to>
+                                        <p:strVal val="visible"/>
+                                      </p:to>
+                                    </p:set>
+                                  </p:childTnLst>
+                                </p:cTn>
+                              </p:par>
+                              <p:par>
+                                <p:cTn id="23" presetID="1" presetClass="entr" presetSubtype="0" fill="hold" nodeType="withEffect">
+                                  <p:stCondLst>
+                                    <p:cond delay="0"/>
+                                  </p:stCondLst>
+                                  <p:childTnLst>
+                                    <p:set>
+                                      <p:cBhvr>
+                                        <p:cTn id="24" dur="1" fill="hold">
+                                          <p:stCondLst>
+                                            <p:cond delay="0"/>
+                                          </p:stCondLst>
+                                        </p:cTn>
+                                        <p:tgtEl>
+                                          <p:spTgt spid="14"/>
+                                        </p:tgtEl>
+                                        <p:attrNameLst>
+                                          <p:attrName>style.visibility</p:attrName>
+                                        </p:attrNameLst>
+                                      </p:cBhvr>
+                                      <p:to>
+                                        <p:strVal val="visible"/>
+                                      </p:to>
+                                    </p:set>
+                                  </p:childTnLst>
+                                </p:cTn>
+                              </p:par>
+                              <p:par>
+                                <p:cTn id="25" presetID="1" presetClass="entr" presetSubtype="0" fill="hold" grpId="0" nodeType="withEffect">
+                                  <p:stCondLst>
+                                    <p:cond delay="0"/>
+                                  </p:stCondLst>
+                                  <p:childTnLst>
+                                    <p:set>
+                                      <p:cBhvr>
+                                        <p:cTn id="26" dur="1" fill="hold">
+                                          <p:stCondLst>
+                                            <p:cond delay="0"/>
+                                          </p:stCondLst>
+                                        </p:cTn>
+                                        <p:tgtEl>
+                                          <p:spTgt spid="32"/>
+                                        </p:tgtEl>
+                                        <p:attrNameLst>
+                                          <p:attrName>style.visibility</p:attrName>
+                                        </p:attrNameLst>
+                                      </p:cBhvr>
+                                      <p:to>
+                                        <p:strVal val="visible"/>
+                                      </p:to>
+                                    </p:set>
+                                  </p:childTnLst>
+                                </p:cTn>
+                              </p:par>
+                            </p:childTnLst>
+                          </p:cTn>
+                        </p:par>
+                      </p:childTnLst>
+                    </p:cTn>
+                  </p:par>
+                  <p:par>
+                    <p:cTn id="27" fill="hold">
+                      <p:stCondLst>
+                        <p:cond delay="indefinite"/>
+                      </p:stCondLst>
+                      <p:childTnLst>
+                        <p:par>
+                          <p:cTn id="28" fill="hold">
+                            <p:stCondLst>
+                              <p:cond delay="0"/>
+                            </p:stCondLst>
+                            <p:childTnLst>
+                              <p:par>
+                                <p:cTn id="29" presetID="1" presetClass="entr" presetSubtype="0" fill="hold" grpId="0" nodeType="clickEffect">
+                                  <p:stCondLst>
+                                    <p:cond delay="0"/>
+                                  </p:stCondLst>
+                                  <p:childTnLst>
+                                    <p:set>
+                                      <p:cBhvr>
+                                        <p:cTn id="30" dur="1" fill="hold">
+                                          <p:stCondLst>
+                                            <p:cond delay="0"/>
+                                          </p:stCondLst>
+                                        </p:cTn>
+                                        <p:tgtEl>
+                                          <p:spTgt spid="9"/>
+                                        </p:tgtEl>
+                                        <p:attrNameLst>
+                                          <p:attrName>style.visibility</p:attrName>
+                                        </p:attrNameLst>
+                                      </p:cBhvr>
+                                      <p:to>
+                                        <p:strVal val="visible"/>
+                                      </p:to>
+                                    </p:set>
+                                  </p:childTnLst>
+                                </p:cTn>
+                              </p:par>
+                              <p:par>
+                                <p:cTn id="31" presetID="1" presetClass="entr" presetSubtype="0" fill="hold" nodeType="withEffect">
+                                  <p:stCondLst>
+                                    <p:cond delay="0"/>
+                                  </p:stCondLst>
+                                  <p:childTnLst>
+                                    <p:set>
+                                      <p:cBhvr>
+                                        <p:cTn id="32" dur="1" fill="hold">
+                                          <p:stCondLst>
+                                            <p:cond delay="0"/>
+                                          </p:stCondLst>
+                                        </p:cTn>
+                                        <p:tgtEl>
+                                          <p:spTgt spid="18"/>
+                                        </p:tgtEl>
+                                        <p:attrNameLst>
+                                          <p:attrName>style.visibility</p:attrName>
+                                        </p:attrNameLst>
+                                      </p:cBhvr>
+                                      <p:to>
+                                        <p:strVal val="visible"/>
+                                      </p:to>
+                                    </p:set>
+                                  </p:childTnLst>
+                                </p:cTn>
+                              </p:par>
+                              <p:par>
+                                <p:cTn id="33" presetID="1" presetClass="entr" presetSubtype="0" fill="hold" nodeType="withEffect">
+                                  <p:stCondLst>
+                                    <p:cond delay="0"/>
+                                  </p:stCondLst>
+                                  <p:childTnLst>
+                                    <p:set>
+                                      <p:cBhvr>
+                                        <p:cTn id="34" dur="1" fill="hold">
+                                          <p:stCondLst>
+                                            <p:cond delay="0"/>
+                                          </p:stCondLst>
+                                        </p:cTn>
+                                        <p:tgtEl>
+                                          <p:spTgt spid="16"/>
+                                        </p:tgtEl>
+                                        <p:attrNameLst>
+                                          <p:attrName>style.visibility</p:attrName>
+                                        </p:attrNameLst>
+                                      </p:cBhvr>
+                                      <p:to>
+                                        <p:strVal val="visible"/>
+                                      </p:to>
+                                    </p:set>
+                                  </p:childTnLst>
+                                </p:cTn>
+                              </p:par>
+                              <p:par>
+                                <p:cTn id="35" presetID="1" presetClass="entr" presetSubtype="0" fill="hold" grpId="0" nodeType="withEffect">
+                                  <p:stCondLst>
+                                    <p:cond delay="0"/>
+                                  </p:stCondLst>
+                                  <p:childTnLst>
+                                    <p:set>
+                                      <p:cBhvr>
+                                        <p:cTn id="36" dur="1" fill="hold">
+                                          <p:stCondLst>
+                                            <p:cond delay="0"/>
+                                          </p:stCondLst>
+                                        </p:cTn>
+                                        <p:tgtEl>
+                                          <p:spTgt spid="23"/>
+                                        </p:tgtEl>
+                                        <p:attrNameLst>
+                                          <p:attrName>style.visibility</p:attrName>
+                                        </p:attrNameLst>
+                                      </p:cBhvr>
+                                      <p:to>
+                                        <p:strVal val="visible"/>
+                                      </p:to>
+                                    </p:set>
+                                  </p:childTnLst>
+                                </p:cTn>
+                              </p:par>
+                            </p:childTnLst>
+                          </p:cTn>
+                        </p:par>
+                      </p:childTnLst>
+                    </p:cTn>
+                  </p:par>
+                </p:childTnLst>
+              </p:cTn>
+              <p:prevCondLst>
+                <p:cond evt="onPrev" delay="0">
+                  <p:tgtEl>
+                    <p:sldTgt/>
+                  </p:tgtEl>
+                </p:cond>
+              </p:prevCondLst>
+              <p:nextCondLst>
+                <p:cond evt="onNext" delay="0">
+                  <p:tgtEl>
+                    <p:sldTgt/>
+                  </p:tgtEl>
+                </p:cond>
+              </p:nextCondLst>
+            </p:seq>
+          </p:childTnLst>
+        </p:cTn>
+      </p:par>
+    </p:tnLst>
+    <p:bldLst>
+      <p:bldP spid="6" grpId="0" animBg="1"/>
+      <p:bldP spid="9" grpId="0" animBg="1"/>
+      <p:bldP spid="10" grpId="0" animBg="1"/>
+      <p:bldP spid="19" grpId="0" animBg="1"/>
+      <p:bldP spid="23" grpId="0" animBg="1"/>
+      <p:bldP spid="24" grpId="0" animBg="1"/>
+      <p:bldP spid="31" grpId="0" animBg="1"/>
+      <p:bldP spid="32" grpId="0" animBg="1"/>
+    </p:bldLst>
+  </p:timing>
 </p:sld>
 </file>
 
@@ -37208,7 +38285,7 @@
         </p:nvSpPr>
         <p:spPr bwMode="gray">
           <a:xfrm>
-            <a:off x="8291479" y="4896456"/>
+            <a:off x="8291479" y="5005918"/>
             <a:ext cx="1208595" cy="773906"/>
           </a:xfrm>
           <a:prstGeom prst="rect">
@@ -37293,7 +38370,7 @@
         </p:nvSpPr>
         <p:spPr bwMode="gray">
           <a:xfrm>
-            <a:off x="8291478" y="3966818"/>
+            <a:off x="8291479" y="3961282"/>
             <a:ext cx="1208595" cy="773906"/>
           </a:xfrm>
           <a:prstGeom prst="rect">
@@ -37426,7 +38503,7 @@
         </p:nvSpPr>
         <p:spPr bwMode="gray">
           <a:xfrm>
-            <a:off x="5755533" y="3981031"/>
+            <a:off x="5755531" y="3966818"/>
             <a:ext cx="1208595" cy="773906"/>
           </a:xfrm>
           <a:prstGeom prst="rect">
@@ -37521,7 +38598,7 @@
         </p:nvSpPr>
         <p:spPr bwMode="gray">
           <a:xfrm>
-            <a:off x="9863937" y="3942326"/>
+            <a:off x="9863936" y="3961282"/>
             <a:ext cx="1208595" cy="773906"/>
           </a:xfrm>
           <a:prstGeom prst="rect">
@@ -37606,7 +38683,7 @@
         </p:nvSpPr>
         <p:spPr bwMode="gray">
           <a:xfrm>
-            <a:off x="5844163" y="5005918"/>
+            <a:off x="5755532" y="5005918"/>
             <a:ext cx="1208595" cy="773906"/>
           </a:xfrm>
           <a:prstGeom prst="rect">
@@ -37707,7 +38784,7 @@
         </p:nvSpPr>
         <p:spPr bwMode="gray">
           <a:xfrm>
-            <a:off x="1479503" y="5005918"/>
+            <a:off x="1479502" y="5005918"/>
             <a:ext cx="1208595" cy="773906"/>
           </a:xfrm>
           <a:prstGeom prst="rect">
@@ -37808,7 +38885,7 @@
         </p:nvSpPr>
         <p:spPr bwMode="gray">
           <a:xfrm>
-            <a:off x="1474984" y="3942326"/>
+            <a:off x="1479502" y="3962040"/>
             <a:ext cx="1208595" cy="773906"/>
           </a:xfrm>
           <a:prstGeom prst="rect">
@@ -37909,7 +38986,7 @@
         </p:nvSpPr>
         <p:spPr bwMode="gray">
           <a:xfrm>
-            <a:off x="9863936" y="4897538"/>
+            <a:off x="9872578" y="5005918"/>
             <a:ext cx="1208595" cy="773906"/>
           </a:xfrm>
           <a:prstGeom prst="rect">
